--- a/Courses/Computer-Modeling-and-IT/Computer-Modeling-and-IT-5-Class/31-Diagrams/31-Diagrams.pptx
+++ b/Courses/Computer-Modeling-and-IT/Computer-Modeling-and-IT-5-Class/31-Diagrams/31-Diagrams.pptx
@@ -5,10 +5,10 @@
     <p:sldMasterId id="2147483675" r:id="rId1"/>
   </p:sldMasterIdLst>
   <p:notesMasterIdLst>
-    <p:notesMasterId r:id="rId15"/>
+    <p:notesMasterId r:id="rId22"/>
   </p:notesMasterIdLst>
   <p:handoutMasterIdLst>
-    <p:handoutMasterId r:id="rId16"/>
+    <p:handoutMasterId r:id="rId23"/>
   </p:handoutMasterIdLst>
   <p:sldIdLst>
     <p:sldId id="503" r:id="rId2"/>
@@ -18,12 +18,19 @@
     <p:sldId id="593" r:id="rId6"/>
     <p:sldId id="594" r:id="rId7"/>
     <p:sldId id="589" r:id="rId8"/>
-    <p:sldId id="590" r:id="rId9"/>
-    <p:sldId id="591" r:id="rId10"/>
-    <p:sldId id="592" r:id="rId11"/>
-    <p:sldId id="586" r:id="rId12"/>
-    <p:sldId id="504" r:id="rId13"/>
-    <p:sldId id="505" r:id="rId14"/>
+    <p:sldId id="591" r:id="rId9"/>
+    <p:sldId id="592" r:id="rId10"/>
+    <p:sldId id="590" r:id="rId11"/>
+    <p:sldId id="595" r:id="rId12"/>
+    <p:sldId id="596" r:id="rId13"/>
+    <p:sldId id="597" r:id="rId14"/>
+    <p:sldId id="598" r:id="rId15"/>
+    <p:sldId id="599" r:id="rId16"/>
+    <p:sldId id="600" r:id="rId17"/>
+    <p:sldId id="601" r:id="rId18"/>
+    <p:sldId id="602" r:id="rId19"/>
+    <p:sldId id="504" r:id="rId20"/>
+    <p:sldId id="505" r:id="rId21"/>
   </p:sldIdLst>
   <p:sldSz cx="12192000" cy="6858000"/>
   <p:notesSz cx="6858000" cy="9144000"/>
@@ -131,21 +138,36 @@
             <p14:sldId id="276"/>
           </p14:sldIdLst>
         </p14:section>
-        <p14:section name="͏Форматиране на клетки" id="{0F51A29A-BCEE-4E8F-AA98-D8E44513BDBF}">
+        <p14:section name="͏Форматиране в Excel" id="{0F51A29A-BCEE-4E8F-AA98-D8E44513BDBF}">
           <p14:sldIdLst>
             <p14:sldId id="587"/>
             <p14:sldId id="588"/>
             <p14:sldId id="593"/>
             <p14:sldId id="594"/>
             <p14:sldId id="589"/>
-            <p14:sldId id="590"/>
             <p14:sldId id="591"/>
             <p14:sldId id="592"/>
+            <p14:sldId id="590"/>
+          </p14:sldIdLst>
+        </p14:section>
+        <p14:section name="Диаграми" id="{CE72BD94-33EA-49B5-B1DB-9CBC213AFB30}">
+          <p14:sldIdLst>
+            <p14:sldId id="595"/>
+            <p14:sldId id="596"/>
+            <p14:sldId id="597"/>
+          </p14:sldIdLst>
+        </p14:section>
+        <p14:section name="Видове диаграми" id="{06BFA19A-515B-46D1-9639-D0A3111D16FE}">
+          <p14:sldIdLst>
+            <p14:sldId id="598"/>
+            <p14:sldId id="599"/>
+            <p14:sldId id="600"/>
+            <p14:sldId id="601"/>
           </p14:sldIdLst>
         </p14:section>
         <p14:section name="Заключение" id="{E19D07F1-86E2-47E9-B2AB-7ADC4F89DC12}">
           <p14:sldIdLst>
-            <p14:sldId id="586"/>
+            <p14:sldId id="602"/>
             <p14:sldId id="504"/>
             <p14:sldId id="505"/>
           </p14:sldIdLst>
@@ -171,6 +193,2177 @@
     </p:ext>
   </p:extLst>
 </p:presentation>
+</file>
+
+<file path=ppt/charts/chart1.xml><?xml version="1.0" encoding="utf-8"?>
+<c:chartSpace xmlns:c="http://schemas.openxmlformats.org/drawingml/2006/chart" xmlns:a="http://schemas.openxmlformats.org/drawingml/2006/main" xmlns:r="http://schemas.openxmlformats.org/officeDocument/2006/relationships" xmlns:c16r2="http://schemas.microsoft.com/office/drawing/2015/06/chart">
+  <c:date1904 val="0"/>
+  <c:lang val="en-US"/>
+  <c:roundedCorners val="0"/>
+  <mc:AlternateContent xmlns:mc="http://schemas.openxmlformats.org/markup-compatibility/2006">
+    <mc:Choice xmlns:c14="http://schemas.microsoft.com/office/drawing/2007/8/2/chart" Requires="c14">
+      <c14:style val="102"/>
+    </mc:Choice>
+    <mc:Fallback>
+      <c:style val="2"/>
+    </mc:Fallback>
+  </mc:AlternateContent>
+  <c:chart>
+    <c:title>
+      <c:tx>
+        <c:rich>
+          <a:bodyPr rot="0" spcFirstLastPara="1" vertOverflow="ellipsis" vert="horz" wrap="square" anchor="ctr" anchorCtr="1"/>
+          <a:lstStyle/>
+          <a:p>
+            <a:pPr>
+              <a:defRPr sz="1400" b="0" i="0" u="none" strike="noStrike" kern="1200" spc="0" baseline="0">
+                <a:solidFill>
+                  <a:schemeClr val="tx1">
+                    <a:lumMod val="65000"/>
+                    <a:lumOff val="35000"/>
+                  </a:schemeClr>
+                </a:solidFill>
+                <a:latin typeface="+mn-lt"/>
+                <a:ea typeface="+mn-ea"/>
+                <a:cs typeface="+mn-cs"/>
+              </a:defRPr>
+            </a:pPr>
+            <a:r>
+              <a:rPr lang="bg-BG"/>
+              <a:t>Намаляване</a:t>
+            </a:r>
+            <a:r>
+              <a:rPr lang="bg-BG" baseline="0"/>
+              <a:t> на населението в периода 2013-2017г.</a:t>
+            </a:r>
+            <a:endParaRPr lang="bg-BG"/>
+          </a:p>
+        </c:rich>
+      </c:tx>
+      <c:layout/>
+      <c:overlay val="0"/>
+      <c:spPr>
+        <a:noFill/>
+        <a:ln>
+          <a:noFill/>
+        </a:ln>
+        <a:effectLst/>
+      </c:spPr>
+      <c:txPr>
+        <a:bodyPr rot="0" spcFirstLastPara="1" vertOverflow="ellipsis" vert="horz" wrap="square" anchor="ctr" anchorCtr="1"/>
+        <a:lstStyle/>
+        <a:p>
+          <a:pPr>
+            <a:defRPr sz="1400" b="0" i="0" u="none" strike="noStrike" kern="1200" spc="0" baseline="0">
+              <a:solidFill>
+                <a:schemeClr val="tx1">
+                  <a:lumMod val="65000"/>
+                  <a:lumOff val="35000"/>
+                </a:schemeClr>
+              </a:solidFill>
+              <a:latin typeface="+mn-lt"/>
+              <a:ea typeface="+mn-ea"/>
+              <a:cs typeface="+mn-cs"/>
+            </a:defRPr>
+          </a:pPr>
+          <a:endParaRPr lang="en-US"/>
+        </a:p>
+      </c:txPr>
+    </c:title>
+    <c:autoTitleDeleted val="0"/>
+    <c:plotArea>
+      <c:layout/>
+      <c:barChart>
+        <c:barDir val="col"/>
+        <c:grouping val="clustered"/>
+        <c:varyColors val="0"/>
+        <c:ser>
+          <c:idx val="0"/>
+          <c:order val="0"/>
+          <c:tx>
+            <c:strRef>
+              <c:f>Sheet1!$B$1</c:f>
+              <c:strCache>
+                <c:ptCount val="1"/>
+                <c:pt idx="0">
+                  <c:v>Средногодишно население (Хил. бр.)</c:v>
+                </c:pt>
+              </c:strCache>
+            </c:strRef>
+          </c:tx>
+          <c:spPr>
+            <a:solidFill>
+              <a:schemeClr val="accent1"/>
+            </a:solidFill>
+            <a:ln>
+              <a:noFill/>
+            </a:ln>
+            <a:effectLst/>
+          </c:spPr>
+          <c:invertIfNegative val="0"/>
+          <c:cat>
+            <c:strRef>
+              <c:f>Sheet1!$A$2:$A$27</c:f>
+              <c:strCache>
+                <c:ptCount val="26"/>
+                <c:pt idx="0">
+                  <c:v>Варна</c:v>
+                </c:pt>
+                <c:pt idx="1">
+                  <c:v>Бургас</c:v>
+                </c:pt>
+                <c:pt idx="2">
+                  <c:v>Шумен</c:v>
+                </c:pt>
+                <c:pt idx="3">
+                  <c:v>Търговище</c:v>
+                </c:pt>
+                <c:pt idx="4">
+                  <c:v>Силистра</c:v>
+                </c:pt>
+                <c:pt idx="5">
+                  <c:v>Сливен</c:v>
+                </c:pt>
+                <c:pt idx="6">
+                  <c:v>Перник</c:v>
+                </c:pt>
+                <c:pt idx="7">
+                  <c:v>Ямбол</c:v>
+                </c:pt>
+                <c:pt idx="8">
+                  <c:v>Разград</c:v>
+                </c:pt>
+                <c:pt idx="9">
+                  <c:v>Габрово</c:v>
+                </c:pt>
+                <c:pt idx="10">
+                  <c:v>Пловдив</c:v>
+                </c:pt>
+                <c:pt idx="11">
+                  <c:v>Хасково</c:v>
+                </c:pt>
+                <c:pt idx="12">
+                  <c:v>Русе</c:v>
+                </c:pt>
+                <c:pt idx="13">
+                  <c:v>Добрич</c:v>
+                </c:pt>
+                <c:pt idx="14">
+                  <c:v>Ловеч</c:v>
+                </c:pt>
+                <c:pt idx="15">
+                  <c:v>Видин</c:v>
+                </c:pt>
+                <c:pt idx="16">
+                  <c:v>Стара Загора</c:v>
+                </c:pt>
+                <c:pt idx="17">
+                  <c:v>Смолян</c:v>
+                </c:pt>
+                <c:pt idx="18">
+                  <c:v>Монтана</c:v>
+                </c:pt>
+                <c:pt idx="19">
+                  <c:v>София</c:v>
+                </c:pt>
+                <c:pt idx="20">
+                  <c:v>Кюстендил</c:v>
+                </c:pt>
+                <c:pt idx="21">
+                  <c:v>Благоевград</c:v>
+                </c:pt>
+                <c:pt idx="22">
+                  <c:v>Пазарджик</c:v>
+                </c:pt>
+                <c:pt idx="23">
+                  <c:v>Велико Търново</c:v>
+                </c:pt>
+                <c:pt idx="24">
+                  <c:v>Враца</c:v>
+                </c:pt>
+                <c:pt idx="25">
+                  <c:v>Плевен</c:v>
+                </c:pt>
+              </c:strCache>
+            </c:strRef>
+          </c:cat>
+          <c:val>
+            <c:numRef>
+              <c:f>Sheet1!$B$2:$B$27</c:f>
+              <c:numCache>
+                <c:formatCode>#,##0.00</c:formatCode>
+                <c:ptCount val="26"/>
+                <c:pt idx="0">
+                  <c:v>1358.0000000000041</c:v>
+                </c:pt>
+                <c:pt idx="1">
+                  <c:v>2187.9999999999882</c:v>
+                </c:pt>
+                <c:pt idx="2">
+                  <c:v>4716.0000000000082</c:v>
+                </c:pt>
+                <c:pt idx="3">
+                  <c:v>5168.9999999999973</c:v>
+                </c:pt>
+                <c:pt idx="4">
+                  <c:v>5366</c:v>
+                </c:pt>
+                <c:pt idx="5">
+                  <c:v>5524.0000000000009</c:v>
+                </c:pt>
+                <c:pt idx="6">
+                  <c:v>6371.9999999999854</c:v>
+                </c:pt>
+                <c:pt idx="7">
+                  <c:v>6539.9999999999918</c:v>
+                </c:pt>
+                <c:pt idx="8">
+                  <c:v>6821.9999999999882</c:v>
+                </c:pt>
+                <c:pt idx="9">
+                  <c:v>7826.9999999999982</c:v>
+                </c:pt>
+                <c:pt idx="10">
+                  <c:v>7843.0000000000746</c:v>
+                </c:pt>
+                <c:pt idx="11">
+                  <c:v>8147.9999999999964</c:v>
+                </c:pt>
+                <c:pt idx="12">
+                  <c:v>8268.9999999999764</c:v>
+                </c:pt>
+                <c:pt idx="13">
+                  <c:v>8270.0000000000109</c:v>
+                </c:pt>
+                <c:pt idx="14">
+                  <c:v>8556.9999999999873</c:v>
+                </c:pt>
+                <c:pt idx="15">
+                  <c:v>8608.9999999999945</c:v>
+                </c:pt>
+                <c:pt idx="16">
+                  <c:v>8746.0000000000382</c:v>
+                </c:pt>
+                <c:pt idx="17">
+                  <c:v>9131</c:v>
+                </c:pt>
+                <c:pt idx="18">
+                  <c:v>9186.9999999999836</c:v>
+                </c:pt>
+                <c:pt idx="19">
+                  <c:v>9192.0000000000073</c:v>
+                </c:pt>
+                <c:pt idx="20">
+                  <c:v>9291.9999999999873</c:v>
+                </c:pt>
+                <c:pt idx="21">
+                  <c:v>10033.000000000015</c:v>
+                </c:pt>
+                <c:pt idx="22">
+                  <c:v>11114.000000000033</c:v>
+                </c:pt>
+                <c:pt idx="23">
+                  <c:v>11657.000000000011</c:v>
+                </c:pt>
+                <c:pt idx="24">
+                  <c:v>12799.000000000007</c:v>
+                </c:pt>
+                <c:pt idx="25">
+                  <c:v>14991.999999999991</c:v>
+                </c:pt>
+              </c:numCache>
+            </c:numRef>
+          </c:val>
+          <c:extLst>
+            <c:ext xmlns:c16="http://schemas.microsoft.com/office/drawing/2014/chart" uri="{C3380CC4-5D6E-409C-BE32-E72D297353CC}">
+              <c16:uniqueId val="{00000000-1DE5-4E44-A436-267265E199AE}"/>
+            </c:ext>
+          </c:extLst>
+        </c:ser>
+        <c:dLbls>
+          <c:showLegendKey val="0"/>
+          <c:showVal val="0"/>
+          <c:showCatName val="0"/>
+          <c:showSerName val="0"/>
+          <c:showPercent val="0"/>
+          <c:showBubbleSize val="0"/>
+        </c:dLbls>
+        <c:gapWidth val="219"/>
+        <c:overlap val="-27"/>
+        <c:axId val="713053791"/>
+        <c:axId val="712969231"/>
+      </c:barChart>
+      <c:catAx>
+        <c:axId val="713053791"/>
+        <c:scaling>
+          <c:orientation val="minMax"/>
+        </c:scaling>
+        <c:delete val="0"/>
+        <c:axPos val="b"/>
+        <c:numFmt formatCode="General" sourceLinked="1"/>
+        <c:majorTickMark val="none"/>
+        <c:minorTickMark val="none"/>
+        <c:tickLblPos val="nextTo"/>
+        <c:spPr>
+          <a:noFill/>
+          <a:ln w="9525" cap="flat" cmpd="sng" algn="ctr">
+            <a:solidFill>
+              <a:schemeClr val="tx1">
+                <a:lumMod val="15000"/>
+                <a:lumOff val="85000"/>
+              </a:schemeClr>
+            </a:solidFill>
+            <a:round/>
+          </a:ln>
+          <a:effectLst/>
+        </c:spPr>
+        <c:txPr>
+          <a:bodyPr rot="-60000000" spcFirstLastPara="1" vertOverflow="ellipsis" vert="horz" wrap="square" anchor="ctr" anchorCtr="1"/>
+          <a:lstStyle/>
+          <a:p>
+            <a:pPr>
+              <a:defRPr sz="900" b="0" i="0" u="none" strike="noStrike" kern="1200" baseline="0">
+                <a:solidFill>
+                  <a:schemeClr val="tx1">
+                    <a:lumMod val="65000"/>
+                    <a:lumOff val="35000"/>
+                  </a:schemeClr>
+                </a:solidFill>
+                <a:latin typeface="+mn-lt"/>
+                <a:ea typeface="+mn-ea"/>
+                <a:cs typeface="+mn-cs"/>
+              </a:defRPr>
+            </a:pPr>
+            <a:endParaRPr lang="en-US"/>
+          </a:p>
+        </c:txPr>
+        <c:crossAx val="712969231"/>
+        <c:crosses val="autoZero"/>
+        <c:auto val="1"/>
+        <c:lblAlgn val="ctr"/>
+        <c:lblOffset val="100"/>
+        <c:noMultiLvlLbl val="0"/>
+      </c:catAx>
+      <c:valAx>
+        <c:axId val="712969231"/>
+        <c:scaling>
+          <c:orientation val="minMax"/>
+        </c:scaling>
+        <c:delete val="0"/>
+        <c:axPos val="l"/>
+        <c:majorGridlines>
+          <c:spPr>
+            <a:ln w="9525" cap="flat" cmpd="sng" algn="ctr">
+              <a:solidFill>
+                <a:schemeClr val="tx1">
+                  <a:lumMod val="15000"/>
+                  <a:lumOff val="85000"/>
+                </a:schemeClr>
+              </a:solidFill>
+              <a:round/>
+            </a:ln>
+            <a:effectLst/>
+          </c:spPr>
+        </c:majorGridlines>
+        <c:numFmt formatCode="#,##0.00" sourceLinked="1"/>
+        <c:majorTickMark val="none"/>
+        <c:minorTickMark val="none"/>
+        <c:tickLblPos val="nextTo"/>
+        <c:spPr>
+          <a:noFill/>
+          <a:ln>
+            <a:noFill/>
+          </a:ln>
+          <a:effectLst/>
+        </c:spPr>
+        <c:txPr>
+          <a:bodyPr rot="-60000000" spcFirstLastPara="1" vertOverflow="ellipsis" vert="horz" wrap="square" anchor="ctr" anchorCtr="1"/>
+          <a:lstStyle/>
+          <a:p>
+            <a:pPr>
+              <a:defRPr sz="900" b="0" i="0" u="none" strike="noStrike" kern="1200" baseline="0">
+                <a:solidFill>
+                  <a:schemeClr val="tx1">
+                    <a:lumMod val="65000"/>
+                    <a:lumOff val="35000"/>
+                  </a:schemeClr>
+                </a:solidFill>
+                <a:latin typeface="+mn-lt"/>
+                <a:ea typeface="+mn-ea"/>
+                <a:cs typeface="+mn-cs"/>
+              </a:defRPr>
+            </a:pPr>
+            <a:endParaRPr lang="en-US"/>
+          </a:p>
+        </c:txPr>
+        <c:crossAx val="713053791"/>
+        <c:crosses val="autoZero"/>
+        <c:crossBetween val="between"/>
+      </c:valAx>
+      <c:spPr>
+        <a:noFill/>
+        <a:ln>
+          <a:noFill/>
+        </a:ln>
+        <a:effectLst/>
+      </c:spPr>
+    </c:plotArea>
+    <c:legend>
+      <c:legendPos val="t"/>
+      <c:layout/>
+      <c:overlay val="0"/>
+      <c:spPr>
+        <a:noFill/>
+        <a:ln>
+          <a:noFill/>
+        </a:ln>
+        <a:effectLst/>
+      </c:spPr>
+      <c:txPr>
+        <a:bodyPr rot="0" spcFirstLastPara="1" vertOverflow="ellipsis" vert="horz" wrap="square" anchor="ctr" anchorCtr="1"/>
+        <a:lstStyle/>
+        <a:p>
+          <a:pPr>
+            <a:defRPr sz="900" b="0" i="0" u="none" strike="noStrike" kern="1200" baseline="0">
+              <a:solidFill>
+                <a:schemeClr val="tx1">
+                  <a:lumMod val="65000"/>
+                  <a:lumOff val="35000"/>
+                </a:schemeClr>
+              </a:solidFill>
+              <a:latin typeface="+mn-lt"/>
+              <a:ea typeface="+mn-ea"/>
+              <a:cs typeface="+mn-cs"/>
+            </a:defRPr>
+          </a:pPr>
+          <a:endParaRPr lang="en-US"/>
+        </a:p>
+      </c:txPr>
+    </c:legend>
+    <c:plotVisOnly val="1"/>
+    <c:dispBlanksAs val="gap"/>
+    <c:showDLblsOverMax val="0"/>
+  </c:chart>
+  <c:spPr>
+    <a:noFill/>
+    <a:ln>
+      <a:noFill/>
+    </a:ln>
+    <a:effectLst/>
+  </c:spPr>
+  <c:txPr>
+    <a:bodyPr/>
+    <a:lstStyle/>
+    <a:p>
+      <a:pPr>
+        <a:defRPr/>
+      </a:pPr>
+      <a:endParaRPr lang="en-US"/>
+    </a:p>
+  </c:txPr>
+  <c:externalData r:id="rId3">
+    <c:autoUpdate val="0"/>
+  </c:externalData>
+</c:chartSpace>
+</file>
+
+<file path=ppt/charts/chart2.xml><?xml version="1.0" encoding="utf-8"?>
+<c:chartSpace xmlns:c="http://schemas.openxmlformats.org/drawingml/2006/chart" xmlns:a="http://schemas.openxmlformats.org/drawingml/2006/main" xmlns:r="http://schemas.openxmlformats.org/officeDocument/2006/relationships" xmlns:c16r2="http://schemas.microsoft.com/office/drawing/2015/06/chart">
+  <c:date1904 val="0"/>
+  <c:lang val="en-US"/>
+  <c:roundedCorners val="0"/>
+  <mc:AlternateContent xmlns:mc="http://schemas.openxmlformats.org/markup-compatibility/2006">
+    <mc:Choice xmlns:c14="http://schemas.microsoft.com/office/drawing/2007/8/2/chart" Requires="c14">
+      <c14:style val="102"/>
+    </mc:Choice>
+    <mc:Fallback>
+      <c:style val="2"/>
+    </mc:Fallback>
+  </mc:AlternateContent>
+  <c:chart>
+    <c:title>
+      <c:tx>
+        <c:rich>
+          <a:bodyPr rot="0" spcFirstLastPara="1" vertOverflow="ellipsis" vert="horz" wrap="square" anchor="ctr" anchorCtr="1"/>
+          <a:lstStyle/>
+          <a:p>
+            <a:pPr>
+              <a:defRPr sz="1400" b="0" i="0" u="none" strike="noStrike" kern="1200" spc="0" baseline="0">
+                <a:solidFill>
+                  <a:schemeClr val="tx1">
+                    <a:lumMod val="65000"/>
+                    <a:lumOff val="35000"/>
+                  </a:schemeClr>
+                </a:solidFill>
+                <a:latin typeface="+mn-lt"/>
+                <a:ea typeface="+mn-ea"/>
+                <a:cs typeface="+mn-cs"/>
+              </a:defRPr>
+            </a:pPr>
+            <a:r>
+              <a:rPr lang="bg-BG"/>
+              <a:t>БВП на глава от населението</a:t>
+            </a:r>
+            <a:endParaRPr lang="en-US"/>
+          </a:p>
+        </c:rich>
+      </c:tx>
+      <c:layout/>
+      <c:overlay val="0"/>
+      <c:spPr>
+        <a:noFill/>
+        <a:ln>
+          <a:noFill/>
+        </a:ln>
+        <a:effectLst/>
+      </c:spPr>
+      <c:txPr>
+        <a:bodyPr rot="0" spcFirstLastPara="1" vertOverflow="ellipsis" vert="horz" wrap="square" anchor="ctr" anchorCtr="1"/>
+        <a:lstStyle/>
+        <a:p>
+          <a:pPr>
+            <a:defRPr sz="1400" b="0" i="0" u="none" strike="noStrike" kern="1200" spc="0" baseline="0">
+              <a:solidFill>
+                <a:schemeClr val="tx1">
+                  <a:lumMod val="65000"/>
+                  <a:lumOff val="35000"/>
+                </a:schemeClr>
+              </a:solidFill>
+              <a:latin typeface="+mn-lt"/>
+              <a:ea typeface="+mn-ea"/>
+              <a:cs typeface="+mn-cs"/>
+            </a:defRPr>
+          </a:pPr>
+          <a:endParaRPr lang="en-US"/>
+        </a:p>
+      </c:txPr>
+    </c:title>
+    <c:autoTitleDeleted val="0"/>
+    <c:plotArea>
+      <c:layout/>
+      <c:barChart>
+        <c:barDir val="col"/>
+        <c:grouping val="clustered"/>
+        <c:varyColors val="0"/>
+        <c:ser>
+          <c:idx val="0"/>
+          <c:order val="0"/>
+          <c:tx>
+            <c:strRef>
+              <c:f>'БВП на глава от население'!$A$3</c:f>
+              <c:strCache>
+                <c:ptCount val="1"/>
+                <c:pt idx="0">
+                  <c:v>България</c:v>
+                </c:pt>
+              </c:strCache>
+            </c:strRef>
+          </c:tx>
+          <c:spPr>
+            <a:solidFill>
+              <a:schemeClr val="accent1"/>
+            </a:solidFill>
+            <a:ln>
+              <a:noFill/>
+            </a:ln>
+            <a:effectLst/>
+          </c:spPr>
+          <c:invertIfNegative val="0"/>
+          <c:cat>
+            <c:strRef>
+              <c:extLst>
+                <c:ext xmlns:c15="http://schemas.microsoft.com/office/drawing/2012/chart" uri="{02D57815-91ED-43cb-92C2-25804820EDAC}">
+                  <c15:fullRef>
+                    <c15:sqref>'БВП на глава от население'!$B$1:$F$2</c15:sqref>
+                  </c15:fullRef>
+                  <c15:levelRef>
+                    <c15:sqref>'БВП на глава от население'!$B$2:$F$2</c15:sqref>
+                  </c15:levelRef>
+                </c:ext>
+              </c:extLst>
+              <c:f>'БВП на глава от население'!$B$2:$F$2</c:f>
+              <c:strCache>
+                <c:ptCount val="5"/>
+                <c:pt idx="0">
+                  <c:v>2016г.</c:v>
+                </c:pt>
+                <c:pt idx="1">
+                  <c:v>2017г.</c:v>
+                </c:pt>
+                <c:pt idx="2">
+                  <c:v>2018г.</c:v>
+                </c:pt>
+                <c:pt idx="3">
+                  <c:v>2019г.</c:v>
+                </c:pt>
+                <c:pt idx="4">
+                  <c:v>2020г.</c:v>
+                </c:pt>
+              </c:strCache>
+            </c:strRef>
+          </c:cat>
+          <c:val>
+            <c:numRef>
+              <c:f>'БВП на глава от население'!$B$3:$F$3</c:f>
+              <c:numCache>
+                <c:formatCode>General</c:formatCode>
+                <c:ptCount val="5"/>
+                <c:pt idx="0">
+                  <c:v>7548.86</c:v>
+                </c:pt>
+                <c:pt idx="1">
+                  <c:v>8334.08</c:v>
+                </c:pt>
+                <c:pt idx="2">
+                  <c:v>9427.73</c:v>
+                </c:pt>
+                <c:pt idx="3">
+                  <c:v>9828.15</c:v>
+                </c:pt>
+                <c:pt idx="4">
+                  <c:v>9975.7800000000007</c:v>
+                </c:pt>
+              </c:numCache>
+            </c:numRef>
+          </c:val>
+          <c:extLst>
+            <c:ext xmlns:c16="http://schemas.microsoft.com/office/drawing/2014/chart" uri="{C3380CC4-5D6E-409C-BE32-E72D297353CC}">
+              <c16:uniqueId val="{00000000-E263-4B09-ABE1-FD9AA905E53D}"/>
+            </c:ext>
+          </c:extLst>
+        </c:ser>
+        <c:ser>
+          <c:idx val="1"/>
+          <c:order val="1"/>
+          <c:tx>
+            <c:strRef>
+              <c:f>'БВП на глава от население'!$A$4</c:f>
+              <c:strCache>
+                <c:ptCount val="1"/>
+                <c:pt idx="0">
+                  <c:v>Словения</c:v>
+                </c:pt>
+              </c:strCache>
+            </c:strRef>
+          </c:tx>
+          <c:spPr>
+            <a:solidFill>
+              <a:schemeClr val="accent2"/>
+            </a:solidFill>
+            <a:ln>
+              <a:noFill/>
+            </a:ln>
+            <a:effectLst/>
+          </c:spPr>
+          <c:invertIfNegative val="0"/>
+          <c:cat>
+            <c:strRef>
+              <c:extLst>
+                <c:ext xmlns:c15="http://schemas.microsoft.com/office/drawing/2012/chart" uri="{02D57815-91ED-43cb-92C2-25804820EDAC}">
+                  <c15:fullRef>
+                    <c15:sqref>'БВП на глава от население'!$B$1:$F$2</c15:sqref>
+                  </c15:fullRef>
+                  <c15:levelRef>
+                    <c15:sqref>'БВП на глава от население'!$B$2:$F$2</c15:sqref>
+                  </c15:levelRef>
+                </c:ext>
+              </c:extLst>
+              <c:f>'БВП на глава от население'!$B$2:$F$2</c:f>
+              <c:strCache>
+                <c:ptCount val="5"/>
+                <c:pt idx="0">
+                  <c:v>2016г.</c:v>
+                </c:pt>
+                <c:pt idx="1">
+                  <c:v>2017г.</c:v>
+                </c:pt>
+                <c:pt idx="2">
+                  <c:v>2018г.</c:v>
+                </c:pt>
+                <c:pt idx="3">
+                  <c:v>2019г.</c:v>
+                </c:pt>
+                <c:pt idx="4">
+                  <c:v>2020г.</c:v>
+                </c:pt>
+              </c:strCache>
+            </c:strRef>
+          </c:cat>
+          <c:val>
+            <c:numRef>
+              <c:f>'БВП на глава от население'!$B$4:$F$4</c:f>
+              <c:numCache>
+                <c:formatCode>General</c:formatCode>
+                <c:ptCount val="5"/>
+                <c:pt idx="0">
+                  <c:v>21663.64</c:v>
+                </c:pt>
+                <c:pt idx="1">
+                  <c:v>23454.74</c:v>
+                </c:pt>
+                <c:pt idx="2">
+                  <c:v>26103.16</c:v>
+                </c:pt>
+                <c:pt idx="3">
+                  <c:v>25940.73</c:v>
+                </c:pt>
+                <c:pt idx="4">
+                  <c:v>25179.67</c:v>
+                </c:pt>
+              </c:numCache>
+            </c:numRef>
+          </c:val>
+          <c:extLst>
+            <c:ext xmlns:c16="http://schemas.microsoft.com/office/drawing/2014/chart" uri="{C3380CC4-5D6E-409C-BE32-E72D297353CC}">
+              <c16:uniqueId val="{00000001-E263-4B09-ABE1-FD9AA905E53D}"/>
+            </c:ext>
+          </c:extLst>
+        </c:ser>
+        <c:ser>
+          <c:idx val="2"/>
+          <c:order val="2"/>
+          <c:tx>
+            <c:strRef>
+              <c:f>'БВП на глава от население'!$A$5</c:f>
+              <c:strCache>
+                <c:ptCount val="1"/>
+                <c:pt idx="0">
+                  <c:v>Турция</c:v>
+                </c:pt>
+              </c:strCache>
+            </c:strRef>
+          </c:tx>
+          <c:spPr>
+            <a:solidFill>
+              <a:schemeClr val="accent3"/>
+            </a:solidFill>
+            <a:ln>
+              <a:noFill/>
+            </a:ln>
+            <a:effectLst/>
+          </c:spPr>
+          <c:invertIfNegative val="0"/>
+          <c:cat>
+            <c:strRef>
+              <c:extLst>
+                <c:ext xmlns:c15="http://schemas.microsoft.com/office/drawing/2012/chart" uri="{02D57815-91ED-43cb-92C2-25804820EDAC}">
+                  <c15:fullRef>
+                    <c15:sqref>'БВП на глава от население'!$B$1:$F$2</c15:sqref>
+                  </c15:fullRef>
+                  <c15:levelRef>
+                    <c15:sqref>'БВП на глава от население'!$B$2:$F$2</c15:sqref>
+                  </c15:levelRef>
+                </c:ext>
+              </c:extLst>
+              <c:f>'БВП на глава от население'!$B$2:$F$2</c:f>
+              <c:strCache>
+                <c:ptCount val="5"/>
+                <c:pt idx="0">
+                  <c:v>2016г.</c:v>
+                </c:pt>
+                <c:pt idx="1">
+                  <c:v>2017г.</c:v>
+                </c:pt>
+                <c:pt idx="2">
+                  <c:v>2018г.</c:v>
+                </c:pt>
+                <c:pt idx="3">
+                  <c:v>2019г.</c:v>
+                </c:pt>
+                <c:pt idx="4">
+                  <c:v>2020г.</c:v>
+                </c:pt>
+              </c:strCache>
+            </c:strRef>
+          </c:cat>
+          <c:val>
+            <c:numRef>
+              <c:f>'БВП на глава от население'!$B$5:$F$5</c:f>
+              <c:numCache>
+                <c:formatCode>General</c:formatCode>
+                <c:ptCount val="5"/>
+                <c:pt idx="0">
+                  <c:v>10894.6</c:v>
+                </c:pt>
+                <c:pt idx="1">
+                  <c:v>10589.67</c:v>
+                </c:pt>
+                <c:pt idx="2">
+                  <c:v>9453.2000000000007</c:v>
+                </c:pt>
+                <c:pt idx="3">
+                  <c:v>9126.59</c:v>
+                </c:pt>
+                <c:pt idx="4">
+                  <c:v>8538.17</c:v>
+                </c:pt>
+              </c:numCache>
+            </c:numRef>
+          </c:val>
+          <c:extLst>
+            <c:ext xmlns:c16="http://schemas.microsoft.com/office/drawing/2014/chart" uri="{C3380CC4-5D6E-409C-BE32-E72D297353CC}">
+              <c16:uniqueId val="{00000002-E263-4B09-ABE1-FD9AA905E53D}"/>
+            </c:ext>
+          </c:extLst>
+        </c:ser>
+        <c:ser>
+          <c:idx val="3"/>
+          <c:order val="3"/>
+          <c:tx>
+            <c:strRef>
+              <c:f>'БВП на глава от население'!$A$6</c:f>
+              <c:strCache>
+                <c:ptCount val="1"/>
+                <c:pt idx="0">
+                  <c:v>Хърватия</c:v>
+                </c:pt>
+              </c:strCache>
+            </c:strRef>
+          </c:tx>
+          <c:spPr>
+            <a:solidFill>
+              <a:schemeClr val="accent4"/>
+            </a:solidFill>
+            <a:ln>
+              <a:noFill/>
+            </a:ln>
+            <a:effectLst/>
+          </c:spPr>
+          <c:invertIfNegative val="0"/>
+          <c:cat>
+            <c:strRef>
+              <c:extLst>
+                <c:ext xmlns:c15="http://schemas.microsoft.com/office/drawing/2012/chart" uri="{02D57815-91ED-43cb-92C2-25804820EDAC}">
+                  <c15:fullRef>
+                    <c15:sqref>'БВП на глава от население'!$B$1:$F$2</c15:sqref>
+                  </c15:fullRef>
+                  <c15:levelRef>
+                    <c15:sqref>'БВП на глава от население'!$B$2:$F$2</c15:sqref>
+                  </c15:levelRef>
+                </c:ext>
+              </c:extLst>
+              <c:f>'БВП на глава от население'!$B$2:$F$2</c:f>
+              <c:strCache>
+                <c:ptCount val="5"/>
+                <c:pt idx="0">
+                  <c:v>2016г.</c:v>
+                </c:pt>
+                <c:pt idx="1">
+                  <c:v>2017г.</c:v>
+                </c:pt>
+                <c:pt idx="2">
+                  <c:v>2018г.</c:v>
+                </c:pt>
+                <c:pt idx="3">
+                  <c:v>2019г.</c:v>
+                </c:pt>
+                <c:pt idx="4">
+                  <c:v>2020г.</c:v>
+                </c:pt>
+              </c:strCache>
+            </c:strRef>
+          </c:cat>
+          <c:val>
+            <c:numRef>
+              <c:f>'БВП на глава от население'!$B$6:$F$6</c:f>
+              <c:numCache>
+                <c:formatCode>General</c:formatCode>
+                <c:ptCount val="5"/>
+                <c:pt idx="0">
+                  <c:v>12361.48</c:v>
+                </c:pt>
+                <c:pt idx="1">
+                  <c:v>13451.62</c:v>
+                </c:pt>
+                <c:pt idx="2">
+                  <c:v>15014.09</c:v>
+                </c:pt>
+                <c:pt idx="3">
+                  <c:v>14944.36</c:v>
+                </c:pt>
+                <c:pt idx="4">
+                  <c:v>13828.47</c:v>
+                </c:pt>
+              </c:numCache>
+            </c:numRef>
+          </c:val>
+          <c:extLst>
+            <c:ext xmlns:c16="http://schemas.microsoft.com/office/drawing/2014/chart" uri="{C3380CC4-5D6E-409C-BE32-E72D297353CC}">
+              <c16:uniqueId val="{00000003-E263-4B09-ABE1-FD9AA905E53D}"/>
+            </c:ext>
+          </c:extLst>
+        </c:ser>
+        <c:dLbls>
+          <c:showLegendKey val="0"/>
+          <c:showVal val="0"/>
+          <c:showCatName val="0"/>
+          <c:showSerName val="0"/>
+          <c:showPercent val="0"/>
+          <c:showBubbleSize val="0"/>
+        </c:dLbls>
+        <c:gapWidth val="219"/>
+        <c:overlap val="-27"/>
+        <c:axId val="-1703240592"/>
+        <c:axId val="-1703236784"/>
+      </c:barChart>
+      <c:catAx>
+        <c:axId val="-1703240592"/>
+        <c:scaling>
+          <c:orientation val="minMax"/>
+        </c:scaling>
+        <c:delete val="0"/>
+        <c:axPos val="b"/>
+        <c:numFmt formatCode="General" sourceLinked="1"/>
+        <c:majorTickMark val="none"/>
+        <c:minorTickMark val="none"/>
+        <c:tickLblPos val="nextTo"/>
+        <c:spPr>
+          <a:noFill/>
+          <a:ln w="9525" cap="flat" cmpd="sng" algn="ctr">
+            <a:solidFill>
+              <a:schemeClr val="tx1">
+                <a:lumMod val="15000"/>
+                <a:lumOff val="85000"/>
+              </a:schemeClr>
+            </a:solidFill>
+            <a:round/>
+          </a:ln>
+          <a:effectLst/>
+        </c:spPr>
+        <c:txPr>
+          <a:bodyPr rot="-60000000" spcFirstLastPara="1" vertOverflow="ellipsis" vert="horz" wrap="square" anchor="ctr" anchorCtr="1"/>
+          <a:lstStyle/>
+          <a:p>
+            <a:pPr>
+              <a:defRPr sz="900" b="0" i="0" u="none" strike="noStrike" kern="1200" baseline="0">
+                <a:solidFill>
+                  <a:schemeClr val="tx1">
+                    <a:lumMod val="65000"/>
+                    <a:lumOff val="35000"/>
+                  </a:schemeClr>
+                </a:solidFill>
+                <a:latin typeface="+mn-lt"/>
+                <a:ea typeface="+mn-ea"/>
+                <a:cs typeface="+mn-cs"/>
+              </a:defRPr>
+            </a:pPr>
+            <a:endParaRPr lang="en-US"/>
+          </a:p>
+        </c:txPr>
+        <c:crossAx val="-1703236784"/>
+        <c:crosses val="autoZero"/>
+        <c:auto val="1"/>
+        <c:lblAlgn val="ctr"/>
+        <c:lblOffset val="100"/>
+        <c:noMultiLvlLbl val="0"/>
+      </c:catAx>
+      <c:valAx>
+        <c:axId val="-1703236784"/>
+        <c:scaling>
+          <c:orientation val="minMax"/>
+        </c:scaling>
+        <c:delete val="0"/>
+        <c:axPos val="l"/>
+        <c:majorGridlines>
+          <c:spPr>
+            <a:ln w="9525" cap="flat" cmpd="sng" algn="ctr">
+              <a:solidFill>
+                <a:schemeClr val="tx1">
+                  <a:lumMod val="15000"/>
+                  <a:lumOff val="85000"/>
+                </a:schemeClr>
+              </a:solidFill>
+              <a:round/>
+            </a:ln>
+            <a:effectLst/>
+          </c:spPr>
+        </c:majorGridlines>
+        <c:numFmt formatCode="General" sourceLinked="1"/>
+        <c:majorTickMark val="none"/>
+        <c:minorTickMark val="none"/>
+        <c:tickLblPos val="nextTo"/>
+        <c:spPr>
+          <a:noFill/>
+          <a:ln>
+            <a:noFill/>
+          </a:ln>
+          <a:effectLst/>
+        </c:spPr>
+        <c:txPr>
+          <a:bodyPr rot="-60000000" spcFirstLastPara="1" vertOverflow="ellipsis" vert="horz" wrap="square" anchor="ctr" anchorCtr="1"/>
+          <a:lstStyle/>
+          <a:p>
+            <a:pPr>
+              <a:defRPr sz="900" b="0" i="0" u="none" strike="noStrike" kern="1200" baseline="0">
+                <a:solidFill>
+                  <a:schemeClr val="tx1">
+                    <a:lumMod val="65000"/>
+                    <a:lumOff val="35000"/>
+                  </a:schemeClr>
+                </a:solidFill>
+                <a:latin typeface="+mn-lt"/>
+                <a:ea typeface="+mn-ea"/>
+                <a:cs typeface="+mn-cs"/>
+              </a:defRPr>
+            </a:pPr>
+            <a:endParaRPr lang="en-US"/>
+          </a:p>
+        </c:txPr>
+        <c:crossAx val="-1703240592"/>
+        <c:crosses val="autoZero"/>
+        <c:crossBetween val="between"/>
+      </c:valAx>
+      <c:spPr>
+        <a:noFill/>
+        <a:ln>
+          <a:noFill/>
+        </a:ln>
+        <a:effectLst/>
+      </c:spPr>
+    </c:plotArea>
+    <c:legend>
+      <c:legendPos val="b"/>
+      <c:layout/>
+      <c:overlay val="0"/>
+      <c:spPr>
+        <a:noFill/>
+        <a:ln>
+          <a:noFill/>
+        </a:ln>
+        <a:effectLst/>
+      </c:spPr>
+      <c:txPr>
+        <a:bodyPr rot="0" spcFirstLastPara="1" vertOverflow="ellipsis" vert="horz" wrap="square" anchor="ctr" anchorCtr="1"/>
+        <a:lstStyle/>
+        <a:p>
+          <a:pPr>
+            <a:defRPr sz="900" b="0" i="0" u="none" strike="noStrike" kern="1200" baseline="0">
+              <a:solidFill>
+                <a:schemeClr val="tx1">
+                  <a:lumMod val="65000"/>
+                  <a:lumOff val="35000"/>
+                </a:schemeClr>
+              </a:solidFill>
+              <a:latin typeface="+mn-lt"/>
+              <a:ea typeface="+mn-ea"/>
+              <a:cs typeface="+mn-cs"/>
+            </a:defRPr>
+          </a:pPr>
+          <a:endParaRPr lang="en-US"/>
+        </a:p>
+      </c:txPr>
+    </c:legend>
+    <c:plotVisOnly val="1"/>
+    <c:dispBlanksAs val="gap"/>
+    <c:showDLblsOverMax val="0"/>
+  </c:chart>
+  <c:spPr>
+    <a:noFill/>
+    <a:ln>
+      <a:noFill/>
+    </a:ln>
+    <a:effectLst/>
+  </c:spPr>
+  <c:txPr>
+    <a:bodyPr/>
+    <a:lstStyle/>
+    <a:p>
+      <a:pPr>
+        <a:defRPr/>
+      </a:pPr>
+      <a:endParaRPr lang="en-US"/>
+    </a:p>
+  </c:txPr>
+  <c:externalData r:id="rId3">
+    <c:autoUpdate val="0"/>
+  </c:externalData>
+</c:chartSpace>
+</file>
+
+<file path=ppt/charts/colors1.xml><?xml version="1.0" encoding="utf-8"?>
+<cs:colorStyle xmlns:cs="http://schemas.microsoft.com/office/drawing/2012/chartStyle" xmlns:a="http://schemas.openxmlformats.org/drawingml/2006/main" meth="cycle" id="10">
+  <a:schemeClr val="accent1"/>
+  <a:schemeClr val="accent2"/>
+  <a:schemeClr val="accent3"/>
+  <a:schemeClr val="accent4"/>
+  <a:schemeClr val="accent5"/>
+  <a:schemeClr val="accent6"/>
+  <cs:variation/>
+  <cs:variation>
+    <a:lumMod val="60000"/>
+  </cs:variation>
+  <cs:variation>
+    <a:lumMod val="80000"/>
+    <a:lumOff val="20000"/>
+  </cs:variation>
+  <cs:variation>
+    <a:lumMod val="80000"/>
+  </cs:variation>
+  <cs:variation>
+    <a:lumMod val="60000"/>
+    <a:lumOff val="40000"/>
+  </cs:variation>
+  <cs:variation>
+    <a:lumMod val="50000"/>
+  </cs:variation>
+  <cs:variation>
+    <a:lumMod val="70000"/>
+    <a:lumOff val="30000"/>
+  </cs:variation>
+  <cs:variation>
+    <a:lumMod val="70000"/>
+  </cs:variation>
+  <cs:variation>
+    <a:lumMod val="50000"/>
+    <a:lumOff val="50000"/>
+  </cs:variation>
+</cs:colorStyle>
+</file>
+
+<file path=ppt/charts/colors2.xml><?xml version="1.0" encoding="utf-8"?>
+<cs:colorStyle xmlns:cs="http://schemas.microsoft.com/office/drawing/2012/chartStyle" xmlns:a="http://schemas.openxmlformats.org/drawingml/2006/main" meth="cycle" id="10">
+  <a:schemeClr val="accent1"/>
+  <a:schemeClr val="accent2"/>
+  <a:schemeClr val="accent3"/>
+  <a:schemeClr val="accent4"/>
+  <a:schemeClr val="accent5"/>
+  <a:schemeClr val="accent6"/>
+  <cs:variation/>
+  <cs:variation>
+    <a:lumMod val="60000"/>
+  </cs:variation>
+  <cs:variation>
+    <a:lumMod val="80000"/>
+    <a:lumOff val="20000"/>
+  </cs:variation>
+  <cs:variation>
+    <a:lumMod val="80000"/>
+  </cs:variation>
+  <cs:variation>
+    <a:lumMod val="60000"/>
+    <a:lumOff val="40000"/>
+  </cs:variation>
+  <cs:variation>
+    <a:lumMod val="50000"/>
+  </cs:variation>
+  <cs:variation>
+    <a:lumMod val="70000"/>
+    <a:lumOff val="30000"/>
+  </cs:variation>
+  <cs:variation>
+    <a:lumMod val="70000"/>
+  </cs:variation>
+  <cs:variation>
+    <a:lumMod val="50000"/>
+    <a:lumOff val="50000"/>
+  </cs:variation>
+</cs:colorStyle>
+</file>
+
+<file path=ppt/charts/style1.xml><?xml version="1.0" encoding="utf-8"?>
+<cs:chartStyle xmlns:cs="http://schemas.microsoft.com/office/drawing/2012/chartStyle" xmlns:a="http://schemas.openxmlformats.org/drawingml/2006/main" id="201">
+  <cs:axisTitle>
+    <cs:lnRef idx="0"/>
+    <cs:fillRef idx="0"/>
+    <cs:effectRef idx="0"/>
+    <cs:fontRef idx="minor">
+      <a:schemeClr val="tx1">
+        <a:lumMod val="65000"/>
+        <a:lumOff val="35000"/>
+      </a:schemeClr>
+    </cs:fontRef>
+    <cs:defRPr sz="1000" kern="1200"/>
+  </cs:axisTitle>
+  <cs:categoryAxis>
+    <cs:lnRef idx="0"/>
+    <cs:fillRef idx="0"/>
+    <cs:effectRef idx="0"/>
+    <cs:fontRef idx="minor">
+      <a:schemeClr val="tx1">
+        <a:lumMod val="65000"/>
+        <a:lumOff val="35000"/>
+      </a:schemeClr>
+    </cs:fontRef>
+    <cs:spPr>
+      <a:ln w="9525" cap="flat" cmpd="sng" algn="ctr">
+        <a:solidFill>
+          <a:schemeClr val="tx1">
+            <a:lumMod val="15000"/>
+            <a:lumOff val="85000"/>
+          </a:schemeClr>
+        </a:solidFill>
+        <a:round/>
+      </a:ln>
+    </cs:spPr>
+    <cs:defRPr sz="900" kern="1200"/>
+  </cs:categoryAxis>
+  <cs:chartArea mods="allowNoFillOverride allowNoLineOverride">
+    <cs:lnRef idx="0"/>
+    <cs:fillRef idx="0"/>
+    <cs:effectRef idx="0"/>
+    <cs:fontRef idx="minor">
+      <a:schemeClr val="tx1"/>
+    </cs:fontRef>
+    <cs:spPr>
+      <a:solidFill>
+        <a:schemeClr val="bg1"/>
+      </a:solidFill>
+      <a:ln w="9525" cap="flat" cmpd="sng" algn="ctr">
+        <a:solidFill>
+          <a:schemeClr val="tx1">
+            <a:lumMod val="15000"/>
+            <a:lumOff val="85000"/>
+          </a:schemeClr>
+        </a:solidFill>
+        <a:round/>
+      </a:ln>
+    </cs:spPr>
+    <cs:defRPr sz="1000" kern="1200"/>
+  </cs:chartArea>
+  <cs:dataLabel>
+    <cs:lnRef idx="0"/>
+    <cs:fillRef idx="0"/>
+    <cs:effectRef idx="0"/>
+    <cs:fontRef idx="minor">
+      <a:schemeClr val="tx1">
+        <a:lumMod val="75000"/>
+        <a:lumOff val="25000"/>
+      </a:schemeClr>
+    </cs:fontRef>
+    <cs:defRPr sz="900" kern="1200"/>
+  </cs:dataLabel>
+  <cs:dataLabelCallout>
+    <cs:lnRef idx="0"/>
+    <cs:fillRef idx="0"/>
+    <cs:effectRef idx="0"/>
+    <cs:fontRef idx="minor">
+      <a:schemeClr val="dk1">
+        <a:lumMod val="65000"/>
+        <a:lumOff val="35000"/>
+      </a:schemeClr>
+    </cs:fontRef>
+    <cs:spPr>
+      <a:solidFill>
+        <a:schemeClr val="lt1"/>
+      </a:solidFill>
+      <a:ln>
+        <a:solidFill>
+          <a:schemeClr val="dk1">
+            <a:lumMod val="25000"/>
+            <a:lumOff val="75000"/>
+          </a:schemeClr>
+        </a:solidFill>
+      </a:ln>
+    </cs:spPr>
+    <cs:defRPr sz="900" kern="1200"/>
+    <cs:bodyPr rot="0" spcFirstLastPara="1" vertOverflow="clip" horzOverflow="clip" vert="horz" wrap="square" lIns="36576" tIns="18288" rIns="36576" bIns="18288" anchor="ctr" anchorCtr="1">
+      <a:spAutoFit/>
+    </cs:bodyPr>
+  </cs:dataLabelCallout>
+  <cs:dataPoint>
+    <cs:lnRef idx="0"/>
+    <cs:fillRef idx="1">
+      <cs:styleClr val="auto"/>
+    </cs:fillRef>
+    <cs:effectRef idx="0"/>
+    <cs:fontRef idx="minor">
+      <a:schemeClr val="tx1"/>
+    </cs:fontRef>
+  </cs:dataPoint>
+  <cs:dataPoint3D>
+    <cs:lnRef idx="0"/>
+    <cs:fillRef idx="1">
+      <cs:styleClr val="auto"/>
+    </cs:fillRef>
+    <cs:effectRef idx="0"/>
+    <cs:fontRef idx="minor">
+      <a:schemeClr val="tx1"/>
+    </cs:fontRef>
+  </cs:dataPoint3D>
+  <cs:dataPointLine>
+    <cs:lnRef idx="0">
+      <cs:styleClr val="auto"/>
+    </cs:lnRef>
+    <cs:fillRef idx="1"/>
+    <cs:effectRef idx="0"/>
+    <cs:fontRef idx="minor">
+      <a:schemeClr val="tx1"/>
+    </cs:fontRef>
+    <cs:spPr>
+      <a:ln w="28575" cap="rnd">
+        <a:solidFill>
+          <a:schemeClr val="phClr"/>
+        </a:solidFill>
+        <a:round/>
+      </a:ln>
+    </cs:spPr>
+  </cs:dataPointLine>
+  <cs:dataPointMarker>
+    <cs:lnRef idx="0">
+      <cs:styleClr val="auto"/>
+    </cs:lnRef>
+    <cs:fillRef idx="1">
+      <cs:styleClr val="auto"/>
+    </cs:fillRef>
+    <cs:effectRef idx="0"/>
+    <cs:fontRef idx="minor">
+      <a:schemeClr val="tx1"/>
+    </cs:fontRef>
+    <cs:spPr>
+      <a:ln w="9525">
+        <a:solidFill>
+          <a:schemeClr val="phClr"/>
+        </a:solidFill>
+      </a:ln>
+    </cs:spPr>
+  </cs:dataPointMarker>
+  <cs:dataPointMarkerLayout symbol="circle" size="5"/>
+  <cs:dataPointWireframe>
+    <cs:lnRef idx="0">
+      <cs:styleClr val="auto"/>
+    </cs:lnRef>
+    <cs:fillRef idx="1"/>
+    <cs:effectRef idx="0"/>
+    <cs:fontRef idx="minor">
+      <a:schemeClr val="tx1"/>
+    </cs:fontRef>
+    <cs:spPr>
+      <a:ln w="9525" cap="rnd">
+        <a:solidFill>
+          <a:schemeClr val="phClr"/>
+        </a:solidFill>
+        <a:round/>
+      </a:ln>
+    </cs:spPr>
+  </cs:dataPointWireframe>
+  <cs:dataTable>
+    <cs:lnRef idx="0"/>
+    <cs:fillRef idx="0"/>
+    <cs:effectRef idx="0"/>
+    <cs:fontRef idx="minor">
+      <a:schemeClr val="tx1">
+        <a:lumMod val="65000"/>
+        <a:lumOff val="35000"/>
+      </a:schemeClr>
+    </cs:fontRef>
+    <cs:spPr>
+      <a:noFill/>
+      <a:ln w="9525" cap="flat" cmpd="sng" algn="ctr">
+        <a:solidFill>
+          <a:schemeClr val="tx1">
+            <a:lumMod val="15000"/>
+            <a:lumOff val="85000"/>
+          </a:schemeClr>
+        </a:solidFill>
+        <a:round/>
+      </a:ln>
+    </cs:spPr>
+    <cs:defRPr sz="900" kern="1200"/>
+  </cs:dataTable>
+  <cs:downBar>
+    <cs:lnRef idx="0"/>
+    <cs:fillRef idx="0"/>
+    <cs:effectRef idx="0"/>
+    <cs:fontRef idx="minor">
+      <a:schemeClr val="dk1"/>
+    </cs:fontRef>
+    <cs:spPr>
+      <a:solidFill>
+        <a:schemeClr val="dk1">
+          <a:lumMod val="65000"/>
+          <a:lumOff val="35000"/>
+        </a:schemeClr>
+      </a:solidFill>
+      <a:ln w="9525">
+        <a:solidFill>
+          <a:schemeClr val="tx1">
+            <a:lumMod val="65000"/>
+            <a:lumOff val="35000"/>
+          </a:schemeClr>
+        </a:solidFill>
+      </a:ln>
+    </cs:spPr>
+  </cs:downBar>
+  <cs:dropLine>
+    <cs:lnRef idx="0"/>
+    <cs:fillRef idx="0"/>
+    <cs:effectRef idx="0"/>
+    <cs:fontRef idx="minor">
+      <a:schemeClr val="tx1"/>
+    </cs:fontRef>
+    <cs:spPr>
+      <a:ln w="9525" cap="flat" cmpd="sng" algn="ctr">
+        <a:solidFill>
+          <a:schemeClr val="tx1">
+            <a:lumMod val="35000"/>
+            <a:lumOff val="65000"/>
+          </a:schemeClr>
+        </a:solidFill>
+        <a:round/>
+      </a:ln>
+    </cs:spPr>
+  </cs:dropLine>
+  <cs:errorBar>
+    <cs:lnRef idx="0"/>
+    <cs:fillRef idx="0"/>
+    <cs:effectRef idx="0"/>
+    <cs:fontRef idx="minor">
+      <a:schemeClr val="tx1"/>
+    </cs:fontRef>
+    <cs:spPr>
+      <a:ln w="9525" cap="flat" cmpd="sng" algn="ctr">
+        <a:solidFill>
+          <a:schemeClr val="tx1">
+            <a:lumMod val="65000"/>
+            <a:lumOff val="35000"/>
+          </a:schemeClr>
+        </a:solidFill>
+        <a:round/>
+      </a:ln>
+    </cs:spPr>
+  </cs:errorBar>
+  <cs:floor>
+    <cs:lnRef idx="0"/>
+    <cs:fillRef idx="0"/>
+    <cs:effectRef idx="0"/>
+    <cs:fontRef idx="minor">
+      <a:schemeClr val="tx1"/>
+    </cs:fontRef>
+    <cs:spPr>
+      <a:noFill/>
+      <a:ln>
+        <a:noFill/>
+      </a:ln>
+    </cs:spPr>
+  </cs:floor>
+  <cs:gridlineMajor>
+    <cs:lnRef idx="0"/>
+    <cs:fillRef idx="0"/>
+    <cs:effectRef idx="0"/>
+    <cs:fontRef idx="minor">
+      <a:schemeClr val="tx1"/>
+    </cs:fontRef>
+    <cs:spPr>
+      <a:ln w="9525" cap="flat" cmpd="sng" algn="ctr">
+        <a:solidFill>
+          <a:schemeClr val="tx1">
+            <a:lumMod val="15000"/>
+            <a:lumOff val="85000"/>
+          </a:schemeClr>
+        </a:solidFill>
+        <a:round/>
+      </a:ln>
+    </cs:spPr>
+  </cs:gridlineMajor>
+  <cs:gridlineMinor>
+    <cs:lnRef idx="0"/>
+    <cs:fillRef idx="0"/>
+    <cs:effectRef idx="0"/>
+    <cs:fontRef idx="minor">
+      <a:schemeClr val="tx1"/>
+    </cs:fontRef>
+    <cs:spPr>
+      <a:ln w="9525" cap="flat" cmpd="sng" algn="ctr">
+        <a:solidFill>
+          <a:schemeClr val="tx1">
+            <a:lumMod val="5000"/>
+            <a:lumOff val="95000"/>
+          </a:schemeClr>
+        </a:solidFill>
+        <a:round/>
+      </a:ln>
+    </cs:spPr>
+  </cs:gridlineMinor>
+  <cs:hiLoLine>
+    <cs:lnRef idx="0"/>
+    <cs:fillRef idx="0"/>
+    <cs:effectRef idx="0"/>
+    <cs:fontRef idx="minor">
+      <a:schemeClr val="tx1"/>
+    </cs:fontRef>
+    <cs:spPr>
+      <a:ln w="9525" cap="flat" cmpd="sng" algn="ctr">
+        <a:solidFill>
+          <a:schemeClr val="tx1">
+            <a:lumMod val="75000"/>
+            <a:lumOff val="25000"/>
+          </a:schemeClr>
+        </a:solidFill>
+        <a:round/>
+      </a:ln>
+    </cs:spPr>
+  </cs:hiLoLine>
+  <cs:leaderLine>
+    <cs:lnRef idx="0"/>
+    <cs:fillRef idx="0"/>
+    <cs:effectRef idx="0"/>
+    <cs:fontRef idx="minor">
+      <a:schemeClr val="tx1"/>
+    </cs:fontRef>
+    <cs:spPr>
+      <a:ln w="9525" cap="flat" cmpd="sng" algn="ctr">
+        <a:solidFill>
+          <a:schemeClr val="tx1">
+            <a:lumMod val="35000"/>
+            <a:lumOff val="65000"/>
+          </a:schemeClr>
+        </a:solidFill>
+        <a:round/>
+      </a:ln>
+    </cs:spPr>
+  </cs:leaderLine>
+  <cs:legend>
+    <cs:lnRef idx="0"/>
+    <cs:fillRef idx="0"/>
+    <cs:effectRef idx="0"/>
+    <cs:fontRef idx="minor">
+      <a:schemeClr val="tx1">
+        <a:lumMod val="65000"/>
+        <a:lumOff val="35000"/>
+      </a:schemeClr>
+    </cs:fontRef>
+    <cs:defRPr sz="900" kern="1200"/>
+  </cs:legend>
+  <cs:plotArea mods="allowNoFillOverride allowNoLineOverride">
+    <cs:lnRef idx="0"/>
+    <cs:fillRef idx="0"/>
+    <cs:effectRef idx="0"/>
+    <cs:fontRef idx="minor">
+      <a:schemeClr val="tx1"/>
+    </cs:fontRef>
+  </cs:plotArea>
+  <cs:plotArea3D mods="allowNoFillOverride allowNoLineOverride">
+    <cs:lnRef idx="0"/>
+    <cs:fillRef idx="0"/>
+    <cs:effectRef idx="0"/>
+    <cs:fontRef idx="minor">
+      <a:schemeClr val="tx1"/>
+    </cs:fontRef>
+  </cs:plotArea3D>
+  <cs:seriesAxis>
+    <cs:lnRef idx="0"/>
+    <cs:fillRef idx="0"/>
+    <cs:effectRef idx="0"/>
+    <cs:fontRef idx="minor">
+      <a:schemeClr val="tx1">
+        <a:lumMod val="65000"/>
+        <a:lumOff val="35000"/>
+      </a:schemeClr>
+    </cs:fontRef>
+    <cs:defRPr sz="900" kern="1200"/>
+  </cs:seriesAxis>
+  <cs:seriesLine>
+    <cs:lnRef idx="0"/>
+    <cs:fillRef idx="0"/>
+    <cs:effectRef idx="0"/>
+    <cs:fontRef idx="minor">
+      <a:schemeClr val="tx1"/>
+    </cs:fontRef>
+    <cs:spPr>
+      <a:ln w="9525" cap="flat" cmpd="sng" algn="ctr">
+        <a:solidFill>
+          <a:schemeClr val="tx1">
+            <a:lumMod val="35000"/>
+            <a:lumOff val="65000"/>
+          </a:schemeClr>
+        </a:solidFill>
+        <a:round/>
+      </a:ln>
+    </cs:spPr>
+  </cs:seriesLine>
+  <cs:title>
+    <cs:lnRef idx="0"/>
+    <cs:fillRef idx="0"/>
+    <cs:effectRef idx="0"/>
+    <cs:fontRef idx="minor">
+      <a:schemeClr val="tx1">
+        <a:lumMod val="65000"/>
+        <a:lumOff val="35000"/>
+      </a:schemeClr>
+    </cs:fontRef>
+    <cs:defRPr sz="1400" b="0" kern="1200" spc="0" baseline="0"/>
+  </cs:title>
+  <cs:trendline>
+    <cs:lnRef idx="0">
+      <cs:styleClr val="auto"/>
+    </cs:lnRef>
+    <cs:fillRef idx="0"/>
+    <cs:effectRef idx="0"/>
+    <cs:fontRef idx="minor">
+      <a:schemeClr val="tx1"/>
+    </cs:fontRef>
+    <cs:spPr>
+      <a:ln w="19050" cap="rnd">
+        <a:solidFill>
+          <a:schemeClr val="phClr"/>
+        </a:solidFill>
+        <a:prstDash val="sysDot"/>
+      </a:ln>
+    </cs:spPr>
+  </cs:trendline>
+  <cs:trendlineLabel>
+    <cs:lnRef idx="0"/>
+    <cs:fillRef idx="0"/>
+    <cs:effectRef idx="0"/>
+    <cs:fontRef idx="minor">
+      <a:schemeClr val="tx1">
+        <a:lumMod val="65000"/>
+        <a:lumOff val="35000"/>
+      </a:schemeClr>
+    </cs:fontRef>
+    <cs:defRPr sz="900" kern="1200"/>
+  </cs:trendlineLabel>
+  <cs:upBar>
+    <cs:lnRef idx="0"/>
+    <cs:fillRef idx="0"/>
+    <cs:effectRef idx="0"/>
+    <cs:fontRef idx="minor">
+      <a:schemeClr val="dk1"/>
+    </cs:fontRef>
+    <cs:spPr>
+      <a:solidFill>
+        <a:schemeClr val="lt1"/>
+      </a:solidFill>
+      <a:ln w="9525">
+        <a:solidFill>
+          <a:schemeClr val="tx1">
+            <a:lumMod val="15000"/>
+            <a:lumOff val="85000"/>
+          </a:schemeClr>
+        </a:solidFill>
+      </a:ln>
+    </cs:spPr>
+  </cs:upBar>
+  <cs:valueAxis>
+    <cs:lnRef idx="0"/>
+    <cs:fillRef idx="0"/>
+    <cs:effectRef idx="0"/>
+    <cs:fontRef idx="minor">
+      <a:schemeClr val="tx1">
+        <a:lumMod val="65000"/>
+        <a:lumOff val="35000"/>
+      </a:schemeClr>
+    </cs:fontRef>
+    <cs:defRPr sz="900" kern="1200"/>
+  </cs:valueAxis>
+  <cs:wall>
+    <cs:lnRef idx="0"/>
+    <cs:fillRef idx="0"/>
+    <cs:effectRef idx="0"/>
+    <cs:fontRef idx="minor">
+      <a:schemeClr val="tx1"/>
+    </cs:fontRef>
+    <cs:spPr>
+      <a:noFill/>
+      <a:ln>
+        <a:noFill/>
+      </a:ln>
+    </cs:spPr>
+  </cs:wall>
+</cs:chartStyle>
+</file>
+
+<file path=ppt/charts/style2.xml><?xml version="1.0" encoding="utf-8"?>
+<cs:chartStyle xmlns:cs="http://schemas.microsoft.com/office/drawing/2012/chartStyle" xmlns:a="http://schemas.openxmlformats.org/drawingml/2006/main" id="201">
+  <cs:axisTitle>
+    <cs:lnRef idx="0"/>
+    <cs:fillRef idx="0"/>
+    <cs:effectRef idx="0"/>
+    <cs:fontRef idx="minor">
+      <a:schemeClr val="tx1">
+        <a:lumMod val="65000"/>
+        <a:lumOff val="35000"/>
+      </a:schemeClr>
+    </cs:fontRef>
+    <cs:defRPr sz="1000" kern="1200"/>
+  </cs:axisTitle>
+  <cs:categoryAxis>
+    <cs:lnRef idx="0"/>
+    <cs:fillRef idx="0"/>
+    <cs:effectRef idx="0"/>
+    <cs:fontRef idx="minor">
+      <a:schemeClr val="tx1">
+        <a:lumMod val="65000"/>
+        <a:lumOff val="35000"/>
+      </a:schemeClr>
+    </cs:fontRef>
+    <cs:spPr>
+      <a:ln w="9525" cap="flat" cmpd="sng" algn="ctr">
+        <a:solidFill>
+          <a:schemeClr val="tx1">
+            <a:lumMod val="15000"/>
+            <a:lumOff val="85000"/>
+          </a:schemeClr>
+        </a:solidFill>
+        <a:round/>
+      </a:ln>
+    </cs:spPr>
+    <cs:defRPr sz="900" kern="1200"/>
+  </cs:categoryAxis>
+  <cs:chartArea mods="allowNoFillOverride allowNoLineOverride">
+    <cs:lnRef idx="0"/>
+    <cs:fillRef idx="0"/>
+    <cs:effectRef idx="0"/>
+    <cs:fontRef idx="minor">
+      <a:schemeClr val="tx1"/>
+    </cs:fontRef>
+    <cs:spPr>
+      <a:solidFill>
+        <a:schemeClr val="bg1"/>
+      </a:solidFill>
+      <a:ln w="9525" cap="flat" cmpd="sng" algn="ctr">
+        <a:solidFill>
+          <a:schemeClr val="tx1">
+            <a:lumMod val="15000"/>
+            <a:lumOff val="85000"/>
+          </a:schemeClr>
+        </a:solidFill>
+        <a:round/>
+      </a:ln>
+    </cs:spPr>
+    <cs:defRPr sz="1000" kern="1200"/>
+  </cs:chartArea>
+  <cs:dataLabel>
+    <cs:lnRef idx="0"/>
+    <cs:fillRef idx="0"/>
+    <cs:effectRef idx="0"/>
+    <cs:fontRef idx="minor">
+      <a:schemeClr val="tx1">
+        <a:lumMod val="75000"/>
+        <a:lumOff val="25000"/>
+      </a:schemeClr>
+    </cs:fontRef>
+    <cs:defRPr sz="900" kern="1200"/>
+  </cs:dataLabel>
+  <cs:dataLabelCallout>
+    <cs:lnRef idx="0"/>
+    <cs:fillRef idx="0"/>
+    <cs:effectRef idx="0"/>
+    <cs:fontRef idx="minor">
+      <a:schemeClr val="dk1">
+        <a:lumMod val="65000"/>
+        <a:lumOff val="35000"/>
+      </a:schemeClr>
+    </cs:fontRef>
+    <cs:spPr>
+      <a:solidFill>
+        <a:schemeClr val="lt1"/>
+      </a:solidFill>
+      <a:ln>
+        <a:solidFill>
+          <a:schemeClr val="dk1">
+            <a:lumMod val="25000"/>
+            <a:lumOff val="75000"/>
+          </a:schemeClr>
+        </a:solidFill>
+      </a:ln>
+    </cs:spPr>
+    <cs:defRPr sz="900" kern="1200"/>
+    <cs:bodyPr rot="0" spcFirstLastPara="1" vertOverflow="clip" horzOverflow="clip" vert="horz" wrap="square" lIns="36576" tIns="18288" rIns="36576" bIns="18288" anchor="ctr" anchorCtr="1">
+      <a:spAutoFit/>
+    </cs:bodyPr>
+  </cs:dataLabelCallout>
+  <cs:dataPoint>
+    <cs:lnRef idx="0"/>
+    <cs:fillRef idx="1">
+      <cs:styleClr val="auto"/>
+    </cs:fillRef>
+    <cs:effectRef idx="0"/>
+    <cs:fontRef idx="minor">
+      <a:schemeClr val="tx1"/>
+    </cs:fontRef>
+  </cs:dataPoint>
+  <cs:dataPoint3D>
+    <cs:lnRef idx="0"/>
+    <cs:fillRef idx="1">
+      <cs:styleClr val="auto"/>
+    </cs:fillRef>
+    <cs:effectRef idx="0"/>
+    <cs:fontRef idx="minor">
+      <a:schemeClr val="tx1"/>
+    </cs:fontRef>
+  </cs:dataPoint3D>
+  <cs:dataPointLine>
+    <cs:lnRef idx="0">
+      <cs:styleClr val="auto"/>
+    </cs:lnRef>
+    <cs:fillRef idx="1"/>
+    <cs:effectRef idx="0"/>
+    <cs:fontRef idx="minor">
+      <a:schemeClr val="tx1"/>
+    </cs:fontRef>
+    <cs:spPr>
+      <a:ln w="28575" cap="rnd">
+        <a:solidFill>
+          <a:schemeClr val="phClr"/>
+        </a:solidFill>
+        <a:round/>
+      </a:ln>
+    </cs:spPr>
+  </cs:dataPointLine>
+  <cs:dataPointMarker>
+    <cs:lnRef idx="0">
+      <cs:styleClr val="auto"/>
+    </cs:lnRef>
+    <cs:fillRef idx="1">
+      <cs:styleClr val="auto"/>
+    </cs:fillRef>
+    <cs:effectRef idx="0"/>
+    <cs:fontRef idx="minor">
+      <a:schemeClr val="tx1"/>
+    </cs:fontRef>
+    <cs:spPr>
+      <a:ln w="9525">
+        <a:solidFill>
+          <a:schemeClr val="phClr"/>
+        </a:solidFill>
+      </a:ln>
+    </cs:spPr>
+  </cs:dataPointMarker>
+  <cs:dataPointMarkerLayout symbol="circle" size="5"/>
+  <cs:dataPointWireframe>
+    <cs:lnRef idx="0">
+      <cs:styleClr val="auto"/>
+    </cs:lnRef>
+    <cs:fillRef idx="1"/>
+    <cs:effectRef idx="0"/>
+    <cs:fontRef idx="minor">
+      <a:schemeClr val="tx1"/>
+    </cs:fontRef>
+    <cs:spPr>
+      <a:ln w="9525" cap="rnd">
+        <a:solidFill>
+          <a:schemeClr val="phClr"/>
+        </a:solidFill>
+        <a:round/>
+      </a:ln>
+    </cs:spPr>
+  </cs:dataPointWireframe>
+  <cs:dataTable>
+    <cs:lnRef idx="0"/>
+    <cs:fillRef idx="0"/>
+    <cs:effectRef idx="0"/>
+    <cs:fontRef idx="minor">
+      <a:schemeClr val="tx1">
+        <a:lumMod val="65000"/>
+        <a:lumOff val="35000"/>
+      </a:schemeClr>
+    </cs:fontRef>
+    <cs:spPr>
+      <a:noFill/>
+      <a:ln w="9525" cap="flat" cmpd="sng" algn="ctr">
+        <a:solidFill>
+          <a:schemeClr val="tx1">
+            <a:lumMod val="15000"/>
+            <a:lumOff val="85000"/>
+          </a:schemeClr>
+        </a:solidFill>
+        <a:round/>
+      </a:ln>
+    </cs:spPr>
+    <cs:defRPr sz="900" kern="1200"/>
+  </cs:dataTable>
+  <cs:downBar>
+    <cs:lnRef idx="0"/>
+    <cs:fillRef idx="0"/>
+    <cs:effectRef idx="0"/>
+    <cs:fontRef idx="minor">
+      <a:schemeClr val="dk1"/>
+    </cs:fontRef>
+    <cs:spPr>
+      <a:solidFill>
+        <a:schemeClr val="dk1">
+          <a:lumMod val="65000"/>
+          <a:lumOff val="35000"/>
+        </a:schemeClr>
+      </a:solidFill>
+      <a:ln w="9525">
+        <a:solidFill>
+          <a:schemeClr val="tx1">
+            <a:lumMod val="65000"/>
+            <a:lumOff val="35000"/>
+          </a:schemeClr>
+        </a:solidFill>
+      </a:ln>
+    </cs:spPr>
+  </cs:downBar>
+  <cs:dropLine>
+    <cs:lnRef idx="0"/>
+    <cs:fillRef idx="0"/>
+    <cs:effectRef idx="0"/>
+    <cs:fontRef idx="minor">
+      <a:schemeClr val="tx1"/>
+    </cs:fontRef>
+    <cs:spPr>
+      <a:ln w="9525" cap="flat" cmpd="sng" algn="ctr">
+        <a:solidFill>
+          <a:schemeClr val="tx1">
+            <a:lumMod val="35000"/>
+            <a:lumOff val="65000"/>
+          </a:schemeClr>
+        </a:solidFill>
+        <a:round/>
+      </a:ln>
+    </cs:spPr>
+  </cs:dropLine>
+  <cs:errorBar>
+    <cs:lnRef idx="0"/>
+    <cs:fillRef idx="0"/>
+    <cs:effectRef idx="0"/>
+    <cs:fontRef idx="minor">
+      <a:schemeClr val="tx1"/>
+    </cs:fontRef>
+    <cs:spPr>
+      <a:ln w="9525" cap="flat" cmpd="sng" algn="ctr">
+        <a:solidFill>
+          <a:schemeClr val="tx1">
+            <a:lumMod val="65000"/>
+            <a:lumOff val="35000"/>
+          </a:schemeClr>
+        </a:solidFill>
+        <a:round/>
+      </a:ln>
+    </cs:spPr>
+  </cs:errorBar>
+  <cs:floor>
+    <cs:lnRef idx="0"/>
+    <cs:fillRef idx="0"/>
+    <cs:effectRef idx="0"/>
+    <cs:fontRef idx="minor">
+      <a:schemeClr val="tx1"/>
+    </cs:fontRef>
+    <cs:spPr>
+      <a:noFill/>
+      <a:ln>
+        <a:noFill/>
+      </a:ln>
+    </cs:spPr>
+  </cs:floor>
+  <cs:gridlineMajor>
+    <cs:lnRef idx="0"/>
+    <cs:fillRef idx="0"/>
+    <cs:effectRef idx="0"/>
+    <cs:fontRef idx="minor">
+      <a:schemeClr val="tx1"/>
+    </cs:fontRef>
+    <cs:spPr>
+      <a:ln w="9525" cap="flat" cmpd="sng" algn="ctr">
+        <a:solidFill>
+          <a:schemeClr val="tx1">
+            <a:lumMod val="15000"/>
+            <a:lumOff val="85000"/>
+          </a:schemeClr>
+        </a:solidFill>
+        <a:round/>
+      </a:ln>
+    </cs:spPr>
+  </cs:gridlineMajor>
+  <cs:gridlineMinor>
+    <cs:lnRef idx="0"/>
+    <cs:fillRef idx="0"/>
+    <cs:effectRef idx="0"/>
+    <cs:fontRef idx="minor">
+      <a:schemeClr val="tx1"/>
+    </cs:fontRef>
+    <cs:spPr>
+      <a:ln w="9525" cap="flat" cmpd="sng" algn="ctr">
+        <a:solidFill>
+          <a:schemeClr val="tx1">
+            <a:lumMod val="5000"/>
+            <a:lumOff val="95000"/>
+          </a:schemeClr>
+        </a:solidFill>
+        <a:round/>
+      </a:ln>
+    </cs:spPr>
+  </cs:gridlineMinor>
+  <cs:hiLoLine>
+    <cs:lnRef idx="0"/>
+    <cs:fillRef idx="0"/>
+    <cs:effectRef idx="0"/>
+    <cs:fontRef idx="minor">
+      <a:schemeClr val="tx1"/>
+    </cs:fontRef>
+    <cs:spPr>
+      <a:ln w="9525" cap="flat" cmpd="sng" algn="ctr">
+        <a:solidFill>
+          <a:schemeClr val="tx1">
+            <a:lumMod val="75000"/>
+            <a:lumOff val="25000"/>
+          </a:schemeClr>
+        </a:solidFill>
+        <a:round/>
+      </a:ln>
+    </cs:spPr>
+  </cs:hiLoLine>
+  <cs:leaderLine>
+    <cs:lnRef idx="0"/>
+    <cs:fillRef idx="0"/>
+    <cs:effectRef idx="0"/>
+    <cs:fontRef idx="minor">
+      <a:schemeClr val="tx1"/>
+    </cs:fontRef>
+    <cs:spPr>
+      <a:ln w="9525" cap="flat" cmpd="sng" algn="ctr">
+        <a:solidFill>
+          <a:schemeClr val="tx1">
+            <a:lumMod val="35000"/>
+            <a:lumOff val="65000"/>
+          </a:schemeClr>
+        </a:solidFill>
+        <a:round/>
+      </a:ln>
+    </cs:spPr>
+  </cs:leaderLine>
+  <cs:legend>
+    <cs:lnRef idx="0"/>
+    <cs:fillRef idx="0"/>
+    <cs:effectRef idx="0"/>
+    <cs:fontRef idx="minor">
+      <a:schemeClr val="tx1">
+        <a:lumMod val="65000"/>
+        <a:lumOff val="35000"/>
+      </a:schemeClr>
+    </cs:fontRef>
+    <cs:defRPr sz="900" kern="1200"/>
+  </cs:legend>
+  <cs:plotArea mods="allowNoFillOverride allowNoLineOverride">
+    <cs:lnRef idx="0"/>
+    <cs:fillRef idx="0"/>
+    <cs:effectRef idx="0"/>
+    <cs:fontRef idx="minor">
+      <a:schemeClr val="tx1"/>
+    </cs:fontRef>
+  </cs:plotArea>
+  <cs:plotArea3D mods="allowNoFillOverride allowNoLineOverride">
+    <cs:lnRef idx="0"/>
+    <cs:fillRef idx="0"/>
+    <cs:effectRef idx="0"/>
+    <cs:fontRef idx="minor">
+      <a:schemeClr val="tx1"/>
+    </cs:fontRef>
+  </cs:plotArea3D>
+  <cs:seriesAxis>
+    <cs:lnRef idx="0"/>
+    <cs:fillRef idx="0"/>
+    <cs:effectRef idx="0"/>
+    <cs:fontRef idx="minor">
+      <a:schemeClr val="tx1">
+        <a:lumMod val="65000"/>
+        <a:lumOff val="35000"/>
+      </a:schemeClr>
+    </cs:fontRef>
+    <cs:defRPr sz="900" kern="1200"/>
+  </cs:seriesAxis>
+  <cs:seriesLine>
+    <cs:lnRef idx="0"/>
+    <cs:fillRef idx="0"/>
+    <cs:effectRef idx="0"/>
+    <cs:fontRef idx="minor">
+      <a:schemeClr val="tx1"/>
+    </cs:fontRef>
+    <cs:spPr>
+      <a:ln w="9525" cap="flat" cmpd="sng" algn="ctr">
+        <a:solidFill>
+          <a:schemeClr val="tx1">
+            <a:lumMod val="35000"/>
+            <a:lumOff val="65000"/>
+          </a:schemeClr>
+        </a:solidFill>
+        <a:round/>
+      </a:ln>
+    </cs:spPr>
+  </cs:seriesLine>
+  <cs:title>
+    <cs:lnRef idx="0"/>
+    <cs:fillRef idx="0"/>
+    <cs:effectRef idx="0"/>
+    <cs:fontRef idx="minor">
+      <a:schemeClr val="tx1">
+        <a:lumMod val="65000"/>
+        <a:lumOff val="35000"/>
+      </a:schemeClr>
+    </cs:fontRef>
+    <cs:defRPr sz="1400" b="0" kern="1200" spc="0" baseline="0"/>
+  </cs:title>
+  <cs:trendline>
+    <cs:lnRef idx="0">
+      <cs:styleClr val="auto"/>
+    </cs:lnRef>
+    <cs:fillRef idx="0"/>
+    <cs:effectRef idx="0"/>
+    <cs:fontRef idx="minor">
+      <a:schemeClr val="tx1"/>
+    </cs:fontRef>
+    <cs:spPr>
+      <a:ln w="19050" cap="rnd">
+        <a:solidFill>
+          <a:schemeClr val="phClr"/>
+        </a:solidFill>
+        <a:prstDash val="sysDot"/>
+      </a:ln>
+    </cs:spPr>
+  </cs:trendline>
+  <cs:trendlineLabel>
+    <cs:lnRef idx="0"/>
+    <cs:fillRef idx="0"/>
+    <cs:effectRef idx="0"/>
+    <cs:fontRef idx="minor">
+      <a:schemeClr val="tx1">
+        <a:lumMod val="65000"/>
+        <a:lumOff val="35000"/>
+      </a:schemeClr>
+    </cs:fontRef>
+    <cs:defRPr sz="900" kern="1200"/>
+  </cs:trendlineLabel>
+  <cs:upBar>
+    <cs:lnRef idx="0"/>
+    <cs:fillRef idx="0"/>
+    <cs:effectRef idx="0"/>
+    <cs:fontRef idx="minor">
+      <a:schemeClr val="dk1"/>
+    </cs:fontRef>
+    <cs:spPr>
+      <a:solidFill>
+        <a:schemeClr val="lt1"/>
+      </a:solidFill>
+      <a:ln w="9525">
+        <a:solidFill>
+          <a:schemeClr val="tx1">
+            <a:lumMod val="15000"/>
+            <a:lumOff val="85000"/>
+          </a:schemeClr>
+        </a:solidFill>
+      </a:ln>
+    </cs:spPr>
+  </cs:upBar>
+  <cs:valueAxis>
+    <cs:lnRef idx="0"/>
+    <cs:fillRef idx="0"/>
+    <cs:effectRef idx="0"/>
+    <cs:fontRef idx="minor">
+      <a:schemeClr val="tx1">
+        <a:lumMod val="65000"/>
+        <a:lumOff val="35000"/>
+      </a:schemeClr>
+    </cs:fontRef>
+    <cs:defRPr sz="900" kern="1200"/>
+  </cs:valueAxis>
+  <cs:wall>
+    <cs:lnRef idx="0"/>
+    <cs:fillRef idx="0"/>
+    <cs:effectRef idx="0"/>
+    <cs:fontRef idx="minor">
+      <a:schemeClr val="tx1"/>
+    </cs:fontRef>
+    <cs:spPr>
+      <a:noFill/>
+      <a:ln>
+        <a:noFill/>
+      </a:ln>
+    </cs:spPr>
+  </cs:wall>
+</cs:chartStyle>
 </file>
 
 <file path=ppt/handoutMasters/handoutMaster1.xml><?xml version="1.0" encoding="utf-8"?>
@@ -267,7 +2460,7 @@
           <a:p>
             <a:fld id="{4E087215-0C8F-4762-A664-737A353EC9A4}" type="datetimeFigureOut">
               <a:rPr lang="bg-BG" smtClean="0"/>
-              <a:t>4.10.2023 г.</a:t>
+              <a:t>5.10.2023 г.</a:t>
             </a:fld>
             <a:endParaRPr lang="bg-BG"/>
           </a:p>
@@ -463,7 +2656,7 @@
           <a:p>
             <a:fld id="{72D84649-876A-46C9-8472-14CB09C070D8}" type="datetimeFigureOut">
               <a:rPr lang="en-US" smtClean="0"/>
-              <a:t>10/4/2023</a:t>
+              <a:t>10/5/2023</a:t>
             </a:fld>
             <a:endParaRPr lang="en-US"/>
           </a:p>
@@ -1183,6 +3376,369 @@
       </p:sp>
       <p:sp>
         <p:nvSpPr>
+          <p:cNvPr id="4" name="Slide Number Placeholder 3"/>
+          <p:cNvSpPr>
+            <a:spLocks noGrp="1"/>
+          </p:cNvSpPr>
+          <p:nvPr>
+            <p:ph type="sldNum" sz="quarter" idx="10"/>
+          </p:nvPr>
+        </p:nvSpPr>
+        <p:spPr/>
+        <p:txBody>
+          <a:bodyPr/>
+          <a:lstStyle/>
+          <a:p>
+            <a:fld id="{2BF067CD-8E6B-4360-9AA8-C5DF2A48A6D1}" type="slidenum">
+              <a:rPr lang="en-US" smtClean="0"/>
+              <a:t>11</a:t>
+            </a:fld>
+            <a:endParaRPr lang="en-US" dirty="0"/>
+          </a:p>
+        </p:txBody>
+      </p:sp>
+      <p:sp>
+        <p:nvSpPr>
+          <p:cNvPr id="5" name="Footer Placeholder 4"/>
+          <p:cNvSpPr>
+            <a:spLocks noGrp="1"/>
+          </p:cNvSpPr>
+          <p:nvPr>
+            <p:ph type="ftr" sz="quarter" idx="11"/>
+          </p:nvPr>
+        </p:nvSpPr>
+        <p:spPr/>
+        <p:txBody>
+          <a:bodyPr/>
+          <a:lstStyle/>
+          <a:p>
+            <a:r>
+              <a:rPr lang="bg-BG" sz="1100" smtClean="0"/>
+              <a:t>Работна група </a:t>
+            </a:r>
+            <a:r>
+              <a:rPr lang="bg-BG" smtClean="0"/>
+              <a:t>"Образование по програмиране и ИТ"</a:t>
+            </a:r>
+            <a:r>
+              <a:rPr lang="bg-BG" sz="1100" smtClean="0"/>
+              <a:t>, с подкрепата на </a:t>
+            </a:r>
+            <a:r>
+              <a:rPr lang="en-US" sz="1100" smtClean="0">
+                <a:hlinkClick r:id="rId3"/>
+              </a:rPr>
+              <a:t>SoftUni</a:t>
+            </a:r>
+            <a:endParaRPr lang="en-US" sz="1100" dirty="0"/>
+          </a:p>
+        </p:txBody>
+      </p:sp>
+    </p:spTree>
+    <p:extLst>
+      <p:ext uri="{BB962C8B-B14F-4D97-AF65-F5344CB8AC3E}">
+        <p14:creationId xmlns:p14="http://schemas.microsoft.com/office/powerpoint/2010/main" val="1341468469"/>
+      </p:ext>
+    </p:extLst>
+  </p:cSld>
+  <p:clrMapOvr>
+    <a:masterClrMapping/>
+  </p:clrMapOvr>
+</p:notes>
+</file>
+
+<file path=ppt/notesSlides/notesSlide4.xml><?xml version="1.0" encoding="utf-8"?>
+<p:notes xmlns:a="http://schemas.openxmlformats.org/drawingml/2006/main" xmlns:r="http://schemas.openxmlformats.org/officeDocument/2006/relationships" xmlns:p="http://schemas.openxmlformats.org/presentationml/2006/main">
+  <p:cSld>
+    <p:spTree>
+      <p:nvGrpSpPr>
+        <p:cNvPr id="1" name=""/>
+        <p:cNvGrpSpPr/>
+        <p:nvPr/>
+      </p:nvGrpSpPr>
+      <p:grpSpPr>
+        <a:xfrm>
+          <a:off x="0" y="0"/>
+          <a:ext cx="0" cy="0"/>
+          <a:chOff x="0" y="0"/>
+          <a:chExt cx="0" cy="0"/>
+        </a:xfrm>
+      </p:grpSpPr>
+      <p:sp>
+        <p:nvSpPr>
+          <p:cNvPr id="2" name="Slide Image Placeholder 1"/>
+          <p:cNvSpPr>
+            <a:spLocks noGrp="1" noRot="1" noChangeAspect="1"/>
+          </p:cNvSpPr>
+          <p:nvPr>
+            <p:ph type="sldImg"/>
+          </p:nvPr>
+        </p:nvSpPr>
+        <p:spPr/>
+      </p:sp>
+      <p:sp>
+        <p:nvSpPr>
+          <p:cNvPr id="3" name="Notes Placeholder 2"/>
+          <p:cNvSpPr>
+            <a:spLocks noGrp="1"/>
+          </p:cNvSpPr>
+          <p:nvPr>
+            <p:ph type="body" idx="1"/>
+          </p:nvPr>
+        </p:nvSpPr>
+        <p:spPr/>
+        <p:txBody>
+          <a:bodyPr/>
+          <a:lstStyle/>
+          <a:p>
+            <a:endParaRPr lang="en-US" dirty="0"/>
+          </a:p>
+        </p:txBody>
+      </p:sp>
+      <p:sp>
+        <p:nvSpPr>
+          <p:cNvPr id="4" name="Slide Number Placeholder 3"/>
+          <p:cNvSpPr>
+            <a:spLocks noGrp="1"/>
+          </p:cNvSpPr>
+          <p:nvPr>
+            <p:ph type="sldNum" sz="quarter" idx="10"/>
+          </p:nvPr>
+        </p:nvSpPr>
+        <p:spPr/>
+        <p:txBody>
+          <a:bodyPr/>
+          <a:lstStyle/>
+          <a:p>
+            <a:fld id="{2BF067CD-8E6B-4360-9AA8-C5DF2A48A6D1}" type="slidenum">
+              <a:rPr lang="en-US" smtClean="0"/>
+              <a:t>13</a:t>
+            </a:fld>
+            <a:endParaRPr lang="en-US" dirty="0"/>
+          </a:p>
+        </p:txBody>
+      </p:sp>
+      <p:sp>
+        <p:nvSpPr>
+          <p:cNvPr id="5" name="Footer Placeholder 4"/>
+          <p:cNvSpPr>
+            <a:spLocks noGrp="1"/>
+          </p:cNvSpPr>
+          <p:nvPr>
+            <p:ph type="ftr" sz="quarter" idx="11"/>
+          </p:nvPr>
+        </p:nvSpPr>
+        <p:spPr/>
+        <p:txBody>
+          <a:bodyPr/>
+          <a:lstStyle/>
+          <a:p>
+            <a:r>
+              <a:rPr lang="bg-BG" sz="1100" smtClean="0"/>
+              <a:t>Работна група </a:t>
+            </a:r>
+            <a:r>
+              <a:rPr lang="bg-BG" smtClean="0"/>
+              <a:t>"Образование по програмиране и ИТ"</a:t>
+            </a:r>
+            <a:r>
+              <a:rPr lang="bg-BG" sz="1100" smtClean="0"/>
+              <a:t>, с подкрепата на </a:t>
+            </a:r>
+            <a:r>
+              <a:rPr lang="en-US" sz="1100" smtClean="0">
+                <a:hlinkClick r:id="rId3"/>
+              </a:rPr>
+              <a:t>SoftUni</a:t>
+            </a:r>
+            <a:endParaRPr lang="en-US" sz="1100" dirty="0"/>
+          </a:p>
+        </p:txBody>
+      </p:sp>
+    </p:spTree>
+    <p:extLst>
+      <p:ext uri="{BB962C8B-B14F-4D97-AF65-F5344CB8AC3E}">
+        <p14:creationId xmlns:p14="http://schemas.microsoft.com/office/powerpoint/2010/main" val="1186293785"/>
+      </p:ext>
+    </p:extLst>
+  </p:cSld>
+  <p:clrMapOvr>
+    <a:masterClrMapping/>
+  </p:clrMapOvr>
+</p:notes>
+</file>
+
+<file path=ppt/notesSlides/notesSlide5.xml><?xml version="1.0" encoding="utf-8"?>
+<p:notes xmlns:a="http://schemas.openxmlformats.org/drawingml/2006/main" xmlns:r="http://schemas.openxmlformats.org/officeDocument/2006/relationships" xmlns:p="http://schemas.openxmlformats.org/presentationml/2006/main">
+  <p:cSld>
+    <p:spTree>
+      <p:nvGrpSpPr>
+        <p:cNvPr id="1" name=""/>
+        <p:cNvGrpSpPr/>
+        <p:nvPr/>
+      </p:nvGrpSpPr>
+      <p:grpSpPr>
+        <a:xfrm>
+          <a:off x="0" y="0"/>
+          <a:ext cx="0" cy="0"/>
+          <a:chOff x="0" y="0"/>
+          <a:chExt cx="0" cy="0"/>
+        </a:xfrm>
+      </p:grpSpPr>
+      <p:sp>
+        <p:nvSpPr>
+          <p:cNvPr id="2" name="Slide Image Placeholder 1"/>
+          <p:cNvSpPr>
+            <a:spLocks noGrp="1" noRot="1" noChangeAspect="1"/>
+          </p:cNvSpPr>
+          <p:nvPr>
+            <p:ph type="sldImg"/>
+          </p:nvPr>
+        </p:nvSpPr>
+        <p:spPr/>
+      </p:sp>
+      <p:sp>
+        <p:nvSpPr>
+          <p:cNvPr id="3" name="Notes Placeholder 2"/>
+          <p:cNvSpPr>
+            <a:spLocks noGrp="1"/>
+          </p:cNvSpPr>
+          <p:nvPr>
+            <p:ph type="body" idx="1"/>
+          </p:nvPr>
+        </p:nvSpPr>
+        <p:spPr/>
+        <p:txBody>
+          <a:bodyPr/>
+          <a:lstStyle/>
+          <a:p>
+            <a:endParaRPr lang="en-US" dirty="0"/>
+          </a:p>
+        </p:txBody>
+      </p:sp>
+      <p:sp>
+        <p:nvSpPr>
+          <p:cNvPr id="4" name="Slide Number Placeholder 3"/>
+          <p:cNvSpPr>
+            <a:spLocks noGrp="1"/>
+          </p:cNvSpPr>
+          <p:nvPr>
+            <p:ph type="sldNum" sz="quarter" idx="10"/>
+          </p:nvPr>
+        </p:nvSpPr>
+        <p:spPr/>
+        <p:txBody>
+          <a:bodyPr/>
+          <a:lstStyle/>
+          <a:p>
+            <a:fld id="{2BF067CD-8E6B-4360-9AA8-C5DF2A48A6D1}" type="slidenum">
+              <a:rPr lang="en-US" smtClean="0"/>
+              <a:t>15</a:t>
+            </a:fld>
+            <a:endParaRPr lang="en-US" dirty="0"/>
+          </a:p>
+        </p:txBody>
+      </p:sp>
+      <p:sp>
+        <p:nvSpPr>
+          <p:cNvPr id="5" name="Footer Placeholder 4"/>
+          <p:cNvSpPr>
+            <a:spLocks noGrp="1"/>
+          </p:cNvSpPr>
+          <p:nvPr>
+            <p:ph type="ftr" sz="quarter" idx="11"/>
+          </p:nvPr>
+        </p:nvSpPr>
+        <p:spPr/>
+        <p:txBody>
+          <a:bodyPr/>
+          <a:lstStyle/>
+          <a:p>
+            <a:r>
+              <a:rPr lang="bg-BG" sz="1100" smtClean="0"/>
+              <a:t>Работна група </a:t>
+            </a:r>
+            <a:r>
+              <a:rPr lang="bg-BG" smtClean="0"/>
+              <a:t>"Образование по програмиране и ИТ"</a:t>
+            </a:r>
+            <a:r>
+              <a:rPr lang="bg-BG" sz="1100" smtClean="0"/>
+              <a:t>, с подкрепата на </a:t>
+            </a:r>
+            <a:r>
+              <a:rPr lang="en-US" sz="1100" smtClean="0">
+                <a:hlinkClick r:id="rId3"/>
+              </a:rPr>
+              <a:t>SoftUni</a:t>
+            </a:r>
+            <a:endParaRPr lang="en-US" sz="1100" dirty="0"/>
+          </a:p>
+        </p:txBody>
+      </p:sp>
+    </p:spTree>
+    <p:extLst>
+      <p:ext uri="{BB962C8B-B14F-4D97-AF65-F5344CB8AC3E}">
+        <p14:creationId xmlns:p14="http://schemas.microsoft.com/office/powerpoint/2010/main" val="3638993445"/>
+      </p:ext>
+    </p:extLst>
+  </p:cSld>
+  <p:clrMapOvr>
+    <a:masterClrMapping/>
+  </p:clrMapOvr>
+</p:notes>
+</file>
+
+<file path=ppt/notesSlides/notesSlide6.xml><?xml version="1.0" encoding="utf-8"?>
+<p:notes xmlns:a="http://schemas.openxmlformats.org/drawingml/2006/main" xmlns:r="http://schemas.openxmlformats.org/officeDocument/2006/relationships" xmlns:p="http://schemas.openxmlformats.org/presentationml/2006/main">
+  <p:cSld>
+    <p:spTree>
+      <p:nvGrpSpPr>
+        <p:cNvPr id="1" name=""/>
+        <p:cNvGrpSpPr/>
+        <p:nvPr/>
+      </p:nvGrpSpPr>
+      <p:grpSpPr>
+        <a:xfrm>
+          <a:off x="0" y="0"/>
+          <a:ext cx="0" cy="0"/>
+          <a:chOff x="0" y="0"/>
+          <a:chExt cx="0" cy="0"/>
+        </a:xfrm>
+      </p:grpSpPr>
+      <p:sp>
+        <p:nvSpPr>
+          <p:cNvPr id="2" name="Slide Image Placeholder 1"/>
+          <p:cNvSpPr>
+            <a:spLocks noGrp="1" noRot="1" noChangeAspect="1"/>
+          </p:cNvSpPr>
+          <p:nvPr>
+            <p:ph type="sldImg"/>
+          </p:nvPr>
+        </p:nvSpPr>
+        <p:spPr/>
+      </p:sp>
+      <p:sp>
+        <p:nvSpPr>
+          <p:cNvPr id="3" name="Notes Placeholder 2"/>
+          <p:cNvSpPr>
+            <a:spLocks noGrp="1"/>
+          </p:cNvSpPr>
+          <p:nvPr>
+            <p:ph type="body" idx="1"/>
+          </p:nvPr>
+        </p:nvSpPr>
+        <p:spPr/>
+        <p:txBody>
+          <a:bodyPr/>
+          <a:lstStyle/>
+          <a:p>
+            <a:endParaRPr lang="en-US" dirty="0"/>
+          </a:p>
+        </p:txBody>
+      </p:sp>
+      <p:sp>
+        <p:nvSpPr>
           <p:cNvPr id="4" name="Footer Placeholder 3"/>
           <p:cNvSpPr>
             <a:spLocks noGrp="1"/>
@@ -1248,7 +3804,7 @@
             <a:fld id="{3EBA5BD7-F043-4D1B-AA17-CD412FC534DE}" type="slidenum">
               <a:rPr lang="en-US" smtClean="0"/>
               <a:pPr/>
-              <a:t>11</a:t>
+              <a:t>18</a:t>
             </a:fld>
             <a:endParaRPr lang="en-US" dirty="0"/>
           </a:p>
@@ -1257,7 +3813,7 @@
     </p:spTree>
     <p:extLst>
       <p:ext uri="{BB962C8B-B14F-4D97-AF65-F5344CB8AC3E}">
-        <p14:creationId xmlns:p14="http://schemas.microsoft.com/office/powerpoint/2010/main" val="2505804726"/>
+        <p14:creationId xmlns:p14="http://schemas.microsoft.com/office/powerpoint/2010/main" val="951320595"/>
       </p:ext>
     </p:extLst>
   </p:cSld>
@@ -1267,7 +3823,7 @@
 </p:notes>
 </file>
 
-<file path=ppt/notesSlides/notesSlide4.xml><?xml version="1.0" encoding="utf-8"?>
+<file path=ppt/notesSlides/notesSlide7.xml><?xml version="1.0" encoding="utf-8"?>
 <p:notes xmlns:a="http://schemas.openxmlformats.org/drawingml/2006/main" xmlns:r="http://schemas.openxmlformats.org/officeDocument/2006/relationships" xmlns:p="http://schemas.openxmlformats.org/presentationml/2006/main">
   <p:cSld>
     <p:spTree>
@@ -1439,7 +3995,7 @@
             <a:fld id="{3EBA5BD7-F043-4D1B-AA17-CD412FC534DE}" type="slidenum">
               <a:rPr lang="en-US" smtClean="0"/>
               <a:pPr/>
-              <a:t>12</a:t>
+              <a:t>19</a:t>
             </a:fld>
             <a:endParaRPr lang="en-US" dirty="0"/>
           </a:p>
@@ -1497,7 +4053,7 @@
 </p:notes>
 </file>
 
-<file path=ppt/notesSlides/notesSlide5.xml><?xml version="1.0" encoding="utf-8"?>
+<file path=ppt/notesSlides/notesSlide8.xml><?xml version="1.0" encoding="utf-8"?>
 <p:notes xmlns:a="http://schemas.openxmlformats.org/drawingml/2006/main" xmlns:r="http://schemas.openxmlformats.org/officeDocument/2006/relationships" xmlns:p="http://schemas.openxmlformats.org/presentationml/2006/main">
   <p:cSld>
     <p:spTree>
@@ -1669,7 +4225,7 @@
             <a:fld id="{3EBA5BD7-F043-4D1B-AA17-CD412FC534DE}" type="slidenum">
               <a:rPr lang="en-US" smtClean="0"/>
               <a:pPr/>
-              <a:t>13</a:t>
+              <a:t>20</a:t>
             </a:fld>
             <a:endParaRPr lang="en-US" dirty="0"/>
           </a:p>
@@ -7132,7 +9688,277 @@
       </p:sp>
       <p:sp>
         <p:nvSpPr>
-          <p:cNvPr id="3" name="Text Placeholder 2"/>
+          <p:cNvPr id="4" name="Title 3"/>
+          <p:cNvSpPr>
+            <a:spLocks noGrp="1"/>
+          </p:cNvSpPr>
+          <p:nvPr>
+            <p:ph type="title"/>
+          </p:nvPr>
+        </p:nvSpPr>
+        <p:spPr/>
+        <p:txBody>
+          <a:bodyPr/>
+          <a:lstStyle/>
+          <a:p>
+            <a:r>
+              <a:rPr lang="bg-BG" dirty="0"/>
+              <a:t>͏Форматиране на </a:t>
+            </a:r>
+            <a:r>
+              <a:rPr lang="bg-BG" dirty="0" smtClean="0"/>
+              <a:t>данни</a:t>
+            </a:r>
+            <a:r>
+              <a:rPr lang="en-US" dirty="0" smtClean="0"/>
+              <a:t> </a:t>
+            </a:r>
+            <a:r>
+              <a:rPr lang="bg-BG" dirty="0" smtClean="0"/>
+              <a:t>в клетки – Видео</a:t>
+            </a:r>
+            <a:endParaRPr lang="en-US" dirty="0"/>
+          </a:p>
+        </p:txBody>
+      </p:sp>
+      <p:pic>
+        <p:nvPicPr>
+          <p:cNvPr id="5" name="Picture 4"/>
+          <p:cNvPicPr>
+            <a:picLocks noChangeAspect="1"/>
+          </p:cNvPicPr>
+          <p:nvPr/>
+        </p:nvPicPr>
+        <p:blipFill>
+          <a:blip r:embed="rId2">
+            <a:extLst>
+              <a:ext uri="{28A0092B-C50C-407E-A947-70E740481C1C}">
+                <a14:useLocalDpi xmlns:a14="http://schemas.microsoft.com/office/drawing/2010/main" val="0"/>
+              </a:ext>
+            </a:extLst>
+          </a:blip>
+          <a:stretch>
+            <a:fillRect/>
+          </a:stretch>
+        </p:blipFill>
+        <p:spPr>
+          <a:xfrm>
+            <a:off x="0" y="1092500"/>
+            <a:ext cx="12192000" cy="6552162"/>
+          </a:xfrm>
+          <a:prstGeom prst="rect">
+            <a:avLst/>
+          </a:prstGeom>
+        </p:spPr>
+      </p:pic>
+    </p:spTree>
+    <p:extLst>
+      <p:ext uri="{BB962C8B-B14F-4D97-AF65-F5344CB8AC3E}">
+        <p14:creationId xmlns:p14="http://schemas.microsoft.com/office/powerpoint/2010/main" val="1910395664"/>
+      </p:ext>
+    </p:extLst>
+  </p:cSld>
+  <p:clrMapOvr>
+    <a:masterClrMapping/>
+  </p:clrMapOvr>
+  <mc:AlternateContent xmlns:mc="http://schemas.openxmlformats.org/markup-compatibility/2006" xmlns:p14="http://schemas.microsoft.com/office/powerpoint/2010/main">
+    <mc:Choice Requires="p14">
+      <p:transition spd="slow" p14:dur="2000" advClick="0" advTm="5000"/>
+    </mc:Choice>
+    <mc:Fallback xmlns="">
+      <p:transition spd="slow" advClick="0" advTm="5000"/>
+    </mc:Fallback>
+  </mc:AlternateContent>
+  <p:timing>
+    <p:tnLst>
+      <p:par>
+        <p:cTn id="1" dur="indefinite" restart="never" nodeType="tmRoot"/>
+      </p:par>
+    </p:tnLst>
+  </p:timing>
+</p:sld>
+</file>
+
+<file path=ppt/slides/slide11.xml><?xml version="1.0" encoding="utf-8"?>
+<p:sld xmlns:a="http://schemas.openxmlformats.org/drawingml/2006/main" xmlns:r="http://schemas.openxmlformats.org/officeDocument/2006/relationships" xmlns:p="http://schemas.openxmlformats.org/presentationml/2006/main">
+  <p:cSld>
+    <p:spTree>
+      <p:nvGrpSpPr>
+        <p:cNvPr id="1" name=""/>
+        <p:cNvGrpSpPr/>
+        <p:nvPr/>
+      </p:nvGrpSpPr>
+      <p:grpSpPr>
+        <a:xfrm>
+          <a:off x="0" y="0"/>
+          <a:ext cx="0" cy="0"/>
+          <a:chOff x="0" y="0"/>
+          <a:chExt cx="0" cy="0"/>
+        </a:xfrm>
+      </p:grpSpPr>
+      <p:sp>
+        <p:nvSpPr>
+          <p:cNvPr id="6" name="Subtitle 5"/>
+          <p:cNvSpPr>
+            <a:spLocks noGrp="1"/>
+          </p:cNvSpPr>
+          <p:nvPr>
+            <p:ph type="subTitle" sz="quarter" idx="11"/>
+          </p:nvPr>
+        </p:nvSpPr>
+        <p:spPr/>
+        <p:txBody>
+          <a:bodyPr/>
+          <a:lstStyle/>
+          <a:p>
+            <a:r>
+              <a:rPr lang="bg-BG" dirty="0" smtClean="0"/>
+              <a:t>Същност</a:t>
+            </a:r>
+            <a:endParaRPr lang="en-US" dirty="0"/>
+          </a:p>
+        </p:txBody>
+      </p:sp>
+      <p:sp>
+        <p:nvSpPr>
+          <p:cNvPr id="5" name="Title 4"/>
+          <p:cNvSpPr>
+            <a:spLocks noGrp="1"/>
+          </p:cNvSpPr>
+          <p:nvPr>
+            <p:ph type="title" sz="quarter" idx="10"/>
+          </p:nvPr>
+        </p:nvSpPr>
+        <p:spPr/>
+        <p:txBody>
+          <a:bodyPr/>
+          <a:lstStyle/>
+          <a:p>
+            <a:r>
+              <a:rPr lang="bg-BG" dirty="0" smtClean="0"/>
+              <a:t>Диаграми</a:t>
+            </a:r>
+            <a:endParaRPr lang="en-US" dirty="0"/>
+          </a:p>
+        </p:txBody>
+      </p:sp>
+      <p:sp>
+        <p:nvSpPr>
+          <p:cNvPr id="2" name="Slide Number Placeholder 1"/>
+          <p:cNvSpPr>
+            <a:spLocks noGrp="1"/>
+          </p:cNvSpPr>
+          <p:nvPr>
+            <p:ph type="sldNum" sz="quarter" idx="4294967295"/>
+          </p:nvPr>
+        </p:nvSpPr>
+        <p:spPr>
+          <a:xfrm>
+            <a:off x="11823700" y="6507163"/>
+            <a:ext cx="368300" cy="296862"/>
+          </a:xfrm>
+          <a:prstGeom prst="rect">
+            <a:avLst/>
+          </a:prstGeom>
+        </p:spPr>
+        <p:txBody>
+          <a:bodyPr/>
+          <a:lstStyle/>
+          <a:p>
+            <a:fld id="{2BF067CD-8E6B-4360-9AA8-C5DF2A48A6D1}" type="slidenum">
+              <a:rPr lang="en-US" noProof="0" smtClean="0"/>
+              <a:pPr/>
+              <a:t>11</a:t>
+            </a:fld>
+            <a:endParaRPr lang="en-US" noProof="0" dirty="0"/>
+          </a:p>
+        </p:txBody>
+      </p:sp>
+      <p:pic>
+        <p:nvPicPr>
+          <p:cNvPr id="7" name="Picture 6"/>
+          <p:cNvPicPr>
+            <a:picLocks noChangeAspect="1"/>
+          </p:cNvPicPr>
+          <p:nvPr/>
+        </p:nvPicPr>
+        <p:blipFill>
+          <a:blip r:embed="rId3">
+            <a:extLst>
+              <a:ext uri="{28A0092B-C50C-407E-A947-70E740481C1C}">
+                <a14:useLocalDpi xmlns:a14="http://schemas.microsoft.com/office/drawing/2010/main" val="0"/>
+              </a:ext>
+            </a:extLst>
+          </a:blip>
+          <a:stretch>
+            <a:fillRect/>
+          </a:stretch>
+        </p:blipFill>
+        <p:spPr>
+          <a:xfrm>
+            <a:off x="2674300" y="639000"/>
+            <a:ext cx="6843400" cy="3849413"/>
+          </a:xfrm>
+          <a:prstGeom prst="rect">
+            <a:avLst/>
+          </a:prstGeom>
+          <a:ln>
+            <a:solidFill>
+              <a:schemeClr val="bg2">
+                <a:lumMod val="75000"/>
+              </a:schemeClr>
+            </a:solidFill>
+          </a:ln>
+        </p:spPr>
+      </p:pic>
+    </p:spTree>
+    <p:extLst>
+      <p:ext uri="{BB962C8B-B14F-4D97-AF65-F5344CB8AC3E}">
+        <p14:creationId xmlns:p14="http://schemas.microsoft.com/office/powerpoint/2010/main" val="1463267963"/>
+      </p:ext>
+    </p:extLst>
+  </p:cSld>
+  <p:clrMapOvr>
+    <a:masterClrMapping/>
+  </p:clrMapOvr>
+  <mc:AlternateContent xmlns:mc="http://schemas.openxmlformats.org/markup-compatibility/2006" xmlns:p14="http://schemas.microsoft.com/office/powerpoint/2010/main">
+    <mc:Choice Requires="p14">
+      <p:transition spd="slow" p14:dur="2000" advClick="0" advTm="5000"/>
+    </mc:Choice>
+    <mc:Fallback xmlns="">
+      <p:transition spd="slow" advClick="0" advTm="5000"/>
+    </mc:Fallback>
+  </mc:AlternateContent>
+  <p:timing>
+    <p:tnLst>
+      <p:par>
+        <p:cTn id="1" dur="indefinite" restart="never" nodeType="tmRoot"/>
+      </p:par>
+    </p:tnLst>
+  </p:timing>
+</p:sld>
+</file>
+
+<file path=ppt/slides/slide12.xml><?xml version="1.0" encoding="utf-8"?>
+<p:sld xmlns:a="http://schemas.openxmlformats.org/drawingml/2006/main" xmlns:r="http://schemas.openxmlformats.org/officeDocument/2006/relationships" xmlns:p="http://schemas.openxmlformats.org/presentationml/2006/main">
+  <p:cSld>
+    <p:spTree>
+      <p:nvGrpSpPr>
+        <p:cNvPr id="1" name=""/>
+        <p:cNvGrpSpPr/>
+        <p:nvPr/>
+      </p:nvGrpSpPr>
+      <p:grpSpPr>
+        <a:xfrm>
+          <a:off x="0" y="0"/>
+          <a:ext cx="0" cy="0"/>
+          <a:chOff x="0" y="0"/>
+          <a:chExt cx="0" cy="0"/>
+        </a:xfrm>
+      </p:grpSpPr>
+      <p:sp>
+        <p:nvSpPr>
+          <p:cNvPr id="5" name="Text Placeholder 4"/>
           <p:cNvSpPr>
             <a:spLocks noGrp="1"/>
           </p:cNvSpPr>
@@ -7140,12 +9966,120 @@
             <p:ph type="body" sz="quarter" idx="10"/>
           </p:nvPr>
         </p:nvSpPr>
-        <p:spPr/>
+        <p:spPr>
+          <a:xfrm>
+            <a:off x="190402" y="1196125"/>
+            <a:ext cx="11800598" cy="5528766"/>
+          </a:xfrm>
+        </p:spPr>
         <p:txBody>
           <a:bodyPr/>
           <a:lstStyle/>
           <a:p>
-            <a:endParaRPr lang="en-US"/>
+            <a:r>
+              <a:rPr lang="bg-BG" b="1" dirty="0" smtClean="0"/>
+              <a:t>͏</a:t>
+            </a:r>
+            <a:r>
+              <a:rPr lang="bg-BG" b="1" dirty="0" smtClean="0">
+                <a:solidFill>
+                  <a:schemeClr val="bg1"/>
+                </a:solidFill>
+              </a:rPr>
+              <a:t>Диаграми</a:t>
+            </a:r>
+            <a:r>
+              <a:rPr lang="bg-BG" dirty="0" smtClean="0"/>
+              <a:t> – </a:t>
+            </a:r>
+            <a:r>
+              <a:rPr lang="bg-BG" b="1" dirty="0" smtClean="0"/>
+              <a:t>графично онагледяване </a:t>
+            </a:r>
+            <a:r>
+              <a:rPr lang="bg-BG" dirty="0" smtClean="0"/>
+              <a:t>на числовата </a:t>
+            </a:r>
+            <a:r>
+              <a:rPr lang="bg-BG" b="1" dirty="0" smtClean="0"/>
+              <a:t>информация</a:t>
+            </a:r>
+          </a:p>
+          <a:p>
+            <a:pPr lvl="1"/>
+            <a:r>
+              <a:rPr lang="bg-BG" dirty="0" smtClean="0"/>
+              <a:t>Улеснява </a:t>
+            </a:r>
+            <a:r>
+              <a:rPr lang="bg-BG" b="1" dirty="0" smtClean="0"/>
+              <a:t>сравняването на стойности</a:t>
+            </a:r>
+          </a:p>
+          <a:p>
+            <a:pPr lvl="1"/>
+            <a:r>
+              <a:rPr lang="bg-BG" dirty="0" smtClean="0"/>
+              <a:t>Помага </a:t>
+            </a:r>
+            <a:r>
+              <a:rPr lang="bg-BG" b="1" dirty="0" smtClean="0"/>
+              <a:t>анализирането на данни</a:t>
+            </a:r>
+          </a:p>
+          <a:p>
+            <a:r>
+              <a:rPr lang="bg-BG" b="1" dirty="0" smtClean="0"/>
+              <a:t>Данните</a:t>
+            </a:r>
+            <a:r>
+              <a:rPr lang="bg-BG" dirty="0" smtClean="0"/>
+              <a:t> и </a:t>
+            </a:r>
+            <a:r>
+              <a:rPr lang="bg-BG" b="1" dirty="0" smtClean="0"/>
+              <a:t>графичната</a:t>
+            </a:r>
+            <a:r>
+              <a:rPr lang="bg-BG" dirty="0" smtClean="0"/>
+              <a:t> им интерпретация са </a:t>
+            </a:r>
+            <a:r>
+              <a:rPr lang="bg-BG" b="1" dirty="0" smtClean="0"/>
+              <a:t>логически свързани</a:t>
+            </a:r>
+          </a:p>
+          <a:p>
+            <a:pPr lvl="1"/>
+            <a:r>
+              <a:rPr lang="bg-BG" b="1" dirty="0" smtClean="0"/>
+              <a:t>Изменението</a:t>
+            </a:r>
+            <a:r>
+              <a:rPr lang="bg-BG" dirty="0" smtClean="0"/>
+              <a:t> на </a:t>
+            </a:r>
+            <a:r>
+              <a:rPr lang="bg-BG" b="1" dirty="0" smtClean="0"/>
+              <a:t>данните</a:t>
+            </a:r>
+            <a:r>
+              <a:rPr lang="bg-BG" dirty="0" smtClean="0"/>
+              <a:t> води до </a:t>
+            </a:r>
+            <a:r>
+              <a:rPr lang="bg-BG" b="1" dirty="0" smtClean="0"/>
+              <a:t>автоматично изменение </a:t>
+            </a:r>
+            <a:r>
+              <a:rPr lang="bg-BG" dirty="0" smtClean="0"/>
+              <a:t>на </a:t>
+            </a:r>
+            <a:r>
+              <a:rPr lang="bg-BG" b="1" dirty="0" smtClean="0"/>
+              <a:t>диграмата</a:t>
+            </a:r>
+            <a:endParaRPr lang="en-US" b="1" dirty="0"/>
           </a:p>
         </p:txBody>
       </p:sp>
@@ -7166,174 +10100,252 @@
           <a:p>
             <a:r>
               <a:rPr lang="bg-BG" dirty="0" smtClean="0"/>
-              <a:t>Форматиране на подравняване на клетки</a:t>
+              <a:t>Диаграми</a:t>
             </a:r>
             <a:endParaRPr lang="en-US" dirty="0"/>
           </a:p>
         </p:txBody>
       </p:sp>
-      <p:grpSp>
-        <p:nvGrpSpPr>
-          <p:cNvPr id="10" name="Group 9"/>
-          <p:cNvGrpSpPr/>
-          <p:nvPr/>
-        </p:nvGrpSpPr>
-        <p:grpSpPr>
-          <a:xfrm>
-            <a:off x="0" y="1067041"/>
-            <a:ext cx="12192000" cy="5781959"/>
-            <a:chOff x="0" y="1067041"/>
-            <a:chExt cx="12192000" cy="5781959"/>
-          </a:xfrm>
-        </p:grpSpPr>
-        <p:pic>
-          <p:nvPicPr>
-            <p:cNvPr id="5" name="Picture 4"/>
-            <p:cNvPicPr>
-              <a:picLocks noChangeAspect="1"/>
-            </p:cNvPicPr>
-            <p:nvPr/>
-          </p:nvPicPr>
-          <p:blipFill rotWithShape="1">
-            <a:blip r:embed="rId2">
-              <a:extLst>
-                <a:ext uri="{28A0092B-C50C-407E-A947-70E740481C1C}">
-                  <a14:useLocalDpi xmlns:a14="http://schemas.microsoft.com/office/drawing/2010/main" val="0"/>
-                </a:ext>
-              </a:extLst>
-            </a:blip>
-            <a:srcRect b="15690"/>
-            <a:stretch/>
-          </p:blipFill>
-          <p:spPr>
-            <a:xfrm>
-              <a:off x="0" y="1067041"/>
-              <a:ext cx="12192000" cy="5781959"/>
-            </a:xfrm>
-            <a:prstGeom prst="rect">
-              <a:avLst/>
-            </a:prstGeom>
-          </p:spPr>
-        </p:pic>
-        <p:pic>
-          <p:nvPicPr>
-            <p:cNvPr id="9" name="Picture 8"/>
-            <p:cNvPicPr>
-              <a:picLocks noChangeAspect="1"/>
-            </p:cNvPicPr>
-            <p:nvPr/>
-          </p:nvPicPr>
-          <p:blipFill>
-            <a:blip r:embed="rId3">
-              <a:extLst>
-                <a:ext uri="{28A0092B-C50C-407E-A947-70E740481C1C}">
-                  <a14:useLocalDpi xmlns:a14="http://schemas.microsoft.com/office/drawing/2010/main" val="0"/>
-                </a:ext>
-              </a:extLst>
-            </a:blip>
-            <a:stretch>
-              <a:fillRect/>
-            </a:stretch>
-          </p:blipFill>
-          <p:spPr>
-            <a:xfrm>
-              <a:off x="3711000" y="1989000"/>
-              <a:ext cx="5020376" cy="4401164"/>
-            </a:xfrm>
-            <a:prstGeom prst="rect">
-              <a:avLst/>
-            </a:prstGeom>
-            <a:ln>
-              <a:solidFill>
-                <a:schemeClr val="bg2">
-                  <a:lumMod val="75000"/>
-                </a:schemeClr>
-              </a:solidFill>
-            </a:ln>
-          </p:spPr>
-        </p:pic>
-      </p:grpSp>
+    </p:spTree>
+    <p:extLst>
+      <p:ext uri="{BB962C8B-B14F-4D97-AF65-F5344CB8AC3E}">
+        <p14:creationId xmlns:p14="http://schemas.microsoft.com/office/powerpoint/2010/main" val="785580430"/>
+      </p:ext>
+    </p:extLst>
+  </p:cSld>
+  <p:clrMapOvr>
+    <a:masterClrMapping/>
+  </p:clrMapOvr>
+  <mc:AlternateContent xmlns:mc="http://schemas.openxmlformats.org/markup-compatibility/2006" xmlns:p14="http://schemas.microsoft.com/office/powerpoint/2010/main">
+    <mc:Choice Requires="p14">
+      <p:transition spd="slow" p14:dur="2000" advClick="0" advTm="5000"/>
+    </mc:Choice>
+    <mc:Fallback xmlns="">
+      <p:transition spd="slow" advClick="0" advTm="5000"/>
+    </mc:Fallback>
+  </mc:AlternateContent>
+  <p:timing>
+    <p:tnLst>
+      <p:par>
+        <p:cTn id="1" dur="indefinite" restart="never" nodeType="tmRoot">
+          <p:childTnLst>
+            <p:seq concurrent="1" nextAc="seek">
+              <p:cTn id="2" dur="indefinite" nodeType="mainSeq">
+                <p:childTnLst>
+                  <p:par>
+                    <p:cTn id="3" fill="hold">
+                      <p:stCondLst>
+                        <p:cond delay="indefinite"/>
+                      </p:stCondLst>
+                      <p:childTnLst>
+                        <p:par>
+                          <p:cTn id="4" fill="hold">
+                            <p:stCondLst>
+                              <p:cond delay="0"/>
+                            </p:stCondLst>
+                            <p:childTnLst>
+                              <p:par>
+                                <p:cTn id="5" presetID="1" presetClass="entr" presetSubtype="0" fill="hold" nodeType="clickEffect">
+                                  <p:stCondLst>
+                                    <p:cond delay="0"/>
+                                  </p:stCondLst>
+                                  <p:childTnLst>
+                                    <p:set>
+                                      <p:cBhvr>
+                                        <p:cTn id="6" dur="1" fill="hold">
+                                          <p:stCondLst>
+                                            <p:cond delay="0"/>
+                                          </p:stCondLst>
+                                        </p:cTn>
+                                        <p:tgtEl>
+                                          <p:spTgt spid="5">
+                                            <p:txEl>
+                                              <p:pRg st="2" end="2"/>
+                                            </p:txEl>
+                                          </p:spTgt>
+                                        </p:tgtEl>
+                                        <p:attrNameLst>
+                                          <p:attrName>style.visibility</p:attrName>
+                                        </p:attrNameLst>
+                                      </p:cBhvr>
+                                      <p:to>
+                                        <p:strVal val="visible"/>
+                                      </p:to>
+                                    </p:set>
+                                  </p:childTnLst>
+                                </p:cTn>
+                              </p:par>
+                            </p:childTnLst>
+                          </p:cTn>
+                        </p:par>
+                      </p:childTnLst>
+                    </p:cTn>
+                  </p:par>
+                  <p:par>
+                    <p:cTn id="7" fill="hold">
+                      <p:stCondLst>
+                        <p:cond delay="indefinite"/>
+                      </p:stCondLst>
+                      <p:childTnLst>
+                        <p:par>
+                          <p:cTn id="8" fill="hold">
+                            <p:stCondLst>
+                              <p:cond delay="0"/>
+                            </p:stCondLst>
+                            <p:childTnLst>
+                              <p:par>
+                                <p:cTn id="9" presetID="1" presetClass="entr" presetSubtype="0" fill="hold" nodeType="clickEffect">
+                                  <p:stCondLst>
+                                    <p:cond delay="0"/>
+                                  </p:stCondLst>
+                                  <p:childTnLst>
+                                    <p:set>
+                                      <p:cBhvr>
+                                        <p:cTn id="10" dur="1" fill="hold">
+                                          <p:stCondLst>
+                                            <p:cond delay="0"/>
+                                          </p:stCondLst>
+                                        </p:cTn>
+                                        <p:tgtEl>
+                                          <p:spTgt spid="5">
+                                            <p:txEl>
+                                              <p:pRg st="3" end="3"/>
+                                            </p:txEl>
+                                          </p:spTgt>
+                                        </p:tgtEl>
+                                        <p:attrNameLst>
+                                          <p:attrName>style.visibility</p:attrName>
+                                        </p:attrNameLst>
+                                      </p:cBhvr>
+                                      <p:to>
+                                        <p:strVal val="visible"/>
+                                      </p:to>
+                                    </p:set>
+                                  </p:childTnLst>
+                                </p:cTn>
+                              </p:par>
+                              <p:par>
+                                <p:cTn id="11" presetID="1" presetClass="entr" presetSubtype="0" fill="hold" nodeType="withEffect">
+                                  <p:stCondLst>
+                                    <p:cond delay="0"/>
+                                  </p:stCondLst>
+                                  <p:childTnLst>
+                                    <p:set>
+                                      <p:cBhvr>
+                                        <p:cTn id="12" dur="1" fill="hold">
+                                          <p:stCondLst>
+                                            <p:cond delay="0"/>
+                                          </p:stCondLst>
+                                        </p:cTn>
+                                        <p:tgtEl>
+                                          <p:spTgt spid="5">
+                                            <p:txEl>
+                                              <p:pRg st="4" end="4"/>
+                                            </p:txEl>
+                                          </p:spTgt>
+                                        </p:tgtEl>
+                                        <p:attrNameLst>
+                                          <p:attrName>style.visibility</p:attrName>
+                                        </p:attrNameLst>
+                                      </p:cBhvr>
+                                      <p:to>
+                                        <p:strVal val="visible"/>
+                                      </p:to>
+                                    </p:set>
+                                  </p:childTnLst>
+                                </p:cTn>
+                              </p:par>
+                            </p:childTnLst>
+                          </p:cTn>
+                        </p:par>
+                      </p:childTnLst>
+                    </p:cTn>
+                  </p:par>
+                </p:childTnLst>
+              </p:cTn>
+              <p:prevCondLst>
+                <p:cond evt="onPrev" delay="0">
+                  <p:tgtEl>
+                    <p:sldTgt/>
+                  </p:tgtEl>
+                </p:cond>
+              </p:prevCondLst>
+              <p:nextCondLst>
+                <p:cond evt="onNext" delay="0">
+                  <p:tgtEl>
+                    <p:sldTgt/>
+                  </p:tgtEl>
+                </p:cond>
+              </p:nextCondLst>
+            </p:seq>
+          </p:childTnLst>
+        </p:cTn>
+      </p:par>
+    </p:tnLst>
+  </p:timing>
+</p:sld>
+</file>
+
+<file path=ppt/slides/slide13.xml><?xml version="1.0" encoding="utf-8"?>
+<p:sld xmlns:a="http://schemas.openxmlformats.org/drawingml/2006/main" xmlns:r="http://schemas.openxmlformats.org/officeDocument/2006/relationships" xmlns:p="http://schemas.openxmlformats.org/presentationml/2006/main">
+  <p:cSld>
+    <p:spTree>
+      <p:nvGrpSpPr>
+        <p:cNvPr id="1" name=""/>
+        <p:cNvGrpSpPr/>
+        <p:nvPr/>
+      </p:nvGrpSpPr>
+      <p:grpSpPr>
+        <a:xfrm>
+          <a:off x="0" y="0"/>
+          <a:ext cx="0" cy="0"/>
+          <a:chOff x="0" y="0"/>
+          <a:chExt cx="0" cy="0"/>
+        </a:xfrm>
+      </p:grpSpPr>
+      <p:graphicFrame>
+        <p:nvGraphicFramePr>
+          <p:cNvPr id="7" name="Chart 6">
+            <a:extLst>
+              <a:ext uri="{FF2B5EF4-FFF2-40B4-BE49-F238E27FC236}">
+                <a16:creationId xmlns:a16="http://schemas.microsoft.com/office/drawing/2014/main" id="{BABD724F-4760-4F3C-B43D-646720295884}"/>
+              </a:ext>
+            </a:extLst>
+          </p:cNvPr>
+          <p:cNvGraphicFramePr/>
+          <p:nvPr>
+            <p:extLst>
+              <p:ext uri="{D42A27DB-BD31-4B8C-83A1-F6EECF244321}">
+                <p14:modId xmlns:p14="http://schemas.microsoft.com/office/powerpoint/2010/main" val="2683051181"/>
+              </p:ext>
+            </p:extLst>
+          </p:nvPr>
+        </p:nvGraphicFramePr>
+        <p:xfrm>
+          <a:off x="2638105" y="1764369"/>
+          <a:ext cx="6905625" cy="4772025"/>
+        </p:xfrm>
+        <a:graphic>
+          <a:graphicData uri="http://schemas.openxmlformats.org/drawingml/2006/chart">
+            <c:chart xmlns:c="http://schemas.openxmlformats.org/drawingml/2006/chart" xmlns:r="http://schemas.openxmlformats.org/officeDocument/2006/relationships" r:id="rId3"/>
+          </a:graphicData>
+        </a:graphic>
+      </p:graphicFrame>
       <p:sp>
         <p:nvSpPr>
-          <p:cNvPr id="11" name="Rectangle 10"/>
+          <p:cNvPr id="17" name="Rounded Rectangular Callout 16"/>
           <p:cNvSpPr/>
           <p:nvPr/>
         </p:nvSpPr>
         <p:spPr bwMode="auto">
           <a:xfrm>
-            <a:off x="3814274" y="2620926"/>
-            <a:ext cx="2596726" cy="1213074"/>
-          </a:xfrm>
-          <a:prstGeom prst="rect">
-            <a:avLst/>
-          </a:prstGeom>
-          <a:noFill/>
-          <a:ln w="38100">
-            <a:solidFill>
-              <a:schemeClr val="tx1">
-                <a:lumMod val="75000"/>
-                <a:alpha val="80000"/>
-              </a:schemeClr>
-            </a:solidFill>
-          </a:ln>
-          <a:effectLst/>
-        </p:spPr>
-        <p:style>
-          <a:lnRef idx="2">
-            <a:schemeClr val="accent1">
-              <a:shade val="50000"/>
-            </a:schemeClr>
-          </a:lnRef>
-          <a:fillRef idx="1001">
-            <a:schemeClr val="dk2"/>
-          </a:fillRef>
-          <a:effectRef idx="0">
-            <a:schemeClr val="accent1"/>
-          </a:effectRef>
-          <a:fontRef idx="minor">
-            <a:schemeClr val="lt1"/>
-          </a:fontRef>
-        </p:style>
-        <p:txBody>
-          <a:bodyPr rot="0" spcFirstLastPara="0" vertOverflow="overflow" horzOverflow="overflow" vert="horz" wrap="square" lIns="91440" tIns="45720" rIns="91440" bIns="45720" numCol="1" spcCol="0" rtlCol="0" fromWordArt="0" anchor="ctr" anchorCtr="0" forceAA="0" compatLnSpc="1">
-            <a:prstTxWarp prst="textNoShape">
-              <a:avLst/>
-            </a:prstTxWarp>
-            <a:noAutofit/>
-          </a:bodyPr>
-          <a:lstStyle/>
-          <a:p>
-            <a:pPr algn="ctr"/>
-            <a:endParaRPr lang="en-US" sz="2800" b="1" dirty="0">
-              <a:solidFill>
-                <a:srgbClr val="FFFFFF"/>
-              </a:solidFill>
-              <a:effectLst>
-                <a:outerShdw blurRad="38100" dist="38100" dir="2700000" algn="tl">
-                  <a:srgbClr val="000000">
-                    <a:alpha val="43137"/>
-                  </a:srgbClr>
-                </a:outerShdw>
-              </a:effectLst>
-            </a:endParaRPr>
-          </a:p>
-        </p:txBody>
-      </p:sp>
-      <p:sp>
-        <p:nvSpPr>
-          <p:cNvPr id="12" name="Rounded Rectangular Callout 11"/>
-          <p:cNvSpPr/>
-          <p:nvPr/>
-        </p:nvSpPr>
-        <p:spPr bwMode="auto">
-          <a:xfrm>
-            <a:off x="1169054" y="1369891"/>
-            <a:ext cx="2541946" cy="990000"/>
+            <a:off x="86144" y="5353395"/>
+            <a:ext cx="2659783" cy="1440000"/>
           </a:xfrm>
           <a:prstGeom prst="wedgeRoundRectCallout">
             <a:avLst>
-              <a:gd name="adj1" fmla="val 53688"/>
-              <a:gd name="adj2" fmla="val 101438"/>
+              <a:gd name="adj1" fmla="val 63624"/>
+              <a:gd name="adj2" fmla="val 9718"/>
               <a:gd name="adj3" fmla="val 16667"/>
             </a:avLst>
           </a:prstGeom>
@@ -7378,21 +10390,6 @@
           <a:lstStyle/>
           <a:p>
             <a:pPr algn="ctr"/>
-            <a:r>
-              <a:rPr lang="bg-BG" sz="2800" b="1" dirty="0" smtClean="0">
-                <a:solidFill>
-                  <a:srgbClr val="FFFFFF"/>
-                </a:solidFill>
-                <a:effectLst>
-                  <a:outerShdw blurRad="38100" dist="38100" dir="2700000" algn="tl">
-                    <a:srgbClr val="000000">
-                      <a:alpha val="43137"/>
-                    </a:srgbClr>
-                  </a:outerShdw>
-                </a:effectLst>
-              </a:rPr>
-              <a:t>Подравняване на текст</a:t>
-            </a:r>
             <a:endParaRPr lang="en-US" sz="2800" b="1" dirty="0">
               <a:solidFill>
                 <a:srgbClr val="FFFFFF"/>
@@ -7410,14 +10407,61 @@
       </p:sp>
       <p:sp>
         <p:nvSpPr>
-          <p:cNvPr id="13" name="Rectangle 12"/>
+          <p:cNvPr id="2" name="Slide Number Placeholder 1"/>
+          <p:cNvSpPr>
+            <a:spLocks noGrp="1"/>
+          </p:cNvSpPr>
+          <p:nvPr>
+            <p:ph type="sldNum" sz="quarter" idx="5"/>
+          </p:nvPr>
+        </p:nvSpPr>
+        <p:spPr/>
+        <p:txBody>
+          <a:bodyPr/>
+          <a:lstStyle/>
+          <a:p>
+            <a:fld id="{2BF067CD-8E6B-4360-9AA8-C5DF2A48A6D1}" type="slidenum">
+              <a:rPr lang="en-US" noProof="0" smtClean="0"/>
+              <a:pPr/>
+              <a:t>13</a:t>
+            </a:fld>
+            <a:endParaRPr lang="en-US" noProof="0" dirty="0"/>
+          </a:p>
+        </p:txBody>
+      </p:sp>
+      <p:sp>
+        <p:nvSpPr>
+          <p:cNvPr id="4" name="Title 3"/>
+          <p:cNvSpPr>
+            <a:spLocks noGrp="1"/>
+          </p:cNvSpPr>
+          <p:nvPr>
+            <p:ph type="title"/>
+          </p:nvPr>
+        </p:nvSpPr>
+        <p:spPr/>
+        <p:txBody>
+          <a:bodyPr/>
+          <a:lstStyle/>
+          <a:p>
+            <a:r>
+              <a:rPr lang="bg-BG" dirty="0" smtClean="0"/>
+              <a:t>Основни части в диаграмите</a:t>
+            </a:r>
+            <a:endParaRPr lang="en-US" dirty="0"/>
+          </a:p>
+        </p:txBody>
+      </p:sp>
+      <p:sp>
+        <p:nvSpPr>
+          <p:cNvPr id="8" name="Rectangle 7"/>
           <p:cNvSpPr/>
           <p:nvPr/>
         </p:nvSpPr>
         <p:spPr bwMode="auto">
           <a:xfrm>
-            <a:off x="3844655" y="3989979"/>
-            <a:ext cx="946345" cy="226498"/>
+            <a:off x="4097127" y="1808410"/>
+            <a:ext cx="4005000" cy="315000"/>
           </a:xfrm>
           <a:prstGeom prst="rect">
             <a:avLst/>
@@ -7476,85 +10520,19 @@
       </p:sp>
       <p:sp>
         <p:nvSpPr>
-          <p:cNvPr id="14" name="Rectangle 13"/>
+          <p:cNvPr id="9" name="Rounded Rectangular Callout 8"/>
           <p:cNvSpPr/>
           <p:nvPr/>
         </p:nvSpPr>
         <p:spPr bwMode="auto">
           <a:xfrm>
-            <a:off x="3844655" y="4352206"/>
-            <a:ext cx="915604" cy="241362"/>
-          </a:xfrm>
-          <a:prstGeom prst="rect">
-            <a:avLst/>
-          </a:prstGeom>
-          <a:noFill/>
-          <a:ln w="38100">
-            <a:solidFill>
-              <a:schemeClr val="tx1">
-                <a:lumMod val="75000"/>
-                <a:alpha val="80000"/>
-              </a:schemeClr>
-            </a:solidFill>
-          </a:ln>
-          <a:effectLst/>
-        </p:spPr>
-        <p:style>
-          <a:lnRef idx="2">
-            <a:schemeClr val="accent1">
-              <a:shade val="50000"/>
-            </a:schemeClr>
-          </a:lnRef>
-          <a:fillRef idx="1001">
-            <a:schemeClr val="dk2"/>
-          </a:fillRef>
-          <a:effectRef idx="0">
-            <a:schemeClr val="accent1"/>
-          </a:effectRef>
-          <a:fontRef idx="minor">
-            <a:schemeClr val="lt1"/>
-          </a:fontRef>
-        </p:style>
-        <p:txBody>
-          <a:bodyPr rot="0" spcFirstLastPara="0" vertOverflow="overflow" horzOverflow="overflow" vert="horz" wrap="square" lIns="91440" tIns="45720" rIns="91440" bIns="45720" numCol="1" spcCol="0" rtlCol="0" fromWordArt="0" anchor="ctr" anchorCtr="0" forceAA="0" compatLnSpc="1">
-            <a:prstTxWarp prst="textNoShape">
-              <a:avLst/>
-            </a:prstTxWarp>
-            <a:noAutofit/>
-          </a:bodyPr>
-          <a:lstStyle/>
-          <a:p>
-            <a:pPr algn="ctr"/>
-            <a:endParaRPr lang="en-US" sz="2800" b="1" dirty="0">
-              <a:solidFill>
-                <a:srgbClr val="FFFFFF"/>
-              </a:solidFill>
-              <a:effectLst>
-                <a:outerShdw blurRad="38100" dist="38100" dir="2700000" algn="tl">
-                  <a:srgbClr val="000000">
-                    <a:alpha val="43137"/>
-                  </a:srgbClr>
-                </a:outerShdw>
-              </a:effectLst>
-            </a:endParaRPr>
-          </a:p>
-        </p:txBody>
-      </p:sp>
-      <p:sp>
-        <p:nvSpPr>
-          <p:cNvPr id="15" name="Rounded Rectangular Callout 14"/>
-          <p:cNvSpPr/>
-          <p:nvPr/>
-        </p:nvSpPr>
-        <p:spPr bwMode="auto">
-          <a:xfrm>
-            <a:off x="696000" y="2732463"/>
-            <a:ext cx="2160000" cy="990000"/>
+            <a:off x="1146000" y="1246500"/>
+            <a:ext cx="1845000" cy="675000"/>
           </a:xfrm>
           <a:prstGeom prst="wedgeRoundRectCallout">
             <a:avLst>
-              <a:gd name="adj1" fmla="val 91041"/>
-              <a:gd name="adj2" fmla="val 82422"/>
+              <a:gd name="adj1" fmla="val 102833"/>
+              <a:gd name="adj2" fmla="val 50889"/>
               <a:gd name="adj3" fmla="val 16667"/>
             </a:avLst>
           </a:prstGeom>
@@ -7612,22 +10590,7 @@
                   </a:outerShdw>
                 </a:effectLst>
               </a:rPr>
-              <a:t>Пренасяне</a:t>
-            </a:r>
-            <a:r>
-              <a:rPr lang="bg-BG" sz="2800" b="1" dirty="0" smtClean="0">
-                <a:solidFill>
-                  <a:srgbClr val="FFFFFF"/>
-                </a:solidFill>
-                <a:effectLst>
-                  <a:outerShdw blurRad="38100" dist="38100" dir="2700000" algn="tl">
-                    <a:srgbClr val="000000">
-                      <a:alpha val="43137"/>
-                    </a:srgbClr>
-                  </a:outerShdw>
-                </a:effectLst>
-              </a:rPr>
-              <a:t> на текст</a:t>
+              <a:t>Заглавие</a:t>
             </a:r>
             <a:endParaRPr lang="en-US" sz="2800" b="1" dirty="0">
               <a:solidFill>
@@ -7646,19 +10609,85 @@
       </p:sp>
       <p:sp>
         <p:nvSpPr>
-          <p:cNvPr id="16" name="Rounded Rectangular Callout 15"/>
+          <p:cNvPr id="10" name="Rectangle 9"/>
           <p:cNvSpPr/>
           <p:nvPr/>
         </p:nvSpPr>
         <p:spPr bwMode="auto">
           <a:xfrm>
-            <a:off x="870700" y="3989979"/>
-            <a:ext cx="2255299" cy="990000"/>
+            <a:off x="3261000" y="2430196"/>
+            <a:ext cx="6165000" cy="3312933"/>
+          </a:xfrm>
+          <a:prstGeom prst="rect">
+            <a:avLst/>
+          </a:prstGeom>
+          <a:noFill/>
+          <a:ln w="38100">
+            <a:solidFill>
+              <a:schemeClr val="tx1">
+                <a:lumMod val="75000"/>
+                <a:alpha val="80000"/>
+              </a:schemeClr>
+            </a:solidFill>
+          </a:ln>
+          <a:effectLst/>
+        </p:spPr>
+        <p:style>
+          <a:lnRef idx="2">
+            <a:schemeClr val="accent1">
+              <a:shade val="50000"/>
+            </a:schemeClr>
+          </a:lnRef>
+          <a:fillRef idx="1001">
+            <a:schemeClr val="dk2"/>
+          </a:fillRef>
+          <a:effectRef idx="0">
+            <a:schemeClr val="accent1"/>
+          </a:effectRef>
+          <a:fontRef idx="minor">
+            <a:schemeClr val="lt1"/>
+          </a:fontRef>
+        </p:style>
+        <p:txBody>
+          <a:bodyPr rot="0" spcFirstLastPara="0" vertOverflow="overflow" horzOverflow="overflow" vert="horz" wrap="square" lIns="91440" tIns="45720" rIns="91440" bIns="45720" numCol="1" spcCol="0" rtlCol="0" fromWordArt="0" anchor="ctr" anchorCtr="0" forceAA="0" compatLnSpc="1">
+            <a:prstTxWarp prst="textNoShape">
+              <a:avLst/>
+            </a:prstTxWarp>
+            <a:noAutofit/>
+          </a:bodyPr>
+          <a:lstStyle/>
+          <a:p>
+            <a:pPr algn="ctr"/>
+            <a:endParaRPr lang="en-US" sz="2800" b="1" dirty="0">
+              <a:solidFill>
+                <a:srgbClr val="FFFFFF"/>
+              </a:solidFill>
+              <a:effectLst>
+                <a:outerShdw blurRad="38100" dist="38100" dir="2700000" algn="tl">
+                  <a:srgbClr val="000000">
+                    <a:alpha val="43137"/>
+                  </a:srgbClr>
+                </a:outerShdw>
+              </a:effectLst>
+            </a:endParaRPr>
+          </a:p>
+        </p:txBody>
+      </p:sp>
+      <p:sp>
+        <p:nvSpPr>
+          <p:cNvPr id="11" name="Rounded Rectangular Callout 10"/>
+          <p:cNvSpPr/>
+          <p:nvPr/>
+        </p:nvSpPr>
+        <p:spPr bwMode="auto">
+          <a:xfrm>
+            <a:off x="9363069" y="2816010"/>
+            <a:ext cx="2739445" cy="1334371"/>
           </a:xfrm>
           <a:prstGeom prst="wedgeRoundRectCallout">
             <a:avLst>
-              <a:gd name="adj1" fmla="val 78321"/>
-              <a:gd name="adj2" fmla="val 6358"/>
+              <a:gd name="adj1" fmla="val -46214"/>
+              <a:gd name="adj2" fmla="val 72399"/>
               <a:gd name="adj3" fmla="val 16667"/>
             </a:avLst>
           </a:prstGeom>
@@ -7716,7 +10745,7 @@
                   </a:outerShdw>
                 </a:effectLst>
               </a:rPr>
-              <a:t>Обединение на клетки</a:t>
+              <a:t>Графична интерпретация на данните</a:t>
             </a:r>
             <a:endParaRPr lang="en-US" sz="2800" b="1" dirty="0">
               <a:solidFill>
@@ -7735,14 +10764,14 @@
       </p:sp>
       <p:sp>
         <p:nvSpPr>
-          <p:cNvPr id="17" name="Rectangle 16"/>
+          <p:cNvPr id="13" name="Rectangle 12"/>
           <p:cNvSpPr/>
           <p:nvPr/>
         </p:nvSpPr>
         <p:spPr bwMode="auto">
           <a:xfrm>
-            <a:off x="7433013" y="2620926"/>
-            <a:ext cx="1182987" cy="1731280"/>
+            <a:off x="4097382" y="2114715"/>
+            <a:ext cx="4005000" cy="315000"/>
           </a:xfrm>
           <a:prstGeom prst="rect">
             <a:avLst/>
@@ -7801,19 +10830,19 @@
       </p:sp>
       <p:sp>
         <p:nvSpPr>
-          <p:cNvPr id="18" name="Rounded Rectangular Callout 17"/>
+          <p:cNvPr id="14" name="Rounded Rectangular Callout 13"/>
           <p:cNvSpPr/>
           <p:nvPr/>
         </p:nvSpPr>
         <p:spPr bwMode="auto">
           <a:xfrm>
-            <a:off x="9077274" y="1989000"/>
-            <a:ext cx="2255299" cy="990000"/>
+            <a:off x="8822580" y="1290190"/>
+            <a:ext cx="1845000" cy="675000"/>
           </a:xfrm>
           <a:prstGeom prst="wedgeRoundRectCallout">
             <a:avLst>
-              <a:gd name="adj1" fmla="val -65572"/>
-              <a:gd name="adj2" fmla="val 112305"/>
+              <a:gd name="adj1" fmla="val -83750"/>
+              <a:gd name="adj2" fmla="val 97373"/>
               <a:gd name="adj3" fmla="val 16667"/>
             </a:avLst>
           </a:prstGeom>
@@ -7871,7 +10900,7 @@
                   </a:outerShdw>
                 </a:effectLst>
               </a:rPr>
-              <a:t>Ориентация на текст</a:t>
+              <a:t>Легенда</a:t>
             </a:r>
             <a:endParaRPr lang="en-US" sz="2800" b="1" dirty="0">
               <a:solidFill>
@@ -7888,10 +10917,210 @@
           </a:p>
         </p:txBody>
       </p:sp>
+      <p:sp>
+        <p:nvSpPr>
+          <p:cNvPr id="15" name="Rounded Rectangular Callout 14"/>
+          <p:cNvSpPr/>
+          <p:nvPr/>
+        </p:nvSpPr>
+        <p:spPr bwMode="auto">
+          <a:xfrm>
+            <a:off x="86144" y="5345192"/>
+            <a:ext cx="2659783" cy="1440000"/>
+          </a:xfrm>
+          <a:prstGeom prst="wedgeRoundRectCallout">
+            <a:avLst>
+              <a:gd name="adj1" fmla="val 39008"/>
+              <a:gd name="adj2" fmla="val -71676"/>
+              <a:gd name="adj3" fmla="val 16667"/>
+            </a:avLst>
+          </a:prstGeom>
+          <a:solidFill>
+            <a:schemeClr val="dk2">
+              <a:alpha val="80000"/>
+            </a:schemeClr>
+          </a:solidFill>
+          <a:ln w="19050">
+            <a:solidFill>
+              <a:schemeClr val="tx1">
+                <a:lumMod val="75000"/>
+                <a:alpha val="80000"/>
+              </a:schemeClr>
+            </a:solidFill>
+          </a:ln>
+          <a:effectLst/>
+        </p:spPr>
+        <p:style>
+          <a:lnRef idx="2">
+            <a:schemeClr val="accent1">
+              <a:shade val="50000"/>
+            </a:schemeClr>
+          </a:lnRef>
+          <a:fillRef idx="1001">
+            <a:schemeClr val="dk2"/>
+          </a:fillRef>
+          <a:effectRef idx="0">
+            <a:schemeClr val="accent1"/>
+          </a:effectRef>
+          <a:fontRef idx="minor">
+            <a:schemeClr val="lt1"/>
+          </a:fontRef>
+        </p:style>
+        <p:txBody>
+          <a:bodyPr rot="0" spcFirstLastPara="0" vertOverflow="overflow" horzOverflow="overflow" vert="horz" wrap="square" lIns="91440" tIns="45720" rIns="91440" bIns="45720" numCol="1" spcCol="0" rtlCol="0" fromWordArt="0" anchor="ctr" anchorCtr="0" forceAA="0" compatLnSpc="1">
+            <a:prstTxWarp prst="textNoShape">
+              <a:avLst/>
+            </a:prstTxWarp>
+            <a:noAutofit/>
+          </a:bodyPr>
+          <a:lstStyle/>
+          <a:p>
+            <a:pPr algn="ctr"/>
+            <a:r>
+              <a:rPr lang="bg-BG" sz="2800" b="1" dirty="0" smtClean="0">
+                <a:solidFill>
+                  <a:srgbClr val="FFFFFF"/>
+                </a:solidFill>
+                <a:effectLst>
+                  <a:outerShdw blurRad="38100" dist="38100" dir="2700000" algn="tl">
+                    <a:srgbClr val="000000">
+                      <a:alpha val="43137"/>
+                    </a:srgbClr>
+                  </a:outerShdw>
+                </a:effectLst>
+              </a:rPr>
+              <a:t>Надписи на</a:t>
+            </a:r>
+            <a:r>
+              <a:rPr lang="en-US" sz="2800" b="1" dirty="0" smtClean="0">
+                <a:solidFill>
+                  <a:srgbClr val="FFFFFF"/>
+                </a:solidFill>
+                <a:effectLst>
+                  <a:outerShdw blurRad="38100" dist="38100" dir="2700000" algn="tl">
+                    <a:srgbClr val="000000">
+                      <a:alpha val="43137"/>
+                    </a:srgbClr>
+                  </a:outerShdw>
+                </a:effectLst>
+              </a:rPr>
+              <a:t> </a:t>
+            </a:r>
+            <a:r>
+              <a:rPr lang="bg-BG" sz="2800" b="1" dirty="0" smtClean="0">
+                <a:solidFill>
+                  <a:srgbClr val="FFFFFF"/>
+                </a:solidFill>
+                <a:effectLst>
+                  <a:outerShdw blurRad="38100" dist="38100" dir="2700000" algn="tl">
+                    <a:srgbClr val="000000">
+                      <a:alpha val="43137"/>
+                    </a:srgbClr>
+                  </a:outerShdw>
+                </a:effectLst>
+              </a:rPr>
+              <a:t>въведените</a:t>
+            </a:r>
+            <a:r>
+              <a:rPr lang="bg-BG" sz="2800" b="1" dirty="0" smtClean="0">
+                <a:solidFill>
+                  <a:srgbClr val="FFFFFF"/>
+                </a:solidFill>
+                <a:effectLst>
+                  <a:outerShdw blurRad="38100" dist="38100" dir="2700000" algn="tl">
+                    <a:srgbClr val="000000">
+                      <a:alpha val="43137"/>
+                    </a:srgbClr>
+                  </a:outerShdw>
+                </a:effectLst>
+              </a:rPr>
+              <a:t> данните</a:t>
+            </a:r>
+            <a:endParaRPr lang="en-US" sz="2800" b="1" dirty="0">
+              <a:solidFill>
+                <a:srgbClr val="FFFFFF"/>
+              </a:solidFill>
+              <a:effectLst>
+                <a:outerShdw blurRad="38100" dist="38100" dir="2700000" algn="tl">
+                  <a:srgbClr val="000000">
+                    <a:alpha val="43137"/>
+                  </a:srgbClr>
+                </a:outerShdw>
+              </a:effectLst>
+            </a:endParaRPr>
+          </a:p>
+        </p:txBody>
+      </p:sp>
+      <p:sp>
+        <p:nvSpPr>
+          <p:cNvPr id="16" name="Rectangle 15"/>
+          <p:cNvSpPr/>
+          <p:nvPr/>
+        </p:nvSpPr>
+        <p:spPr bwMode="auto">
+          <a:xfrm>
+            <a:off x="2638106" y="2429715"/>
+            <a:ext cx="6787894" cy="4077285"/>
+          </a:xfrm>
+          <a:prstGeom prst="rect">
+            <a:avLst/>
+          </a:prstGeom>
+          <a:noFill/>
+          <a:ln w="38100">
+            <a:solidFill>
+              <a:schemeClr val="tx1">
+                <a:lumMod val="75000"/>
+                <a:alpha val="80000"/>
+              </a:schemeClr>
+            </a:solidFill>
+          </a:ln>
+          <a:effectLst/>
+        </p:spPr>
+        <p:style>
+          <a:lnRef idx="2">
+            <a:schemeClr val="accent1">
+              <a:shade val="50000"/>
+            </a:schemeClr>
+          </a:lnRef>
+          <a:fillRef idx="1001">
+            <a:schemeClr val="dk2"/>
+          </a:fillRef>
+          <a:effectRef idx="0">
+            <a:schemeClr val="accent1"/>
+          </a:effectRef>
+          <a:fontRef idx="minor">
+            <a:schemeClr val="lt1"/>
+          </a:fontRef>
+        </p:style>
+        <p:txBody>
+          <a:bodyPr rot="0" spcFirstLastPara="0" vertOverflow="overflow" horzOverflow="overflow" vert="horz" wrap="square" lIns="91440" tIns="45720" rIns="91440" bIns="45720" numCol="1" spcCol="0" rtlCol="0" fromWordArt="0" anchor="ctr" anchorCtr="0" forceAA="0" compatLnSpc="1">
+            <a:prstTxWarp prst="textNoShape">
+              <a:avLst/>
+            </a:prstTxWarp>
+            <a:noAutofit/>
+          </a:bodyPr>
+          <a:lstStyle/>
+          <a:p>
+            <a:pPr algn="ctr"/>
+            <a:endParaRPr lang="en-US" sz="2800" b="1" dirty="0">
+              <a:solidFill>
+                <a:srgbClr val="FFFFFF"/>
+              </a:solidFill>
+              <a:effectLst>
+                <a:outerShdw blurRad="38100" dist="38100" dir="2700000" algn="tl">
+                  <a:srgbClr val="000000">
+                    <a:alpha val="43137"/>
+                  </a:srgbClr>
+                </a:outerShdw>
+              </a:effectLst>
+            </a:endParaRPr>
+          </a:p>
+        </p:txBody>
+      </p:sp>
     </p:spTree>
     <p:extLst>
       <p:ext uri="{BB962C8B-B14F-4D97-AF65-F5344CB8AC3E}">
-        <p14:creationId xmlns:p14="http://schemas.microsoft.com/office/powerpoint/2010/main" val="1183754310"/>
+        <p14:creationId xmlns:p14="http://schemas.microsoft.com/office/powerpoint/2010/main" val="3949974128"/>
       </p:ext>
     </p:extLst>
   </p:cSld>
@@ -7940,7 +11169,7 @@
                                           </p:stCondLst>
                                         </p:cTn>
                                         <p:tgtEl>
-                                          <p:spTgt spid="11"/>
+                                          <p:spTgt spid="8"/>
                                         </p:tgtEl>
                                         <p:attrNameLst>
                                           <p:attrName>style.visibility</p:attrName>
@@ -7985,7 +11214,7 @@
                                           </p:stCondLst>
                                         </p:cTn>
                                         <p:tgtEl>
-                                          <p:spTgt spid="12"/>
+                                          <p:spTgt spid="9"/>
                                         </p:tgtEl>
                                         <p:attrNameLst>
                                           <p:attrName>style.visibility</p:attrName>
@@ -8075,7 +11304,7 @@
                                           </p:stCondLst>
                                         </p:cTn>
                                         <p:tgtEl>
-                                          <p:spTgt spid="15"/>
+                                          <p:spTgt spid="14"/>
                                         </p:tgtEl>
                                         <p:attrNameLst>
                                           <p:attrName>style.visibility</p:attrName>
@@ -8120,7 +11349,7 @@
                                           </p:stCondLst>
                                         </p:cTn>
                                         <p:tgtEl>
-                                          <p:spTgt spid="14"/>
+                                          <p:spTgt spid="10"/>
                                         </p:tgtEl>
                                         <p:attrNameLst>
                                           <p:attrName>style.visibility</p:attrName>
@@ -8165,7 +11394,7 @@
                                           </p:stCondLst>
                                         </p:cTn>
                                         <p:tgtEl>
-                                          <p:spTgt spid="16"/>
+                                          <p:spTgt spid="11"/>
                                         </p:tgtEl>
                                         <p:attrNameLst>
                                           <p:attrName>style.visibility</p:attrName>
@@ -8210,7 +11439,7 @@
                                           </p:stCondLst>
                                         </p:cTn>
                                         <p:tgtEl>
-                                          <p:spTgt spid="17"/>
+                                          <p:spTgt spid="16"/>
                                         </p:tgtEl>
                                         <p:attrNameLst>
                                           <p:attrName>style.visibility</p:attrName>
@@ -8255,7 +11484,34 @@
                                           </p:stCondLst>
                                         </p:cTn>
                                         <p:tgtEl>
-                                          <p:spTgt spid="18"/>
+                                          <p:spTgt spid="15"/>
+                                        </p:tgtEl>
+                                        <p:attrNameLst>
+                                          <p:attrName>style.visibility</p:attrName>
+                                        </p:attrNameLst>
+                                      </p:cBhvr>
+                                      <p:to>
+                                        <p:strVal val="visible"/>
+                                      </p:to>
+                                    </p:set>
+                                  </p:childTnLst>
+                                </p:cTn>
+                              </p:par>
+                              <p:par>
+                                <p:cTn id="35" presetID="1" presetClass="entr" presetSubtype="0" fill="hold" grpId="0" nodeType="withEffect">
+                                  <p:stCondLst>
+                                    <p:cond delay="0"/>
+                                  </p:stCondLst>
+                                  <p:childTnLst>
+                                    <p:set>
+                                      <p:cBhvr>
+                                        <p:cTn id="36" dur="1" fill="hold">
+                                          <p:stCondLst>
+                                            <p:cond delay="0"/>
+                                          </p:stCondLst>
+                                        </p:cTn>
+                                        <p:tgtEl>
+                                          <p:spTgt spid="17"/>
                                         </p:tgtEl>
                                         <p:attrNameLst>
                                           <p:attrName>style.visibility</p:attrName>
@@ -8296,20 +11552,1021 @@
       </p:par>
     </p:tnLst>
     <p:bldLst>
+      <p:bldP spid="17" grpId="0" animBg="1"/>
+      <p:bldP spid="8" grpId="0" animBg="1"/>
+      <p:bldP spid="9" grpId="0" animBg="1"/>
+      <p:bldP spid="10" grpId="0" animBg="1"/>
       <p:bldP spid="11" grpId="0" animBg="1"/>
-      <p:bldP spid="12" grpId="0" animBg="1"/>
       <p:bldP spid="13" grpId="0" animBg="1"/>
       <p:bldP spid="14" grpId="0" animBg="1"/>
       <p:bldP spid="15" grpId="0" animBg="1"/>
       <p:bldP spid="16" grpId="0" animBg="1"/>
-      <p:bldP spid="17" grpId="0" animBg="1"/>
-      <p:bldP spid="18" grpId="0" animBg="1"/>
     </p:bldLst>
   </p:timing>
 </p:sld>
 </file>
 
-<file path=ppt/slides/slide11.xml><?xml version="1.0" encoding="utf-8"?>
+<file path=ppt/slides/slide14.xml><?xml version="1.0" encoding="utf-8"?>
+<p:sld xmlns:a="http://schemas.openxmlformats.org/drawingml/2006/main" xmlns:r="http://schemas.openxmlformats.org/officeDocument/2006/relationships" xmlns:p="http://schemas.openxmlformats.org/presentationml/2006/main">
+  <p:cSld>
+    <p:spTree>
+      <p:nvGrpSpPr>
+        <p:cNvPr id="1" name=""/>
+        <p:cNvGrpSpPr/>
+        <p:nvPr/>
+      </p:nvGrpSpPr>
+      <p:grpSpPr>
+        <a:xfrm>
+          <a:off x="0" y="0"/>
+          <a:ext cx="0" cy="0"/>
+          <a:chOff x="0" y="0"/>
+          <a:chExt cx="0" cy="0"/>
+        </a:xfrm>
+      </p:grpSpPr>
+      <p:sp>
+        <p:nvSpPr>
+          <p:cNvPr id="5" name="Title 4"/>
+          <p:cNvSpPr>
+            <a:spLocks noGrp="1"/>
+          </p:cNvSpPr>
+          <p:nvPr>
+            <p:ph type="title" sz="quarter" idx="10"/>
+          </p:nvPr>
+        </p:nvSpPr>
+        <p:spPr>
+          <a:xfrm>
+            <a:off x="615109" y="5270916"/>
+            <a:ext cx="10961783" cy="768084"/>
+          </a:xfrm>
+        </p:spPr>
+        <p:txBody>
+          <a:bodyPr/>
+          <a:lstStyle/>
+          <a:p>
+            <a:r>
+              <a:rPr lang="bg-BG" dirty="0" smtClean="0"/>
+              <a:t>Видове диаграми</a:t>
+            </a:r>
+            <a:endParaRPr lang="en-US" dirty="0"/>
+          </a:p>
+        </p:txBody>
+      </p:sp>
+      <p:sp>
+        <p:nvSpPr>
+          <p:cNvPr id="2" name="Slide Number Placeholder 1"/>
+          <p:cNvSpPr>
+            <a:spLocks noGrp="1"/>
+          </p:cNvSpPr>
+          <p:nvPr>
+            <p:ph type="sldNum" sz="quarter" idx="4294967295"/>
+          </p:nvPr>
+        </p:nvSpPr>
+        <p:spPr>
+          <a:xfrm>
+            <a:off x="11823700" y="6507163"/>
+            <a:ext cx="368300" cy="296862"/>
+          </a:xfrm>
+          <a:prstGeom prst="rect">
+            <a:avLst/>
+          </a:prstGeom>
+        </p:spPr>
+        <p:txBody>
+          <a:bodyPr/>
+          <a:lstStyle/>
+          <a:p>
+            <a:fld id="{2BF067CD-8E6B-4360-9AA8-C5DF2A48A6D1}" type="slidenum">
+              <a:rPr lang="en-US" noProof="0" smtClean="0"/>
+              <a:pPr/>
+              <a:t>14</a:t>
+            </a:fld>
+            <a:endParaRPr lang="en-US" noProof="0" dirty="0"/>
+          </a:p>
+        </p:txBody>
+      </p:sp>
+      <p:pic>
+        <p:nvPicPr>
+          <p:cNvPr id="7" name="Picture 6"/>
+          <p:cNvPicPr>
+            <a:picLocks noChangeAspect="1"/>
+          </p:cNvPicPr>
+          <p:nvPr/>
+        </p:nvPicPr>
+        <p:blipFill>
+          <a:blip r:embed="rId2">
+            <a:extLst>
+              <a:ext uri="{28A0092B-C50C-407E-A947-70E740481C1C}">
+                <a14:useLocalDpi xmlns:a14="http://schemas.microsoft.com/office/drawing/2010/main" val="0"/>
+              </a:ext>
+            </a:extLst>
+          </a:blip>
+          <a:stretch>
+            <a:fillRect/>
+          </a:stretch>
+        </p:blipFill>
+        <p:spPr>
+          <a:xfrm>
+            <a:off x="3657600" y="234000"/>
+            <a:ext cx="4876800" cy="4876800"/>
+          </a:xfrm>
+          <a:prstGeom prst="rect">
+            <a:avLst/>
+          </a:prstGeom>
+        </p:spPr>
+      </p:pic>
+    </p:spTree>
+    <p:extLst>
+      <p:ext uri="{BB962C8B-B14F-4D97-AF65-F5344CB8AC3E}">
+        <p14:creationId xmlns:p14="http://schemas.microsoft.com/office/powerpoint/2010/main" val="2685741317"/>
+      </p:ext>
+    </p:extLst>
+  </p:cSld>
+  <p:clrMapOvr>
+    <a:masterClrMapping/>
+  </p:clrMapOvr>
+  <mc:AlternateContent xmlns:mc="http://schemas.openxmlformats.org/markup-compatibility/2006" xmlns:p14="http://schemas.microsoft.com/office/powerpoint/2010/main">
+    <mc:Choice Requires="p14">
+      <p:transition spd="slow" p14:dur="2000" advClick="0" advTm="5000"/>
+    </mc:Choice>
+    <mc:Fallback xmlns="">
+      <p:transition spd="slow" advClick="0" advTm="5000"/>
+    </mc:Fallback>
+  </mc:AlternateContent>
+  <p:timing>
+    <p:tnLst>
+      <p:par>
+        <p:cTn id="1" dur="indefinite" restart="never" nodeType="tmRoot"/>
+      </p:par>
+    </p:tnLst>
+  </p:timing>
+</p:sld>
+</file>
+
+<file path=ppt/slides/slide15.xml><?xml version="1.0" encoding="utf-8"?>
+<p:sld xmlns:a="http://schemas.openxmlformats.org/drawingml/2006/main" xmlns:r="http://schemas.openxmlformats.org/officeDocument/2006/relationships" xmlns:p="http://schemas.openxmlformats.org/presentationml/2006/main">
+  <p:cSld>
+    <p:spTree>
+      <p:nvGrpSpPr>
+        <p:cNvPr id="1" name=""/>
+        <p:cNvGrpSpPr/>
+        <p:nvPr/>
+      </p:nvGrpSpPr>
+      <p:grpSpPr>
+        <a:xfrm>
+          <a:off x="0" y="0"/>
+          <a:ext cx="0" cy="0"/>
+          <a:chOff x="0" y="0"/>
+          <a:chExt cx="0" cy="0"/>
+        </a:xfrm>
+      </p:grpSpPr>
+      <p:sp>
+        <p:nvSpPr>
+          <p:cNvPr id="5" name="Text Placeholder 4"/>
+          <p:cNvSpPr>
+            <a:spLocks noGrp="1"/>
+          </p:cNvSpPr>
+          <p:nvPr>
+            <p:ph type="body" sz="quarter" idx="10"/>
+          </p:nvPr>
+        </p:nvSpPr>
+        <p:spPr/>
+        <p:txBody>
+          <a:bodyPr/>
+          <a:lstStyle/>
+          <a:p>
+            <a:r>
+              <a:rPr lang="bg-BG" dirty="0" smtClean="0"/>
+              <a:t>͏</a:t>
+            </a:r>
+            <a:r>
+              <a:rPr lang="bg-BG" b="1" dirty="0" smtClean="0">
+                <a:solidFill>
+                  <a:schemeClr val="bg1"/>
+                </a:solidFill>
+              </a:rPr>
+              <a:t>Колонна диаграма </a:t>
+            </a:r>
+            <a:r>
+              <a:rPr lang="bg-BG" dirty="0" smtClean="0"/>
+              <a:t>– илюстрира </a:t>
+            </a:r>
+            <a:r>
+              <a:rPr lang="bg-BG" b="1" dirty="0" smtClean="0"/>
+              <a:t>изменение</a:t>
+            </a:r>
+            <a:r>
+              <a:rPr lang="bg-BG" dirty="0" smtClean="0"/>
+              <a:t> на </a:t>
+            </a:r>
+            <a:r>
+              <a:rPr lang="bg-BG" b="1" dirty="0" smtClean="0"/>
+              <a:t>една или повече серии </a:t>
+            </a:r>
+            <a:r>
+              <a:rPr lang="bg-BG" dirty="0" smtClean="0"/>
+              <a:t>от данни</a:t>
+            </a:r>
+            <a:endParaRPr lang="en-US" dirty="0"/>
+          </a:p>
+        </p:txBody>
+      </p:sp>
+      <p:sp>
+        <p:nvSpPr>
+          <p:cNvPr id="4" name="Title 3"/>
+          <p:cNvSpPr>
+            <a:spLocks noGrp="1"/>
+          </p:cNvSpPr>
+          <p:nvPr>
+            <p:ph type="title"/>
+          </p:nvPr>
+        </p:nvSpPr>
+        <p:spPr/>
+        <p:txBody>
+          <a:bodyPr/>
+          <a:lstStyle/>
+          <a:p>
+            <a:r>
+              <a:rPr lang="bg-BG" dirty="0" smtClean="0"/>
+              <a:t>Колонна диаграма</a:t>
+            </a:r>
+            <a:endParaRPr lang="en-US" dirty="0"/>
+          </a:p>
+        </p:txBody>
+      </p:sp>
+      <p:graphicFrame>
+        <p:nvGraphicFramePr>
+          <p:cNvPr id="7" name="Chart 6"/>
+          <p:cNvGraphicFramePr>
+            <a:graphicFrameLocks/>
+          </p:cNvGraphicFramePr>
+          <p:nvPr>
+            <p:extLst>
+              <p:ext uri="{D42A27DB-BD31-4B8C-83A1-F6EECF244321}">
+                <p14:modId xmlns:p14="http://schemas.microsoft.com/office/powerpoint/2010/main" val="968244204"/>
+              </p:ext>
+            </p:extLst>
+          </p:nvPr>
+        </p:nvGraphicFramePr>
+        <p:xfrm>
+          <a:off x="2696438" y="2529000"/>
+          <a:ext cx="6799125" cy="4084481"/>
+        </p:xfrm>
+        <a:graphic>
+          <a:graphicData uri="http://schemas.openxmlformats.org/drawingml/2006/chart">
+            <c:chart xmlns:c="http://schemas.openxmlformats.org/drawingml/2006/chart" xmlns:r="http://schemas.openxmlformats.org/officeDocument/2006/relationships" r:id="rId3"/>
+          </a:graphicData>
+        </a:graphic>
+      </p:graphicFrame>
+    </p:spTree>
+    <p:extLst>
+      <p:ext uri="{BB962C8B-B14F-4D97-AF65-F5344CB8AC3E}">
+        <p14:creationId xmlns:p14="http://schemas.microsoft.com/office/powerpoint/2010/main" val="2309186065"/>
+      </p:ext>
+    </p:extLst>
+  </p:cSld>
+  <p:clrMapOvr>
+    <a:masterClrMapping/>
+  </p:clrMapOvr>
+  <mc:AlternateContent xmlns:mc="http://schemas.openxmlformats.org/markup-compatibility/2006" xmlns:p14="http://schemas.microsoft.com/office/powerpoint/2010/main">
+    <mc:Choice Requires="p14">
+      <p:transition spd="slow" p14:dur="2000" advClick="0" advTm="5000"/>
+    </mc:Choice>
+    <mc:Fallback xmlns="">
+      <p:transition spd="slow" advClick="0" advTm="5000"/>
+    </mc:Fallback>
+  </mc:AlternateContent>
+  <p:timing>
+    <p:tnLst>
+      <p:par>
+        <p:cTn id="1" dur="indefinite" restart="never" nodeType="tmRoot">
+          <p:childTnLst>
+            <p:seq concurrent="1" nextAc="seek">
+              <p:cTn id="2" dur="indefinite" nodeType="mainSeq">
+                <p:childTnLst>
+                  <p:par>
+                    <p:cTn id="3" fill="hold">
+                      <p:stCondLst>
+                        <p:cond delay="indefinite"/>
+                      </p:stCondLst>
+                      <p:childTnLst>
+                        <p:par>
+                          <p:cTn id="4" fill="hold">
+                            <p:stCondLst>
+                              <p:cond delay="0"/>
+                            </p:stCondLst>
+                            <p:childTnLst>
+                              <p:par>
+                                <p:cTn id="5" presetID="1" presetClass="entr" presetSubtype="0" fill="hold" grpId="0" nodeType="clickEffect">
+                                  <p:stCondLst>
+                                    <p:cond delay="0"/>
+                                  </p:stCondLst>
+                                  <p:childTnLst>
+                                    <p:set>
+                                      <p:cBhvr>
+                                        <p:cTn id="6" dur="1" fill="hold">
+                                          <p:stCondLst>
+                                            <p:cond delay="0"/>
+                                          </p:stCondLst>
+                                        </p:cTn>
+                                        <p:tgtEl>
+                                          <p:spTgt spid="7"/>
+                                        </p:tgtEl>
+                                        <p:attrNameLst>
+                                          <p:attrName>style.visibility</p:attrName>
+                                        </p:attrNameLst>
+                                      </p:cBhvr>
+                                      <p:to>
+                                        <p:strVal val="visible"/>
+                                      </p:to>
+                                    </p:set>
+                                  </p:childTnLst>
+                                </p:cTn>
+                              </p:par>
+                            </p:childTnLst>
+                          </p:cTn>
+                        </p:par>
+                      </p:childTnLst>
+                    </p:cTn>
+                  </p:par>
+                </p:childTnLst>
+              </p:cTn>
+              <p:prevCondLst>
+                <p:cond evt="onPrev" delay="0">
+                  <p:tgtEl>
+                    <p:sldTgt/>
+                  </p:tgtEl>
+                </p:cond>
+              </p:prevCondLst>
+              <p:nextCondLst>
+                <p:cond evt="onNext" delay="0">
+                  <p:tgtEl>
+                    <p:sldTgt/>
+                  </p:tgtEl>
+                </p:cond>
+              </p:nextCondLst>
+            </p:seq>
+          </p:childTnLst>
+        </p:cTn>
+      </p:par>
+    </p:tnLst>
+    <p:bldLst>
+      <p:bldGraphic spid="7" grpId="0">
+        <p:bldAsOne/>
+      </p:bldGraphic>
+    </p:bldLst>
+  </p:timing>
+</p:sld>
+</file>
+
+<file path=ppt/slides/slide16.xml><?xml version="1.0" encoding="utf-8"?>
+<p:sld xmlns:a="http://schemas.openxmlformats.org/drawingml/2006/main" xmlns:r="http://schemas.openxmlformats.org/officeDocument/2006/relationships" xmlns:p="http://schemas.openxmlformats.org/presentationml/2006/main">
+  <p:cSld>
+    <p:spTree>
+      <p:nvGrpSpPr>
+        <p:cNvPr id="1" name=""/>
+        <p:cNvGrpSpPr/>
+        <p:nvPr/>
+      </p:nvGrpSpPr>
+      <p:grpSpPr>
+        <a:xfrm>
+          <a:off x="0" y="0"/>
+          <a:ext cx="0" cy="0"/>
+          <a:chOff x="0" y="0"/>
+          <a:chExt cx="0" cy="0"/>
+        </a:xfrm>
+      </p:grpSpPr>
+      <p:sp>
+        <p:nvSpPr>
+          <p:cNvPr id="2" name="Slide Number Placeholder 1"/>
+          <p:cNvSpPr>
+            <a:spLocks noGrp="1"/>
+          </p:cNvSpPr>
+          <p:nvPr>
+            <p:ph type="sldNum" sz="quarter" idx="5"/>
+          </p:nvPr>
+        </p:nvSpPr>
+        <p:spPr/>
+        <p:txBody>
+          <a:bodyPr/>
+          <a:lstStyle/>
+          <a:p>
+            <a:fld id="{2BF067CD-8E6B-4360-9AA8-C5DF2A48A6D1}" type="slidenum">
+              <a:rPr lang="en-US" noProof="0" smtClean="0"/>
+              <a:pPr/>
+              <a:t>16</a:t>
+            </a:fld>
+            <a:endParaRPr lang="en-US" noProof="0" dirty="0"/>
+          </a:p>
+        </p:txBody>
+      </p:sp>
+      <p:sp>
+        <p:nvSpPr>
+          <p:cNvPr id="3" name="Text Placeholder 2"/>
+          <p:cNvSpPr>
+            <a:spLocks noGrp="1"/>
+          </p:cNvSpPr>
+          <p:nvPr>
+            <p:ph type="body" sz="quarter" idx="10"/>
+          </p:nvPr>
+        </p:nvSpPr>
+        <p:spPr>
+          <a:xfrm>
+            <a:off x="190402" y="1196125"/>
+            <a:ext cx="11755598" cy="5528766"/>
+          </a:xfrm>
+        </p:spPr>
+        <p:txBody>
+          <a:bodyPr/>
+          <a:lstStyle/>
+          <a:p>
+            <a:r>
+              <a:rPr lang="bg-BG" dirty="0" smtClean="0"/>
+              <a:t>͏</a:t>
+            </a:r>
+            <a:r>
+              <a:rPr lang="bg-BG" b="1" dirty="0" smtClean="0">
+                <a:solidFill>
+                  <a:schemeClr val="bg1"/>
+                </a:solidFill>
+              </a:rPr>
+              <a:t>Линейна диаграма </a:t>
+            </a:r>
+            <a:r>
+              <a:rPr lang="bg-BG" dirty="0" smtClean="0"/>
+              <a:t>– илюстрира </a:t>
+            </a:r>
+            <a:r>
+              <a:rPr lang="bg-BG" b="1" dirty="0" smtClean="0"/>
+              <a:t>изменение на стойности във времето</a:t>
+            </a:r>
+            <a:endParaRPr lang="en-US" b="1" dirty="0"/>
+          </a:p>
+        </p:txBody>
+      </p:sp>
+      <p:sp>
+        <p:nvSpPr>
+          <p:cNvPr id="4" name="Title 3"/>
+          <p:cNvSpPr>
+            <a:spLocks noGrp="1"/>
+          </p:cNvSpPr>
+          <p:nvPr>
+            <p:ph type="title"/>
+          </p:nvPr>
+        </p:nvSpPr>
+        <p:spPr/>
+        <p:txBody>
+          <a:bodyPr/>
+          <a:lstStyle/>
+          <a:p>
+            <a:r>
+              <a:rPr lang="bg-BG" dirty="0" smtClean="0"/>
+              <a:t>Линейна диаграма</a:t>
+            </a:r>
+            <a:endParaRPr lang="en-US" dirty="0"/>
+          </a:p>
+        </p:txBody>
+      </p:sp>
+      <p:grpSp>
+        <p:nvGrpSpPr>
+          <p:cNvPr id="7" name="Group 6"/>
+          <p:cNvGrpSpPr/>
+          <p:nvPr/>
+        </p:nvGrpSpPr>
+        <p:grpSpPr>
+          <a:xfrm>
+            <a:off x="2901000" y="2521115"/>
+            <a:ext cx="6338259" cy="3985885"/>
+            <a:chOff x="2901000" y="2521115"/>
+            <a:chExt cx="6338259" cy="3985885"/>
+          </a:xfrm>
+        </p:grpSpPr>
+        <p:pic>
+          <p:nvPicPr>
+            <p:cNvPr id="5" name="Picture 4"/>
+            <p:cNvPicPr>
+              <a:picLocks noChangeAspect="1"/>
+            </p:cNvPicPr>
+            <p:nvPr/>
+          </p:nvPicPr>
+          <p:blipFill>
+            <a:blip r:embed="rId2">
+              <a:extLst>
+                <a:ext uri="{28A0092B-C50C-407E-A947-70E740481C1C}">
+                  <a14:useLocalDpi xmlns:a14="http://schemas.microsoft.com/office/drawing/2010/main" val="0"/>
+                </a:ext>
+              </a:extLst>
+            </a:blip>
+            <a:stretch>
+              <a:fillRect/>
+            </a:stretch>
+          </p:blipFill>
+          <p:spPr>
+            <a:xfrm>
+              <a:off x="2901000" y="2648929"/>
+              <a:ext cx="6338259" cy="3858071"/>
+            </a:xfrm>
+            <a:prstGeom prst="rect">
+              <a:avLst/>
+            </a:prstGeom>
+          </p:spPr>
+        </p:pic>
+        <p:sp>
+          <p:nvSpPr>
+            <p:cNvPr id="6" name="TextBox 5"/>
+            <p:cNvSpPr txBox="1"/>
+            <p:nvPr/>
+          </p:nvSpPr>
+          <p:spPr>
+            <a:xfrm>
+              <a:off x="4251000" y="2521115"/>
+              <a:ext cx="4409999" cy="556664"/>
+            </a:xfrm>
+            <a:prstGeom prst="rect">
+              <a:avLst/>
+            </a:prstGeom>
+            <a:noFill/>
+            <a:ln w="12700">
+              <a:noFill/>
+            </a:ln>
+          </p:spPr>
+          <p:txBody>
+            <a:bodyPr vert="horz" wrap="square" lIns="144000" tIns="108000" rIns="144000" bIns="108000" rtlCol="0">
+              <a:spAutoFit/>
+            </a:bodyPr>
+            <a:lstStyle/>
+            <a:p>
+              <a:pPr algn="l" eaLnBrk="0" hangingPunct="0">
+                <a:lnSpc>
+                  <a:spcPct val="110000"/>
+                </a:lnSpc>
+                <a:buClr>
+                  <a:schemeClr val="accent5">
+                    <a:lumMod val="40000"/>
+                    <a:lumOff val="60000"/>
+                  </a:schemeClr>
+                </a:buClr>
+                <a:buSzPct val="70000"/>
+              </a:pPr>
+              <a:r>
+                <a:rPr lang="bg-BG" sz="2000" dirty="0" smtClean="0">
+                  <a:solidFill>
+                    <a:schemeClr val="bg1"/>
+                  </a:solidFill>
+                </a:rPr>
+                <a:t>Население</a:t>
+              </a:r>
+              <a:r>
+                <a:rPr lang="bg-BG" sz="2000" dirty="0" smtClean="0"/>
+                <a:t> </a:t>
+              </a:r>
+              <a:r>
+                <a:rPr lang="bg-BG" sz="2000" dirty="0" smtClean="0">
+                  <a:solidFill>
+                    <a:schemeClr val="bg1"/>
+                  </a:solidFill>
+                </a:rPr>
+                <a:t>на България (1960-2020 г.)</a:t>
+              </a:r>
+              <a:endParaRPr lang="en-US" sz="2000" dirty="0">
+                <a:solidFill>
+                  <a:schemeClr val="bg1"/>
+                </a:solidFill>
+              </a:endParaRPr>
+            </a:p>
+          </p:txBody>
+        </p:sp>
+      </p:grpSp>
+    </p:spTree>
+    <p:extLst>
+      <p:ext uri="{BB962C8B-B14F-4D97-AF65-F5344CB8AC3E}">
+        <p14:creationId xmlns:p14="http://schemas.microsoft.com/office/powerpoint/2010/main" val="2632104451"/>
+      </p:ext>
+    </p:extLst>
+  </p:cSld>
+  <p:clrMapOvr>
+    <a:masterClrMapping/>
+  </p:clrMapOvr>
+  <mc:AlternateContent xmlns:mc="http://schemas.openxmlformats.org/markup-compatibility/2006" xmlns:p14="http://schemas.microsoft.com/office/powerpoint/2010/main">
+    <mc:Choice Requires="p14">
+      <p:transition spd="slow" p14:dur="2000" advClick="0" advTm="5000"/>
+    </mc:Choice>
+    <mc:Fallback xmlns="">
+      <p:transition spd="slow" advClick="0" advTm="5000"/>
+    </mc:Fallback>
+  </mc:AlternateContent>
+  <p:timing>
+    <p:tnLst>
+      <p:par>
+        <p:cTn id="1" dur="indefinite" restart="never" nodeType="tmRoot">
+          <p:childTnLst>
+            <p:seq concurrent="1" nextAc="seek">
+              <p:cTn id="2" dur="indefinite" nodeType="mainSeq">
+                <p:childTnLst>
+                  <p:par>
+                    <p:cTn id="3" fill="hold">
+                      <p:stCondLst>
+                        <p:cond delay="indefinite"/>
+                      </p:stCondLst>
+                      <p:childTnLst>
+                        <p:par>
+                          <p:cTn id="4" fill="hold">
+                            <p:stCondLst>
+                              <p:cond delay="0"/>
+                            </p:stCondLst>
+                            <p:childTnLst>
+                              <p:par>
+                                <p:cTn id="5" presetID="1" presetClass="entr" presetSubtype="0" fill="hold" nodeType="clickEffect">
+                                  <p:stCondLst>
+                                    <p:cond delay="0"/>
+                                  </p:stCondLst>
+                                  <p:childTnLst>
+                                    <p:set>
+                                      <p:cBhvr>
+                                        <p:cTn id="6" dur="1" fill="hold">
+                                          <p:stCondLst>
+                                            <p:cond delay="0"/>
+                                          </p:stCondLst>
+                                        </p:cTn>
+                                        <p:tgtEl>
+                                          <p:spTgt spid="7"/>
+                                        </p:tgtEl>
+                                        <p:attrNameLst>
+                                          <p:attrName>style.visibility</p:attrName>
+                                        </p:attrNameLst>
+                                      </p:cBhvr>
+                                      <p:to>
+                                        <p:strVal val="visible"/>
+                                      </p:to>
+                                    </p:set>
+                                  </p:childTnLst>
+                                </p:cTn>
+                              </p:par>
+                            </p:childTnLst>
+                          </p:cTn>
+                        </p:par>
+                      </p:childTnLst>
+                    </p:cTn>
+                  </p:par>
+                </p:childTnLst>
+              </p:cTn>
+              <p:prevCondLst>
+                <p:cond evt="onPrev" delay="0">
+                  <p:tgtEl>
+                    <p:sldTgt/>
+                  </p:tgtEl>
+                </p:cond>
+              </p:prevCondLst>
+              <p:nextCondLst>
+                <p:cond evt="onNext" delay="0">
+                  <p:tgtEl>
+                    <p:sldTgt/>
+                  </p:tgtEl>
+                </p:cond>
+              </p:nextCondLst>
+            </p:seq>
+          </p:childTnLst>
+        </p:cTn>
+      </p:par>
+    </p:tnLst>
+  </p:timing>
+</p:sld>
+</file>
+
+<file path=ppt/slides/slide17.xml><?xml version="1.0" encoding="utf-8"?>
+<p:sld xmlns:a="http://schemas.openxmlformats.org/drawingml/2006/main" xmlns:r="http://schemas.openxmlformats.org/officeDocument/2006/relationships" xmlns:p="http://schemas.openxmlformats.org/presentationml/2006/main">
+  <p:cSld>
+    <p:spTree>
+      <p:nvGrpSpPr>
+        <p:cNvPr id="1" name=""/>
+        <p:cNvGrpSpPr/>
+        <p:nvPr/>
+      </p:nvGrpSpPr>
+      <p:grpSpPr>
+        <a:xfrm>
+          <a:off x="0" y="0"/>
+          <a:ext cx="0" cy="0"/>
+          <a:chOff x="0" y="0"/>
+          <a:chExt cx="0" cy="0"/>
+        </a:xfrm>
+      </p:grpSpPr>
+      <p:sp>
+        <p:nvSpPr>
+          <p:cNvPr id="2" name="Slide Number Placeholder 1"/>
+          <p:cNvSpPr>
+            <a:spLocks noGrp="1"/>
+          </p:cNvSpPr>
+          <p:nvPr>
+            <p:ph type="sldNum" sz="quarter" idx="5"/>
+          </p:nvPr>
+        </p:nvSpPr>
+        <p:spPr/>
+        <p:txBody>
+          <a:bodyPr/>
+          <a:lstStyle/>
+          <a:p>
+            <a:fld id="{2BF067CD-8E6B-4360-9AA8-C5DF2A48A6D1}" type="slidenum">
+              <a:rPr lang="en-US" noProof="0" smtClean="0"/>
+              <a:pPr/>
+              <a:t>17</a:t>
+            </a:fld>
+            <a:endParaRPr lang="en-US" noProof="0" dirty="0"/>
+          </a:p>
+        </p:txBody>
+      </p:sp>
+      <p:sp>
+        <p:nvSpPr>
+          <p:cNvPr id="3" name="Text Placeholder 2"/>
+          <p:cNvSpPr>
+            <a:spLocks noGrp="1"/>
+          </p:cNvSpPr>
+          <p:nvPr>
+            <p:ph type="body" sz="quarter" idx="10"/>
+          </p:nvPr>
+        </p:nvSpPr>
+        <p:spPr/>
+        <p:txBody>
+          <a:bodyPr/>
+          <a:lstStyle/>
+          <a:p>
+            <a:r>
+              <a:rPr lang="bg-BG" dirty="0" smtClean="0"/>
+              <a:t>͏</a:t>
+            </a:r>
+            <a:r>
+              <a:rPr lang="bg-BG" b="1" dirty="0" smtClean="0">
+                <a:solidFill>
+                  <a:schemeClr val="bg1"/>
+                </a:solidFill>
+              </a:rPr>
+              <a:t>Кръгова диаграма </a:t>
+            </a:r>
+            <a:r>
+              <a:rPr lang="bg-BG" dirty="0" smtClean="0"/>
+              <a:t>– представя как се </a:t>
+            </a:r>
+            <a:r>
+              <a:rPr lang="bg-BG" b="1" dirty="0" smtClean="0"/>
+              <a:t>отнася една стойност спрямо друга</a:t>
+            </a:r>
+          </a:p>
+          <a:p>
+            <a:pPr lvl="1"/>
+            <a:r>
+              <a:rPr lang="bg-BG" dirty="0" smtClean="0"/>
+              <a:t>Илюстрира </a:t>
+            </a:r>
+            <a:r>
+              <a:rPr lang="bg-BG" b="1" dirty="0" smtClean="0"/>
+              <a:t>относителен дял </a:t>
+            </a:r>
+            <a:r>
+              <a:rPr lang="bg-BG" dirty="0" smtClean="0"/>
+              <a:t>спрямо </a:t>
+            </a:r>
+            <a:r>
+              <a:rPr lang="bg-BG" b="1" dirty="0" smtClean="0"/>
+              <a:t>цялата сума</a:t>
+            </a:r>
+            <a:endParaRPr lang="en-US" b="1" dirty="0"/>
+          </a:p>
+        </p:txBody>
+      </p:sp>
+      <p:sp>
+        <p:nvSpPr>
+          <p:cNvPr id="4" name="Title 3"/>
+          <p:cNvSpPr>
+            <a:spLocks noGrp="1"/>
+          </p:cNvSpPr>
+          <p:nvPr>
+            <p:ph type="title"/>
+          </p:nvPr>
+        </p:nvSpPr>
+        <p:spPr/>
+        <p:txBody>
+          <a:bodyPr/>
+          <a:lstStyle/>
+          <a:p>
+            <a:r>
+              <a:rPr lang="bg-BG" dirty="0" smtClean="0"/>
+              <a:t>Кръгова диаграма</a:t>
+            </a:r>
+            <a:endParaRPr lang="en-US" dirty="0"/>
+          </a:p>
+        </p:txBody>
+      </p:sp>
+      <p:grpSp>
+        <p:nvGrpSpPr>
+          <p:cNvPr id="7" name="Group 6"/>
+          <p:cNvGrpSpPr/>
+          <p:nvPr/>
+        </p:nvGrpSpPr>
+        <p:grpSpPr>
+          <a:xfrm>
+            <a:off x="3406716" y="3241734"/>
+            <a:ext cx="5130000" cy="3319548"/>
+            <a:chOff x="3406716" y="3241734"/>
+            <a:chExt cx="5130000" cy="3319548"/>
+          </a:xfrm>
+        </p:grpSpPr>
+        <p:pic>
+          <p:nvPicPr>
+            <p:cNvPr id="5" name="Picture 4"/>
+            <p:cNvPicPr>
+              <a:picLocks noChangeAspect="1"/>
+            </p:cNvPicPr>
+            <p:nvPr/>
+          </p:nvPicPr>
+          <p:blipFill>
+            <a:blip r:embed="rId2">
+              <a:extLst>
+                <a:ext uri="{BEBA8EAE-BF5A-486C-A8C5-ECC9F3942E4B}">
+                  <a14:imgProps xmlns:a14="http://schemas.microsoft.com/office/drawing/2010/main">
+                    <a14:imgLayer r:embed="rId3">
+                      <a14:imgEffect>
+                        <a14:sharpenSoften amount="25000"/>
+                      </a14:imgEffect>
+                    </a14:imgLayer>
+                  </a14:imgProps>
+                </a:ext>
+                <a:ext uri="{28A0092B-C50C-407E-A947-70E740481C1C}">
+                  <a14:useLocalDpi xmlns:a14="http://schemas.microsoft.com/office/drawing/2010/main" val="0"/>
+                </a:ext>
+              </a:extLst>
+            </a:blip>
+            <a:stretch>
+              <a:fillRect/>
+            </a:stretch>
+          </p:blipFill>
+          <p:spPr>
+            <a:xfrm>
+              <a:off x="3406716" y="3241734"/>
+              <a:ext cx="5130000" cy="3270375"/>
+            </a:xfrm>
+            <a:prstGeom prst="rect">
+              <a:avLst/>
+            </a:prstGeom>
+          </p:spPr>
+        </p:pic>
+        <p:sp>
+          <p:nvSpPr>
+            <p:cNvPr id="6" name="Oval 5"/>
+            <p:cNvSpPr/>
+            <p:nvPr/>
+          </p:nvSpPr>
+          <p:spPr bwMode="auto">
+            <a:xfrm>
+              <a:off x="3666000" y="6021282"/>
+              <a:ext cx="1315716" cy="540000"/>
+            </a:xfrm>
+            <a:prstGeom prst="ellipse">
+              <a:avLst/>
+            </a:prstGeom>
+            <a:solidFill>
+              <a:schemeClr val="bg2"/>
+            </a:solidFill>
+            <a:ln w="19050">
+              <a:noFill/>
+            </a:ln>
+            <a:effectLst/>
+          </p:spPr>
+          <p:style>
+            <a:lnRef idx="2">
+              <a:schemeClr val="accent1">
+                <a:shade val="50000"/>
+              </a:schemeClr>
+            </a:lnRef>
+            <a:fillRef idx="1001">
+              <a:schemeClr val="dk2"/>
+            </a:fillRef>
+            <a:effectRef idx="0">
+              <a:schemeClr val="accent1"/>
+            </a:effectRef>
+            <a:fontRef idx="minor">
+              <a:schemeClr val="lt1"/>
+            </a:fontRef>
+          </p:style>
+          <p:txBody>
+            <a:bodyPr rot="0" spcFirstLastPara="0" vertOverflow="overflow" horzOverflow="overflow" vert="horz" wrap="square" lIns="91440" tIns="45720" rIns="91440" bIns="45720" numCol="1" spcCol="0" rtlCol="0" fromWordArt="0" anchor="ctr" anchorCtr="0" forceAA="0" compatLnSpc="1">
+              <a:prstTxWarp prst="textNoShape">
+                <a:avLst/>
+              </a:prstTxWarp>
+              <a:noAutofit/>
+            </a:bodyPr>
+            <a:lstStyle/>
+            <a:p>
+              <a:pPr algn="ctr"/>
+              <a:endParaRPr lang="en-US" sz="2800" b="1" dirty="0">
+                <a:solidFill>
+                  <a:srgbClr val="FFFFFF"/>
+                </a:solidFill>
+                <a:effectLst>
+                  <a:outerShdw blurRad="38100" dist="38100" dir="2700000" algn="tl">
+                    <a:srgbClr val="000000">
+                      <a:alpha val="43137"/>
+                    </a:srgbClr>
+                  </a:outerShdw>
+                </a:effectLst>
+              </a:endParaRPr>
+            </a:p>
+          </p:txBody>
+        </p:sp>
+      </p:grpSp>
+    </p:spTree>
+    <p:extLst>
+      <p:ext uri="{BB962C8B-B14F-4D97-AF65-F5344CB8AC3E}">
+        <p14:creationId xmlns:p14="http://schemas.microsoft.com/office/powerpoint/2010/main" val="835482639"/>
+      </p:ext>
+    </p:extLst>
+  </p:cSld>
+  <p:clrMapOvr>
+    <a:masterClrMapping/>
+  </p:clrMapOvr>
+  <mc:AlternateContent xmlns:mc="http://schemas.openxmlformats.org/markup-compatibility/2006" xmlns:p14="http://schemas.microsoft.com/office/powerpoint/2010/main">
+    <mc:Choice Requires="p14">
+      <p:transition spd="slow" p14:dur="2000" advClick="0" advTm="5000"/>
+    </mc:Choice>
+    <mc:Fallback xmlns="">
+      <p:transition spd="slow" advClick="0" advTm="5000"/>
+    </mc:Fallback>
+  </mc:AlternateContent>
+  <p:timing>
+    <p:tnLst>
+      <p:par>
+        <p:cTn id="1" dur="indefinite" restart="never" nodeType="tmRoot">
+          <p:childTnLst>
+            <p:seq concurrent="1" nextAc="seek">
+              <p:cTn id="2" dur="indefinite" nodeType="mainSeq">
+                <p:childTnLst>
+                  <p:par>
+                    <p:cTn id="3" fill="hold">
+                      <p:stCondLst>
+                        <p:cond delay="indefinite"/>
+                      </p:stCondLst>
+                      <p:childTnLst>
+                        <p:par>
+                          <p:cTn id="4" fill="hold">
+                            <p:stCondLst>
+                              <p:cond delay="0"/>
+                            </p:stCondLst>
+                            <p:childTnLst>
+                              <p:par>
+                                <p:cTn id="5" presetID="1" presetClass="entr" presetSubtype="0" fill="hold" nodeType="clickEffect">
+                                  <p:stCondLst>
+                                    <p:cond delay="0"/>
+                                  </p:stCondLst>
+                                  <p:childTnLst>
+                                    <p:set>
+                                      <p:cBhvr>
+                                        <p:cTn id="6" dur="1" fill="hold">
+                                          <p:stCondLst>
+                                            <p:cond delay="0"/>
+                                          </p:stCondLst>
+                                        </p:cTn>
+                                        <p:tgtEl>
+                                          <p:spTgt spid="7"/>
+                                        </p:tgtEl>
+                                        <p:attrNameLst>
+                                          <p:attrName>style.visibility</p:attrName>
+                                        </p:attrNameLst>
+                                      </p:cBhvr>
+                                      <p:to>
+                                        <p:strVal val="visible"/>
+                                      </p:to>
+                                    </p:set>
+                                  </p:childTnLst>
+                                </p:cTn>
+                              </p:par>
+                            </p:childTnLst>
+                          </p:cTn>
+                        </p:par>
+                      </p:childTnLst>
+                    </p:cTn>
+                  </p:par>
+                </p:childTnLst>
+              </p:cTn>
+              <p:prevCondLst>
+                <p:cond evt="onPrev" delay="0">
+                  <p:tgtEl>
+                    <p:sldTgt/>
+                  </p:tgtEl>
+                </p:cond>
+              </p:prevCondLst>
+              <p:nextCondLst>
+                <p:cond evt="onNext" delay="0">
+                  <p:tgtEl>
+                    <p:sldTgt/>
+                  </p:tgtEl>
+                </p:cond>
+              </p:nextCondLst>
+            </p:seq>
+          </p:childTnLst>
+        </p:cTn>
+      </p:par>
+    </p:tnLst>
+  </p:timing>
+</p:sld>
+</file>
+
+<file path=ppt/slides/slide18.xml><?xml version="1.0" encoding="utf-8"?>
 <p:sld xmlns:a="http://schemas.openxmlformats.org/drawingml/2006/main" xmlns:r="http://schemas.openxmlformats.org/officeDocument/2006/relationships" xmlns:p="http://schemas.openxmlformats.org/presentationml/2006/main">
   <p:cSld>
     <p:spTree>
@@ -8458,7 +12715,7 @@
             <a:spLocks noGrp="1"/>
           </p:cNvSpPr>
           <p:nvPr>
-            <p:ph type="sldNum" sz="quarter" idx="13"/>
+            <p:ph type="sldNum" sz="quarter" idx="4294967295"/>
           </p:nvPr>
         </p:nvSpPr>
         <p:spPr>
@@ -8571,7 +12828,7 @@
             <a:fld id="{C014DD1E-5D91-48A3-AD6D-45FBA980D106}" type="slidenum">
               <a:rPr lang="en-US" smtClean="0"/>
               <a:pPr/>
-              <a:t>11</a:t>
+              <a:t>18</a:t>
             </a:fld>
             <a:endParaRPr lang="en-US" dirty="0"/>
           </a:p>
@@ -8972,6 +13229,112 @@
               <a:lnSpc>
                 <a:spcPct val="100000"/>
               </a:lnSpc>
+              <a:spcAft>
+                <a:spcPts val="1200"/>
+              </a:spcAft>
+              <a:buClr>
+                <a:schemeClr val="bg2"/>
+              </a:buClr>
+            </a:pPr>
+            <a:r>
+              <a:rPr lang="bg-BG" sz="2800" dirty="0" smtClean="0">
+                <a:solidFill>
+                  <a:schemeClr val="bg2"/>
+                </a:solidFill>
+              </a:rPr>
+              <a:t>Форматиране на клетки:</a:t>
+            </a:r>
+          </a:p>
+          <a:p>
+            <a:pPr marL="888666" lvl="1" indent="-355600">
+              <a:lnSpc>
+                <a:spcPct val="100000"/>
+              </a:lnSpc>
+              <a:buClr>
+                <a:schemeClr val="bg2"/>
+              </a:buClr>
+            </a:pPr>
+            <a:r>
+              <a:rPr lang="bg-BG" sz="2600" b="1" dirty="0" smtClean="0">
+                <a:solidFill>
+                  <a:schemeClr val="bg2"/>
+                </a:solidFill>
+              </a:rPr>
+              <a:t>Шрифт</a:t>
+            </a:r>
+            <a:r>
+              <a:rPr lang="bg-BG" sz="2600" dirty="0" smtClean="0">
+                <a:solidFill>
+                  <a:schemeClr val="bg2"/>
+                </a:solidFill>
+              </a:rPr>
+              <a:t>, </a:t>
+            </a:r>
+            <a:r>
+              <a:rPr lang="bg-BG" sz="2600" b="1" dirty="0" smtClean="0">
+                <a:solidFill>
+                  <a:schemeClr val="bg2"/>
+                </a:solidFill>
+              </a:rPr>
+              <a:t>рамка</a:t>
+            </a:r>
+            <a:r>
+              <a:rPr lang="bg-BG" sz="2600" dirty="0" smtClean="0">
+                <a:solidFill>
+                  <a:schemeClr val="bg2"/>
+                </a:solidFill>
+              </a:rPr>
+              <a:t>, </a:t>
+            </a:r>
+            <a:r>
+              <a:rPr lang="bg-BG" sz="2600" b="1" dirty="0" smtClean="0">
+                <a:solidFill>
+                  <a:schemeClr val="bg2"/>
+                </a:solidFill>
+              </a:rPr>
+              <a:t>подравняване</a:t>
+            </a:r>
+            <a:r>
+              <a:rPr lang="en-US" sz="2600" dirty="0" smtClean="0">
+                <a:solidFill>
+                  <a:schemeClr val="bg2"/>
+                </a:solidFill>
+              </a:rPr>
+              <a:t>,</a:t>
+            </a:r>
+            <a:r>
+              <a:rPr lang="en-US" sz="2600" b="1" dirty="0" smtClean="0">
+                <a:solidFill>
+                  <a:schemeClr val="bg2"/>
+                </a:solidFill>
+              </a:rPr>
+              <a:t> </a:t>
+            </a:r>
+            <a:r>
+              <a:rPr lang="bg-BG" sz="2600" b="1" dirty="0" smtClean="0">
+                <a:solidFill>
+                  <a:schemeClr val="bg2"/>
+                </a:solidFill>
+              </a:rPr>
+              <a:t>обединение на клетки</a:t>
+            </a:r>
+            <a:r>
+              <a:rPr lang="bg-BG" sz="2600" dirty="0" smtClean="0">
+                <a:solidFill>
+                  <a:schemeClr val="bg2"/>
+                </a:solidFill>
+              </a:rPr>
+              <a:t>...</a:t>
+            </a:r>
+          </a:p>
+          <a:p>
+            <a:pPr marL="355600" indent="-355600">
+              <a:lnSpc>
+                <a:spcPct val="100000"/>
+              </a:lnSpc>
+              <a:spcAft>
+                <a:spcPts val="1200"/>
+              </a:spcAft>
               <a:buClr>
                 <a:schemeClr val="bg2"/>
               </a:buClr>
@@ -8985,7 +13348,7 @@
                   </a:schemeClr>
                 </a:solidFill>
               </a:rPr>
-              <a:t>Данни</a:t>
+              <a:t>Диаграми</a:t>
             </a:r>
             <a:r>
               <a:rPr lang="bg-BG" sz="2800" dirty="0">
@@ -9001,7 +13364,7 @@
                   <a:schemeClr val="bg2"/>
                 </a:solidFill>
               </a:rPr>
-              <a:t>факти</a:t>
+              <a:t>графично онагледяване </a:t>
             </a:r>
             <a:r>
               <a:rPr lang="bg-BG" sz="2800" dirty="0">
@@ -9009,23 +13372,7 @@
                   <a:schemeClr val="bg2"/>
                 </a:solidFill>
               </a:rPr>
-              <a:t>, </a:t>
-            </a:r>
-            <a:r>
-              <a:rPr lang="bg-BG" sz="2800" b="1" dirty="0">
-                <a:solidFill>
-                  <a:schemeClr val="bg2"/>
-                </a:solidFill>
-              </a:rPr>
-              <a:t>понятия</a:t>
-            </a:r>
-            <a:r>
-              <a:rPr lang="bg-BG" sz="2800" dirty="0">
-                <a:solidFill>
-                  <a:schemeClr val="bg2"/>
-                </a:solidFill>
-              </a:rPr>
-              <a:t> или </a:t>
+              <a:t>на числовата </a:t>
             </a:r>
             <a:r>
               <a:rPr lang="bg-BG" sz="2800" b="1" dirty="0" smtClean="0">
@@ -9033,218 +13380,109 @@
                   <a:schemeClr val="bg2"/>
                 </a:solidFill>
               </a:rPr>
-              <a:t>указания, </a:t>
-            </a:r>
+              <a:t>информация</a:t>
+            </a:r>
+          </a:p>
+          <a:p>
+            <a:pPr marL="355600" indent="-355600">
+              <a:lnSpc>
+                <a:spcPct val="100000"/>
+              </a:lnSpc>
+              <a:spcAft>
+                <a:spcPts val="1200"/>
+              </a:spcAft>
+              <a:buClr>
+                <a:schemeClr val="bg2"/>
+              </a:buClr>
+            </a:pPr>
             <a:r>
               <a:rPr lang="bg-BG" sz="2800" dirty="0" smtClean="0">
                 <a:solidFill>
                   <a:schemeClr val="bg2"/>
                 </a:solidFill>
               </a:rPr>
-              <a:t>бработват </a:t>
-            </a:r>
-            <a:r>
-              <a:rPr lang="bg-BG" sz="2800" dirty="0">
+              <a:t>Видове диаграми:</a:t>
+            </a:r>
+          </a:p>
+          <a:p>
+            <a:pPr marL="888666" lvl="1" indent="-355600">
+              <a:lnSpc>
+                <a:spcPct val="100000"/>
+              </a:lnSpc>
+              <a:spcAft>
+                <a:spcPts val="1200"/>
+              </a:spcAft>
+              <a:buClr>
+                <a:schemeClr val="bg2"/>
+              </a:buClr>
+            </a:pPr>
+            <a:r>
+              <a:rPr lang="bg-BG" sz="2600" b="1" dirty="0" smtClean="0">
                 <a:solidFill>
                   <a:schemeClr val="bg2"/>
                 </a:solidFill>
               </a:rPr>
-              <a:t>от човек или </a:t>
-            </a:r>
-            <a:r>
-              <a:rPr lang="bg-BG" sz="2800" dirty="0" smtClean="0">
+              <a:t>Колонна</a:t>
+            </a:r>
+          </a:p>
+          <a:p>
+            <a:pPr marL="888666" lvl="1" indent="-355600">
+              <a:lnSpc>
+                <a:spcPct val="100000"/>
+              </a:lnSpc>
+              <a:spcAft>
+                <a:spcPts val="1200"/>
+              </a:spcAft>
+              <a:buClr>
+                <a:schemeClr val="bg2"/>
+              </a:buClr>
+            </a:pPr>
+            <a:r>
+              <a:rPr lang="bg-BG" sz="2600" b="1" dirty="0" smtClean="0">
                 <a:solidFill>
                   <a:schemeClr val="bg2"/>
                 </a:solidFill>
               </a:rPr>
-              <a:t>компютър</a:t>
-            </a:r>
-            <a:endParaRPr lang="bg-BG" sz="2800" b="1" dirty="0" smtClean="0">
+              <a:t>Линейна</a:t>
+            </a:r>
+          </a:p>
+          <a:p>
+            <a:pPr marL="888666" lvl="1" indent="-355600">
+              <a:lnSpc>
+                <a:spcPct val="100000"/>
+              </a:lnSpc>
+              <a:spcAft>
+                <a:spcPts val="1200"/>
+              </a:spcAft>
+              <a:buClr>
+                <a:schemeClr val="bg2"/>
+              </a:buClr>
+            </a:pPr>
+            <a:r>
+              <a:rPr lang="bg-BG" sz="2600" b="1" dirty="0" smtClean="0">
+                <a:solidFill>
+                  <a:schemeClr val="bg2"/>
+                </a:solidFill>
+              </a:rPr>
+              <a:t>Кръгова</a:t>
+            </a:r>
+            <a:endParaRPr lang="bg-BG" sz="2600" b="1" dirty="0">
               <a:solidFill>
                 <a:schemeClr val="bg2"/>
               </a:solidFill>
             </a:endParaRPr>
           </a:p>
           <a:p>
-            <a:pPr marL="355600" indent="-355600">
+            <a:pPr marL="0" indent="0">
               <a:lnSpc>
                 <a:spcPct val="100000"/>
               </a:lnSpc>
               <a:buClr>
                 <a:schemeClr val="bg2"/>
               </a:buClr>
+              <a:buNone/>
             </a:pPr>
-            <a:r>
-              <a:rPr lang="bg-BG" sz="2800" dirty="0">
-                <a:solidFill>
-                  <a:schemeClr val="bg2"/>
-                </a:solidFill>
-              </a:rPr>
-              <a:t>Основни елементи на ел. </a:t>
-            </a:r>
-            <a:r>
-              <a:rPr lang="bg-BG" sz="2800" dirty="0" smtClean="0">
-                <a:solidFill>
-                  <a:schemeClr val="bg2"/>
-                </a:solidFill>
-              </a:rPr>
-              <a:t>таблица:</a:t>
-            </a:r>
-          </a:p>
-          <a:p>
-            <a:pPr marL="888666" lvl="1" indent="-355600">
-              <a:lnSpc>
-                <a:spcPct val="100000"/>
-              </a:lnSpc>
-              <a:buClr>
-                <a:schemeClr val="bg2"/>
-              </a:buClr>
-            </a:pPr>
-            <a:r>
-              <a:rPr lang="bg-BG" sz="2600" b="1" dirty="0" smtClean="0">
-                <a:solidFill>
-                  <a:schemeClr val="bg2"/>
-                </a:solidFill>
-              </a:rPr>
-              <a:t>Клетка</a:t>
-            </a:r>
-          </a:p>
-          <a:p>
-            <a:pPr marL="888666" lvl="1" indent="-355600">
-              <a:lnSpc>
-                <a:spcPct val="100000"/>
-              </a:lnSpc>
-              <a:buClr>
-                <a:schemeClr val="bg2"/>
-              </a:buClr>
-            </a:pPr>
-            <a:r>
-              <a:rPr lang="bg-BG" sz="2600" b="1" dirty="0" smtClean="0">
-                <a:solidFill>
-                  <a:schemeClr val="bg2"/>
-                </a:solidFill>
-              </a:rPr>
-              <a:t>Ред</a:t>
-            </a:r>
-            <a:endParaRPr lang="bg-BG" sz="2600" b="1" dirty="0">
-              <a:solidFill>
-                <a:schemeClr val="bg2"/>
-              </a:solidFill>
-            </a:endParaRPr>
-          </a:p>
-          <a:p>
-            <a:pPr marL="888666" lvl="1" indent="-355600">
-              <a:lnSpc>
-                <a:spcPct val="100000"/>
-              </a:lnSpc>
-              <a:buClr>
-                <a:schemeClr val="bg2"/>
-              </a:buClr>
-            </a:pPr>
-            <a:r>
-              <a:rPr lang="bg-BG" sz="2600" b="1" dirty="0" smtClean="0">
-                <a:solidFill>
-                  <a:schemeClr val="bg2"/>
-                </a:solidFill>
-              </a:rPr>
-              <a:t>Колона</a:t>
-            </a:r>
-          </a:p>
-          <a:p>
-            <a:pPr marL="888666" lvl="1" indent="-355600">
-              <a:lnSpc>
-                <a:spcPct val="100000"/>
-              </a:lnSpc>
-              <a:buClr>
-                <a:schemeClr val="bg2"/>
-              </a:buClr>
-            </a:pPr>
-            <a:r>
-              <a:rPr lang="bg-BG" sz="2600" b="1" dirty="0" smtClean="0">
-                <a:solidFill>
-                  <a:schemeClr val="bg2"/>
-                </a:solidFill>
-              </a:rPr>
-              <a:t>Адрес на клетката</a:t>
-            </a:r>
-          </a:p>
-          <a:p>
-            <a:pPr marL="355600" indent="-355600">
-              <a:lnSpc>
-                <a:spcPct val="100000"/>
-              </a:lnSpc>
-              <a:buClr>
-                <a:schemeClr val="bg2"/>
-              </a:buClr>
-            </a:pPr>
-            <a:r>
-              <a:rPr lang="en-US" sz="2800" b="1" dirty="0" smtClean="0">
-                <a:solidFill>
-                  <a:schemeClr val="bg1">
-                    <a:lumMod val="60000"/>
-                    <a:lumOff val="40000"/>
-                  </a:schemeClr>
-                </a:solidFill>
-              </a:rPr>
-              <a:t>MS Excel </a:t>
-            </a:r>
-            <a:r>
-              <a:rPr lang="en-US" sz="2800" dirty="0" smtClean="0">
-                <a:solidFill>
-                  <a:schemeClr val="bg2"/>
-                </a:solidFill>
-              </a:rPr>
-              <a:t>– </a:t>
-            </a:r>
-            <a:r>
-              <a:rPr lang="bg-BG" sz="2800" dirty="0" smtClean="0">
-                <a:solidFill>
-                  <a:schemeClr val="bg2"/>
-                </a:solidFill>
-              </a:rPr>
-              <a:t>програма за </a:t>
-            </a:r>
-            <a:r>
-              <a:rPr lang="bg-BG" sz="2800" b="1" dirty="0" smtClean="0">
-                <a:solidFill>
-                  <a:schemeClr val="bg2"/>
-                </a:solidFill>
-              </a:rPr>
-              <a:t>въвеждане</a:t>
-            </a:r>
-            <a:r>
-              <a:rPr lang="bg-BG" sz="2800" dirty="0" smtClean="0">
-                <a:solidFill>
-                  <a:schemeClr val="bg2"/>
-                </a:solidFill>
-              </a:rPr>
-              <a:t> и </a:t>
-            </a:r>
-            <a:r>
-              <a:rPr lang="bg-BG" sz="2800" b="1" dirty="0" smtClean="0">
-                <a:solidFill>
-                  <a:schemeClr val="bg2"/>
-                </a:solidFill>
-              </a:rPr>
-              <a:t>обработване</a:t>
-            </a:r>
-            <a:r>
-              <a:rPr lang="bg-BG" sz="2800" dirty="0" smtClean="0">
-                <a:solidFill>
-                  <a:schemeClr val="bg2"/>
-                </a:solidFill>
-              </a:rPr>
-              <a:t> на информация в </a:t>
-            </a:r>
-            <a:r>
-              <a:rPr lang="bg-BG" sz="2800" b="1" dirty="0" smtClean="0">
-                <a:solidFill>
-                  <a:schemeClr val="bg2"/>
-                </a:solidFill>
-              </a:rPr>
-              <a:t>табличен вид</a:t>
-            </a:r>
-            <a:endParaRPr lang="bg-BG" sz="2800" b="1" dirty="0">
+            <a:endParaRPr lang="bg-BG" sz="2800" dirty="0">
               <a:solidFill>
                 <a:schemeClr val="bg2"/>
               </a:solidFill>
@@ -9255,7 +13493,7 @@
     </p:spTree>
     <p:extLst>
       <p:ext uri="{BB962C8B-B14F-4D97-AF65-F5344CB8AC3E}">
-        <p14:creationId xmlns:p14="http://schemas.microsoft.com/office/powerpoint/2010/main" val="3528394487"/>
+        <p14:creationId xmlns:p14="http://schemas.microsoft.com/office/powerpoint/2010/main" val="3542023837"/>
       </p:ext>
     </p:extLst>
   </p:cSld>
@@ -9306,37 +13544,6 @@
                                         <p:tgtEl>
                                           <p:spTgt spid="15">
                                             <p:txEl>
-                                              <p:pRg st="1" end="1"/>
-                                            </p:txEl>
-                                          </p:spTgt>
-                                        </p:tgtEl>
-                                        <p:attrNameLst>
-                                          <p:attrName>style.visibility</p:attrName>
-                                        </p:attrNameLst>
-                                      </p:cBhvr>
-                                      <p:to>
-                                        <p:strVal val="visible"/>
-                                      </p:to>
-                                    </p:set>
-                                  </p:childTnLst>
-                                </p:cTn>
-                              </p:par>
-                              <p:par>
-                                <p:cTn id="7" presetID="1" presetClass="entr" presetSubtype="0" fill="hold" nodeType="withEffect">
-                                  <p:stCondLst>
-                                    <p:cond delay="0"/>
-                                  </p:stCondLst>
-                                  <p:childTnLst>
-                                    <p:set>
-                                      <p:cBhvr>
-                                        <p:cTn id="8" dur="1" fill="hold">
-                                          <p:stCondLst>
-                                            <p:cond delay="0"/>
-                                          </p:stCondLst>
-                                        </p:cTn>
-                                        <p:tgtEl>
-                                          <p:spTgt spid="15">
-                                            <p:txEl>
                                               <p:pRg st="2" end="2"/>
                                             </p:txEl>
                                           </p:spTgt>
@@ -9359,19 +13566,50 @@
                     </p:cTn>
                   </p:par>
                   <p:par>
-                    <p:cTn id="9" fill="hold">
+                    <p:cTn id="7" fill="hold">
                       <p:stCondLst>
                         <p:cond delay="indefinite"/>
                       </p:stCondLst>
                       <p:childTnLst>
                         <p:par>
-                          <p:cTn id="10" fill="hold">
+                          <p:cTn id="8" fill="hold">
                             <p:stCondLst>
                               <p:cond delay="0"/>
                             </p:stCondLst>
                             <p:childTnLst>
                               <p:par>
-                                <p:cTn id="11" presetID="1" presetClass="entr" presetSubtype="0" fill="hold" nodeType="clickEffect">
+                                <p:cTn id="9" presetID="1" presetClass="entr" presetSubtype="0" fill="hold" nodeType="clickEffect">
+                                  <p:stCondLst>
+                                    <p:cond delay="0"/>
+                                  </p:stCondLst>
+                                  <p:childTnLst>
+                                    <p:set>
+                                      <p:cBhvr>
+                                        <p:cTn id="10" dur="1" fill="hold">
+                                          <p:stCondLst>
+                                            <p:cond delay="0"/>
+                                          </p:stCondLst>
+                                        </p:cTn>
+                                        <p:tgtEl>
+                                          <p:spTgt spid="15">
+                                            <p:txEl>
+                                              <p:pRg st="3" end="3"/>
+                                            </p:txEl>
+                                          </p:spTgt>
+                                        </p:tgtEl>
+                                        <p:attrNameLst>
+                                          <p:attrName>style.visibility</p:attrName>
+                                        </p:attrNameLst>
+                                      </p:cBhvr>
+                                      <p:to>
+                                        <p:strVal val="visible"/>
+                                      </p:to>
+                                    </p:set>
+                                  </p:childTnLst>
+                                </p:cTn>
+                              </p:par>
+                              <p:par>
+                                <p:cTn id="11" presetID="1" presetClass="entr" presetSubtype="0" fill="hold" nodeType="withEffect">
                                   <p:stCondLst>
                                     <p:cond delay="0"/>
                                   </p:stCondLst>
@@ -9386,7 +13624,7 @@
                                         <p:tgtEl>
                                           <p:spTgt spid="15">
                                             <p:txEl>
-                                              <p:pRg st="3" end="3"/>
+                                              <p:pRg st="4" end="4"/>
                                             </p:txEl>
                                           </p:spTgt>
                                         </p:tgtEl>
@@ -9435,7 +13673,7 @@
                                         <p:tgtEl>
                                           <p:spTgt spid="15">
                                             <p:txEl>
-                                              <p:pRg st="4" end="4"/>
+                                              <p:pRg st="5" end="5"/>
                                             </p:txEl>
                                           </p:spTgt>
                                         </p:tgtEl>
@@ -9477,55 +13715,6 @@
                                     <p:set>
                                       <p:cBhvr>
                                         <p:cTn id="20" dur="1" fill="hold">
-                                          <p:stCondLst>
-                                            <p:cond delay="0"/>
-                                          </p:stCondLst>
-                                        </p:cTn>
-                                        <p:tgtEl>
-                                          <p:spTgt spid="15">
-                                            <p:txEl>
-                                              <p:pRg st="5" end="5"/>
-                                            </p:txEl>
-                                          </p:spTgt>
-                                        </p:tgtEl>
-                                        <p:attrNameLst>
-                                          <p:attrName>style.visibility</p:attrName>
-                                        </p:attrNameLst>
-                                      </p:cBhvr>
-                                      <p:to>
-                                        <p:strVal val="visible"/>
-                                      </p:to>
-                                    </p:set>
-                                  </p:childTnLst>
-                                </p:cTn>
-                              </p:par>
-                            </p:childTnLst>
-                          </p:cTn>
-                        </p:par>
-                      </p:childTnLst>
-                    </p:cTn>
-                  </p:par>
-                  <p:par>
-                    <p:cTn id="21" fill="hold">
-                      <p:stCondLst>
-                        <p:cond delay="indefinite"/>
-                      </p:stCondLst>
-                      <p:childTnLst>
-                        <p:par>
-                          <p:cTn id="22" fill="hold">
-                            <p:stCondLst>
-                              <p:cond delay="0"/>
-                            </p:stCondLst>
-                            <p:childTnLst>
-                              <p:par>
-                                <p:cTn id="23" presetID="1" presetClass="entr" presetSubtype="0" fill="hold" nodeType="clickEffect">
-                                  <p:stCondLst>
-                                    <p:cond delay="0"/>
-                                  </p:stCondLst>
-                                  <p:childTnLst>
-                                    <p:set>
-                                      <p:cBhvr>
-                                        <p:cTn id="24" dur="1" fill="hold">
                                           <p:stCondLst>
                                             <p:cond delay="0"/>
                                           </p:stCondLst>
@@ -9579,7 +13768,7 @@
 </p:sld>
 </file>
 
-<file path=ppt/slides/slide12.xml><?xml version="1.0" encoding="utf-8"?>
+<file path=ppt/slides/slide19.xml><?xml version="1.0" encoding="utf-8"?>
 <p:sld xmlns:a="http://schemas.openxmlformats.org/drawingml/2006/main" xmlns:r="http://schemas.openxmlformats.org/officeDocument/2006/relationships" xmlns:p="http://schemas.openxmlformats.org/presentationml/2006/main">
   <p:cSld>
     <p:spTree>
@@ -9693,7 +13882,7 @@
                 <a:hlinkClick r:id="rId3">
                   <a:extLst>
                     <a:ext uri="{A12FA001-AC4F-418D-AE19-62706E023703}">
-                      <ahyp:hlinkClr xmlns:ahyp="http://schemas.microsoft.com/office/drawing/2018/hyperlinkcolor" xmlns="" val="tx"/>
+                      <ahyp:hlinkClr xmlns="" xmlns:ahyp="http://schemas.microsoft.com/office/drawing/2018/hyperlinkcolor" val="tx"/>
                     </a:ext>
                   </a:extLst>
                 </a:hlinkClick>
@@ -9773,389 +13962,6 @@
       </p:par>
     </p:tnLst>
   </p:timing>
-</p:sld>
-</file>
-
-<file path=ppt/slides/slide13.xml><?xml version="1.0" encoding="utf-8"?>
-<p:sld xmlns:a="http://schemas.openxmlformats.org/drawingml/2006/main" xmlns:r="http://schemas.openxmlformats.org/officeDocument/2006/relationships" xmlns:p="http://schemas.openxmlformats.org/presentationml/2006/main">
-  <p:cSld>
-    <p:spTree>
-      <p:nvGrpSpPr>
-        <p:cNvPr id="1" name=""/>
-        <p:cNvGrpSpPr/>
-        <p:nvPr/>
-      </p:nvGrpSpPr>
-      <p:grpSpPr>
-        <a:xfrm>
-          <a:off x="0" y="0"/>
-          <a:ext cx="0" cy="0"/>
-          <a:chOff x="0" y="0"/>
-          <a:chExt cx="0" cy="0"/>
-        </a:xfrm>
-      </p:grpSpPr>
-      <p:sp>
-        <p:nvSpPr>
-          <p:cNvPr id="5" name="Slide Number">
-            <a:extLst>
-              <a:ext uri="{FF2B5EF4-FFF2-40B4-BE49-F238E27FC236}">
-                <a16:creationId xmlns:a16="http://schemas.microsoft.com/office/drawing/2014/main" id="{F48C3C93-90A1-4D31-BEA6-B54D1106CE31}"/>
-              </a:ext>
-            </a:extLst>
-          </p:cNvPr>
-          <p:cNvSpPr>
-            <a:spLocks noGrp="1"/>
-          </p:cNvSpPr>
-          <p:nvPr>
-            <p:ph type="sldNum" sz="quarter" idx="5"/>
-          </p:nvPr>
-        </p:nvSpPr>
-        <p:spPr>
-          <a:xfrm>
-            <a:off x="11753030" y="6507000"/>
-            <a:ext cx="367414" cy="297000"/>
-          </a:xfrm>
-          <a:prstGeom prst="rect">
-            <a:avLst/>
-          </a:prstGeom>
-        </p:spPr>
-        <p:txBody>
-          <a:bodyPr vert="horz" lIns="91440" tIns="45720" rIns="91440" bIns="45720" rtlCol="0" anchor="b"/>
-          <a:lstStyle>
-            <a:lvl1pPr algn="r">
-              <a:defRPr sz="1000"/>
-            </a:lvl1pPr>
-          </a:lstStyle>
-          <a:p>
-            <a:fld id="{2BF067CD-8E6B-4360-9AA8-C5DF2A48A6D1}" type="slidenum">
-              <a:rPr lang="en-US" smtClean="0"/>
-              <a:pPr/>
-              <a:t>13</a:t>
-            </a:fld>
-            <a:endParaRPr lang="en-US" dirty="0"/>
-          </a:p>
-        </p:txBody>
-      </p:sp>
-      <p:sp>
-        <p:nvSpPr>
-          <p:cNvPr id="2" name="Slide Body">
-            <a:extLst>
-              <a:ext uri="{FF2B5EF4-FFF2-40B4-BE49-F238E27FC236}">
-                <a16:creationId xmlns:a16="http://schemas.microsoft.com/office/drawing/2014/main" id="{980F49B1-E4BE-4389-A747-7AB9B71AD920}"/>
-              </a:ext>
-            </a:extLst>
-          </p:cNvPr>
-          <p:cNvSpPr>
-            <a:spLocks noGrp="1"/>
-          </p:cNvSpPr>
-          <p:nvPr>
-            <p:ph type="body" sz="quarter" idx="10"/>
-          </p:nvPr>
-        </p:nvSpPr>
-        <p:spPr>
-          <a:xfrm>
-            <a:off x="190402" y="1269001"/>
-            <a:ext cx="9865598" cy="2474999"/>
-          </a:xfrm>
-        </p:spPr>
-        <p:txBody>
-          <a:bodyPr>
-            <a:normAutofit/>
-          </a:bodyPr>
-          <a:lstStyle/>
-          <a:p>
-            <a:pPr>
-              <a:lnSpc>
-                <a:spcPct val="120000"/>
-              </a:lnSpc>
-            </a:pPr>
-            <a:r>
-              <a:rPr lang="bg-BG" sz="3200" dirty="0"/>
-              <a:t>Този курс</a:t>
-            </a:r>
-            <a:r>
-              <a:rPr lang="en-US" sz="3200" dirty="0"/>
-              <a:t> (</a:t>
-            </a:r>
-            <a:r>
-              <a:rPr lang="bg-BG" sz="3200" dirty="0"/>
-              <a:t>презентации, примери, демонстрационен код, упражнения, домашни, видео и други активи</a:t>
-            </a:r>
-            <a:r>
-              <a:rPr lang="en-US" sz="3200" dirty="0"/>
-              <a:t>) </a:t>
-            </a:r>
-            <a:r>
-              <a:rPr lang="bg-BG" sz="3200" dirty="0"/>
-              <a:t>представлява</a:t>
-            </a:r>
-            <a:r>
-              <a:rPr lang="en-US" sz="3200" dirty="0"/>
-              <a:t> </a:t>
-            </a:r>
-            <a:r>
-              <a:rPr lang="bg-BG" sz="3200" b="1" dirty="0"/>
-              <a:t>свободно учебно съдържание </a:t>
-            </a:r>
-            <a:r>
-              <a:rPr lang="bg-BG" sz="3200" dirty="0"/>
-              <a:t>и се разпространява под свободен лиценз </a:t>
-            </a:r>
-            <a:r>
-              <a:rPr lang="en-US" sz="3200" b="1" dirty="0"/>
-              <a:t>CC-BY-NC-SA</a:t>
-            </a:r>
-            <a:endParaRPr lang="bg-BG" sz="3200" dirty="0"/>
-          </a:p>
-        </p:txBody>
-      </p:sp>
-      <p:pic>
-        <p:nvPicPr>
-          <p:cNvPr id="6" name="Picture License" descr="License">
-            <a:extLst>
-              <a:ext uri="{FF2B5EF4-FFF2-40B4-BE49-F238E27FC236}">
-                <a16:creationId xmlns:a16="http://schemas.microsoft.com/office/drawing/2014/main" id="{82BA520F-A037-4E01-AA18-27D9F1E930A6}"/>
-              </a:ext>
-            </a:extLst>
-          </p:cNvPr>
-          <p:cNvPicPr>
-            <a:picLocks noChangeAspect="1"/>
-          </p:cNvPicPr>
-          <p:nvPr/>
-        </p:nvPicPr>
-        <p:blipFill>
-          <a:blip r:embed="rId3">
-            <a:clrChange>
-              <a:clrFrom>
-                <a:srgbClr val="FFFFFF"/>
-              </a:clrFrom>
-              <a:clrTo>
-                <a:srgbClr val="FFFFFF">
-                  <a:alpha val="0"/>
-                </a:srgbClr>
-              </a:clrTo>
-            </a:clrChange>
-          </a:blip>
-          <a:stretch>
-            <a:fillRect/>
-          </a:stretch>
-        </p:blipFill>
-        <p:spPr>
-          <a:xfrm>
-            <a:off x="10226175" y="1440120"/>
-            <a:ext cx="1198986" cy="1268880"/>
-          </a:xfrm>
-          <a:prstGeom prst="rect">
-            <a:avLst/>
-          </a:prstGeom>
-        </p:spPr>
-      </p:pic>
-      <p:sp>
-        <p:nvSpPr>
-          <p:cNvPr id="3" name="Slide Title">
-            <a:extLst>
-              <a:ext uri="{FF2B5EF4-FFF2-40B4-BE49-F238E27FC236}">
-                <a16:creationId xmlns:a16="http://schemas.microsoft.com/office/drawing/2014/main" id="{E5F1FB41-80C3-4816-BC47-CCC50632E6E8}"/>
-              </a:ext>
-            </a:extLst>
-          </p:cNvPr>
-          <p:cNvSpPr>
-            <a:spLocks noGrp="1"/>
-          </p:cNvSpPr>
-          <p:nvPr>
-            <p:ph type="title"/>
-          </p:nvPr>
-        </p:nvSpPr>
-        <p:spPr/>
-        <p:txBody>
-          <a:bodyPr/>
-          <a:lstStyle/>
-          <a:p>
-            <a:r>
-              <a:rPr lang="bg-BG" dirty="0"/>
-              <a:t>Лиценз</a:t>
-            </a:r>
-          </a:p>
-        </p:txBody>
-      </p:sp>
-      <p:sp>
-        <p:nvSpPr>
-          <p:cNvPr id="11" name="TextBox 10">
-            <a:extLst>
-              <a:ext uri="{FF2B5EF4-FFF2-40B4-BE49-F238E27FC236}">
-                <a16:creationId xmlns:a16="http://schemas.microsoft.com/office/drawing/2014/main" id="{0C18DF19-B750-4C88-975B-661A6BF61F5E}"/>
-              </a:ext>
-            </a:extLst>
-          </p:cNvPr>
-          <p:cNvSpPr txBox="1"/>
-          <p:nvPr/>
-        </p:nvSpPr>
-        <p:spPr>
-          <a:xfrm>
-            <a:off x="190401" y="3927519"/>
-            <a:ext cx="11710599" cy="1979644"/>
-          </a:xfrm>
-          <a:prstGeom prst="rect">
-            <a:avLst/>
-          </a:prstGeom>
-          <a:noFill/>
-          <a:ln w="12700">
-            <a:noFill/>
-          </a:ln>
-        </p:spPr>
-        <p:txBody>
-          <a:bodyPr wrap="square">
-            <a:spAutoFit/>
-          </a:bodyPr>
-          <a:lstStyle/>
-          <a:p>
-            <a:pPr marL="360363" indent="-360363" defTabSz="1218438">
-              <a:lnSpc>
-                <a:spcPct val="120000"/>
-              </a:lnSpc>
-              <a:spcBef>
-                <a:spcPts val="600"/>
-              </a:spcBef>
-              <a:spcAft>
-                <a:spcPts val="600"/>
-              </a:spcAft>
-              <a:buFont typeface="Wingdings" panose="05000000000000000000" pitchFamily="2" charset="2"/>
-              <a:buChar char="§"/>
-              <a:defRPr/>
-            </a:pPr>
-            <a:r>
-              <a:rPr lang="bg-BG" sz="3200" dirty="0"/>
-              <a:t>Проект "</a:t>
-            </a:r>
-            <a:r>
-              <a:rPr lang="bg-BG" sz="3200" b="1" dirty="0"/>
-              <a:t>Отворено учебно съдържание по програмиране и ИТ</a:t>
-            </a:r>
-            <a:r>
-              <a:rPr lang="bg-BG" sz="3200" dirty="0"/>
-              <a:t>" към Фондация "Софтуерен университет"</a:t>
-            </a:r>
-            <a:r>
-              <a:rPr lang="en-US" sz="3200" dirty="0"/>
-              <a:t>:</a:t>
-            </a:r>
-            <a:endParaRPr lang="bg-BG" sz="3200" dirty="0"/>
-          </a:p>
-          <a:p>
-            <a:pPr marL="817563" lvl="1" indent="-360363" defTabSz="1218438">
-              <a:lnSpc>
-                <a:spcPct val="120000"/>
-              </a:lnSpc>
-              <a:spcBef>
-                <a:spcPts val="600"/>
-              </a:spcBef>
-              <a:spcAft>
-                <a:spcPts val="600"/>
-              </a:spcAft>
-              <a:buFont typeface="Wingdings" panose="05000000000000000000" pitchFamily="2" charset="2"/>
-              <a:buChar char="§"/>
-              <a:defRPr/>
-            </a:pPr>
-            <a:r>
-              <a:rPr kumimoji="0" lang="en-US" sz="3200" b="0" i="0" u="none" strike="noStrike" kern="1200" cap="none" spc="0" normalizeH="0" baseline="0" noProof="0" dirty="0">
-                <a:ln>
-                  <a:noFill/>
-                </a:ln>
-                <a:solidFill>
-                  <a:srgbClr val="234465"/>
-                </a:solidFill>
-                <a:effectLst/>
-                <a:uLnTx/>
-                <a:uFillTx/>
-                <a:latin typeface="Calibri"/>
-                <a:ea typeface="+mn-ea"/>
-                <a:cs typeface="+mn-cs"/>
-                <a:hlinkClick r:id="rId4"/>
-              </a:rPr>
-              <a:t>https://github.com/BG-IT-Edu</a:t>
-            </a:r>
-            <a:endParaRPr kumimoji="0" lang="bg-BG" sz="3200" b="0" i="0" u="none" strike="noStrike" kern="1200" cap="none" spc="0" normalizeH="0" baseline="0" noProof="0" dirty="0">
-              <a:ln>
-                <a:noFill/>
-              </a:ln>
-              <a:solidFill>
-                <a:srgbClr val="234465"/>
-              </a:solidFill>
-              <a:effectLst/>
-              <a:uLnTx/>
-              <a:uFillTx/>
-              <a:latin typeface="Calibri"/>
-              <a:ea typeface="+mn-ea"/>
-              <a:cs typeface="+mn-cs"/>
-            </a:endParaRPr>
-          </a:p>
-        </p:txBody>
-      </p:sp>
-      <p:pic>
-        <p:nvPicPr>
-          <p:cNvPr id="7" name="Picture 6" title="CC-BY-NC-SA License">
-            <a:hlinkClick r:id="rId5" tooltip="This work is licensed under the &quot;Creative Commons Attribution-NonCommercial-ShareAlike 4.0 International&quot; license"/>
-            <a:extLst>
-              <a:ext uri="{FF2B5EF4-FFF2-40B4-BE49-F238E27FC236}">
-                <a16:creationId xmlns:a16="http://schemas.microsoft.com/office/drawing/2014/main" id="{F6C77C47-F7D8-A176-5C69-7FDE5C7E8003}"/>
-              </a:ext>
-            </a:extLst>
-          </p:cNvPr>
-          <p:cNvPicPr>
-            <a:picLocks noChangeAspect="1" noChangeArrowheads="1"/>
-          </p:cNvPicPr>
-          <p:nvPr/>
-        </p:nvPicPr>
-        <p:blipFill>
-          <a:blip r:embed="rId6">
-            <a:extLst>
-              <a:ext uri="{28A0092B-C50C-407E-A947-70E740481C1C}">
-                <a14:useLocalDpi xmlns:a14="http://schemas.microsoft.com/office/drawing/2010/main"/>
-              </a:ext>
-            </a:extLst>
-          </a:blip>
-          <a:srcRect/>
-          <a:stretch>
-            <a:fillRect/>
-          </a:stretch>
-        </p:blipFill>
-        <p:spPr bwMode="auto">
-          <a:xfrm>
-            <a:off x="9831000" y="2908593"/>
-            <a:ext cx="1989336" cy="696022"/>
-          </a:xfrm>
-          <a:prstGeom prst="roundRect">
-            <a:avLst>
-              <a:gd name="adj" fmla="val 3940"/>
-            </a:avLst>
-          </a:prstGeom>
-          <a:solidFill>
-            <a:srgbClr val="231F20">
-              <a:alpha val="50000"/>
-            </a:srgbClr>
-          </a:solidFill>
-          <a:ln>
-            <a:noFill/>
-          </a:ln>
-        </p:spPr>
-      </p:pic>
-    </p:spTree>
-    <p:extLst>
-      <p:ext uri="{BB962C8B-B14F-4D97-AF65-F5344CB8AC3E}">
-        <p14:creationId xmlns:p14="http://schemas.microsoft.com/office/powerpoint/2010/main" val="3879276042"/>
-      </p:ext>
-    </p:extLst>
-  </p:cSld>
-  <p:clrMapOvr>
-    <a:masterClrMapping/>
-  </p:clrMapOvr>
-  <mc:AlternateContent xmlns:mc="http://schemas.openxmlformats.org/markup-compatibility/2006" xmlns:p14="http://schemas.microsoft.com/office/powerpoint/2010/main">
-    <mc:Choice Requires="p14">
-      <p:transition spd="slow" p14:dur="2000" advClick="0" advTm="5000"/>
-    </mc:Choice>
-    <mc:Fallback xmlns="">
-      <p:transition spd="slow" advClick="0" advTm="5000"/>
-    </mc:Fallback>
-  </mc:AlternateContent>
 </p:sld>
 </file>
 
@@ -10328,8 +14134,17 @@
           <a:p>
             <a:r>
               <a:rPr lang="bg-BG" dirty="0" smtClean="0"/>
-              <a:t>Форматиране на клетки</a:t>
-            </a:r>
+              <a:t>͏</a:t>
+            </a:r>
+            <a:r>
+              <a:rPr lang="bg-BG" dirty="0"/>
+              <a:t>͏Форматиране в </a:t>
+            </a:r>
+            <a:r>
+              <a:rPr lang="en-US" dirty="0"/>
+              <a:t>Excel</a:t>
+            </a:r>
+            <a:endParaRPr lang="bg-BG" dirty="0" smtClean="0"/>
           </a:p>
           <a:p>
             <a:r>
@@ -10340,9 +14155,12 @@
           <a:p>
             <a:r>
               <a:rPr lang="bg-BG" dirty="0" smtClean="0"/>
-              <a:t>Видове диаграми</a:t>
-            </a:r>
-            <a:endParaRPr lang="bg-BG" dirty="0" smtClean="0"/>
+              <a:t>Видове </a:t>
+            </a:r>
+            <a:r>
+              <a:rPr lang="bg-BG" dirty="0" smtClean="0"/>
+              <a:t>диаграми</a:t>
+            </a:r>
           </a:p>
           <a:p>
             <a:endParaRPr lang="en-US" dirty="0"/>
@@ -10575,6 +14393,389 @@
 </p:sld>
 </file>
 
+<file path=ppt/slides/slide20.xml><?xml version="1.0" encoding="utf-8"?>
+<p:sld xmlns:a="http://schemas.openxmlformats.org/drawingml/2006/main" xmlns:r="http://schemas.openxmlformats.org/officeDocument/2006/relationships" xmlns:p="http://schemas.openxmlformats.org/presentationml/2006/main">
+  <p:cSld>
+    <p:spTree>
+      <p:nvGrpSpPr>
+        <p:cNvPr id="1" name=""/>
+        <p:cNvGrpSpPr/>
+        <p:nvPr/>
+      </p:nvGrpSpPr>
+      <p:grpSpPr>
+        <a:xfrm>
+          <a:off x="0" y="0"/>
+          <a:ext cx="0" cy="0"/>
+          <a:chOff x="0" y="0"/>
+          <a:chExt cx="0" cy="0"/>
+        </a:xfrm>
+      </p:grpSpPr>
+      <p:sp>
+        <p:nvSpPr>
+          <p:cNvPr id="5" name="Slide Number">
+            <a:extLst>
+              <a:ext uri="{FF2B5EF4-FFF2-40B4-BE49-F238E27FC236}">
+                <a16:creationId xmlns:a16="http://schemas.microsoft.com/office/drawing/2014/main" id="{F48C3C93-90A1-4D31-BEA6-B54D1106CE31}"/>
+              </a:ext>
+            </a:extLst>
+          </p:cNvPr>
+          <p:cNvSpPr>
+            <a:spLocks noGrp="1"/>
+          </p:cNvSpPr>
+          <p:nvPr>
+            <p:ph type="sldNum" sz="quarter" idx="5"/>
+          </p:nvPr>
+        </p:nvSpPr>
+        <p:spPr>
+          <a:xfrm>
+            <a:off x="11753030" y="6507000"/>
+            <a:ext cx="367414" cy="297000"/>
+          </a:xfrm>
+          <a:prstGeom prst="rect">
+            <a:avLst/>
+          </a:prstGeom>
+        </p:spPr>
+        <p:txBody>
+          <a:bodyPr vert="horz" lIns="91440" tIns="45720" rIns="91440" bIns="45720" rtlCol="0" anchor="b"/>
+          <a:lstStyle>
+            <a:lvl1pPr algn="r">
+              <a:defRPr sz="1000"/>
+            </a:lvl1pPr>
+          </a:lstStyle>
+          <a:p>
+            <a:fld id="{2BF067CD-8E6B-4360-9AA8-C5DF2A48A6D1}" type="slidenum">
+              <a:rPr lang="en-US" smtClean="0"/>
+              <a:pPr/>
+              <a:t>20</a:t>
+            </a:fld>
+            <a:endParaRPr lang="en-US" dirty="0"/>
+          </a:p>
+        </p:txBody>
+      </p:sp>
+      <p:sp>
+        <p:nvSpPr>
+          <p:cNvPr id="2" name="Slide Body">
+            <a:extLst>
+              <a:ext uri="{FF2B5EF4-FFF2-40B4-BE49-F238E27FC236}">
+                <a16:creationId xmlns:a16="http://schemas.microsoft.com/office/drawing/2014/main" id="{980F49B1-E4BE-4389-A747-7AB9B71AD920}"/>
+              </a:ext>
+            </a:extLst>
+          </p:cNvPr>
+          <p:cNvSpPr>
+            <a:spLocks noGrp="1"/>
+          </p:cNvSpPr>
+          <p:nvPr>
+            <p:ph type="body" sz="quarter" idx="10"/>
+          </p:nvPr>
+        </p:nvSpPr>
+        <p:spPr>
+          <a:xfrm>
+            <a:off x="190402" y="1269001"/>
+            <a:ext cx="9865598" cy="2474999"/>
+          </a:xfrm>
+        </p:spPr>
+        <p:txBody>
+          <a:bodyPr>
+            <a:normAutofit/>
+          </a:bodyPr>
+          <a:lstStyle/>
+          <a:p>
+            <a:pPr>
+              <a:lnSpc>
+                <a:spcPct val="120000"/>
+              </a:lnSpc>
+            </a:pPr>
+            <a:r>
+              <a:rPr lang="bg-BG" sz="3200" dirty="0"/>
+              <a:t>Този курс</a:t>
+            </a:r>
+            <a:r>
+              <a:rPr lang="en-US" sz="3200" dirty="0"/>
+              <a:t> (</a:t>
+            </a:r>
+            <a:r>
+              <a:rPr lang="bg-BG" sz="3200" dirty="0"/>
+              <a:t>презентации, примери, демонстрационен код, упражнения, домашни, видео и други активи</a:t>
+            </a:r>
+            <a:r>
+              <a:rPr lang="en-US" sz="3200" dirty="0"/>
+              <a:t>) </a:t>
+            </a:r>
+            <a:r>
+              <a:rPr lang="bg-BG" sz="3200" dirty="0"/>
+              <a:t>представлява</a:t>
+            </a:r>
+            <a:r>
+              <a:rPr lang="en-US" sz="3200" dirty="0"/>
+              <a:t> </a:t>
+            </a:r>
+            <a:r>
+              <a:rPr lang="bg-BG" sz="3200" b="1" dirty="0"/>
+              <a:t>свободно учебно съдържание </a:t>
+            </a:r>
+            <a:r>
+              <a:rPr lang="bg-BG" sz="3200" dirty="0"/>
+              <a:t>и се разпространява под свободен лиценз </a:t>
+            </a:r>
+            <a:r>
+              <a:rPr lang="en-US" sz="3200" b="1" dirty="0"/>
+              <a:t>CC-BY-NC-SA</a:t>
+            </a:r>
+            <a:endParaRPr lang="bg-BG" sz="3200" dirty="0"/>
+          </a:p>
+        </p:txBody>
+      </p:sp>
+      <p:pic>
+        <p:nvPicPr>
+          <p:cNvPr id="6" name="Picture License" descr="License">
+            <a:extLst>
+              <a:ext uri="{FF2B5EF4-FFF2-40B4-BE49-F238E27FC236}">
+                <a16:creationId xmlns:a16="http://schemas.microsoft.com/office/drawing/2014/main" id="{82BA520F-A037-4E01-AA18-27D9F1E930A6}"/>
+              </a:ext>
+            </a:extLst>
+          </p:cNvPr>
+          <p:cNvPicPr>
+            <a:picLocks noChangeAspect="1"/>
+          </p:cNvPicPr>
+          <p:nvPr/>
+        </p:nvPicPr>
+        <p:blipFill>
+          <a:blip r:embed="rId3">
+            <a:clrChange>
+              <a:clrFrom>
+                <a:srgbClr val="FFFFFF"/>
+              </a:clrFrom>
+              <a:clrTo>
+                <a:srgbClr val="FFFFFF">
+                  <a:alpha val="0"/>
+                </a:srgbClr>
+              </a:clrTo>
+            </a:clrChange>
+          </a:blip>
+          <a:stretch>
+            <a:fillRect/>
+          </a:stretch>
+        </p:blipFill>
+        <p:spPr>
+          <a:xfrm>
+            <a:off x="10226175" y="1440120"/>
+            <a:ext cx="1198986" cy="1268880"/>
+          </a:xfrm>
+          <a:prstGeom prst="rect">
+            <a:avLst/>
+          </a:prstGeom>
+        </p:spPr>
+      </p:pic>
+      <p:sp>
+        <p:nvSpPr>
+          <p:cNvPr id="3" name="Slide Title">
+            <a:extLst>
+              <a:ext uri="{FF2B5EF4-FFF2-40B4-BE49-F238E27FC236}">
+                <a16:creationId xmlns:a16="http://schemas.microsoft.com/office/drawing/2014/main" id="{E5F1FB41-80C3-4816-BC47-CCC50632E6E8}"/>
+              </a:ext>
+            </a:extLst>
+          </p:cNvPr>
+          <p:cNvSpPr>
+            <a:spLocks noGrp="1"/>
+          </p:cNvSpPr>
+          <p:nvPr>
+            <p:ph type="title"/>
+          </p:nvPr>
+        </p:nvSpPr>
+        <p:spPr/>
+        <p:txBody>
+          <a:bodyPr/>
+          <a:lstStyle/>
+          <a:p>
+            <a:r>
+              <a:rPr lang="bg-BG" dirty="0"/>
+              <a:t>Лиценз</a:t>
+            </a:r>
+          </a:p>
+        </p:txBody>
+      </p:sp>
+      <p:sp>
+        <p:nvSpPr>
+          <p:cNvPr id="11" name="TextBox 10">
+            <a:extLst>
+              <a:ext uri="{FF2B5EF4-FFF2-40B4-BE49-F238E27FC236}">
+                <a16:creationId xmlns:a16="http://schemas.microsoft.com/office/drawing/2014/main" id="{0C18DF19-B750-4C88-975B-661A6BF61F5E}"/>
+              </a:ext>
+            </a:extLst>
+          </p:cNvPr>
+          <p:cNvSpPr txBox="1"/>
+          <p:nvPr/>
+        </p:nvSpPr>
+        <p:spPr>
+          <a:xfrm>
+            <a:off x="190401" y="3927519"/>
+            <a:ext cx="11710599" cy="1979644"/>
+          </a:xfrm>
+          <a:prstGeom prst="rect">
+            <a:avLst/>
+          </a:prstGeom>
+          <a:noFill/>
+          <a:ln w="12700">
+            <a:noFill/>
+          </a:ln>
+        </p:spPr>
+        <p:txBody>
+          <a:bodyPr wrap="square">
+            <a:spAutoFit/>
+          </a:bodyPr>
+          <a:lstStyle/>
+          <a:p>
+            <a:pPr marL="360363" indent="-360363" defTabSz="1218438">
+              <a:lnSpc>
+                <a:spcPct val="120000"/>
+              </a:lnSpc>
+              <a:spcBef>
+                <a:spcPts val="600"/>
+              </a:spcBef>
+              <a:spcAft>
+                <a:spcPts val="600"/>
+              </a:spcAft>
+              <a:buFont typeface="Wingdings" panose="05000000000000000000" pitchFamily="2" charset="2"/>
+              <a:buChar char="§"/>
+              <a:defRPr/>
+            </a:pPr>
+            <a:r>
+              <a:rPr lang="bg-BG" sz="3200" dirty="0"/>
+              <a:t>Проект "</a:t>
+            </a:r>
+            <a:r>
+              <a:rPr lang="bg-BG" sz="3200" b="1" dirty="0"/>
+              <a:t>Отворено учебно съдържание по програмиране и ИТ</a:t>
+            </a:r>
+            <a:r>
+              <a:rPr lang="bg-BG" sz="3200" dirty="0"/>
+              <a:t>" към Фондация "Софтуерен университет"</a:t>
+            </a:r>
+            <a:r>
+              <a:rPr lang="en-US" sz="3200" dirty="0"/>
+              <a:t>:</a:t>
+            </a:r>
+            <a:endParaRPr lang="bg-BG" sz="3200" dirty="0"/>
+          </a:p>
+          <a:p>
+            <a:pPr marL="817563" lvl="1" indent="-360363" defTabSz="1218438">
+              <a:lnSpc>
+                <a:spcPct val="120000"/>
+              </a:lnSpc>
+              <a:spcBef>
+                <a:spcPts val="600"/>
+              </a:spcBef>
+              <a:spcAft>
+                <a:spcPts val="600"/>
+              </a:spcAft>
+              <a:buFont typeface="Wingdings" panose="05000000000000000000" pitchFamily="2" charset="2"/>
+              <a:buChar char="§"/>
+              <a:defRPr/>
+            </a:pPr>
+            <a:r>
+              <a:rPr kumimoji="0" lang="en-US" sz="3200" b="0" i="0" u="none" strike="noStrike" kern="1200" cap="none" spc="0" normalizeH="0" baseline="0" noProof="0" dirty="0">
+                <a:ln>
+                  <a:noFill/>
+                </a:ln>
+                <a:solidFill>
+                  <a:srgbClr val="234465"/>
+                </a:solidFill>
+                <a:effectLst/>
+                <a:uLnTx/>
+                <a:uFillTx/>
+                <a:latin typeface="Calibri"/>
+                <a:ea typeface="+mn-ea"/>
+                <a:cs typeface="+mn-cs"/>
+                <a:hlinkClick r:id="rId4"/>
+              </a:rPr>
+              <a:t>https://github.com/BG-IT-Edu</a:t>
+            </a:r>
+            <a:endParaRPr kumimoji="0" lang="bg-BG" sz="3200" b="0" i="0" u="none" strike="noStrike" kern="1200" cap="none" spc="0" normalizeH="0" baseline="0" noProof="0" dirty="0">
+              <a:ln>
+                <a:noFill/>
+              </a:ln>
+              <a:solidFill>
+                <a:srgbClr val="234465"/>
+              </a:solidFill>
+              <a:effectLst/>
+              <a:uLnTx/>
+              <a:uFillTx/>
+              <a:latin typeface="Calibri"/>
+              <a:ea typeface="+mn-ea"/>
+              <a:cs typeface="+mn-cs"/>
+            </a:endParaRPr>
+          </a:p>
+        </p:txBody>
+      </p:sp>
+      <p:pic>
+        <p:nvPicPr>
+          <p:cNvPr id="7" name="Picture 6" title="CC-BY-NC-SA License">
+            <a:hlinkClick r:id="rId5" tooltip="This work is licensed under the &quot;Creative Commons Attribution-NonCommercial-ShareAlike 4.0 International&quot; license"/>
+            <a:extLst>
+              <a:ext uri="{FF2B5EF4-FFF2-40B4-BE49-F238E27FC236}">
+                <a16:creationId xmlns:a16="http://schemas.microsoft.com/office/drawing/2014/main" id="{F6C77C47-F7D8-A176-5C69-7FDE5C7E8003}"/>
+              </a:ext>
+            </a:extLst>
+          </p:cNvPr>
+          <p:cNvPicPr>
+            <a:picLocks noChangeAspect="1" noChangeArrowheads="1"/>
+          </p:cNvPicPr>
+          <p:nvPr/>
+        </p:nvPicPr>
+        <p:blipFill>
+          <a:blip r:embed="rId6">
+            <a:extLst>
+              <a:ext uri="{28A0092B-C50C-407E-A947-70E740481C1C}">
+                <a14:useLocalDpi xmlns:a14="http://schemas.microsoft.com/office/drawing/2010/main"/>
+              </a:ext>
+            </a:extLst>
+          </a:blip>
+          <a:srcRect/>
+          <a:stretch>
+            <a:fillRect/>
+          </a:stretch>
+        </p:blipFill>
+        <p:spPr bwMode="auto">
+          <a:xfrm>
+            <a:off x="9831000" y="2908593"/>
+            <a:ext cx="1989336" cy="696022"/>
+          </a:xfrm>
+          <a:prstGeom prst="roundRect">
+            <a:avLst>
+              <a:gd name="adj" fmla="val 3940"/>
+            </a:avLst>
+          </a:prstGeom>
+          <a:solidFill>
+            <a:srgbClr val="231F20">
+              <a:alpha val="50000"/>
+            </a:srgbClr>
+          </a:solidFill>
+          <a:ln>
+            <a:noFill/>
+          </a:ln>
+        </p:spPr>
+      </p:pic>
+    </p:spTree>
+    <p:extLst>
+      <p:ext uri="{BB962C8B-B14F-4D97-AF65-F5344CB8AC3E}">
+        <p14:creationId xmlns:p14="http://schemas.microsoft.com/office/powerpoint/2010/main" val="3879276042"/>
+      </p:ext>
+    </p:extLst>
+  </p:cSld>
+  <p:clrMapOvr>
+    <a:masterClrMapping/>
+  </p:clrMapOvr>
+  <mc:AlternateContent xmlns:mc="http://schemas.openxmlformats.org/markup-compatibility/2006" xmlns:p14="http://schemas.microsoft.com/office/powerpoint/2010/main">
+    <mc:Choice Requires="p14">
+      <p:transition spd="slow" p14:dur="2000" advClick="0" advTm="5000"/>
+    </mc:Choice>
+    <mc:Fallback xmlns="">
+      <p:transition spd="slow" advClick="0" advTm="5000"/>
+    </mc:Fallback>
+  </mc:AlternateContent>
+</p:sld>
+</file>
+
 <file path=ppt/slides/slide3.xml><?xml version="1.0" encoding="utf-8"?>
 <p:sld xmlns:a="http://schemas.openxmlformats.org/drawingml/2006/main" xmlns:r="http://schemas.openxmlformats.org/officeDocument/2006/relationships" xmlns:p="http://schemas.openxmlformats.org/presentationml/2006/main">
   <p:cSld>
@@ -10614,11 +14815,15 @@
           <a:p>
             <a:r>
               <a:rPr lang="bg-BG" dirty="0"/>
-              <a:t>͏Форматиране на </a:t>
+              <a:t>͏Форматиране </a:t>
             </a:r>
             <a:r>
               <a:rPr lang="bg-BG" dirty="0" smtClean="0"/>
-              <a:t>клетки</a:t>
+              <a:t>в </a:t>
+            </a:r>
+            <a:r>
+              <a:rPr lang="en-US" dirty="0" smtClean="0"/>
+              <a:t>Excel</a:t>
             </a:r>
             <a:endParaRPr lang="en-US" dirty="0"/>
           </a:p>
@@ -10656,6 +14861,66 @@
           </a:p>
         </p:txBody>
       </p:sp>
+      <p:pic>
+        <p:nvPicPr>
+          <p:cNvPr id="3" name="Picture 2"/>
+          <p:cNvPicPr>
+            <a:picLocks noChangeAspect="1"/>
+          </p:cNvPicPr>
+          <p:nvPr/>
+        </p:nvPicPr>
+        <p:blipFill>
+          <a:blip r:embed="rId2">
+            <a:extLst>
+              <a:ext uri="{28A0092B-C50C-407E-A947-70E740481C1C}">
+                <a14:useLocalDpi xmlns:a14="http://schemas.microsoft.com/office/drawing/2010/main" val="0"/>
+              </a:ext>
+            </a:extLst>
+          </a:blip>
+          <a:stretch>
+            <a:fillRect/>
+          </a:stretch>
+        </p:blipFill>
+        <p:spPr>
+          <a:xfrm>
+            <a:off x="4866690" y="1989000"/>
+            <a:ext cx="2458620" cy="1370550"/>
+          </a:xfrm>
+          <a:prstGeom prst="rect">
+            <a:avLst/>
+          </a:prstGeom>
+        </p:spPr>
+      </p:pic>
+      <p:pic>
+        <p:nvPicPr>
+          <p:cNvPr id="4" name="Picture 3"/>
+          <p:cNvPicPr>
+            <a:picLocks noChangeAspect="1"/>
+          </p:cNvPicPr>
+          <p:nvPr/>
+        </p:nvPicPr>
+        <p:blipFill>
+          <a:blip r:embed="rId3" cstate="hqprint">
+            <a:extLst>
+              <a:ext uri="{28A0092B-C50C-407E-A947-70E740481C1C}">
+                <a14:useLocalDpi xmlns:a14="http://schemas.microsoft.com/office/drawing/2010/main" val="0"/>
+              </a:ext>
+            </a:extLst>
+          </a:blip>
+          <a:stretch>
+            <a:fillRect/>
+          </a:stretch>
+        </p:blipFill>
+        <p:spPr>
+          <a:xfrm>
+            <a:off x="5916000" y="1584000"/>
+            <a:ext cx="1234371" cy="1233000"/>
+          </a:xfrm>
+          <a:prstGeom prst="rect">
+            <a:avLst/>
+          </a:prstGeom>
+        </p:spPr>
+      </p:pic>
     </p:spTree>
     <p:extLst>
       <p:ext uri="{BB962C8B-B14F-4D97-AF65-F5344CB8AC3E}">
@@ -10737,7 +15002,15 @@
             </a:r>
             <a:r>
               <a:rPr lang="bg-BG" dirty="0" smtClean="0"/>
-              <a:t>, също както при </a:t>
+              <a:t>, също </a:t>
+            </a:r>
+            <a:r>
+              <a:rPr lang="bg-BG" dirty="0" smtClean="0"/>
+              <a:t>както и </a:t>
+            </a:r>
+            <a:r>
+              <a:rPr lang="bg-BG" dirty="0" smtClean="0"/>
+              <a:t>при </a:t>
             </a:r>
             <a:r>
               <a:rPr lang="en-US" dirty="0" smtClean="0"/>
@@ -12219,7 +16492,7 @@
           <a:p>
             <a:pPr lvl="1">
               <a:spcAft>
-                <a:spcPts val="1200"/>
+                <a:spcPts val="1800"/>
               </a:spcAft>
             </a:pPr>
             <a:r>
@@ -12254,7 +16527,7 @@
           <a:p>
             <a:pPr lvl="1">
               <a:spcAft>
-                <a:spcPts val="1200"/>
+                <a:spcPts val="1800"/>
               </a:spcAft>
             </a:pPr>
             <a:r>
@@ -12277,7 +16550,7 @@
           <a:p>
             <a:pPr lvl="1">
               <a:spcAft>
-                <a:spcPts val="1200"/>
+                <a:spcPts val="1800"/>
               </a:spcAft>
             </a:pPr>
             <a:r>
@@ -14090,18 +18363,6 @@
               </a:rPr>
               <a:t>подравняване</a:t>
             </a:r>
-            <a:endParaRPr lang="bg-BG" sz="2800" b="1" dirty="0" smtClean="0">
-              <a:solidFill>
-                <a:srgbClr val="FFFFFF"/>
-              </a:solidFill>
-              <a:effectLst>
-                <a:outerShdw blurRad="38100" dist="38100" dir="2700000" algn="tl">
-                  <a:srgbClr val="000000">
-                    <a:alpha val="43137"/>
-                  </a:srgbClr>
-                </a:outerShdw>
-              </a:effectLst>
-            </a:endParaRPr>
           </a:p>
         </p:txBody>
       </p:sp>
@@ -14947,6 +19208,25 @@
       </p:sp>
       <p:sp>
         <p:nvSpPr>
+          <p:cNvPr id="3" name="Text Placeholder 2"/>
+          <p:cNvSpPr>
+            <a:spLocks noGrp="1"/>
+          </p:cNvSpPr>
+          <p:nvPr>
+            <p:ph type="body" sz="quarter" idx="10"/>
+          </p:nvPr>
+        </p:nvSpPr>
+        <p:spPr/>
+        <p:txBody>
+          <a:bodyPr/>
+          <a:lstStyle/>
+          <a:p>
+            <a:endParaRPr lang="en-US"/>
+          </a:p>
+        </p:txBody>
+      </p:sp>
+      <p:sp>
+        <p:nvSpPr>
           <p:cNvPr id="4" name="Title 3"/>
           <p:cNvSpPr>
             <a:spLocks noGrp="1"/>
@@ -14961,20 +19241,8 @@
           <a:lstStyle/>
           <a:p>
             <a:r>
-              <a:rPr lang="bg-BG" dirty="0"/>
-              <a:t>͏Форматиране на </a:t>
-            </a:r>
-            <a:r>
-              <a:rPr lang="bg-BG" dirty="0" smtClean="0"/>
-              <a:t>данни</a:t>
-            </a:r>
-            <a:r>
-              <a:rPr lang="en-US" dirty="0" smtClean="0"/>
-              <a:t> </a:t>
-            </a:r>
-            <a:r>
-              <a:rPr lang="bg-BG" dirty="0" smtClean="0"/>
-              <a:t>в клетки – Видео</a:t>
+              <a:rPr lang="ru-RU" dirty="0"/>
+              <a:t>Форматиране на подравняване на клетки</a:t>
             </a:r>
             <a:endParaRPr lang="en-US" dirty="0"/>
           </a:p>
@@ -14982,13 +19250,13 @@
       </p:sp>
       <p:pic>
         <p:nvPicPr>
-          <p:cNvPr id="5" name="Picture 4"/>
+          <p:cNvPr id="6" name="Picture 5"/>
           <p:cNvPicPr>
             <a:picLocks noChangeAspect="1"/>
           </p:cNvPicPr>
           <p:nvPr/>
         </p:nvPicPr>
-        <p:blipFill>
+        <p:blipFill rotWithShape="1">
           <a:blip r:embed="rId2">
             <a:extLst>
               <a:ext uri="{28A0092B-C50C-407E-A947-70E740481C1C}">
@@ -14996,24 +19264,93 @@
               </a:ext>
             </a:extLst>
           </a:blip>
-          <a:stretch>
-            <a:fillRect/>
-          </a:stretch>
+          <a:srcRect b="15145"/>
+          <a:stretch/>
         </p:blipFill>
         <p:spPr>
           <a:xfrm>
-            <a:off x="0" y="1092500"/>
-            <a:ext cx="12192000" cy="6552162"/>
+            <a:off x="0" y="1065956"/>
+            <a:ext cx="12192000" cy="5819335"/>
           </a:xfrm>
           <a:prstGeom prst="rect">
             <a:avLst/>
           </a:prstGeom>
         </p:spPr>
       </p:pic>
+      <p:sp>
+        <p:nvSpPr>
+          <p:cNvPr id="5" name="Right Arrow 4"/>
+          <p:cNvSpPr/>
+          <p:nvPr/>
+        </p:nvSpPr>
+        <p:spPr bwMode="auto">
+          <a:xfrm rot="13704856">
+            <a:off x="3813790" y="2354690"/>
+            <a:ext cx="1260000" cy="360000"/>
+          </a:xfrm>
+          <a:prstGeom prst="rightArrow">
+            <a:avLst/>
+          </a:prstGeom>
+          <a:solidFill>
+            <a:schemeClr val="dk2">
+              <a:alpha val="80000"/>
+            </a:schemeClr>
+          </a:solidFill>
+          <a:ln w="19050">
+            <a:solidFill>
+              <a:schemeClr val="tx1">
+                <a:lumMod val="75000"/>
+                <a:alpha val="80000"/>
+              </a:schemeClr>
+            </a:solidFill>
+          </a:ln>
+          <a:effectLst/>
+        </p:spPr>
+        <p:style>
+          <a:lnRef idx="2">
+            <a:schemeClr val="accent1">
+              <a:shade val="50000"/>
+            </a:schemeClr>
+          </a:lnRef>
+          <a:fillRef idx="1001">
+            <a:schemeClr val="dk2"/>
+          </a:fillRef>
+          <a:effectRef idx="0">
+            <a:schemeClr val="accent1"/>
+          </a:effectRef>
+          <a:fontRef idx="minor">
+            <a:schemeClr val="lt1"/>
+          </a:fontRef>
+        </p:style>
+        <p:txBody>
+          <a:bodyPr rot="0" spcFirstLastPara="0" vertOverflow="overflow" horzOverflow="overflow" vert="horz" wrap="square" lIns="91440" tIns="45720" rIns="91440" bIns="45720" numCol="1" spcCol="0" rtlCol="0" fromWordArt="0" anchor="ctr" anchorCtr="0" forceAA="0" compatLnSpc="1">
+            <a:prstTxWarp prst="textNoShape">
+              <a:avLst/>
+            </a:prstTxWarp>
+            <a:noAutofit/>
+          </a:bodyPr>
+          <a:lstStyle/>
+          <a:p>
+            <a:pPr algn="ctr"/>
+            <a:endParaRPr lang="en-US" sz="2800" b="1" dirty="0">
+              <a:solidFill>
+                <a:srgbClr val="FFFFFF"/>
+              </a:solidFill>
+              <a:effectLst>
+                <a:outerShdw blurRad="38100" dist="38100" dir="2700000" algn="tl">
+                  <a:srgbClr val="000000">
+                    <a:alpha val="43137"/>
+                  </a:srgbClr>
+                </a:outerShdw>
+              </a:effectLst>
+            </a:endParaRPr>
+          </a:p>
+        </p:txBody>
+      </p:sp>
     </p:spTree>
     <p:extLst>
       <p:ext uri="{BB962C8B-B14F-4D97-AF65-F5344CB8AC3E}">
-        <p14:creationId xmlns:p14="http://schemas.microsoft.com/office/powerpoint/2010/main" val="1910395664"/>
+        <p14:creationId xmlns:p14="http://schemas.microsoft.com/office/powerpoint/2010/main" val="3199028586"/>
       </p:ext>
     </p:extLst>
   </p:cSld>
@@ -15031,9 +19368,80 @@
   <p:timing>
     <p:tnLst>
       <p:par>
-        <p:cTn id="1" dur="indefinite" restart="never" nodeType="tmRoot"/>
+        <p:cTn id="1" dur="indefinite" restart="never" nodeType="tmRoot">
+          <p:childTnLst>
+            <p:seq concurrent="1" nextAc="seek">
+              <p:cTn id="2" dur="indefinite" nodeType="mainSeq">
+                <p:childTnLst>
+                  <p:par>
+                    <p:cTn id="3" fill="hold">
+                      <p:stCondLst>
+                        <p:cond delay="indefinite"/>
+                      </p:stCondLst>
+                      <p:childTnLst>
+                        <p:par>
+                          <p:cTn id="4" fill="hold">
+                            <p:stCondLst>
+                              <p:cond delay="0"/>
+                            </p:stCondLst>
+                            <p:childTnLst>
+                              <p:par>
+                                <p:cTn id="5" presetID="1" presetClass="entr" presetSubtype="0" fill="hold" grpId="0" nodeType="clickEffect">
+                                  <p:stCondLst>
+                                    <p:cond delay="0"/>
+                                  </p:stCondLst>
+                                  <p:childTnLst>
+                                    <p:set>
+                                      <p:cBhvr>
+                                        <p:cTn id="6" dur="1" fill="hold">
+                                          <p:stCondLst>
+                                            <p:cond delay="0"/>
+                                          </p:stCondLst>
+                                        </p:cTn>
+                                        <p:tgtEl>
+                                          <p:spTgt spid="5"/>
+                                        </p:tgtEl>
+                                        <p:attrNameLst>
+                                          <p:attrName>style.visibility</p:attrName>
+                                        </p:attrNameLst>
+                                      </p:cBhvr>
+                                      <p:to>
+                                        <p:strVal val="visible"/>
+                                      </p:to>
+                                    </p:set>
+                                  </p:childTnLst>
+                                </p:cTn>
+                              </p:par>
+                            </p:childTnLst>
+                          </p:cTn>
+                        </p:par>
+                      </p:childTnLst>
+                    </p:cTn>
+                  </p:par>
+                </p:childTnLst>
+              </p:cTn>
+              <p:prevCondLst>
+                <p:cond evt="onPrev" delay="0">
+                  <p:tgtEl>
+                    <p:sldTgt/>
+                  </p:tgtEl>
+                </p:cond>
+              </p:prevCondLst>
+              <p:nextCondLst>
+                <p:cond evt="onNext" delay="0">
+                  <p:tgtEl>
+                    <p:sldTgt/>
+                  </p:tgtEl>
+                </p:cond>
+              </p:nextCondLst>
+            </p:seq>
+          </p:childTnLst>
+        </p:cTn>
       </p:par>
     </p:tnLst>
+    <p:bldLst>
+      <p:bldP spid="5" grpId="0" animBg="1"/>
+    </p:bldLst>
   </p:timing>
 </p:sld>
 </file>
@@ -15114,46 +19522,718 @@
           <a:lstStyle/>
           <a:p>
             <a:r>
-              <a:rPr lang="ru-RU" dirty="0"/>
+              <a:rPr lang="bg-BG" dirty="0" smtClean="0"/>
               <a:t>Форматиране на подравняване на клетки</a:t>
             </a:r>
             <a:endParaRPr lang="en-US" dirty="0"/>
           </a:p>
         </p:txBody>
       </p:sp>
-      <p:pic>
-        <p:nvPicPr>
-          <p:cNvPr id="6" name="Picture 5"/>
-          <p:cNvPicPr>
-            <a:picLocks noChangeAspect="1"/>
-          </p:cNvPicPr>
+      <p:grpSp>
+        <p:nvGrpSpPr>
+          <p:cNvPr id="10" name="Group 9"/>
+          <p:cNvGrpSpPr/>
           <p:nvPr/>
-        </p:nvPicPr>
-        <p:blipFill rotWithShape="1">
-          <a:blip r:embed="rId2">
-            <a:extLst>
-              <a:ext uri="{28A0092B-C50C-407E-A947-70E740481C1C}">
-                <a14:useLocalDpi xmlns:a14="http://schemas.microsoft.com/office/drawing/2010/main" val="0"/>
-              </a:ext>
-            </a:extLst>
-          </a:blip>
-          <a:srcRect b="15145"/>
-          <a:stretch/>
-        </p:blipFill>
-        <p:spPr>
+        </p:nvGrpSpPr>
+        <p:grpSpPr>
           <a:xfrm>
-            <a:off x="0" y="1074665"/>
-            <a:ext cx="12192000" cy="5819335"/>
+            <a:off x="0" y="1067041"/>
+            <a:ext cx="12192000" cy="5781959"/>
+            <a:chOff x="0" y="1067041"/>
+            <a:chExt cx="12192000" cy="5781959"/>
+          </a:xfrm>
+        </p:grpSpPr>
+        <p:pic>
+          <p:nvPicPr>
+            <p:cNvPr id="5" name="Picture 4"/>
+            <p:cNvPicPr>
+              <a:picLocks noChangeAspect="1"/>
+            </p:cNvPicPr>
+            <p:nvPr/>
+          </p:nvPicPr>
+          <p:blipFill rotWithShape="1">
+            <a:blip r:embed="rId2">
+              <a:extLst>
+                <a:ext uri="{28A0092B-C50C-407E-A947-70E740481C1C}">
+                  <a14:useLocalDpi xmlns:a14="http://schemas.microsoft.com/office/drawing/2010/main" val="0"/>
+                </a:ext>
+              </a:extLst>
+            </a:blip>
+            <a:srcRect b="15690"/>
+            <a:stretch/>
+          </p:blipFill>
+          <p:spPr>
+            <a:xfrm>
+              <a:off x="0" y="1067041"/>
+              <a:ext cx="12192000" cy="5781959"/>
+            </a:xfrm>
+            <a:prstGeom prst="rect">
+              <a:avLst/>
+            </a:prstGeom>
+          </p:spPr>
+        </p:pic>
+        <p:pic>
+          <p:nvPicPr>
+            <p:cNvPr id="9" name="Picture 8"/>
+            <p:cNvPicPr>
+              <a:picLocks noChangeAspect="1"/>
+            </p:cNvPicPr>
+            <p:nvPr/>
+          </p:nvPicPr>
+          <p:blipFill>
+            <a:blip r:embed="rId3">
+              <a:extLst>
+                <a:ext uri="{28A0092B-C50C-407E-A947-70E740481C1C}">
+                  <a14:useLocalDpi xmlns:a14="http://schemas.microsoft.com/office/drawing/2010/main" val="0"/>
+                </a:ext>
+              </a:extLst>
+            </a:blip>
+            <a:stretch>
+              <a:fillRect/>
+            </a:stretch>
+          </p:blipFill>
+          <p:spPr>
+            <a:xfrm>
+              <a:off x="3711000" y="1989000"/>
+              <a:ext cx="5020376" cy="4401164"/>
+            </a:xfrm>
+            <a:prstGeom prst="rect">
+              <a:avLst/>
+            </a:prstGeom>
+            <a:ln>
+              <a:solidFill>
+                <a:schemeClr val="bg2">
+                  <a:lumMod val="75000"/>
+                </a:schemeClr>
+              </a:solidFill>
+            </a:ln>
+          </p:spPr>
+        </p:pic>
+      </p:grpSp>
+      <p:sp>
+        <p:nvSpPr>
+          <p:cNvPr id="11" name="Rectangle 10"/>
+          <p:cNvSpPr/>
+          <p:nvPr/>
+        </p:nvSpPr>
+        <p:spPr bwMode="auto">
+          <a:xfrm>
+            <a:off x="3814274" y="2620926"/>
+            <a:ext cx="2596726" cy="1213074"/>
           </a:xfrm>
           <a:prstGeom prst="rect">
             <a:avLst/>
           </a:prstGeom>
+          <a:noFill/>
+          <a:ln w="38100">
+            <a:solidFill>
+              <a:schemeClr val="tx1">
+                <a:lumMod val="75000"/>
+                <a:alpha val="80000"/>
+              </a:schemeClr>
+            </a:solidFill>
+          </a:ln>
+          <a:effectLst/>
         </p:spPr>
-      </p:pic>
+        <p:style>
+          <a:lnRef idx="2">
+            <a:schemeClr val="accent1">
+              <a:shade val="50000"/>
+            </a:schemeClr>
+          </a:lnRef>
+          <a:fillRef idx="1001">
+            <a:schemeClr val="dk2"/>
+          </a:fillRef>
+          <a:effectRef idx="0">
+            <a:schemeClr val="accent1"/>
+          </a:effectRef>
+          <a:fontRef idx="minor">
+            <a:schemeClr val="lt1"/>
+          </a:fontRef>
+        </p:style>
+        <p:txBody>
+          <a:bodyPr rot="0" spcFirstLastPara="0" vertOverflow="overflow" horzOverflow="overflow" vert="horz" wrap="square" lIns="91440" tIns="45720" rIns="91440" bIns="45720" numCol="1" spcCol="0" rtlCol="0" fromWordArt="0" anchor="ctr" anchorCtr="0" forceAA="0" compatLnSpc="1">
+            <a:prstTxWarp prst="textNoShape">
+              <a:avLst/>
+            </a:prstTxWarp>
+            <a:noAutofit/>
+          </a:bodyPr>
+          <a:lstStyle/>
+          <a:p>
+            <a:pPr algn="ctr"/>
+            <a:endParaRPr lang="en-US" sz="2800" b="1" dirty="0">
+              <a:solidFill>
+                <a:srgbClr val="FFFFFF"/>
+              </a:solidFill>
+              <a:effectLst>
+                <a:outerShdw blurRad="38100" dist="38100" dir="2700000" algn="tl">
+                  <a:srgbClr val="000000">
+                    <a:alpha val="43137"/>
+                  </a:srgbClr>
+                </a:outerShdw>
+              </a:effectLst>
+            </a:endParaRPr>
+          </a:p>
+        </p:txBody>
+      </p:sp>
+      <p:sp>
+        <p:nvSpPr>
+          <p:cNvPr id="12" name="Rounded Rectangular Callout 11"/>
+          <p:cNvSpPr/>
+          <p:nvPr/>
+        </p:nvSpPr>
+        <p:spPr bwMode="auto">
+          <a:xfrm>
+            <a:off x="1169054" y="1369891"/>
+            <a:ext cx="2541946" cy="990000"/>
+          </a:xfrm>
+          <a:prstGeom prst="wedgeRoundRectCallout">
+            <a:avLst>
+              <a:gd name="adj1" fmla="val 53688"/>
+              <a:gd name="adj2" fmla="val 101438"/>
+              <a:gd name="adj3" fmla="val 16667"/>
+            </a:avLst>
+          </a:prstGeom>
+          <a:solidFill>
+            <a:schemeClr val="dk2">
+              <a:alpha val="80000"/>
+            </a:schemeClr>
+          </a:solidFill>
+          <a:ln w="19050">
+            <a:solidFill>
+              <a:schemeClr val="tx1">
+                <a:lumMod val="75000"/>
+                <a:alpha val="80000"/>
+              </a:schemeClr>
+            </a:solidFill>
+          </a:ln>
+          <a:effectLst/>
+        </p:spPr>
+        <p:style>
+          <a:lnRef idx="2">
+            <a:schemeClr val="accent1">
+              <a:shade val="50000"/>
+            </a:schemeClr>
+          </a:lnRef>
+          <a:fillRef idx="1001">
+            <a:schemeClr val="dk2"/>
+          </a:fillRef>
+          <a:effectRef idx="0">
+            <a:schemeClr val="accent1"/>
+          </a:effectRef>
+          <a:fontRef idx="minor">
+            <a:schemeClr val="lt1"/>
+          </a:fontRef>
+        </p:style>
+        <p:txBody>
+          <a:bodyPr rot="0" spcFirstLastPara="0" vertOverflow="overflow" horzOverflow="overflow" vert="horz" wrap="square" lIns="91440" tIns="45720" rIns="91440" bIns="45720" numCol="1" spcCol="0" rtlCol="0" fromWordArt="0" anchor="ctr" anchorCtr="0" forceAA="0" compatLnSpc="1">
+            <a:prstTxWarp prst="textNoShape">
+              <a:avLst/>
+            </a:prstTxWarp>
+            <a:noAutofit/>
+          </a:bodyPr>
+          <a:lstStyle/>
+          <a:p>
+            <a:pPr algn="ctr"/>
+            <a:r>
+              <a:rPr lang="bg-BG" sz="2800" b="1" dirty="0" smtClean="0">
+                <a:solidFill>
+                  <a:srgbClr val="FFFFFF"/>
+                </a:solidFill>
+                <a:effectLst>
+                  <a:outerShdw blurRad="38100" dist="38100" dir="2700000" algn="tl">
+                    <a:srgbClr val="000000">
+                      <a:alpha val="43137"/>
+                    </a:srgbClr>
+                  </a:outerShdw>
+                </a:effectLst>
+              </a:rPr>
+              <a:t>Подравняване на текст</a:t>
+            </a:r>
+            <a:endParaRPr lang="en-US" sz="2800" b="1" dirty="0">
+              <a:solidFill>
+                <a:srgbClr val="FFFFFF"/>
+              </a:solidFill>
+              <a:effectLst>
+                <a:outerShdw blurRad="38100" dist="38100" dir="2700000" algn="tl">
+                  <a:srgbClr val="000000">
+                    <a:alpha val="43137"/>
+                  </a:srgbClr>
+                </a:outerShdw>
+              </a:effectLst>
+            </a:endParaRPr>
+          </a:p>
+        </p:txBody>
+      </p:sp>
+      <p:sp>
+        <p:nvSpPr>
+          <p:cNvPr id="13" name="Rectangle 12"/>
+          <p:cNvSpPr/>
+          <p:nvPr/>
+        </p:nvSpPr>
+        <p:spPr bwMode="auto">
+          <a:xfrm>
+            <a:off x="3844655" y="3989979"/>
+            <a:ext cx="946345" cy="226498"/>
+          </a:xfrm>
+          <a:prstGeom prst="rect">
+            <a:avLst/>
+          </a:prstGeom>
+          <a:noFill/>
+          <a:ln w="38100">
+            <a:solidFill>
+              <a:schemeClr val="tx1">
+                <a:lumMod val="75000"/>
+                <a:alpha val="80000"/>
+              </a:schemeClr>
+            </a:solidFill>
+          </a:ln>
+          <a:effectLst/>
+        </p:spPr>
+        <p:style>
+          <a:lnRef idx="2">
+            <a:schemeClr val="accent1">
+              <a:shade val="50000"/>
+            </a:schemeClr>
+          </a:lnRef>
+          <a:fillRef idx="1001">
+            <a:schemeClr val="dk2"/>
+          </a:fillRef>
+          <a:effectRef idx="0">
+            <a:schemeClr val="accent1"/>
+          </a:effectRef>
+          <a:fontRef idx="minor">
+            <a:schemeClr val="lt1"/>
+          </a:fontRef>
+        </p:style>
+        <p:txBody>
+          <a:bodyPr rot="0" spcFirstLastPara="0" vertOverflow="overflow" horzOverflow="overflow" vert="horz" wrap="square" lIns="91440" tIns="45720" rIns="91440" bIns="45720" numCol="1" spcCol="0" rtlCol="0" fromWordArt="0" anchor="ctr" anchorCtr="0" forceAA="0" compatLnSpc="1">
+            <a:prstTxWarp prst="textNoShape">
+              <a:avLst/>
+            </a:prstTxWarp>
+            <a:noAutofit/>
+          </a:bodyPr>
+          <a:lstStyle/>
+          <a:p>
+            <a:pPr algn="ctr"/>
+            <a:endParaRPr lang="en-US" sz="2800" b="1" dirty="0">
+              <a:solidFill>
+                <a:srgbClr val="FFFFFF"/>
+              </a:solidFill>
+              <a:effectLst>
+                <a:outerShdw blurRad="38100" dist="38100" dir="2700000" algn="tl">
+                  <a:srgbClr val="000000">
+                    <a:alpha val="43137"/>
+                  </a:srgbClr>
+                </a:outerShdw>
+              </a:effectLst>
+            </a:endParaRPr>
+          </a:p>
+        </p:txBody>
+      </p:sp>
+      <p:sp>
+        <p:nvSpPr>
+          <p:cNvPr id="14" name="Rectangle 13"/>
+          <p:cNvSpPr/>
+          <p:nvPr/>
+        </p:nvSpPr>
+        <p:spPr bwMode="auto">
+          <a:xfrm>
+            <a:off x="3844655" y="4352206"/>
+            <a:ext cx="915604" cy="241362"/>
+          </a:xfrm>
+          <a:prstGeom prst="rect">
+            <a:avLst/>
+          </a:prstGeom>
+          <a:noFill/>
+          <a:ln w="38100">
+            <a:solidFill>
+              <a:schemeClr val="tx1">
+                <a:lumMod val="75000"/>
+                <a:alpha val="80000"/>
+              </a:schemeClr>
+            </a:solidFill>
+          </a:ln>
+          <a:effectLst/>
+        </p:spPr>
+        <p:style>
+          <a:lnRef idx="2">
+            <a:schemeClr val="accent1">
+              <a:shade val="50000"/>
+            </a:schemeClr>
+          </a:lnRef>
+          <a:fillRef idx="1001">
+            <a:schemeClr val="dk2"/>
+          </a:fillRef>
+          <a:effectRef idx="0">
+            <a:schemeClr val="accent1"/>
+          </a:effectRef>
+          <a:fontRef idx="minor">
+            <a:schemeClr val="lt1"/>
+          </a:fontRef>
+        </p:style>
+        <p:txBody>
+          <a:bodyPr rot="0" spcFirstLastPara="0" vertOverflow="overflow" horzOverflow="overflow" vert="horz" wrap="square" lIns="91440" tIns="45720" rIns="91440" bIns="45720" numCol="1" spcCol="0" rtlCol="0" fromWordArt="0" anchor="ctr" anchorCtr="0" forceAA="0" compatLnSpc="1">
+            <a:prstTxWarp prst="textNoShape">
+              <a:avLst/>
+            </a:prstTxWarp>
+            <a:noAutofit/>
+          </a:bodyPr>
+          <a:lstStyle/>
+          <a:p>
+            <a:pPr algn="ctr"/>
+            <a:endParaRPr lang="en-US" sz="2800" b="1" dirty="0">
+              <a:solidFill>
+                <a:srgbClr val="FFFFFF"/>
+              </a:solidFill>
+              <a:effectLst>
+                <a:outerShdw blurRad="38100" dist="38100" dir="2700000" algn="tl">
+                  <a:srgbClr val="000000">
+                    <a:alpha val="43137"/>
+                  </a:srgbClr>
+                </a:outerShdw>
+              </a:effectLst>
+            </a:endParaRPr>
+          </a:p>
+        </p:txBody>
+      </p:sp>
+      <p:sp>
+        <p:nvSpPr>
+          <p:cNvPr id="15" name="Rounded Rectangular Callout 14"/>
+          <p:cNvSpPr/>
+          <p:nvPr/>
+        </p:nvSpPr>
+        <p:spPr bwMode="auto">
+          <a:xfrm>
+            <a:off x="696000" y="2732463"/>
+            <a:ext cx="2160000" cy="990000"/>
+          </a:xfrm>
+          <a:prstGeom prst="wedgeRoundRectCallout">
+            <a:avLst>
+              <a:gd name="adj1" fmla="val 91041"/>
+              <a:gd name="adj2" fmla="val 82422"/>
+              <a:gd name="adj3" fmla="val 16667"/>
+            </a:avLst>
+          </a:prstGeom>
+          <a:solidFill>
+            <a:schemeClr val="dk2">
+              <a:alpha val="80000"/>
+            </a:schemeClr>
+          </a:solidFill>
+          <a:ln w="19050">
+            <a:solidFill>
+              <a:schemeClr val="tx1">
+                <a:lumMod val="75000"/>
+                <a:alpha val="80000"/>
+              </a:schemeClr>
+            </a:solidFill>
+          </a:ln>
+          <a:effectLst/>
+        </p:spPr>
+        <p:style>
+          <a:lnRef idx="2">
+            <a:schemeClr val="accent1">
+              <a:shade val="50000"/>
+            </a:schemeClr>
+          </a:lnRef>
+          <a:fillRef idx="1001">
+            <a:schemeClr val="dk2"/>
+          </a:fillRef>
+          <a:effectRef idx="0">
+            <a:schemeClr val="accent1"/>
+          </a:effectRef>
+          <a:fontRef idx="minor">
+            <a:schemeClr val="lt1"/>
+          </a:fontRef>
+        </p:style>
+        <p:txBody>
+          <a:bodyPr rot="0" spcFirstLastPara="0" vertOverflow="overflow" horzOverflow="overflow" vert="horz" wrap="square" lIns="91440" tIns="45720" rIns="91440" bIns="45720" numCol="1" spcCol="0" rtlCol="0" fromWordArt="0" anchor="ctr" anchorCtr="0" forceAA="0" compatLnSpc="1">
+            <a:prstTxWarp prst="textNoShape">
+              <a:avLst/>
+            </a:prstTxWarp>
+            <a:noAutofit/>
+          </a:bodyPr>
+          <a:lstStyle/>
+          <a:p>
+            <a:pPr algn="ctr"/>
+            <a:r>
+              <a:rPr lang="bg-BG" sz="2800" b="1" dirty="0" smtClean="0">
+                <a:solidFill>
+                  <a:srgbClr val="FFFFFF"/>
+                </a:solidFill>
+                <a:effectLst>
+                  <a:outerShdw blurRad="38100" dist="38100" dir="2700000" algn="tl">
+                    <a:srgbClr val="000000">
+                      <a:alpha val="43137"/>
+                    </a:srgbClr>
+                  </a:outerShdw>
+                </a:effectLst>
+              </a:rPr>
+              <a:t>Пренасяне на текст</a:t>
+            </a:r>
+            <a:endParaRPr lang="en-US" sz="2800" b="1" dirty="0">
+              <a:solidFill>
+                <a:srgbClr val="FFFFFF"/>
+              </a:solidFill>
+              <a:effectLst>
+                <a:outerShdw blurRad="38100" dist="38100" dir="2700000" algn="tl">
+                  <a:srgbClr val="000000">
+                    <a:alpha val="43137"/>
+                  </a:srgbClr>
+                </a:outerShdw>
+              </a:effectLst>
+            </a:endParaRPr>
+          </a:p>
+        </p:txBody>
+      </p:sp>
+      <p:sp>
+        <p:nvSpPr>
+          <p:cNvPr id="16" name="Rounded Rectangular Callout 15"/>
+          <p:cNvSpPr/>
+          <p:nvPr/>
+        </p:nvSpPr>
+        <p:spPr bwMode="auto">
+          <a:xfrm>
+            <a:off x="870700" y="3989979"/>
+            <a:ext cx="2255299" cy="990000"/>
+          </a:xfrm>
+          <a:prstGeom prst="wedgeRoundRectCallout">
+            <a:avLst>
+              <a:gd name="adj1" fmla="val 78321"/>
+              <a:gd name="adj2" fmla="val 6358"/>
+              <a:gd name="adj3" fmla="val 16667"/>
+            </a:avLst>
+          </a:prstGeom>
+          <a:solidFill>
+            <a:schemeClr val="dk2">
+              <a:alpha val="80000"/>
+            </a:schemeClr>
+          </a:solidFill>
+          <a:ln w="19050">
+            <a:solidFill>
+              <a:schemeClr val="tx1">
+                <a:lumMod val="75000"/>
+                <a:alpha val="80000"/>
+              </a:schemeClr>
+            </a:solidFill>
+          </a:ln>
+          <a:effectLst/>
+        </p:spPr>
+        <p:style>
+          <a:lnRef idx="2">
+            <a:schemeClr val="accent1">
+              <a:shade val="50000"/>
+            </a:schemeClr>
+          </a:lnRef>
+          <a:fillRef idx="1001">
+            <a:schemeClr val="dk2"/>
+          </a:fillRef>
+          <a:effectRef idx="0">
+            <a:schemeClr val="accent1"/>
+          </a:effectRef>
+          <a:fontRef idx="minor">
+            <a:schemeClr val="lt1"/>
+          </a:fontRef>
+        </p:style>
+        <p:txBody>
+          <a:bodyPr rot="0" spcFirstLastPara="0" vertOverflow="overflow" horzOverflow="overflow" vert="horz" wrap="square" lIns="91440" tIns="45720" rIns="91440" bIns="45720" numCol="1" spcCol="0" rtlCol="0" fromWordArt="0" anchor="ctr" anchorCtr="0" forceAA="0" compatLnSpc="1">
+            <a:prstTxWarp prst="textNoShape">
+              <a:avLst/>
+            </a:prstTxWarp>
+            <a:noAutofit/>
+          </a:bodyPr>
+          <a:lstStyle/>
+          <a:p>
+            <a:pPr algn="ctr"/>
+            <a:r>
+              <a:rPr lang="bg-BG" sz="2800" b="1" dirty="0" smtClean="0">
+                <a:solidFill>
+                  <a:srgbClr val="FFFFFF"/>
+                </a:solidFill>
+                <a:effectLst>
+                  <a:outerShdw blurRad="38100" dist="38100" dir="2700000" algn="tl">
+                    <a:srgbClr val="000000">
+                      <a:alpha val="43137"/>
+                    </a:srgbClr>
+                  </a:outerShdw>
+                </a:effectLst>
+              </a:rPr>
+              <a:t>Обединение на клетки</a:t>
+            </a:r>
+            <a:endParaRPr lang="en-US" sz="2800" b="1" dirty="0">
+              <a:solidFill>
+                <a:srgbClr val="FFFFFF"/>
+              </a:solidFill>
+              <a:effectLst>
+                <a:outerShdw blurRad="38100" dist="38100" dir="2700000" algn="tl">
+                  <a:srgbClr val="000000">
+                    <a:alpha val="43137"/>
+                  </a:srgbClr>
+                </a:outerShdw>
+              </a:effectLst>
+            </a:endParaRPr>
+          </a:p>
+        </p:txBody>
+      </p:sp>
+      <p:sp>
+        <p:nvSpPr>
+          <p:cNvPr id="17" name="Rectangle 16"/>
+          <p:cNvSpPr/>
+          <p:nvPr/>
+        </p:nvSpPr>
+        <p:spPr bwMode="auto">
+          <a:xfrm>
+            <a:off x="7433013" y="2620926"/>
+            <a:ext cx="1182987" cy="1731280"/>
+          </a:xfrm>
+          <a:prstGeom prst="rect">
+            <a:avLst/>
+          </a:prstGeom>
+          <a:noFill/>
+          <a:ln w="38100">
+            <a:solidFill>
+              <a:schemeClr val="tx1">
+                <a:lumMod val="75000"/>
+                <a:alpha val="80000"/>
+              </a:schemeClr>
+            </a:solidFill>
+          </a:ln>
+          <a:effectLst/>
+        </p:spPr>
+        <p:style>
+          <a:lnRef idx="2">
+            <a:schemeClr val="accent1">
+              <a:shade val="50000"/>
+            </a:schemeClr>
+          </a:lnRef>
+          <a:fillRef idx="1001">
+            <a:schemeClr val="dk2"/>
+          </a:fillRef>
+          <a:effectRef idx="0">
+            <a:schemeClr val="accent1"/>
+          </a:effectRef>
+          <a:fontRef idx="minor">
+            <a:schemeClr val="lt1"/>
+          </a:fontRef>
+        </p:style>
+        <p:txBody>
+          <a:bodyPr rot="0" spcFirstLastPara="0" vertOverflow="overflow" horzOverflow="overflow" vert="horz" wrap="square" lIns="91440" tIns="45720" rIns="91440" bIns="45720" numCol="1" spcCol="0" rtlCol="0" fromWordArt="0" anchor="ctr" anchorCtr="0" forceAA="0" compatLnSpc="1">
+            <a:prstTxWarp prst="textNoShape">
+              <a:avLst/>
+            </a:prstTxWarp>
+            <a:noAutofit/>
+          </a:bodyPr>
+          <a:lstStyle/>
+          <a:p>
+            <a:pPr algn="ctr"/>
+            <a:endParaRPr lang="en-US" sz="2800" b="1" dirty="0">
+              <a:solidFill>
+                <a:srgbClr val="FFFFFF"/>
+              </a:solidFill>
+              <a:effectLst>
+                <a:outerShdw blurRad="38100" dist="38100" dir="2700000" algn="tl">
+                  <a:srgbClr val="000000">
+                    <a:alpha val="43137"/>
+                  </a:srgbClr>
+                </a:outerShdw>
+              </a:effectLst>
+            </a:endParaRPr>
+          </a:p>
+        </p:txBody>
+      </p:sp>
+      <p:sp>
+        <p:nvSpPr>
+          <p:cNvPr id="18" name="Rounded Rectangular Callout 17"/>
+          <p:cNvSpPr/>
+          <p:nvPr/>
+        </p:nvSpPr>
+        <p:spPr bwMode="auto">
+          <a:xfrm>
+            <a:off x="9077274" y="1989000"/>
+            <a:ext cx="2255299" cy="990000"/>
+          </a:xfrm>
+          <a:prstGeom prst="wedgeRoundRectCallout">
+            <a:avLst>
+              <a:gd name="adj1" fmla="val -65572"/>
+              <a:gd name="adj2" fmla="val 112305"/>
+              <a:gd name="adj3" fmla="val 16667"/>
+            </a:avLst>
+          </a:prstGeom>
+          <a:solidFill>
+            <a:schemeClr val="dk2">
+              <a:alpha val="80000"/>
+            </a:schemeClr>
+          </a:solidFill>
+          <a:ln w="19050">
+            <a:solidFill>
+              <a:schemeClr val="tx1">
+                <a:lumMod val="75000"/>
+                <a:alpha val="80000"/>
+              </a:schemeClr>
+            </a:solidFill>
+          </a:ln>
+          <a:effectLst/>
+        </p:spPr>
+        <p:style>
+          <a:lnRef idx="2">
+            <a:schemeClr val="accent1">
+              <a:shade val="50000"/>
+            </a:schemeClr>
+          </a:lnRef>
+          <a:fillRef idx="1001">
+            <a:schemeClr val="dk2"/>
+          </a:fillRef>
+          <a:effectRef idx="0">
+            <a:schemeClr val="accent1"/>
+          </a:effectRef>
+          <a:fontRef idx="minor">
+            <a:schemeClr val="lt1"/>
+          </a:fontRef>
+        </p:style>
+        <p:txBody>
+          <a:bodyPr rot="0" spcFirstLastPara="0" vertOverflow="overflow" horzOverflow="overflow" vert="horz" wrap="square" lIns="91440" tIns="45720" rIns="91440" bIns="45720" numCol="1" spcCol="0" rtlCol="0" fromWordArt="0" anchor="ctr" anchorCtr="0" forceAA="0" compatLnSpc="1">
+            <a:prstTxWarp prst="textNoShape">
+              <a:avLst/>
+            </a:prstTxWarp>
+            <a:noAutofit/>
+          </a:bodyPr>
+          <a:lstStyle/>
+          <a:p>
+            <a:pPr algn="ctr"/>
+            <a:r>
+              <a:rPr lang="bg-BG" sz="2800" b="1" dirty="0" smtClean="0">
+                <a:solidFill>
+                  <a:srgbClr val="FFFFFF"/>
+                </a:solidFill>
+                <a:effectLst>
+                  <a:outerShdw blurRad="38100" dist="38100" dir="2700000" algn="tl">
+                    <a:srgbClr val="000000">
+                      <a:alpha val="43137"/>
+                    </a:srgbClr>
+                  </a:outerShdw>
+                </a:effectLst>
+              </a:rPr>
+              <a:t>Ориентация на текст</a:t>
+            </a:r>
+            <a:endParaRPr lang="en-US" sz="2800" b="1" dirty="0">
+              <a:solidFill>
+                <a:srgbClr val="FFFFFF"/>
+              </a:solidFill>
+              <a:effectLst>
+                <a:outerShdw blurRad="38100" dist="38100" dir="2700000" algn="tl">
+                  <a:srgbClr val="000000">
+                    <a:alpha val="43137"/>
+                  </a:srgbClr>
+                </a:outerShdw>
+              </a:effectLst>
+            </a:endParaRPr>
+          </a:p>
+        </p:txBody>
+      </p:sp>
     </p:spTree>
     <p:extLst>
       <p:ext uri="{BB962C8B-B14F-4D97-AF65-F5344CB8AC3E}">
-        <p14:creationId xmlns:p14="http://schemas.microsoft.com/office/powerpoint/2010/main" val="3199028586"/>
+        <p14:creationId xmlns:p14="http://schemas.microsoft.com/office/powerpoint/2010/main" val="1183754310"/>
       </p:ext>
     </p:extLst>
   </p:cSld>
@@ -15171,9 +20251,402 @@
   <p:timing>
     <p:tnLst>
       <p:par>
-        <p:cTn id="1" dur="indefinite" restart="never" nodeType="tmRoot"/>
+        <p:cTn id="1" dur="indefinite" restart="never" nodeType="tmRoot">
+          <p:childTnLst>
+            <p:seq concurrent="1" nextAc="seek">
+              <p:cTn id="2" dur="indefinite" nodeType="mainSeq">
+                <p:childTnLst>
+                  <p:par>
+                    <p:cTn id="3" fill="hold">
+                      <p:stCondLst>
+                        <p:cond delay="indefinite"/>
+                      </p:stCondLst>
+                      <p:childTnLst>
+                        <p:par>
+                          <p:cTn id="4" fill="hold">
+                            <p:stCondLst>
+                              <p:cond delay="0"/>
+                            </p:stCondLst>
+                            <p:childTnLst>
+                              <p:par>
+                                <p:cTn id="5" presetID="1" presetClass="entr" presetSubtype="0" fill="hold" grpId="0" nodeType="clickEffect">
+                                  <p:stCondLst>
+                                    <p:cond delay="0"/>
+                                  </p:stCondLst>
+                                  <p:childTnLst>
+                                    <p:set>
+                                      <p:cBhvr>
+                                        <p:cTn id="6" dur="1" fill="hold">
+                                          <p:stCondLst>
+                                            <p:cond delay="0"/>
+                                          </p:stCondLst>
+                                        </p:cTn>
+                                        <p:tgtEl>
+                                          <p:spTgt spid="11"/>
+                                        </p:tgtEl>
+                                        <p:attrNameLst>
+                                          <p:attrName>style.visibility</p:attrName>
+                                        </p:attrNameLst>
+                                      </p:cBhvr>
+                                      <p:to>
+                                        <p:strVal val="visible"/>
+                                      </p:to>
+                                    </p:set>
+                                  </p:childTnLst>
+                                </p:cTn>
+                              </p:par>
+                            </p:childTnLst>
+                          </p:cTn>
+                        </p:par>
+                      </p:childTnLst>
+                    </p:cTn>
+                  </p:par>
+                  <p:par>
+                    <p:cTn id="7" fill="hold">
+                      <p:stCondLst>
+                        <p:cond delay="indefinite"/>
+                      </p:stCondLst>
+                      <p:childTnLst>
+                        <p:par>
+                          <p:cTn id="8" fill="hold">
+                            <p:stCondLst>
+                              <p:cond delay="0"/>
+                            </p:stCondLst>
+                            <p:childTnLst>
+                              <p:par>
+                                <p:cTn id="9" presetID="1" presetClass="entr" presetSubtype="0" fill="hold" grpId="0" nodeType="clickEffect">
+                                  <p:stCondLst>
+                                    <p:cond delay="0"/>
+                                  </p:stCondLst>
+                                  <p:childTnLst>
+                                    <p:set>
+                                      <p:cBhvr>
+                                        <p:cTn id="10" dur="1" fill="hold">
+                                          <p:stCondLst>
+                                            <p:cond delay="0"/>
+                                          </p:stCondLst>
+                                        </p:cTn>
+                                        <p:tgtEl>
+                                          <p:spTgt spid="12"/>
+                                        </p:tgtEl>
+                                        <p:attrNameLst>
+                                          <p:attrName>style.visibility</p:attrName>
+                                        </p:attrNameLst>
+                                      </p:cBhvr>
+                                      <p:to>
+                                        <p:strVal val="visible"/>
+                                      </p:to>
+                                    </p:set>
+                                  </p:childTnLst>
+                                </p:cTn>
+                              </p:par>
+                            </p:childTnLst>
+                          </p:cTn>
+                        </p:par>
+                      </p:childTnLst>
+                    </p:cTn>
+                  </p:par>
+                  <p:par>
+                    <p:cTn id="11" fill="hold">
+                      <p:stCondLst>
+                        <p:cond delay="indefinite"/>
+                      </p:stCondLst>
+                      <p:childTnLst>
+                        <p:par>
+                          <p:cTn id="12" fill="hold">
+                            <p:stCondLst>
+                              <p:cond delay="0"/>
+                            </p:stCondLst>
+                            <p:childTnLst>
+                              <p:par>
+                                <p:cTn id="13" presetID="1" presetClass="entr" presetSubtype="0" fill="hold" grpId="0" nodeType="clickEffect">
+                                  <p:stCondLst>
+                                    <p:cond delay="0"/>
+                                  </p:stCondLst>
+                                  <p:childTnLst>
+                                    <p:set>
+                                      <p:cBhvr>
+                                        <p:cTn id="14" dur="1" fill="hold">
+                                          <p:stCondLst>
+                                            <p:cond delay="0"/>
+                                          </p:stCondLst>
+                                        </p:cTn>
+                                        <p:tgtEl>
+                                          <p:spTgt spid="13"/>
+                                        </p:tgtEl>
+                                        <p:attrNameLst>
+                                          <p:attrName>style.visibility</p:attrName>
+                                        </p:attrNameLst>
+                                      </p:cBhvr>
+                                      <p:to>
+                                        <p:strVal val="visible"/>
+                                      </p:to>
+                                    </p:set>
+                                  </p:childTnLst>
+                                </p:cTn>
+                              </p:par>
+                            </p:childTnLst>
+                          </p:cTn>
+                        </p:par>
+                      </p:childTnLst>
+                    </p:cTn>
+                  </p:par>
+                  <p:par>
+                    <p:cTn id="15" fill="hold">
+                      <p:stCondLst>
+                        <p:cond delay="indefinite"/>
+                      </p:stCondLst>
+                      <p:childTnLst>
+                        <p:par>
+                          <p:cTn id="16" fill="hold">
+                            <p:stCondLst>
+                              <p:cond delay="0"/>
+                            </p:stCondLst>
+                            <p:childTnLst>
+                              <p:par>
+                                <p:cTn id="17" presetID="1" presetClass="entr" presetSubtype="0" fill="hold" grpId="0" nodeType="clickEffect">
+                                  <p:stCondLst>
+                                    <p:cond delay="0"/>
+                                  </p:stCondLst>
+                                  <p:childTnLst>
+                                    <p:set>
+                                      <p:cBhvr>
+                                        <p:cTn id="18" dur="1" fill="hold">
+                                          <p:stCondLst>
+                                            <p:cond delay="0"/>
+                                          </p:stCondLst>
+                                        </p:cTn>
+                                        <p:tgtEl>
+                                          <p:spTgt spid="15"/>
+                                        </p:tgtEl>
+                                        <p:attrNameLst>
+                                          <p:attrName>style.visibility</p:attrName>
+                                        </p:attrNameLst>
+                                      </p:cBhvr>
+                                      <p:to>
+                                        <p:strVal val="visible"/>
+                                      </p:to>
+                                    </p:set>
+                                  </p:childTnLst>
+                                </p:cTn>
+                              </p:par>
+                            </p:childTnLst>
+                          </p:cTn>
+                        </p:par>
+                      </p:childTnLst>
+                    </p:cTn>
+                  </p:par>
+                  <p:par>
+                    <p:cTn id="19" fill="hold">
+                      <p:stCondLst>
+                        <p:cond delay="indefinite"/>
+                      </p:stCondLst>
+                      <p:childTnLst>
+                        <p:par>
+                          <p:cTn id="20" fill="hold">
+                            <p:stCondLst>
+                              <p:cond delay="0"/>
+                            </p:stCondLst>
+                            <p:childTnLst>
+                              <p:par>
+                                <p:cTn id="21" presetID="1" presetClass="entr" presetSubtype="0" fill="hold" grpId="0" nodeType="clickEffect">
+                                  <p:stCondLst>
+                                    <p:cond delay="0"/>
+                                  </p:stCondLst>
+                                  <p:childTnLst>
+                                    <p:set>
+                                      <p:cBhvr>
+                                        <p:cTn id="22" dur="1" fill="hold">
+                                          <p:stCondLst>
+                                            <p:cond delay="0"/>
+                                          </p:stCondLst>
+                                        </p:cTn>
+                                        <p:tgtEl>
+                                          <p:spTgt spid="14"/>
+                                        </p:tgtEl>
+                                        <p:attrNameLst>
+                                          <p:attrName>style.visibility</p:attrName>
+                                        </p:attrNameLst>
+                                      </p:cBhvr>
+                                      <p:to>
+                                        <p:strVal val="visible"/>
+                                      </p:to>
+                                    </p:set>
+                                  </p:childTnLst>
+                                </p:cTn>
+                              </p:par>
+                            </p:childTnLst>
+                          </p:cTn>
+                        </p:par>
+                      </p:childTnLst>
+                    </p:cTn>
+                  </p:par>
+                  <p:par>
+                    <p:cTn id="23" fill="hold">
+                      <p:stCondLst>
+                        <p:cond delay="indefinite"/>
+                      </p:stCondLst>
+                      <p:childTnLst>
+                        <p:par>
+                          <p:cTn id="24" fill="hold">
+                            <p:stCondLst>
+                              <p:cond delay="0"/>
+                            </p:stCondLst>
+                            <p:childTnLst>
+                              <p:par>
+                                <p:cTn id="25" presetID="1" presetClass="entr" presetSubtype="0" fill="hold" grpId="0" nodeType="clickEffect">
+                                  <p:stCondLst>
+                                    <p:cond delay="0"/>
+                                  </p:stCondLst>
+                                  <p:childTnLst>
+                                    <p:set>
+                                      <p:cBhvr>
+                                        <p:cTn id="26" dur="1" fill="hold">
+                                          <p:stCondLst>
+                                            <p:cond delay="0"/>
+                                          </p:stCondLst>
+                                        </p:cTn>
+                                        <p:tgtEl>
+                                          <p:spTgt spid="16"/>
+                                        </p:tgtEl>
+                                        <p:attrNameLst>
+                                          <p:attrName>style.visibility</p:attrName>
+                                        </p:attrNameLst>
+                                      </p:cBhvr>
+                                      <p:to>
+                                        <p:strVal val="visible"/>
+                                      </p:to>
+                                    </p:set>
+                                  </p:childTnLst>
+                                </p:cTn>
+                              </p:par>
+                            </p:childTnLst>
+                          </p:cTn>
+                        </p:par>
+                      </p:childTnLst>
+                    </p:cTn>
+                  </p:par>
+                  <p:par>
+                    <p:cTn id="27" fill="hold">
+                      <p:stCondLst>
+                        <p:cond delay="indefinite"/>
+                      </p:stCondLst>
+                      <p:childTnLst>
+                        <p:par>
+                          <p:cTn id="28" fill="hold">
+                            <p:stCondLst>
+                              <p:cond delay="0"/>
+                            </p:stCondLst>
+                            <p:childTnLst>
+                              <p:par>
+                                <p:cTn id="29" presetID="1" presetClass="entr" presetSubtype="0" fill="hold" grpId="0" nodeType="clickEffect">
+                                  <p:stCondLst>
+                                    <p:cond delay="0"/>
+                                  </p:stCondLst>
+                                  <p:childTnLst>
+                                    <p:set>
+                                      <p:cBhvr>
+                                        <p:cTn id="30" dur="1" fill="hold">
+                                          <p:stCondLst>
+                                            <p:cond delay="0"/>
+                                          </p:stCondLst>
+                                        </p:cTn>
+                                        <p:tgtEl>
+                                          <p:spTgt spid="17"/>
+                                        </p:tgtEl>
+                                        <p:attrNameLst>
+                                          <p:attrName>style.visibility</p:attrName>
+                                        </p:attrNameLst>
+                                      </p:cBhvr>
+                                      <p:to>
+                                        <p:strVal val="visible"/>
+                                      </p:to>
+                                    </p:set>
+                                  </p:childTnLst>
+                                </p:cTn>
+                              </p:par>
+                            </p:childTnLst>
+                          </p:cTn>
+                        </p:par>
+                      </p:childTnLst>
+                    </p:cTn>
+                  </p:par>
+                  <p:par>
+                    <p:cTn id="31" fill="hold">
+                      <p:stCondLst>
+                        <p:cond delay="indefinite"/>
+                      </p:stCondLst>
+                      <p:childTnLst>
+                        <p:par>
+                          <p:cTn id="32" fill="hold">
+                            <p:stCondLst>
+                              <p:cond delay="0"/>
+                            </p:stCondLst>
+                            <p:childTnLst>
+                              <p:par>
+                                <p:cTn id="33" presetID="1" presetClass="entr" presetSubtype="0" fill="hold" grpId="0" nodeType="clickEffect">
+                                  <p:stCondLst>
+                                    <p:cond delay="0"/>
+                                  </p:stCondLst>
+                                  <p:childTnLst>
+                                    <p:set>
+                                      <p:cBhvr>
+                                        <p:cTn id="34" dur="1" fill="hold">
+                                          <p:stCondLst>
+                                            <p:cond delay="0"/>
+                                          </p:stCondLst>
+                                        </p:cTn>
+                                        <p:tgtEl>
+                                          <p:spTgt spid="18"/>
+                                        </p:tgtEl>
+                                        <p:attrNameLst>
+                                          <p:attrName>style.visibility</p:attrName>
+                                        </p:attrNameLst>
+                                      </p:cBhvr>
+                                      <p:to>
+                                        <p:strVal val="visible"/>
+                                      </p:to>
+                                    </p:set>
+                                  </p:childTnLst>
+                                </p:cTn>
+                              </p:par>
+                            </p:childTnLst>
+                          </p:cTn>
+                        </p:par>
+                      </p:childTnLst>
+                    </p:cTn>
+                  </p:par>
+                </p:childTnLst>
+              </p:cTn>
+              <p:prevCondLst>
+                <p:cond evt="onPrev" delay="0">
+                  <p:tgtEl>
+                    <p:sldTgt/>
+                  </p:tgtEl>
+                </p:cond>
+              </p:prevCondLst>
+              <p:nextCondLst>
+                <p:cond evt="onNext" delay="0">
+                  <p:tgtEl>
+                    <p:sldTgt/>
+                  </p:tgtEl>
+                </p:cond>
+              </p:nextCondLst>
+            </p:seq>
+          </p:childTnLst>
+        </p:cTn>
       </p:par>
     </p:tnLst>
+    <p:bldLst>
+      <p:bldP spid="11" grpId="0" animBg="1"/>
+      <p:bldP spid="12" grpId="0" animBg="1"/>
+      <p:bldP spid="13" grpId="0" animBg="1"/>
+      <p:bldP spid="14" grpId="0" animBg="1"/>
+      <p:bldP spid="15" grpId="0" animBg="1"/>
+      <p:bldP spid="16" grpId="0" animBg="1"/>
+      <p:bldP spid="17" grpId="0" animBg="1"/>
+      <p:bldP spid="18" grpId="0" animBg="1"/>
+    </p:bldLst>
   </p:timing>
 </p:sld>
 </file>

--- a/Courses/Computer-Modeling-and-IT/Computer-Modeling-and-IT-5-Class/31-Diagrams/31-Diagrams.pptx
+++ b/Courses/Computer-Modeling-and-IT/Computer-Modeling-and-IT-5-Class/31-Diagrams/31-Diagrams.pptx
@@ -5,10 +5,10 @@
     <p:sldMasterId id="2147483675" r:id="rId1"/>
   </p:sldMasterIdLst>
   <p:notesMasterIdLst>
-    <p:notesMasterId r:id="rId22"/>
+    <p:notesMasterId r:id="rId25"/>
   </p:notesMasterIdLst>
   <p:handoutMasterIdLst>
-    <p:handoutMasterId r:id="rId23"/>
+    <p:handoutMasterId r:id="rId26"/>
   </p:handoutMasterIdLst>
   <p:sldIdLst>
     <p:sldId id="503" r:id="rId2"/>
@@ -24,13 +24,16 @@
     <p:sldId id="595" r:id="rId12"/>
     <p:sldId id="596" r:id="rId13"/>
     <p:sldId id="597" r:id="rId14"/>
-    <p:sldId id="598" r:id="rId15"/>
-    <p:sldId id="599" r:id="rId16"/>
-    <p:sldId id="600" r:id="rId17"/>
-    <p:sldId id="601" r:id="rId18"/>
-    <p:sldId id="602" r:id="rId19"/>
-    <p:sldId id="504" r:id="rId20"/>
-    <p:sldId id="505" r:id="rId21"/>
+    <p:sldId id="603" r:id="rId15"/>
+    <p:sldId id="604" r:id="rId16"/>
+    <p:sldId id="605" r:id="rId17"/>
+    <p:sldId id="598" r:id="rId18"/>
+    <p:sldId id="599" r:id="rId19"/>
+    <p:sldId id="600" r:id="rId20"/>
+    <p:sldId id="601" r:id="rId21"/>
+    <p:sldId id="602" r:id="rId22"/>
+    <p:sldId id="504" r:id="rId23"/>
+    <p:sldId id="505" r:id="rId24"/>
   </p:sldIdLst>
   <p:sldSz cx="12192000" cy="6858000"/>
   <p:notesSz cx="6858000" cy="9144000"/>
@@ -155,6 +158,9 @@
             <p14:sldId id="595"/>
             <p14:sldId id="596"/>
             <p14:sldId id="597"/>
+            <p14:sldId id="603"/>
+            <p14:sldId id="604"/>
+            <p14:sldId id="605"/>
           </p14:sldIdLst>
         </p14:section>
         <p14:section name="Видове диаграми" id="{06BFA19A-515B-46D1-9639-D0A3111D16FE}">
@@ -771,17 +777,7 @@
           <c:invertIfNegative val="0"/>
           <c:cat>
             <c:strRef>
-              <c:extLst>
-                <c:ext xmlns:c15="http://schemas.microsoft.com/office/drawing/2012/chart" uri="{02D57815-91ED-43cb-92C2-25804820EDAC}">
-                  <c15:fullRef>
-                    <c15:sqref>'БВП на глава от население'!$B$1:$F$2</c15:sqref>
-                  </c15:fullRef>
-                  <c15:levelRef>
-                    <c15:sqref>'БВП на глава от население'!$B$2:$F$2</c15:sqref>
-                  </c15:levelRef>
-                </c:ext>
-              </c:extLst>
-              <c:f>'БВП на глава от население'!$B$2:$F$2</c:f>
+              <c:f>'БВП на глава от население'!$B$1:$F$2</c:f>
               <c:strCache>
                 <c:ptCount val="5"/>
                 <c:pt idx="0">
@@ -858,17 +854,7 @@
           <c:invertIfNegative val="0"/>
           <c:cat>
             <c:strRef>
-              <c:extLst>
-                <c:ext xmlns:c15="http://schemas.microsoft.com/office/drawing/2012/chart" uri="{02D57815-91ED-43cb-92C2-25804820EDAC}">
-                  <c15:fullRef>
-                    <c15:sqref>'БВП на глава от население'!$B$1:$F$2</c15:sqref>
-                  </c15:fullRef>
-                  <c15:levelRef>
-                    <c15:sqref>'БВП на глава от население'!$B$2:$F$2</c15:sqref>
-                  </c15:levelRef>
-                </c:ext>
-              </c:extLst>
-              <c:f>'БВП на глава от население'!$B$2:$F$2</c:f>
+              <c:f>'БВП на глава от население'!$B$1:$F$2</c:f>
               <c:strCache>
                 <c:ptCount val="5"/>
                 <c:pt idx="0">
@@ -945,17 +931,7 @@
           <c:invertIfNegative val="0"/>
           <c:cat>
             <c:strRef>
-              <c:extLst>
-                <c:ext xmlns:c15="http://schemas.microsoft.com/office/drawing/2012/chart" uri="{02D57815-91ED-43cb-92C2-25804820EDAC}">
-                  <c15:fullRef>
-                    <c15:sqref>'БВП на глава от население'!$B$1:$F$2</c15:sqref>
-                  </c15:fullRef>
-                  <c15:levelRef>
-                    <c15:sqref>'БВП на глава от население'!$B$2:$F$2</c15:sqref>
-                  </c15:levelRef>
-                </c:ext>
-              </c:extLst>
-              <c:f>'БВП на глава от население'!$B$2:$F$2</c:f>
+              <c:f>'БВП на глава от население'!$B$1:$F$2</c:f>
               <c:strCache>
                 <c:ptCount val="5"/>
                 <c:pt idx="0">
@@ -1032,17 +1008,7 @@
           <c:invertIfNegative val="0"/>
           <c:cat>
             <c:strRef>
-              <c:extLst>
-                <c:ext xmlns:c15="http://schemas.microsoft.com/office/drawing/2012/chart" uri="{02D57815-91ED-43cb-92C2-25804820EDAC}">
-                  <c15:fullRef>
-                    <c15:sqref>'БВП на глава от население'!$B$1:$F$2</c15:sqref>
-                  </c15:fullRef>
-                  <c15:levelRef>
-                    <c15:sqref>'БВП на глава от население'!$B$2:$F$2</c15:sqref>
-                  </c15:levelRef>
-                </c:ext>
-              </c:extLst>
-              <c:f>'БВП на глава от население'!$B$2:$F$2</c:f>
+              <c:f>'БВП на глава от население'!$B$1:$F$2</c:f>
               <c:strCache>
                 <c:ptCount val="5"/>
                 <c:pt idx="0">
@@ -3633,7 +3599,7 @@
           <a:p>
             <a:fld id="{2BF067CD-8E6B-4360-9AA8-C5DF2A48A6D1}" type="slidenum">
               <a:rPr lang="en-US" smtClean="0"/>
-              <a:t>15</a:t>
+              <a:t>18</a:t>
             </a:fld>
             <a:endParaRPr lang="en-US" dirty="0"/>
           </a:p>
@@ -3804,7 +3770,7 @@
             <a:fld id="{3EBA5BD7-F043-4D1B-AA17-CD412FC534DE}" type="slidenum">
               <a:rPr lang="en-US" smtClean="0"/>
               <a:pPr/>
-              <a:t>18</a:t>
+              <a:t>21</a:t>
             </a:fld>
             <a:endParaRPr lang="en-US" dirty="0"/>
           </a:p>
@@ -3995,7 +3961,7 @@
             <a:fld id="{3EBA5BD7-F043-4D1B-AA17-CD412FC534DE}" type="slidenum">
               <a:rPr lang="en-US" smtClean="0"/>
               <a:pPr/>
-              <a:t>19</a:t>
+              <a:t>22</a:t>
             </a:fld>
             <a:endParaRPr lang="en-US" dirty="0"/>
           </a:p>
@@ -4225,7 +4191,7 @@
             <a:fld id="{3EBA5BD7-F043-4D1B-AA17-CD412FC534DE}" type="slidenum">
               <a:rPr lang="en-US" smtClean="0"/>
               <a:pPr/>
-              <a:t>20</a:t>
+              <a:t>23</a:t>
             </a:fld>
             <a:endParaRPr lang="en-US" dirty="0"/>
           </a:p>
@@ -11019,22 +10985,7 @@
                   </a:outerShdw>
                 </a:effectLst>
               </a:rPr>
-              <a:t>въведените</a:t>
-            </a:r>
-            <a:r>
-              <a:rPr lang="bg-BG" sz="2800" b="1" dirty="0" smtClean="0">
-                <a:solidFill>
-                  <a:srgbClr val="FFFFFF"/>
-                </a:solidFill>
-                <a:effectLst>
-                  <a:outerShdw blurRad="38100" dist="38100" dir="2700000" algn="tl">
-                    <a:srgbClr val="000000">
-                      <a:alpha val="43137"/>
-                    </a:srgbClr>
-                  </a:outerShdw>
-                </a:effectLst>
-              </a:rPr>
-              <a:t> данните</a:t>
+              <a:t>въведените данните</a:t>
             </a:r>
             <a:endParaRPr lang="en-US" sz="2800" b="1" dirty="0">
               <a:solidFill>
@@ -11585,6 +11536,1022 @@
       </p:grpSpPr>
       <p:sp>
         <p:nvSpPr>
+          <p:cNvPr id="2" name="Slide Number Placeholder 1"/>
+          <p:cNvSpPr>
+            <a:spLocks noGrp="1"/>
+          </p:cNvSpPr>
+          <p:nvPr>
+            <p:ph type="sldNum" sz="quarter" idx="5"/>
+          </p:nvPr>
+        </p:nvSpPr>
+        <p:spPr/>
+        <p:txBody>
+          <a:bodyPr/>
+          <a:lstStyle/>
+          <a:p>
+            <a:fld id="{2BF067CD-8E6B-4360-9AA8-C5DF2A48A6D1}" type="slidenum">
+              <a:rPr lang="en-US" noProof="0" smtClean="0"/>
+              <a:pPr/>
+              <a:t>14</a:t>
+            </a:fld>
+            <a:endParaRPr lang="en-US" noProof="0" dirty="0"/>
+          </a:p>
+        </p:txBody>
+      </p:sp>
+      <p:sp>
+        <p:nvSpPr>
+          <p:cNvPr id="4" name="Title 3"/>
+          <p:cNvSpPr>
+            <a:spLocks noGrp="1"/>
+          </p:cNvSpPr>
+          <p:nvPr>
+            <p:ph type="title"/>
+          </p:nvPr>
+        </p:nvSpPr>
+        <p:spPr/>
+        <p:txBody>
+          <a:bodyPr/>
+          <a:lstStyle/>
+          <a:p>
+            <a:r>
+              <a:rPr lang="bg-BG" dirty="0" smtClean="0"/>
+              <a:t>Създаване на диаграми</a:t>
+            </a:r>
+            <a:endParaRPr lang="en-US" dirty="0"/>
+          </a:p>
+        </p:txBody>
+      </p:sp>
+      <p:pic>
+        <p:nvPicPr>
+          <p:cNvPr id="5" name="Picture 4"/>
+          <p:cNvPicPr>
+            <a:picLocks noChangeAspect="1"/>
+          </p:cNvPicPr>
+          <p:nvPr/>
+        </p:nvPicPr>
+        <p:blipFill rotWithShape="1">
+          <a:blip r:embed="rId2">
+            <a:extLst>
+              <a:ext uri="{28A0092B-C50C-407E-A947-70E740481C1C}">
+                <a14:useLocalDpi xmlns:a14="http://schemas.microsoft.com/office/drawing/2010/main" val="0"/>
+              </a:ext>
+            </a:extLst>
+          </a:blip>
+          <a:srcRect b="15532"/>
+          <a:stretch/>
+        </p:blipFill>
+        <p:spPr>
+          <a:xfrm>
+            <a:off x="0" y="1101150"/>
+            <a:ext cx="12192000" cy="5792850"/>
+          </a:xfrm>
+          <a:prstGeom prst="rect">
+            <a:avLst/>
+          </a:prstGeom>
+        </p:spPr>
+      </p:pic>
+      <p:sp>
+        <p:nvSpPr>
+          <p:cNvPr id="6" name="Rounded Rectangular Callout 5"/>
+          <p:cNvSpPr/>
+          <p:nvPr/>
+        </p:nvSpPr>
+        <p:spPr bwMode="auto">
+          <a:xfrm>
+            <a:off x="4116000" y="2799000"/>
+            <a:ext cx="6570000" cy="1935000"/>
+          </a:xfrm>
+          <a:prstGeom prst="wedgeRoundRectCallout">
+            <a:avLst>
+              <a:gd name="adj1" fmla="val -59670"/>
+              <a:gd name="adj2" fmla="val 6243"/>
+              <a:gd name="adj3" fmla="val 16667"/>
+            </a:avLst>
+          </a:prstGeom>
+          <a:solidFill>
+            <a:schemeClr val="dk2">
+              <a:alpha val="80000"/>
+            </a:schemeClr>
+          </a:solidFill>
+          <a:ln w="19050">
+            <a:solidFill>
+              <a:schemeClr val="tx1">
+                <a:lumMod val="75000"/>
+                <a:alpha val="80000"/>
+              </a:schemeClr>
+            </a:solidFill>
+          </a:ln>
+          <a:effectLst/>
+        </p:spPr>
+        <p:style>
+          <a:lnRef idx="2">
+            <a:schemeClr val="accent1">
+              <a:shade val="50000"/>
+            </a:schemeClr>
+          </a:lnRef>
+          <a:fillRef idx="1001">
+            <a:schemeClr val="dk2"/>
+          </a:fillRef>
+          <a:effectRef idx="0">
+            <a:schemeClr val="accent1"/>
+          </a:effectRef>
+          <a:fontRef idx="minor">
+            <a:schemeClr val="lt1"/>
+          </a:fontRef>
+        </p:style>
+        <p:txBody>
+          <a:bodyPr rot="0" spcFirstLastPara="0" vertOverflow="overflow" horzOverflow="overflow" vert="horz" wrap="square" lIns="91440" tIns="45720" rIns="91440" bIns="45720" numCol="1" spcCol="0" rtlCol="0" fromWordArt="0" anchor="ctr" anchorCtr="0" forceAA="0" compatLnSpc="1">
+            <a:prstTxWarp prst="textNoShape">
+              <a:avLst/>
+            </a:prstTxWarp>
+            <a:noAutofit/>
+          </a:bodyPr>
+          <a:lstStyle/>
+          <a:p>
+            <a:pPr algn="ctr"/>
+            <a:r>
+              <a:rPr lang="bg-BG" sz="2800" b="1" dirty="0" smtClean="0">
+                <a:solidFill>
+                  <a:srgbClr val="FFFFFF"/>
+                </a:solidFill>
+                <a:effectLst>
+                  <a:outerShdw blurRad="38100" dist="38100" dir="2700000" algn="tl">
+                    <a:srgbClr val="000000">
+                      <a:alpha val="43137"/>
+                    </a:srgbClr>
+                  </a:outerShdw>
+                </a:effectLst>
+              </a:rPr>
+              <a:t>За да създадете диаграма, трябва да сте </a:t>
+            </a:r>
+            <a:r>
+              <a:rPr lang="bg-BG" sz="2800" b="1" dirty="0" smtClean="0">
+                <a:solidFill>
+                  <a:schemeClr val="bg1">
+                    <a:lumMod val="60000"/>
+                    <a:lumOff val="40000"/>
+                  </a:schemeClr>
+                </a:solidFill>
+                <a:effectLst>
+                  <a:outerShdw blurRad="38100" dist="38100" dir="2700000" algn="tl">
+                    <a:srgbClr val="000000">
+                      <a:alpha val="43137"/>
+                    </a:srgbClr>
+                  </a:outerShdw>
+                </a:effectLst>
+              </a:rPr>
+              <a:t>маркирали данните</a:t>
+            </a:r>
+            <a:r>
+              <a:rPr lang="bg-BG" sz="2800" b="1" dirty="0" smtClean="0">
+                <a:solidFill>
+                  <a:srgbClr val="FFFFFF"/>
+                </a:solidFill>
+                <a:effectLst>
+                  <a:outerShdw blurRad="38100" dist="38100" dir="2700000" algn="tl">
+                    <a:srgbClr val="000000">
+                      <a:alpha val="43137"/>
+                    </a:srgbClr>
+                  </a:outerShdw>
+                </a:effectLst>
+              </a:rPr>
+              <a:t>, които искате да са част от графичната визуализация</a:t>
+            </a:r>
+            <a:endParaRPr lang="en-US" sz="2800" b="1" dirty="0">
+              <a:solidFill>
+                <a:srgbClr val="FFFFFF"/>
+              </a:solidFill>
+              <a:effectLst>
+                <a:outerShdw blurRad="38100" dist="38100" dir="2700000" algn="tl">
+                  <a:srgbClr val="000000">
+                    <a:alpha val="43137"/>
+                  </a:srgbClr>
+                </a:outerShdw>
+              </a:effectLst>
+            </a:endParaRPr>
+          </a:p>
+        </p:txBody>
+      </p:sp>
+    </p:spTree>
+    <p:extLst>
+      <p:ext uri="{BB962C8B-B14F-4D97-AF65-F5344CB8AC3E}">
+        <p14:creationId xmlns:p14="http://schemas.microsoft.com/office/powerpoint/2010/main" val="3153002351"/>
+      </p:ext>
+    </p:extLst>
+  </p:cSld>
+  <p:clrMapOvr>
+    <a:masterClrMapping/>
+  </p:clrMapOvr>
+  <mc:AlternateContent xmlns:mc="http://schemas.openxmlformats.org/markup-compatibility/2006" xmlns:p14="http://schemas.microsoft.com/office/powerpoint/2010/main">
+    <mc:Choice Requires="p14">
+      <p:transition spd="slow" p14:dur="2000" advClick="0" advTm="5000"/>
+    </mc:Choice>
+    <mc:Fallback xmlns="">
+      <p:transition spd="slow" advClick="0" advTm="5000"/>
+    </mc:Fallback>
+  </mc:AlternateContent>
+  <p:timing>
+    <p:tnLst>
+      <p:par>
+        <p:cTn id="1" dur="indefinite" restart="never" nodeType="tmRoot">
+          <p:childTnLst>
+            <p:seq concurrent="1" nextAc="seek">
+              <p:cTn id="2" dur="indefinite" nodeType="mainSeq">
+                <p:childTnLst>
+                  <p:par>
+                    <p:cTn id="3" fill="hold">
+                      <p:stCondLst>
+                        <p:cond delay="indefinite"/>
+                      </p:stCondLst>
+                      <p:childTnLst>
+                        <p:par>
+                          <p:cTn id="4" fill="hold">
+                            <p:stCondLst>
+                              <p:cond delay="0"/>
+                            </p:stCondLst>
+                            <p:childTnLst>
+                              <p:par>
+                                <p:cTn id="5" presetID="1" presetClass="entr" presetSubtype="0" fill="hold" grpId="0" nodeType="clickEffect">
+                                  <p:stCondLst>
+                                    <p:cond delay="0"/>
+                                  </p:stCondLst>
+                                  <p:childTnLst>
+                                    <p:set>
+                                      <p:cBhvr>
+                                        <p:cTn id="6" dur="1" fill="hold">
+                                          <p:stCondLst>
+                                            <p:cond delay="0"/>
+                                          </p:stCondLst>
+                                        </p:cTn>
+                                        <p:tgtEl>
+                                          <p:spTgt spid="6"/>
+                                        </p:tgtEl>
+                                        <p:attrNameLst>
+                                          <p:attrName>style.visibility</p:attrName>
+                                        </p:attrNameLst>
+                                      </p:cBhvr>
+                                      <p:to>
+                                        <p:strVal val="visible"/>
+                                      </p:to>
+                                    </p:set>
+                                  </p:childTnLst>
+                                </p:cTn>
+                              </p:par>
+                            </p:childTnLst>
+                          </p:cTn>
+                        </p:par>
+                      </p:childTnLst>
+                    </p:cTn>
+                  </p:par>
+                </p:childTnLst>
+              </p:cTn>
+              <p:prevCondLst>
+                <p:cond evt="onPrev" delay="0">
+                  <p:tgtEl>
+                    <p:sldTgt/>
+                  </p:tgtEl>
+                </p:cond>
+              </p:prevCondLst>
+              <p:nextCondLst>
+                <p:cond evt="onNext" delay="0">
+                  <p:tgtEl>
+                    <p:sldTgt/>
+                  </p:tgtEl>
+                </p:cond>
+              </p:nextCondLst>
+            </p:seq>
+          </p:childTnLst>
+        </p:cTn>
+      </p:par>
+    </p:tnLst>
+    <p:bldLst>
+      <p:bldP spid="6" grpId="0" animBg="1"/>
+    </p:bldLst>
+  </p:timing>
+</p:sld>
+</file>
+
+<file path=ppt/slides/slide15.xml><?xml version="1.0" encoding="utf-8"?>
+<p:sld xmlns:a="http://schemas.openxmlformats.org/drawingml/2006/main" xmlns:r="http://schemas.openxmlformats.org/officeDocument/2006/relationships" xmlns:p="http://schemas.openxmlformats.org/presentationml/2006/main">
+  <p:cSld>
+    <p:spTree>
+      <p:nvGrpSpPr>
+        <p:cNvPr id="1" name=""/>
+        <p:cNvGrpSpPr/>
+        <p:nvPr/>
+      </p:nvGrpSpPr>
+      <p:grpSpPr>
+        <a:xfrm>
+          <a:off x="0" y="0"/>
+          <a:ext cx="0" cy="0"/>
+          <a:chOff x="0" y="0"/>
+          <a:chExt cx="0" cy="0"/>
+        </a:xfrm>
+      </p:grpSpPr>
+      <p:sp>
+        <p:nvSpPr>
+          <p:cNvPr id="2" name="Slide Number Placeholder 1"/>
+          <p:cNvSpPr>
+            <a:spLocks noGrp="1"/>
+          </p:cNvSpPr>
+          <p:nvPr>
+            <p:ph type="sldNum" sz="quarter" idx="5"/>
+          </p:nvPr>
+        </p:nvSpPr>
+        <p:spPr/>
+        <p:txBody>
+          <a:bodyPr/>
+          <a:lstStyle/>
+          <a:p>
+            <a:fld id="{2BF067CD-8E6B-4360-9AA8-C5DF2A48A6D1}" type="slidenum">
+              <a:rPr lang="en-US" noProof="0" smtClean="0"/>
+              <a:pPr/>
+              <a:t>15</a:t>
+            </a:fld>
+            <a:endParaRPr lang="en-US" noProof="0" dirty="0"/>
+          </a:p>
+        </p:txBody>
+      </p:sp>
+      <p:sp>
+        <p:nvSpPr>
+          <p:cNvPr id="4" name="Title 3"/>
+          <p:cNvSpPr>
+            <a:spLocks noGrp="1"/>
+          </p:cNvSpPr>
+          <p:nvPr>
+            <p:ph type="title"/>
+          </p:nvPr>
+        </p:nvSpPr>
+        <p:spPr/>
+        <p:txBody>
+          <a:bodyPr/>
+          <a:lstStyle/>
+          <a:p>
+            <a:r>
+              <a:rPr lang="bg-BG" dirty="0"/>
+              <a:t>Създаване на диаграми</a:t>
+            </a:r>
+            <a:endParaRPr lang="en-US" dirty="0"/>
+          </a:p>
+        </p:txBody>
+      </p:sp>
+      <p:pic>
+        <p:nvPicPr>
+          <p:cNvPr id="5" name="Picture 4"/>
+          <p:cNvPicPr>
+            <a:picLocks noChangeAspect="1"/>
+          </p:cNvPicPr>
+          <p:nvPr/>
+        </p:nvPicPr>
+        <p:blipFill rotWithShape="1">
+          <a:blip r:embed="rId2">
+            <a:extLst>
+              <a:ext uri="{28A0092B-C50C-407E-A947-70E740481C1C}">
+                <a14:useLocalDpi xmlns:a14="http://schemas.microsoft.com/office/drawing/2010/main" val="0"/>
+              </a:ext>
+            </a:extLst>
+          </a:blip>
+          <a:srcRect b="14854"/>
+          <a:stretch/>
+        </p:blipFill>
+        <p:spPr>
+          <a:xfrm>
+            <a:off x="0" y="1099695"/>
+            <a:ext cx="12192000" cy="5839305"/>
+          </a:xfrm>
+          <a:prstGeom prst="rect">
+            <a:avLst/>
+          </a:prstGeom>
+        </p:spPr>
+      </p:pic>
+      <p:sp>
+        <p:nvSpPr>
+          <p:cNvPr id="6" name="Rounded Rectangular Callout 5"/>
+          <p:cNvSpPr/>
+          <p:nvPr/>
+        </p:nvSpPr>
+        <p:spPr bwMode="auto">
+          <a:xfrm>
+            <a:off x="5241000" y="3294000"/>
+            <a:ext cx="4635000" cy="1665000"/>
+          </a:xfrm>
+          <a:prstGeom prst="wedgeRoundRectCallout">
+            <a:avLst>
+              <a:gd name="adj1" fmla="val -42064"/>
+              <a:gd name="adj2" fmla="val -117948"/>
+              <a:gd name="adj3" fmla="val 16667"/>
+            </a:avLst>
+          </a:prstGeom>
+          <a:solidFill>
+            <a:schemeClr val="dk2">
+              <a:alpha val="80000"/>
+            </a:schemeClr>
+          </a:solidFill>
+          <a:ln w="19050">
+            <a:solidFill>
+              <a:schemeClr val="tx1">
+                <a:lumMod val="75000"/>
+                <a:alpha val="80000"/>
+              </a:schemeClr>
+            </a:solidFill>
+          </a:ln>
+          <a:effectLst/>
+        </p:spPr>
+        <p:style>
+          <a:lnRef idx="2">
+            <a:schemeClr val="accent1">
+              <a:shade val="50000"/>
+            </a:schemeClr>
+          </a:lnRef>
+          <a:fillRef idx="1001">
+            <a:schemeClr val="dk2"/>
+          </a:fillRef>
+          <a:effectRef idx="0">
+            <a:schemeClr val="accent1"/>
+          </a:effectRef>
+          <a:fontRef idx="minor">
+            <a:schemeClr val="lt1"/>
+          </a:fontRef>
+        </p:style>
+        <p:txBody>
+          <a:bodyPr rot="0" spcFirstLastPara="0" vertOverflow="overflow" horzOverflow="overflow" vert="horz" wrap="square" lIns="91440" tIns="45720" rIns="91440" bIns="45720" numCol="1" spcCol="0" rtlCol="0" fromWordArt="0" anchor="ctr" anchorCtr="0" forceAA="0" compatLnSpc="1">
+            <a:prstTxWarp prst="textNoShape">
+              <a:avLst/>
+            </a:prstTxWarp>
+            <a:noAutofit/>
+          </a:bodyPr>
+          <a:lstStyle/>
+          <a:p>
+            <a:pPr algn="ctr"/>
+            <a:r>
+              <a:rPr lang="bg-BG" sz="2800" b="1" dirty="0" smtClean="0">
+                <a:solidFill>
+                  <a:srgbClr val="FFFFFF"/>
+                </a:solidFill>
+                <a:effectLst>
+                  <a:outerShdw blurRad="38100" dist="38100" dir="2700000" algn="tl">
+                    <a:srgbClr val="000000">
+                      <a:alpha val="43137"/>
+                    </a:srgbClr>
+                  </a:outerShdw>
+                </a:effectLst>
+              </a:rPr>
+              <a:t>След което си избирате </a:t>
+            </a:r>
+            <a:r>
+              <a:rPr lang="bg-BG" sz="2800" b="1" dirty="0" smtClean="0">
+                <a:solidFill>
+                  <a:schemeClr val="bg1">
+                    <a:lumMod val="60000"/>
+                    <a:lumOff val="40000"/>
+                  </a:schemeClr>
+                </a:solidFill>
+                <a:effectLst>
+                  <a:outerShdw blurRad="38100" dist="38100" dir="2700000" algn="tl">
+                    <a:srgbClr val="000000">
+                      <a:alpha val="43137"/>
+                    </a:srgbClr>
+                  </a:outerShdw>
+                </a:effectLst>
+              </a:rPr>
+              <a:t>вид</a:t>
+            </a:r>
+            <a:r>
+              <a:rPr lang="en-US" sz="2800" b="1" dirty="0" smtClean="0">
+                <a:solidFill>
+                  <a:schemeClr val="bg1">
+                    <a:lumMod val="60000"/>
+                    <a:lumOff val="40000"/>
+                  </a:schemeClr>
+                </a:solidFill>
+                <a:effectLst>
+                  <a:outerShdw blurRad="38100" dist="38100" dir="2700000" algn="tl">
+                    <a:srgbClr val="000000">
+                      <a:alpha val="43137"/>
+                    </a:srgbClr>
+                  </a:outerShdw>
+                </a:effectLst>
+              </a:rPr>
+              <a:t>a</a:t>
+            </a:r>
+            <a:r>
+              <a:rPr lang="bg-BG" sz="2800" b="1" dirty="0" smtClean="0">
+                <a:solidFill>
+                  <a:schemeClr val="bg1">
+                    <a:lumMod val="60000"/>
+                    <a:lumOff val="40000"/>
+                  </a:schemeClr>
+                </a:solidFill>
+                <a:effectLst>
+                  <a:outerShdw blurRad="38100" dist="38100" dir="2700000" algn="tl">
+                    <a:srgbClr val="000000">
+                      <a:alpha val="43137"/>
+                    </a:srgbClr>
+                  </a:outerShdw>
+                </a:effectLst>
+              </a:rPr>
+              <a:t> на диаграмата</a:t>
+            </a:r>
+            <a:r>
+              <a:rPr lang="bg-BG" sz="2800" b="1" dirty="0" smtClean="0">
+                <a:solidFill>
+                  <a:srgbClr val="FFFFFF"/>
+                </a:solidFill>
+                <a:effectLst>
+                  <a:outerShdw blurRad="38100" dist="38100" dir="2700000" algn="tl">
+                    <a:srgbClr val="000000">
+                      <a:alpha val="43137"/>
+                    </a:srgbClr>
+                  </a:outerShdw>
+                </a:effectLst>
+              </a:rPr>
+              <a:t>, от който имате нужда</a:t>
+            </a:r>
+            <a:endParaRPr lang="en-US" sz="2800" b="1" dirty="0">
+              <a:solidFill>
+                <a:srgbClr val="FFFFFF"/>
+              </a:solidFill>
+              <a:effectLst>
+                <a:outerShdw blurRad="38100" dist="38100" dir="2700000" algn="tl">
+                  <a:srgbClr val="000000">
+                    <a:alpha val="43137"/>
+                  </a:srgbClr>
+                </a:outerShdw>
+              </a:effectLst>
+            </a:endParaRPr>
+          </a:p>
+        </p:txBody>
+      </p:sp>
+      <p:sp>
+        <p:nvSpPr>
+          <p:cNvPr id="7" name="Rectangle 6"/>
+          <p:cNvSpPr/>
+          <p:nvPr/>
+        </p:nvSpPr>
+        <p:spPr bwMode="auto">
+          <a:xfrm>
+            <a:off x="4611000" y="1449001"/>
+            <a:ext cx="1620000" cy="630000"/>
+          </a:xfrm>
+          <a:prstGeom prst="rect">
+            <a:avLst/>
+          </a:prstGeom>
+          <a:noFill/>
+          <a:ln w="38100">
+            <a:solidFill>
+              <a:schemeClr val="tx1">
+                <a:lumMod val="75000"/>
+                <a:alpha val="80000"/>
+              </a:schemeClr>
+            </a:solidFill>
+          </a:ln>
+          <a:effectLst/>
+        </p:spPr>
+        <p:style>
+          <a:lnRef idx="2">
+            <a:schemeClr val="accent1">
+              <a:shade val="50000"/>
+            </a:schemeClr>
+          </a:lnRef>
+          <a:fillRef idx="1001">
+            <a:schemeClr val="dk2"/>
+          </a:fillRef>
+          <a:effectRef idx="0">
+            <a:schemeClr val="accent1"/>
+          </a:effectRef>
+          <a:fontRef idx="minor">
+            <a:schemeClr val="lt1"/>
+          </a:fontRef>
+        </p:style>
+        <p:txBody>
+          <a:bodyPr rot="0" spcFirstLastPara="0" vertOverflow="overflow" horzOverflow="overflow" vert="horz" wrap="square" lIns="91440" tIns="45720" rIns="91440" bIns="45720" numCol="1" spcCol="0" rtlCol="0" fromWordArt="0" anchor="ctr" anchorCtr="0" forceAA="0" compatLnSpc="1">
+            <a:prstTxWarp prst="textNoShape">
+              <a:avLst/>
+            </a:prstTxWarp>
+            <a:noAutofit/>
+          </a:bodyPr>
+          <a:lstStyle/>
+          <a:p>
+            <a:pPr algn="ctr"/>
+            <a:endParaRPr lang="en-US" sz="2800" b="1" dirty="0">
+              <a:solidFill>
+                <a:srgbClr val="FFFFFF"/>
+              </a:solidFill>
+              <a:effectLst>
+                <a:outerShdw blurRad="38100" dist="38100" dir="2700000" algn="tl">
+                  <a:srgbClr val="000000">
+                    <a:alpha val="43137"/>
+                  </a:srgbClr>
+                </a:outerShdw>
+              </a:effectLst>
+            </a:endParaRPr>
+          </a:p>
+        </p:txBody>
+      </p:sp>
+    </p:spTree>
+    <p:extLst>
+      <p:ext uri="{BB962C8B-B14F-4D97-AF65-F5344CB8AC3E}">
+        <p14:creationId xmlns:p14="http://schemas.microsoft.com/office/powerpoint/2010/main" val="3163569613"/>
+      </p:ext>
+    </p:extLst>
+  </p:cSld>
+  <p:clrMapOvr>
+    <a:masterClrMapping/>
+  </p:clrMapOvr>
+  <mc:AlternateContent xmlns:mc="http://schemas.openxmlformats.org/markup-compatibility/2006" xmlns:p14="http://schemas.microsoft.com/office/powerpoint/2010/main">
+    <mc:Choice Requires="p14">
+      <p:transition spd="slow" p14:dur="2000" advClick="0" advTm="5000"/>
+    </mc:Choice>
+    <mc:Fallback xmlns="">
+      <p:transition spd="slow" advClick="0" advTm="5000"/>
+    </mc:Fallback>
+  </mc:AlternateContent>
+  <p:timing>
+    <p:tnLst>
+      <p:par>
+        <p:cTn id="1" dur="indefinite" restart="never" nodeType="tmRoot">
+          <p:childTnLst>
+            <p:seq concurrent="1" nextAc="seek">
+              <p:cTn id="2" dur="indefinite" nodeType="mainSeq">
+                <p:childTnLst>
+                  <p:par>
+                    <p:cTn id="3" fill="hold">
+                      <p:stCondLst>
+                        <p:cond delay="indefinite"/>
+                      </p:stCondLst>
+                      <p:childTnLst>
+                        <p:par>
+                          <p:cTn id="4" fill="hold">
+                            <p:stCondLst>
+                              <p:cond delay="0"/>
+                            </p:stCondLst>
+                            <p:childTnLst>
+                              <p:par>
+                                <p:cTn id="5" presetID="1" presetClass="entr" presetSubtype="0" fill="hold" grpId="0" nodeType="clickEffect">
+                                  <p:stCondLst>
+                                    <p:cond delay="0"/>
+                                  </p:stCondLst>
+                                  <p:childTnLst>
+                                    <p:set>
+                                      <p:cBhvr>
+                                        <p:cTn id="6" dur="1" fill="hold">
+                                          <p:stCondLst>
+                                            <p:cond delay="0"/>
+                                          </p:stCondLst>
+                                        </p:cTn>
+                                        <p:tgtEl>
+                                          <p:spTgt spid="7"/>
+                                        </p:tgtEl>
+                                        <p:attrNameLst>
+                                          <p:attrName>style.visibility</p:attrName>
+                                        </p:attrNameLst>
+                                      </p:cBhvr>
+                                      <p:to>
+                                        <p:strVal val="visible"/>
+                                      </p:to>
+                                    </p:set>
+                                  </p:childTnLst>
+                                </p:cTn>
+                              </p:par>
+                            </p:childTnLst>
+                          </p:cTn>
+                        </p:par>
+                      </p:childTnLst>
+                    </p:cTn>
+                  </p:par>
+                  <p:par>
+                    <p:cTn id="7" fill="hold">
+                      <p:stCondLst>
+                        <p:cond delay="indefinite"/>
+                      </p:stCondLst>
+                      <p:childTnLst>
+                        <p:par>
+                          <p:cTn id="8" fill="hold">
+                            <p:stCondLst>
+                              <p:cond delay="0"/>
+                            </p:stCondLst>
+                            <p:childTnLst>
+                              <p:par>
+                                <p:cTn id="9" presetID="1" presetClass="entr" presetSubtype="0" fill="hold" grpId="0" nodeType="clickEffect">
+                                  <p:stCondLst>
+                                    <p:cond delay="0"/>
+                                  </p:stCondLst>
+                                  <p:childTnLst>
+                                    <p:set>
+                                      <p:cBhvr>
+                                        <p:cTn id="10" dur="1" fill="hold">
+                                          <p:stCondLst>
+                                            <p:cond delay="0"/>
+                                          </p:stCondLst>
+                                        </p:cTn>
+                                        <p:tgtEl>
+                                          <p:spTgt spid="6"/>
+                                        </p:tgtEl>
+                                        <p:attrNameLst>
+                                          <p:attrName>style.visibility</p:attrName>
+                                        </p:attrNameLst>
+                                      </p:cBhvr>
+                                      <p:to>
+                                        <p:strVal val="visible"/>
+                                      </p:to>
+                                    </p:set>
+                                  </p:childTnLst>
+                                </p:cTn>
+                              </p:par>
+                            </p:childTnLst>
+                          </p:cTn>
+                        </p:par>
+                      </p:childTnLst>
+                    </p:cTn>
+                  </p:par>
+                </p:childTnLst>
+              </p:cTn>
+              <p:prevCondLst>
+                <p:cond evt="onPrev" delay="0">
+                  <p:tgtEl>
+                    <p:sldTgt/>
+                  </p:tgtEl>
+                </p:cond>
+              </p:prevCondLst>
+              <p:nextCondLst>
+                <p:cond evt="onNext" delay="0">
+                  <p:tgtEl>
+                    <p:sldTgt/>
+                  </p:tgtEl>
+                </p:cond>
+              </p:nextCondLst>
+            </p:seq>
+          </p:childTnLst>
+        </p:cTn>
+      </p:par>
+    </p:tnLst>
+    <p:bldLst>
+      <p:bldP spid="6" grpId="0" animBg="1"/>
+      <p:bldP spid="7" grpId="0" animBg="1"/>
+    </p:bldLst>
+  </p:timing>
+</p:sld>
+</file>
+
+<file path=ppt/slides/slide16.xml><?xml version="1.0" encoding="utf-8"?>
+<p:sld xmlns:a="http://schemas.openxmlformats.org/drawingml/2006/main" xmlns:r="http://schemas.openxmlformats.org/officeDocument/2006/relationships" xmlns:p="http://schemas.openxmlformats.org/presentationml/2006/main">
+  <p:cSld>
+    <p:spTree>
+      <p:nvGrpSpPr>
+        <p:cNvPr id="1" name=""/>
+        <p:cNvGrpSpPr/>
+        <p:nvPr/>
+      </p:nvGrpSpPr>
+      <p:grpSpPr>
+        <a:xfrm>
+          <a:off x="0" y="0"/>
+          <a:ext cx="0" cy="0"/>
+          <a:chOff x="0" y="0"/>
+          <a:chExt cx="0" cy="0"/>
+        </a:xfrm>
+      </p:grpSpPr>
+      <p:sp>
+        <p:nvSpPr>
+          <p:cNvPr id="2" name="Slide Number Placeholder 1"/>
+          <p:cNvSpPr>
+            <a:spLocks noGrp="1"/>
+          </p:cNvSpPr>
+          <p:nvPr>
+            <p:ph type="sldNum" sz="quarter" idx="5"/>
+          </p:nvPr>
+        </p:nvSpPr>
+        <p:spPr/>
+        <p:txBody>
+          <a:bodyPr/>
+          <a:lstStyle/>
+          <a:p>
+            <a:fld id="{2BF067CD-8E6B-4360-9AA8-C5DF2A48A6D1}" type="slidenum">
+              <a:rPr lang="en-US" noProof="0" smtClean="0"/>
+              <a:pPr/>
+              <a:t>16</a:t>
+            </a:fld>
+            <a:endParaRPr lang="en-US" noProof="0" dirty="0"/>
+          </a:p>
+        </p:txBody>
+      </p:sp>
+      <p:sp>
+        <p:nvSpPr>
+          <p:cNvPr id="4" name="Title 3"/>
+          <p:cNvSpPr>
+            <a:spLocks noGrp="1"/>
+          </p:cNvSpPr>
+          <p:nvPr>
+            <p:ph type="title"/>
+          </p:nvPr>
+        </p:nvSpPr>
+        <p:spPr/>
+        <p:txBody>
+          <a:bodyPr/>
+          <a:lstStyle/>
+          <a:p>
+            <a:r>
+              <a:rPr lang="bg-BG" dirty="0"/>
+              <a:t>Създаване на диаграми</a:t>
+            </a:r>
+            <a:endParaRPr lang="en-US" dirty="0"/>
+          </a:p>
+        </p:txBody>
+      </p:sp>
+      <p:pic>
+        <p:nvPicPr>
+          <p:cNvPr id="5" name="Picture 4"/>
+          <p:cNvPicPr>
+            <a:picLocks noChangeAspect="1"/>
+          </p:cNvPicPr>
+          <p:nvPr/>
+        </p:nvPicPr>
+        <p:blipFill rotWithShape="1">
+          <a:blip r:embed="rId2">
+            <a:extLst>
+              <a:ext uri="{28A0092B-C50C-407E-A947-70E740481C1C}">
+                <a14:useLocalDpi xmlns:a14="http://schemas.microsoft.com/office/drawing/2010/main" val="0"/>
+              </a:ext>
+            </a:extLst>
+          </a:blip>
+          <a:srcRect b="16010"/>
+          <a:stretch/>
+        </p:blipFill>
+        <p:spPr>
+          <a:xfrm>
+            <a:off x="0" y="1097709"/>
+            <a:ext cx="12192000" cy="5760000"/>
+          </a:xfrm>
+          <a:prstGeom prst="rect">
+            <a:avLst/>
+          </a:prstGeom>
+        </p:spPr>
+      </p:pic>
+      <p:sp>
+        <p:nvSpPr>
+          <p:cNvPr id="7" name="Rounded Rectangular Callout 6"/>
+          <p:cNvSpPr/>
+          <p:nvPr/>
+        </p:nvSpPr>
+        <p:spPr bwMode="auto">
+          <a:xfrm>
+            <a:off x="7041000" y="1629000"/>
+            <a:ext cx="3915000" cy="1620000"/>
+          </a:xfrm>
+          <a:prstGeom prst="wedgeRoundRectCallout">
+            <a:avLst>
+              <a:gd name="adj1" fmla="val -33210"/>
+              <a:gd name="adj2" fmla="val 66263"/>
+              <a:gd name="adj3" fmla="val 16667"/>
+            </a:avLst>
+          </a:prstGeom>
+          <a:solidFill>
+            <a:schemeClr val="dk2">
+              <a:alpha val="80000"/>
+            </a:schemeClr>
+          </a:solidFill>
+          <a:ln w="19050">
+            <a:solidFill>
+              <a:schemeClr val="tx1">
+                <a:lumMod val="75000"/>
+                <a:alpha val="80000"/>
+              </a:schemeClr>
+            </a:solidFill>
+          </a:ln>
+          <a:effectLst/>
+        </p:spPr>
+        <p:style>
+          <a:lnRef idx="2">
+            <a:schemeClr val="accent1">
+              <a:shade val="50000"/>
+            </a:schemeClr>
+          </a:lnRef>
+          <a:fillRef idx="1001">
+            <a:schemeClr val="dk2"/>
+          </a:fillRef>
+          <a:effectRef idx="0">
+            <a:schemeClr val="accent1"/>
+          </a:effectRef>
+          <a:fontRef idx="minor">
+            <a:schemeClr val="lt1"/>
+          </a:fontRef>
+        </p:style>
+        <p:txBody>
+          <a:bodyPr rot="0" spcFirstLastPara="0" vertOverflow="overflow" horzOverflow="overflow" vert="horz" wrap="square" lIns="91440" tIns="45720" rIns="91440" bIns="45720" numCol="1" spcCol="0" rtlCol="0" fromWordArt="0" anchor="ctr" anchorCtr="0" forceAA="0" compatLnSpc="1">
+            <a:prstTxWarp prst="textNoShape">
+              <a:avLst/>
+            </a:prstTxWarp>
+            <a:noAutofit/>
+          </a:bodyPr>
+          <a:lstStyle/>
+          <a:p>
+            <a:pPr algn="ctr"/>
+            <a:r>
+              <a:rPr lang="bg-BG" sz="2800" b="1" dirty="0" smtClean="0">
+                <a:solidFill>
+                  <a:srgbClr val="FFFFFF"/>
+                </a:solidFill>
+                <a:effectLst>
+                  <a:outerShdw blurRad="38100" dist="38100" dir="2700000" algn="tl">
+                    <a:srgbClr val="000000">
+                      <a:alpha val="43137"/>
+                    </a:srgbClr>
+                  </a:outerShdw>
+                </a:effectLst>
+              </a:rPr>
+              <a:t>Накрая </a:t>
+            </a:r>
+            <a:r>
+              <a:rPr lang="en-US" sz="2800" b="1" dirty="0" smtClean="0">
+                <a:solidFill>
+                  <a:srgbClr val="FFFFFF"/>
+                </a:solidFill>
+                <a:effectLst>
+                  <a:outerShdw blurRad="38100" dist="38100" dir="2700000" algn="tl">
+                    <a:srgbClr val="000000">
+                      <a:alpha val="43137"/>
+                    </a:srgbClr>
+                  </a:outerShdw>
+                </a:effectLst>
+              </a:rPr>
+              <a:t>Excel </a:t>
+            </a:r>
+            <a:r>
+              <a:rPr lang="bg-BG" sz="2800" b="1" dirty="0" smtClean="0">
+                <a:solidFill>
+                  <a:srgbClr val="FFFFFF"/>
+                </a:solidFill>
+                <a:effectLst>
+                  <a:outerShdw blurRad="38100" dist="38100" dir="2700000" algn="tl">
+                    <a:srgbClr val="000000">
+                      <a:alpha val="43137"/>
+                    </a:srgbClr>
+                  </a:outerShdw>
+                </a:effectLst>
+              </a:rPr>
+              <a:t>създава диаграмата върху работното поле</a:t>
+            </a:r>
+            <a:endParaRPr lang="en-US" sz="2800" b="1" dirty="0">
+              <a:solidFill>
+                <a:srgbClr val="FFFFFF"/>
+              </a:solidFill>
+              <a:effectLst>
+                <a:outerShdw blurRad="38100" dist="38100" dir="2700000" algn="tl">
+                  <a:srgbClr val="000000">
+                    <a:alpha val="43137"/>
+                  </a:srgbClr>
+                </a:outerShdw>
+              </a:effectLst>
+            </a:endParaRPr>
+          </a:p>
+        </p:txBody>
+      </p:sp>
+    </p:spTree>
+    <p:extLst>
+      <p:ext uri="{BB962C8B-B14F-4D97-AF65-F5344CB8AC3E}">
+        <p14:creationId xmlns:p14="http://schemas.microsoft.com/office/powerpoint/2010/main" val="122843611"/>
+      </p:ext>
+    </p:extLst>
+  </p:cSld>
+  <p:clrMapOvr>
+    <a:masterClrMapping/>
+  </p:clrMapOvr>
+  <mc:AlternateContent xmlns:mc="http://schemas.openxmlformats.org/markup-compatibility/2006" xmlns:p14="http://schemas.microsoft.com/office/powerpoint/2010/main">
+    <mc:Choice Requires="p14">
+      <p:transition spd="slow" p14:dur="2000" advClick="0" advTm="5000"/>
+    </mc:Choice>
+    <mc:Fallback xmlns="">
+      <p:transition spd="slow" advClick="0" advTm="5000"/>
+    </mc:Fallback>
+  </mc:AlternateContent>
+  <p:timing>
+    <p:tnLst>
+      <p:par>
+        <p:cTn id="1" dur="indefinite" restart="never" nodeType="tmRoot"/>
+      </p:par>
+    </p:tnLst>
+  </p:timing>
+</p:sld>
+</file>
+
+<file path=ppt/slides/slide17.xml><?xml version="1.0" encoding="utf-8"?>
+<p:sld xmlns:a="http://schemas.openxmlformats.org/drawingml/2006/main" xmlns:r="http://schemas.openxmlformats.org/officeDocument/2006/relationships" xmlns:p="http://schemas.openxmlformats.org/presentationml/2006/main">
+  <p:cSld>
+    <p:spTree>
+      <p:nvGrpSpPr>
+        <p:cNvPr id="1" name=""/>
+        <p:cNvGrpSpPr/>
+        <p:nvPr/>
+      </p:nvGrpSpPr>
+      <p:grpSpPr>
+        <a:xfrm>
+          <a:off x="0" y="0"/>
+          <a:ext cx="0" cy="0"/>
+          <a:chOff x="0" y="0"/>
+          <a:chExt cx="0" cy="0"/>
+        </a:xfrm>
+      </p:grpSpPr>
+      <p:sp>
+        <p:nvSpPr>
           <p:cNvPr id="5" name="Title 4"/>
           <p:cNvSpPr>
             <a:spLocks noGrp="1"/>
@@ -11637,7 +12604,7 @@
             <a:fld id="{2BF067CD-8E6B-4360-9AA8-C5DF2A48A6D1}" type="slidenum">
               <a:rPr lang="en-US" noProof="0" smtClean="0"/>
               <a:pPr/>
-              <a:t>14</a:t>
+              <a:t>17</a:t>
             </a:fld>
             <a:endParaRPr lang="en-US" noProof="0" dirty="0"/>
           </a:p>
@@ -11701,7 +12668,7 @@
 </p:sld>
 </file>
 
-<file path=ppt/slides/slide15.xml><?xml version="1.0" encoding="utf-8"?>
+<file path=ppt/slides/slide18.xml><?xml version="1.0" encoding="utf-8"?>
 <p:sld xmlns:a="http://schemas.openxmlformats.org/drawingml/2006/main" xmlns:r="http://schemas.openxmlformats.org/officeDocument/2006/relationships" xmlns:p="http://schemas.openxmlformats.org/presentationml/2006/main">
   <p:cSld>
     <p:spTree>
@@ -11917,7 +12884,7 @@
 </p:sld>
 </file>
 
-<file path=ppt/slides/slide16.xml><?xml version="1.0" encoding="utf-8"?>
+<file path=ppt/slides/slide19.xml><?xml version="1.0" encoding="utf-8"?>
 <p:sld xmlns:a="http://schemas.openxmlformats.org/drawingml/2006/main" xmlns:r="http://schemas.openxmlformats.org/officeDocument/2006/relationships" xmlns:p="http://schemas.openxmlformats.org/presentationml/2006/main">
   <p:cSld>
     <p:spTree>
@@ -11952,7 +12919,7 @@
             <a:fld id="{2BF067CD-8E6B-4360-9AA8-C5DF2A48A6D1}" type="slidenum">
               <a:rPr lang="en-US" noProof="0" smtClean="0"/>
               <a:pPr/>
-              <a:t>16</a:t>
+              <a:t>19</a:t>
             </a:fld>
             <a:endParaRPr lang="en-US" noProof="0" dirty="0"/>
           </a:p>
@@ -12231,7 +13198,431 @@
 </p:sld>
 </file>
 
-<file path=ppt/slides/slide17.xml><?xml version="1.0" encoding="utf-8"?>
+<file path=ppt/slides/slide2.xml><?xml version="1.0" encoding="utf-8"?>
+<p:sld xmlns:a="http://schemas.openxmlformats.org/drawingml/2006/main" xmlns:r="http://schemas.openxmlformats.org/officeDocument/2006/relationships" xmlns:p="http://schemas.openxmlformats.org/presentationml/2006/main">
+  <p:cSld>
+    <p:spTree>
+      <p:nvGrpSpPr>
+        <p:cNvPr id="1" name=""/>
+        <p:cNvGrpSpPr/>
+        <p:nvPr/>
+      </p:nvGrpSpPr>
+      <p:grpSpPr>
+        <a:xfrm>
+          <a:off x="0" y="0"/>
+          <a:ext cx="0" cy="0"/>
+          <a:chOff x="0" y="0"/>
+          <a:chExt cx="0" cy="0"/>
+        </a:xfrm>
+      </p:grpSpPr>
+      <p:sp>
+        <p:nvSpPr>
+          <p:cNvPr id="5" name="Slide Number">
+            <a:extLst>
+              <a:ext uri="{FF2B5EF4-FFF2-40B4-BE49-F238E27FC236}">
+                <a16:creationId xmlns:a16="http://schemas.microsoft.com/office/drawing/2014/main" id="{6A760D59-0056-4F39-B077-DBDBE3D2927E}"/>
+              </a:ext>
+            </a:extLst>
+          </p:cNvPr>
+          <p:cNvSpPr txBox="1">
+            <a:spLocks/>
+          </p:cNvSpPr>
+          <p:nvPr/>
+        </p:nvSpPr>
+        <p:spPr>
+          <a:xfrm>
+            <a:off x="11753030" y="6507000"/>
+            <a:ext cx="367414" cy="297000"/>
+          </a:xfrm>
+          <a:prstGeom prst="rect">
+            <a:avLst/>
+          </a:prstGeom>
+        </p:spPr>
+        <p:txBody>
+          <a:bodyPr vert="horz" lIns="91440" tIns="45720" rIns="91440" bIns="45720" rtlCol="0" anchor="b"/>
+          <a:lstStyle>
+            <a:defPPr>
+              <a:defRPr lang="en-US"/>
+            </a:defPPr>
+            <a:lvl1pPr marL="0" algn="r" defTabSz="914400" rtl="0" eaLnBrk="1" latinLnBrk="0" hangingPunct="1">
+              <a:defRPr sz="1000" kern="1200">
+                <a:solidFill>
+                  <a:schemeClr val="tx1"/>
+                </a:solidFill>
+                <a:latin typeface="+mn-lt"/>
+                <a:ea typeface="+mn-ea"/>
+                <a:cs typeface="+mn-cs"/>
+              </a:defRPr>
+            </a:lvl1pPr>
+            <a:lvl2pPr marL="457200" algn="l" defTabSz="914400" rtl="0" eaLnBrk="1" latinLnBrk="0" hangingPunct="1">
+              <a:defRPr sz="1800" kern="1200">
+                <a:solidFill>
+                  <a:schemeClr val="tx1"/>
+                </a:solidFill>
+                <a:latin typeface="+mn-lt"/>
+                <a:ea typeface="+mn-ea"/>
+                <a:cs typeface="+mn-cs"/>
+              </a:defRPr>
+            </a:lvl2pPr>
+            <a:lvl3pPr marL="914400" algn="l" defTabSz="914400" rtl="0" eaLnBrk="1" latinLnBrk="0" hangingPunct="1">
+              <a:defRPr sz="1800" kern="1200">
+                <a:solidFill>
+                  <a:schemeClr val="tx1"/>
+                </a:solidFill>
+                <a:latin typeface="+mn-lt"/>
+                <a:ea typeface="+mn-ea"/>
+                <a:cs typeface="+mn-cs"/>
+              </a:defRPr>
+            </a:lvl3pPr>
+            <a:lvl4pPr marL="1371600" algn="l" defTabSz="914400" rtl="0" eaLnBrk="1" latinLnBrk="0" hangingPunct="1">
+              <a:defRPr sz="1800" kern="1200">
+                <a:solidFill>
+                  <a:schemeClr val="tx1"/>
+                </a:solidFill>
+                <a:latin typeface="+mn-lt"/>
+                <a:ea typeface="+mn-ea"/>
+                <a:cs typeface="+mn-cs"/>
+              </a:defRPr>
+            </a:lvl4pPr>
+            <a:lvl5pPr marL="1828800" algn="l" defTabSz="914400" rtl="0" eaLnBrk="1" latinLnBrk="0" hangingPunct="1">
+              <a:defRPr sz="1800" kern="1200">
+                <a:solidFill>
+                  <a:schemeClr val="tx1"/>
+                </a:solidFill>
+                <a:latin typeface="+mn-lt"/>
+                <a:ea typeface="+mn-ea"/>
+                <a:cs typeface="+mn-cs"/>
+              </a:defRPr>
+            </a:lvl5pPr>
+            <a:lvl6pPr marL="2286000" algn="l" defTabSz="914400" rtl="0" eaLnBrk="1" latinLnBrk="0" hangingPunct="1">
+              <a:defRPr sz="1800" kern="1200">
+                <a:solidFill>
+                  <a:schemeClr val="tx1"/>
+                </a:solidFill>
+                <a:latin typeface="+mn-lt"/>
+                <a:ea typeface="+mn-ea"/>
+                <a:cs typeface="+mn-cs"/>
+              </a:defRPr>
+            </a:lvl6pPr>
+            <a:lvl7pPr marL="2743200" algn="l" defTabSz="914400" rtl="0" eaLnBrk="1" latinLnBrk="0" hangingPunct="1">
+              <a:defRPr sz="1800" kern="1200">
+                <a:solidFill>
+                  <a:schemeClr val="tx1"/>
+                </a:solidFill>
+                <a:latin typeface="+mn-lt"/>
+                <a:ea typeface="+mn-ea"/>
+                <a:cs typeface="+mn-cs"/>
+              </a:defRPr>
+            </a:lvl7pPr>
+            <a:lvl8pPr marL="3200400" algn="l" defTabSz="914400" rtl="0" eaLnBrk="1" latinLnBrk="0" hangingPunct="1">
+              <a:defRPr sz="1800" kern="1200">
+                <a:solidFill>
+                  <a:schemeClr val="tx1"/>
+                </a:solidFill>
+                <a:latin typeface="+mn-lt"/>
+                <a:ea typeface="+mn-ea"/>
+                <a:cs typeface="+mn-cs"/>
+              </a:defRPr>
+            </a:lvl8pPr>
+            <a:lvl9pPr marL="3657600" algn="l" defTabSz="914400" rtl="0" eaLnBrk="1" latinLnBrk="0" hangingPunct="1">
+              <a:defRPr sz="1800" kern="1200">
+                <a:solidFill>
+                  <a:schemeClr val="tx1"/>
+                </a:solidFill>
+                <a:latin typeface="+mn-lt"/>
+                <a:ea typeface="+mn-ea"/>
+                <a:cs typeface="+mn-cs"/>
+              </a:defRPr>
+            </a:lvl9pPr>
+          </a:lstStyle>
+          <a:p>
+            <a:fld id="{2BF067CD-8E6B-4360-9AA8-C5DF2A48A6D1}" type="slidenum">
+              <a:rPr lang="en-US" smtClean="0"/>
+              <a:pPr/>
+              <a:t>2</a:t>
+            </a:fld>
+            <a:endParaRPr lang="en-US" dirty="0"/>
+          </a:p>
+        </p:txBody>
+      </p:sp>
+      <p:sp>
+        <p:nvSpPr>
+          <p:cNvPr id="444419" name="Slide Body"/>
+          <p:cNvSpPr>
+            <a:spLocks noGrp="1" noChangeArrowheads="1"/>
+          </p:cNvSpPr>
+          <p:nvPr>
+            <p:ph type="body" sz="quarter" idx="13"/>
+          </p:nvPr>
+        </p:nvSpPr>
+        <p:spPr>
+          <a:xfrm>
+            <a:off x="196766" y="1371604"/>
+            <a:ext cx="11781606" cy="5207396"/>
+          </a:xfrm>
+        </p:spPr>
+        <p:txBody>
+          <a:bodyPr/>
+          <a:lstStyle/>
+          <a:p>
+            <a:r>
+              <a:rPr lang="bg-BG" dirty="0" smtClean="0"/>
+              <a:t>͏</a:t>
+            </a:r>
+            <a:r>
+              <a:rPr lang="bg-BG" dirty="0"/>
+              <a:t>͏Форматиране в </a:t>
+            </a:r>
+            <a:r>
+              <a:rPr lang="en-US" dirty="0"/>
+              <a:t>Excel</a:t>
+            </a:r>
+            <a:endParaRPr lang="bg-BG" dirty="0" smtClean="0"/>
+          </a:p>
+          <a:p>
+            <a:r>
+              <a:rPr lang="bg-BG" dirty="0" smtClean="0"/>
+              <a:t>Диаграми</a:t>
+            </a:r>
+          </a:p>
+          <a:p>
+            <a:r>
+              <a:rPr lang="bg-BG" dirty="0" smtClean="0"/>
+              <a:t>Видове диаграми</a:t>
+            </a:r>
+          </a:p>
+          <a:p>
+            <a:endParaRPr lang="en-US" dirty="0"/>
+          </a:p>
+        </p:txBody>
+      </p:sp>
+      <p:sp>
+        <p:nvSpPr>
+          <p:cNvPr id="444418" name="Slide Title"/>
+          <p:cNvSpPr>
+            <a:spLocks noGrp="1" noChangeArrowheads="1"/>
+          </p:cNvSpPr>
+          <p:nvPr>
+            <p:ph type="title"/>
+          </p:nvPr>
+        </p:nvSpPr>
+        <p:spPr>
+          <a:xfrm>
+            <a:off x="190406" y="100750"/>
+            <a:ext cx="10270594" cy="882654"/>
+          </a:xfrm>
+        </p:spPr>
+        <p:txBody>
+          <a:bodyPr/>
+          <a:lstStyle/>
+          <a:p>
+            <a:r>
+              <a:rPr lang="bg-BG"/>
+              <a:t>Съдържание</a:t>
+            </a:r>
+            <a:endParaRPr lang="bg-BG" dirty="0"/>
+          </a:p>
+        </p:txBody>
+      </p:sp>
+      <p:pic>
+        <p:nvPicPr>
+          <p:cNvPr id="4" name="Picture 3">
+            <a:extLst>
+              <a:ext uri="{FF2B5EF4-FFF2-40B4-BE49-F238E27FC236}">
+                <a16:creationId xmlns:a16="http://schemas.microsoft.com/office/drawing/2014/main" id="{8835CDFB-0E94-0132-177D-CD4B4F85BF89}"/>
+              </a:ext>
+            </a:extLst>
+          </p:cNvPr>
+          <p:cNvPicPr>
+            <a:picLocks noChangeAspect="1"/>
+          </p:cNvPicPr>
+          <p:nvPr/>
+        </p:nvPicPr>
+        <p:blipFill>
+          <a:blip r:embed="rId3">
+            <a:duotone>
+              <a:prstClr val="black"/>
+              <a:schemeClr val="accent1">
+                <a:tint val="45000"/>
+                <a:satMod val="400000"/>
+              </a:schemeClr>
+            </a:duotone>
+            <a:extLst>
+              <a:ext uri="{BEBA8EAE-BF5A-486C-A8C5-ECC9F3942E4B}">
+                <a14:imgProps xmlns:a14="http://schemas.microsoft.com/office/drawing/2010/main">
+                  <a14:imgLayer r:embed="rId4">
+                    <a14:imgEffect>
+                      <a14:brightnessContrast bright="30000"/>
+                    </a14:imgEffect>
+                  </a14:imgLayer>
+                </a14:imgProps>
+              </a:ext>
+            </a:extLst>
+          </a:blip>
+          <a:stretch>
+            <a:fillRect/>
+          </a:stretch>
+        </p:blipFill>
+        <p:spPr>
+          <a:xfrm>
+            <a:off x="10011000" y="1584000"/>
+            <a:ext cx="1581246" cy="2115000"/>
+          </a:xfrm>
+          <a:prstGeom prst="rect">
+            <a:avLst/>
+          </a:prstGeom>
+        </p:spPr>
+      </p:pic>
+    </p:spTree>
+    <p:extLst>
+      <p:ext uri="{BB962C8B-B14F-4D97-AF65-F5344CB8AC3E}">
+        <p14:creationId xmlns:p14="http://schemas.microsoft.com/office/powerpoint/2010/main" val="1646986932"/>
+      </p:ext>
+    </p:extLst>
+  </p:cSld>
+  <p:clrMapOvr>
+    <a:masterClrMapping/>
+  </p:clrMapOvr>
+  <mc:AlternateContent xmlns:mc="http://schemas.openxmlformats.org/markup-compatibility/2006" xmlns:p14="http://schemas.microsoft.com/office/powerpoint/2010/main">
+    <mc:Choice Requires="p14">
+      <p:transition spd="slow" p14:dur="2000" advClick="0" advTm="5000"/>
+    </mc:Choice>
+    <mc:Fallback xmlns="">
+      <p:transition spd="slow" advClick="0" advTm="5000"/>
+    </mc:Fallback>
+  </mc:AlternateContent>
+  <p:timing>
+    <p:tnLst>
+      <p:par>
+        <p:cTn id="1" dur="indefinite" restart="never" nodeType="tmRoot">
+          <p:childTnLst>
+            <p:seq concurrent="1" nextAc="seek">
+              <p:cTn id="2" dur="indefinite" nodeType="mainSeq">
+                <p:childTnLst>
+                  <p:par>
+                    <p:cTn id="3" fill="hold">
+                      <p:stCondLst>
+                        <p:cond delay="indefinite"/>
+                      </p:stCondLst>
+                      <p:childTnLst>
+                        <p:par>
+                          <p:cTn id="4" fill="hold">
+                            <p:stCondLst>
+                              <p:cond delay="0"/>
+                            </p:stCondLst>
+                            <p:childTnLst>
+                              <p:par>
+                                <p:cTn id="5" presetID="1" presetClass="entr" presetSubtype="0" fill="hold" nodeType="clickEffect">
+                                  <p:stCondLst>
+                                    <p:cond delay="0"/>
+                                  </p:stCondLst>
+                                  <p:childTnLst>
+                                    <p:set>
+                                      <p:cBhvr>
+                                        <p:cTn id="6" dur="1" fill="hold">
+                                          <p:stCondLst>
+                                            <p:cond delay="0"/>
+                                          </p:stCondLst>
+                                        </p:cTn>
+                                        <p:tgtEl>
+                                          <p:spTgt spid="444419">
+                                            <p:txEl>
+                                              <p:pRg st="1" end="1"/>
+                                            </p:txEl>
+                                          </p:spTgt>
+                                        </p:tgtEl>
+                                        <p:attrNameLst>
+                                          <p:attrName>style.visibility</p:attrName>
+                                        </p:attrNameLst>
+                                      </p:cBhvr>
+                                      <p:to>
+                                        <p:strVal val="visible"/>
+                                      </p:to>
+                                    </p:set>
+                                  </p:childTnLst>
+                                </p:cTn>
+                              </p:par>
+                            </p:childTnLst>
+                          </p:cTn>
+                        </p:par>
+                      </p:childTnLst>
+                    </p:cTn>
+                  </p:par>
+                  <p:par>
+                    <p:cTn id="7" fill="hold">
+                      <p:stCondLst>
+                        <p:cond delay="indefinite"/>
+                      </p:stCondLst>
+                      <p:childTnLst>
+                        <p:par>
+                          <p:cTn id="8" fill="hold">
+                            <p:stCondLst>
+                              <p:cond delay="0"/>
+                            </p:stCondLst>
+                            <p:childTnLst>
+                              <p:par>
+                                <p:cTn id="9" presetID="1" presetClass="entr" presetSubtype="0" fill="hold" nodeType="clickEffect">
+                                  <p:stCondLst>
+                                    <p:cond delay="0"/>
+                                  </p:stCondLst>
+                                  <p:childTnLst>
+                                    <p:set>
+                                      <p:cBhvr>
+                                        <p:cTn id="10" dur="1" fill="hold">
+                                          <p:stCondLst>
+                                            <p:cond delay="0"/>
+                                          </p:stCondLst>
+                                        </p:cTn>
+                                        <p:tgtEl>
+                                          <p:spTgt spid="444419">
+                                            <p:txEl>
+                                              <p:pRg st="2" end="2"/>
+                                            </p:txEl>
+                                          </p:spTgt>
+                                        </p:tgtEl>
+                                        <p:attrNameLst>
+                                          <p:attrName>style.visibility</p:attrName>
+                                        </p:attrNameLst>
+                                      </p:cBhvr>
+                                      <p:to>
+                                        <p:strVal val="visible"/>
+                                      </p:to>
+                                    </p:set>
+                                  </p:childTnLst>
+                                </p:cTn>
+                              </p:par>
+                            </p:childTnLst>
+                          </p:cTn>
+                        </p:par>
+                      </p:childTnLst>
+                    </p:cTn>
+                  </p:par>
+                </p:childTnLst>
+              </p:cTn>
+              <p:prevCondLst>
+                <p:cond evt="onPrev" delay="0">
+                  <p:tgtEl>
+                    <p:sldTgt/>
+                  </p:tgtEl>
+                </p:cond>
+              </p:prevCondLst>
+              <p:nextCondLst>
+                <p:cond evt="onNext" delay="0">
+                  <p:tgtEl>
+                    <p:sldTgt/>
+                  </p:tgtEl>
+                </p:cond>
+              </p:nextCondLst>
+            </p:seq>
+          </p:childTnLst>
+        </p:cTn>
+      </p:par>
+    </p:tnLst>
+  </p:timing>
+</p:sld>
+</file>
+
+<file path=ppt/slides/slide20.xml><?xml version="1.0" encoding="utf-8"?>
 <p:sld xmlns:a="http://schemas.openxmlformats.org/drawingml/2006/main" xmlns:r="http://schemas.openxmlformats.org/officeDocument/2006/relationships" xmlns:p="http://schemas.openxmlformats.org/presentationml/2006/main">
   <p:cSld>
     <p:spTree>
@@ -12266,7 +13657,7 @@
             <a:fld id="{2BF067CD-8E6B-4360-9AA8-C5DF2A48A6D1}" type="slidenum">
               <a:rPr lang="en-US" noProof="0" smtClean="0"/>
               <a:pPr/>
-              <a:t>17</a:t>
+              <a:t>20</a:t>
             </a:fld>
             <a:endParaRPr lang="en-US" noProof="0" dirty="0"/>
           </a:p>
@@ -12566,7 +13957,7 @@
 </p:sld>
 </file>
 
-<file path=ppt/slides/slide18.xml><?xml version="1.0" encoding="utf-8"?>
+<file path=ppt/slides/slide21.xml><?xml version="1.0" encoding="utf-8"?>
 <p:sld xmlns:a="http://schemas.openxmlformats.org/drawingml/2006/main" xmlns:r="http://schemas.openxmlformats.org/officeDocument/2006/relationships" xmlns:p="http://schemas.openxmlformats.org/presentationml/2006/main">
   <p:cSld>
     <p:spTree>
@@ -12828,7 +14219,7 @@
             <a:fld id="{C014DD1E-5D91-48A3-AD6D-45FBA980D106}" type="slidenum">
               <a:rPr lang="en-US" smtClean="0"/>
               <a:pPr/>
-              <a:t>18</a:t>
+              <a:t>21</a:t>
             </a:fld>
             <a:endParaRPr lang="en-US" dirty="0"/>
           </a:p>
@@ -13768,7 +15159,7 @@
 </p:sld>
 </file>
 
-<file path=ppt/slides/slide19.xml><?xml version="1.0" encoding="utf-8"?>
+<file path=ppt/slides/slide22.xml><?xml version="1.0" encoding="utf-8"?>
 <p:sld xmlns:a="http://schemas.openxmlformats.org/drawingml/2006/main" xmlns:r="http://schemas.openxmlformats.org/officeDocument/2006/relationships" xmlns:p="http://schemas.openxmlformats.org/presentationml/2006/main">
   <p:cSld>
     <p:spTree>
@@ -13965,435 +15356,7 @@
 </p:sld>
 </file>
 
-<file path=ppt/slides/slide2.xml><?xml version="1.0" encoding="utf-8"?>
-<p:sld xmlns:a="http://schemas.openxmlformats.org/drawingml/2006/main" xmlns:r="http://schemas.openxmlformats.org/officeDocument/2006/relationships" xmlns:p="http://schemas.openxmlformats.org/presentationml/2006/main">
-  <p:cSld>
-    <p:spTree>
-      <p:nvGrpSpPr>
-        <p:cNvPr id="1" name=""/>
-        <p:cNvGrpSpPr/>
-        <p:nvPr/>
-      </p:nvGrpSpPr>
-      <p:grpSpPr>
-        <a:xfrm>
-          <a:off x="0" y="0"/>
-          <a:ext cx="0" cy="0"/>
-          <a:chOff x="0" y="0"/>
-          <a:chExt cx="0" cy="0"/>
-        </a:xfrm>
-      </p:grpSpPr>
-      <p:sp>
-        <p:nvSpPr>
-          <p:cNvPr id="5" name="Slide Number">
-            <a:extLst>
-              <a:ext uri="{FF2B5EF4-FFF2-40B4-BE49-F238E27FC236}">
-                <a16:creationId xmlns:a16="http://schemas.microsoft.com/office/drawing/2014/main" id="{6A760D59-0056-4F39-B077-DBDBE3D2927E}"/>
-              </a:ext>
-            </a:extLst>
-          </p:cNvPr>
-          <p:cNvSpPr txBox="1">
-            <a:spLocks/>
-          </p:cNvSpPr>
-          <p:nvPr/>
-        </p:nvSpPr>
-        <p:spPr>
-          <a:xfrm>
-            <a:off x="11753030" y="6507000"/>
-            <a:ext cx="367414" cy="297000"/>
-          </a:xfrm>
-          <a:prstGeom prst="rect">
-            <a:avLst/>
-          </a:prstGeom>
-        </p:spPr>
-        <p:txBody>
-          <a:bodyPr vert="horz" lIns="91440" tIns="45720" rIns="91440" bIns="45720" rtlCol="0" anchor="b"/>
-          <a:lstStyle>
-            <a:defPPr>
-              <a:defRPr lang="en-US"/>
-            </a:defPPr>
-            <a:lvl1pPr marL="0" algn="r" defTabSz="914400" rtl="0" eaLnBrk="1" latinLnBrk="0" hangingPunct="1">
-              <a:defRPr sz="1000" kern="1200">
-                <a:solidFill>
-                  <a:schemeClr val="tx1"/>
-                </a:solidFill>
-                <a:latin typeface="+mn-lt"/>
-                <a:ea typeface="+mn-ea"/>
-                <a:cs typeface="+mn-cs"/>
-              </a:defRPr>
-            </a:lvl1pPr>
-            <a:lvl2pPr marL="457200" algn="l" defTabSz="914400" rtl="0" eaLnBrk="1" latinLnBrk="0" hangingPunct="1">
-              <a:defRPr sz="1800" kern="1200">
-                <a:solidFill>
-                  <a:schemeClr val="tx1"/>
-                </a:solidFill>
-                <a:latin typeface="+mn-lt"/>
-                <a:ea typeface="+mn-ea"/>
-                <a:cs typeface="+mn-cs"/>
-              </a:defRPr>
-            </a:lvl2pPr>
-            <a:lvl3pPr marL="914400" algn="l" defTabSz="914400" rtl="0" eaLnBrk="1" latinLnBrk="0" hangingPunct="1">
-              <a:defRPr sz="1800" kern="1200">
-                <a:solidFill>
-                  <a:schemeClr val="tx1"/>
-                </a:solidFill>
-                <a:latin typeface="+mn-lt"/>
-                <a:ea typeface="+mn-ea"/>
-                <a:cs typeface="+mn-cs"/>
-              </a:defRPr>
-            </a:lvl3pPr>
-            <a:lvl4pPr marL="1371600" algn="l" defTabSz="914400" rtl="0" eaLnBrk="1" latinLnBrk="0" hangingPunct="1">
-              <a:defRPr sz="1800" kern="1200">
-                <a:solidFill>
-                  <a:schemeClr val="tx1"/>
-                </a:solidFill>
-                <a:latin typeface="+mn-lt"/>
-                <a:ea typeface="+mn-ea"/>
-                <a:cs typeface="+mn-cs"/>
-              </a:defRPr>
-            </a:lvl4pPr>
-            <a:lvl5pPr marL="1828800" algn="l" defTabSz="914400" rtl="0" eaLnBrk="1" latinLnBrk="0" hangingPunct="1">
-              <a:defRPr sz="1800" kern="1200">
-                <a:solidFill>
-                  <a:schemeClr val="tx1"/>
-                </a:solidFill>
-                <a:latin typeface="+mn-lt"/>
-                <a:ea typeface="+mn-ea"/>
-                <a:cs typeface="+mn-cs"/>
-              </a:defRPr>
-            </a:lvl5pPr>
-            <a:lvl6pPr marL="2286000" algn="l" defTabSz="914400" rtl="0" eaLnBrk="1" latinLnBrk="0" hangingPunct="1">
-              <a:defRPr sz="1800" kern="1200">
-                <a:solidFill>
-                  <a:schemeClr val="tx1"/>
-                </a:solidFill>
-                <a:latin typeface="+mn-lt"/>
-                <a:ea typeface="+mn-ea"/>
-                <a:cs typeface="+mn-cs"/>
-              </a:defRPr>
-            </a:lvl6pPr>
-            <a:lvl7pPr marL="2743200" algn="l" defTabSz="914400" rtl="0" eaLnBrk="1" latinLnBrk="0" hangingPunct="1">
-              <a:defRPr sz="1800" kern="1200">
-                <a:solidFill>
-                  <a:schemeClr val="tx1"/>
-                </a:solidFill>
-                <a:latin typeface="+mn-lt"/>
-                <a:ea typeface="+mn-ea"/>
-                <a:cs typeface="+mn-cs"/>
-              </a:defRPr>
-            </a:lvl7pPr>
-            <a:lvl8pPr marL="3200400" algn="l" defTabSz="914400" rtl="0" eaLnBrk="1" latinLnBrk="0" hangingPunct="1">
-              <a:defRPr sz="1800" kern="1200">
-                <a:solidFill>
-                  <a:schemeClr val="tx1"/>
-                </a:solidFill>
-                <a:latin typeface="+mn-lt"/>
-                <a:ea typeface="+mn-ea"/>
-                <a:cs typeface="+mn-cs"/>
-              </a:defRPr>
-            </a:lvl8pPr>
-            <a:lvl9pPr marL="3657600" algn="l" defTabSz="914400" rtl="0" eaLnBrk="1" latinLnBrk="0" hangingPunct="1">
-              <a:defRPr sz="1800" kern="1200">
-                <a:solidFill>
-                  <a:schemeClr val="tx1"/>
-                </a:solidFill>
-                <a:latin typeface="+mn-lt"/>
-                <a:ea typeface="+mn-ea"/>
-                <a:cs typeface="+mn-cs"/>
-              </a:defRPr>
-            </a:lvl9pPr>
-          </a:lstStyle>
-          <a:p>
-            <a:fld id="{2BF067CD-8E6B-4360-9AA8-C5DF2A48A6D1}" type="slidenum">
-              <a:rPr lang="en-US" smtClean="0"/>
-              <a:pPr/>
-              <a:t>2</a:t>
-            </a:fld>
-            <a:endParaRPr lang="en-US" dirty="0"/>
-          </a:p>
-        </p:txBody>
-      </p:sp>
-      <p:sp>
-        <p:nvSpPr>
-          <p:cNvPr id="444419" name="Slide Body"/>
-          <p:cNvSpPr>
-            <a:spLocks noGrp="1" noChangeArrowheads="1"/>
-          </p:cNvSpPr>
-          <p:nvPr>
-            <p:ph type="body" sz="quarter" idx="13"/>
-          </p:nvPr>
-        </p:nvSpPr>
-        <p:spPr>
-          <a:xfrm>
-            <a:off x="196766" y="1371604"/>
-            <a:ext cx="11781606" cy="5207396"/>
-          </a:xfrm>
-        </p:spPr>
-        <p:txBody>
-          <a:bodyPr/>
-          <a:lstStyle/>
-          <a:p>
-            <a:r>
-              <a:rPr lang="bg-BG" dirty="0" smtClean="0"/>
-              <a:t>͏</a:t>
-            </a:r>
-            <a:r>
-              <a:rPr lang="bg-BG" dirty="0"/>
-              <a:t>͏Форматиране в </a:t>
-            </a:r>
-            <a:r>
-              <a:rPr lang="en-US" dirty="0"/>
-              <a:t>Excel</a:t>
-            </a:r>
-            <a:endParaRPr lang="bg-BG" dirty="0" smtClean="0"/>
-          </a:p>
-          <a:p>
-            <a:r>
-              <a:rPr lang="bg-BG" dirty="0" smtClean="0"/>
-              <a:t>Диаграми</a:t>
-            </a:r>
-          </a:p>
-          <a:p>
-            <a:r>
-              <a:rPr lang="bg-BG" dirty="0" smtClean="0"/>
-              <a:t>Видове </a:t>
-            </a:r>
-            <a:r>
-              <a:rPr lang="bg-BG" dirty="0" smtClean="0"/>
-              <a:t>диаграми</a:t>
-            </a:r>
-          </a:p>
-          <a:p>
-            <a:endParaRPr lang="en-US" dirty="0"/>
-          </a:p>
-        </p:txBody>
-      </p:sp>
-      <p:sp>
-        <p:nvSpPr>
-          <p:cNvPr id="444418" name="Slide Title"/>
-          <p:cNvSpPr>
-            <a:spLocks noGrp="1" noChangeArrowheads="1"/>
-          </p:cNvSpPr>
-          <p:nvPr>
-            <p:ph type="title"/>
-          </p:nvPr>
-        </p:nvSpPr>
-        <p:spPr>
-          <a:xfrm>
-            <a:off x="190406" y="100750"/>
-            <a:ext cx="10270594" cy="882654"/>
-          </a:xfrm>
-        </p:spPr>
-        <p:txBody>
-          <a:bodyPr/>
-          <a:lstStyle/>
-          <a:p>
-            <a:r>
-              <a:rPr lang="bg-BG"/>
-              <a:t>Съдържание</a:t>
-            </a:r>
-            <a:endParaRPr lang="bg-BG" dirty="0"/>
-          </a:p>
-        </p:txBody>
-      </p:sp>
-      <p:pic>
-        <p:nvPicPr>
-          <p:cNvPr id="4" name="Picture 3">
-            <a:extLst>
-              <a:ext uri="{FF2B5EF4-FFF2-40B4-BE49-F238E27FC236}">
-                <a16:creationId xmlns:a16="http://schemas.microsoft.com/office/drawing/2014/main" id="{8835CDFB-0E94-0132-177D-CD4B4F85BF89}"/>
-              </a:ext>
-            </a:extLst>
-          </p:cNvPr>
-          <p:cNvPicPr>
-            <a:picLocks noChangeAspect="1"/>
-          </p:cNvPicPr>
-          <p:nvPr/>
-        </p:nvPicPr>
-        <p:blipFill>
-          <a:blip r:embed="rId3">
-            <a:duotone>
-              <a:prstClr val="black"/>
-              <a:schemeClr val="accent1">
-                <a:tint val="45000"/>
-                <a:satMod val="400000"/>
-              </a:schemeClr>
-            </a:duotone>
-            <a:extLst>
-              <a:ext uri="{BEBA8EAE-BF5A-486C-A8C5-ECC9F3942E4B}">
-                <a14:imgProps xmlns:a14="http://schemas.microsoft.com/office/drawing/2010/main">
-                  <a14:imgLayer r:embed="rId4">
-                    <a14:imgEffect>
-                      <a14:brightnessContrast bright="30000"/>
-                    </a14:imgEffect>
-                  </a14:imgLayer>
-                </a14:imgProps>
-              </a:ext>
-            </a:extLst>
-          </a:blip>
-          <a:stretch>
-            <a:fillRect/>
-          </a:stretch>
-        </p:blipFill>
-        <p:spPr>
-          <a:xfrm>
-            <a:off x="10011000" y="1584000"/>
-            <a:ext cx="1581246" cy="2115000"/>
-          </a:xfrm>
-          <a:prstGeom prst="rect">
-            <a:avLst/>
-          </a:prstGeom>
-        </p:spPr>
-      </p:pic>
-    </p:spTree>
-    <p:extLst>
-      <p:ext uri="{BB962C8B-B14F-4D97-AF65-F5344CB8AC3E}">
-        <p14:creationId xmlns:p14="http://schemas.microsoft.com/office/powerpoint/2010/main" val="1646986932"/>
-      </p:ext>
-    </p:extLst>
-  </p:cSld>
-  <p:clrMapOvr>
-    <a:masterClrMapping/>
-  </p:clrMapOvr>
-  <mc:AlternateContent xmlns:mc="http://schemas.openxmlformats.org/markup-compatibility/2006" xmlns:p14="http://schemas.microsoft.com/office/powerpoint/2010/main">
-    <mc:Choice Requires="p14">
-      <p:transition spd="slow" p14:dur="2000" advClick="0" advTm="5000"/>
-    </mc:Choice>
-    <mc:Fallback xmlns="">
-      <p:transition spd="slow" advClick="0" advTm="5000"/>
-    </mc:Fallback>
-  </mc:AlternateContent>
-  <p:timing>
-    <p:tnLst>
-      <p:par>
-        <p:cTn id="1" dur="indefinite" restart="never" nodeType="tmRoot">
-          <p:childTnLst>
-            <p:seq concurrent="1" nextAc="seek">
-              <p:cTn id="2" dur="indefinite" nodeType="mainSeq">
-                <p:childTnLst>
-                  <p:par>
-                    <p:cTn id="3" fill="hold">
-                      <p:stCondLst>
-                        <p:cond delay="indefinite"/>
-                      </p:stCondLst>
-                      <p:childTnLst>
-                        <p:par>
-                          <p:cTn id="4" fill="hold">
-                            <p:stCondLst>
-                              <p:cond delay="0"/>
-                            </p:stCondLst>
-                            <p:childTnLst>
-                              <p:par>
-                                <p:cTn id="5" presetID="1" presetClass="entr" presetSubtype="0" fill="hold" nodeType="clickEffect">
-                                  <p:stCondLst>
-                                    <p:cond delay="0"/>
-                                  </p:stCondLst>
-                                  <p:childTnLst>
-                                    <p:set>
-                                      <p:cBhvr>
-                                        <p:cTn id="6" dur="1" fill="hold">
-                                          <p:stCondLst>
-                                            <p:cond delay="0"/>
-                                          </p:stCondLst>
-                                        </p:cTn>
-                                        <p:tgtEl>
-                                          <p:spTgt spid="444419">
-                                            <p:txEl>
-                                              <p:pRg st="1" end="1"/>
-                                            </p:txEl>
-                                          </p:spTgt>
-                                        </p:tgtEl>
-                                        <p:attrNameLst>
-                                          <p:attrName>style.visibility</p:attrName>
-                                        </p:attrNameLst>
-                                      </p:cBhvr>
-                                      <p:to>
-                                        <p:strVal val="visible"/>
-                                      </p:to>
-                                    </p:set>
-                                  </p:childTnLst>
-                                </p:cTn>
-                              </p:par>
-                            </p:childTnLst>
-                          </p:cTn>
-                        </p:par>
-                      </p:childTnLst>
-                    </p:cTn>
-                  </p:par>
-                  <p:par>
-                    <p:cTn id="7" fill="hold">
-                      <p:stCondLst>
-                        <p:cond delay="indefinite"/>
-                      </p:stCondLst>
-                      <p:childTnLst>
-                        <p:par>
-                          <p:cTn id="8" fill="hold">
-                            <p:stCondLst>
-                              <p:cond delay="0"/>
-                            </p:stCondLst>
-                            <p:childTnLst>
-                              <p:par>
-                                <p:cTn id="9" presetID="1" presetClass="entr" presetSubtype="0" fill="hold" nodeType="clickEffect">
-                                  <p:stCondLst>
-                                    <p:cond delay="0"/>
-                                  </p:stCondLst>
-                                  <p:childTnLst>
-                                    <p:set>
-                                      <p:cBhvr>
-                                        <p:cTn id="10" dur="1" fill="hold">
-                                          <p:stCondLst>
-                                            <p:cond delay="0"/>
-                                          </p:stCondLst>
-                                        </p:cTn>
-                                        <p:tgtEl>
-                                          <p:spTgt spid="444419">
-                                            <p:txEl>
-                                              <p:pRg st="2" end="2"/>
-                                            </p:txEl>
-                                          </p:spTgt>
-                                        </p:tgtEl>
-                                        <p:attrNameLst>
-                                          <p:attrName>style.visibility</p:attrName>
-                                        </p:attrNameLst>
-                                      </p:cBhvr>
-                                      <p:to>
-                                        <p:strVal val="visible"/>
-                                      </p:to>
-                                    </p:set>
-                                  </p:childTnLst>
-                                </p:cTn>
-                              </p:par>
-                            </p:childTnLst>
-                          </p:cTn>
-                        </p:par>
-                      </p:childTnLst>
-                    </p:cTn>
-                  </p:par>
-                </p:childTnLst>
-              </p:cTn>
-              <p:prevCondLst>
-                <p:cond evt="onPrev" delay="0">
-                  <p:tgtEl>
-                    <p:sldTgt/>
-                  </p:tgtEl>
-                </p:cond>
-              </p:prevCondLst>
-              <p:nextCondLst>
-                <p:cond evt="onNext" delay="0">
-                  <p:tgtEl>
-                    <p:sldTgt/>
-                  </p:tgtEl>
-                </p:cond>
-              </p:nextCondLst>
-            </p:seq>
-          </p:childTnLst>
-        </p:cTn>
-      </p:par>
-    </p:tnLst>
-  </p:timing>
-</p:sld>
-</file>
-
-<file path=ppt/slides/slide20.xml><?xml version="1.0" encoding="utf-8"?>
+<file path=ppt/slides/slide23.xml><?xml version="1.0" encoding="utf-8"?>
 <p:sld xmlns:a="http://schemas.openxmlformats.org/drawingml/2006/main" xmlns:r="http://schemas.openxmlformats.org/officeDocument/2006/relationships" xmlns:p="http://schemas.openxmlformats.org/presentationml/2006/main">
   <p:cSld>
     <p:spTree>
@@ -14446,7 +15409,7 @@
             <a:fld id="{2BF067CD-8E6B-4360-9AA8-C5DF2A48A6D1}" type="slidenum">
               <a:rPr lang="en-US" smtClean="0"/>
               <a:pPr/>
-              <a:t>20</a:t>
+              <a:t>23</a:t>
             </a:fld>
             <a:endParaRPr lang="en-US" dirty="0"/>
           </a:p>
@@ -15002,15 +15965,7 @@
             </a:r>
             <a:r>
               <a:rPr lang="bg-BG" dirty="0" smtClean="0"/>
-              <a:t>, също </a:t>
-            </a:r>
-            <a:r>
-              <a:rPr lang="bg-BG" dirty="0" smtClean="0"/>
-              <a:t>както и </a:t>
-            </a:r>
-            <a:r>
-              <a:rPr lang="bg-BG" dirty="0" smtClean="0"/>
-              <a:t>при </a:t>
+              <a:t>, също както и при </a:t>
             </a:r>
             <a:r>
               <a:rPr lang="en-US" dirty="0" smtClean="0"/>
